--- a/Photon Server/Assets/PPT Data/Photon Lobby.pptx
+++ b/Photon Server/Assets/PPT Data/Photon Lobby.pptx
@@ -2,23 +2,23 @@
 <file path=ppt/presentation.xml><?xml version="1.0" encoding="utf-8"?>
 <p:presentation xmlns:a="http://schemas.openxmlformats.org/drawingml/2006/main" xmlns:r="http://schemas.openxmlformats.org/officeDocument/2006/relationships" xmlns:p="http://schemas.openxmlformats.org/presentationml/2006/main" xmlns:p14="http://schemas.microsoft.com/office/powerpoint/2010/main" saveSubsetFonts="1" firstSlideNum="0">
   <p:sldMasterIdLst>
-    <p:sldMasterId id="2147487046" r:id="rId12"/>
+    <p:sldMasterId id="2147487069" r:id="rId12"/>
   </p:sldMasterIdLst>
   <p:notesMasterIdLst>
     <p:notesMasterId r:id="rId14"/>
   </p:notesMasterIdLst>
   <p:sldIdLst>
     <p:sldId id="311" r:id="rId16"/>
-    <p:sldId id="318" r:id="rId18"/>
-    <p:sldId id="335" r:id="rId20"/>
-    <p:sldId id="305" r:id="rId22"/>
-    <p:sldId id="300" r:id="rId24"/>
-    <p:sldId id="325" r:id="rId26"/>
+    <p:sldId id="341" r:id="rId18"/>
+    <p:sldId id="318" r:id="rId20"/>
+    <p:sldId id="335" r:id="rId22"/>
+    <p:sldId id="305" r:id="rId24"/>
+    <p:sldId id="300" r:id="rId26"/>
     <p:sldId id="340" r:id="rId28"/>
     <p:sldId id="336" r:id="rId29"/>
     <p:sldId id="337" r:id="rId30"/>
-    <p:sldId id="338" r:id="rId32"/>
-    <p:sldId id="339" r:id="rId33"/>
+    <p:sldId id="338" r:id="rId31"/>
+    <p:sldId id="339" r:id="rId32"/>
   </p:sldIdLst>
   <p:sldSz cx="12192000" cy="6858000"/>
   <p:notesSz cx="6858000" cy="9144000"/>
@@ -933,7 +933,7 @@
         <p:spPr>
           <a:xfrm rot="0">
             <a:off x="685800" y="1143000"/>
-            <a:ext cx="5490845" cy="3090545"/>
+            <a:ext cx="5492750" cy="3092450"/>
           </a:xfrm>
           <a:prstGeom prst="rect"/>
           <a:noFill/>
@@ -972,7 +972,7 @@
         <p:spPr>
           <a:xfrm rot="0">
             <a:off x="685800" y="4400550"/>
-            <a:ext cx="5490845" cy="3604895"/>
+            <a:ext cx="5492750" cy="3606800"/>
           </a:xfrm>
           <a:prstGeom prst="rect"/>
         </p:spPr>
@@ -1002,7 +1002,7 @@
         <p:spPr>
           <a:xfrm rot="0">
             <a:off x="3884930" y="8685530"/>
-            <a:ext cx="2976245" cy="462915"/>
+            <a:ext cx="2978150" cy="464820"/>
           </a:xfrm>
           <a:prstGeom prst="rect"/>
         </p:spPr>
@@ -1075,7 +1075,7 @@
         <p:spPr>
           <a:xfrm rot="0">
             <a:off x="685800" y="1143000"/>
-            <a:ext cx="5491480" cy="3091180"/>
+            <a:ext cx="5490845" cy="3090545"/>
           </a:xfrm>
           <a:prstGeom prst="rect"/>
           <a:noFill/>
@@ -1114,7 +1114,7 @@
         <p:spPr>
           <a:xfrm rot="0">
             <a:off x="685800" y="4400550"/>
-            <a:ext cx="5491480" cy="3605530"/>
+            <a:ext cx="5490845" cy="3604895"/>
           </a:xfrm>
           <a:prstGeom prst="rect"/>
         </p:spPr>
@@ -1144,7 +1144,7 @@
         <p:spPr>
           <a:xfrm rot="0">
             <a:off x="3884930" y="8685530"/>
-            <a:ext cx="2976880" cy="463550"/>
+            <a:ext cx="2976245" cy="462915"/>
           </a:xfrm>
           <a:prstGeom prst="rect"/>
         </p:spPr>
@@ -1217,7 +1217,7 @@
         <p:spPr>
           <a:xfrm rot="0">
             <a:off x="685800" y="1143000"/>
-            <a:ext cx="5490845" cy="3090545"/>
+            <a:ext cx="5491480" cy="3091180"/>
           </a:xfrm>
           <a:prstGeom prst="rect"/>
           <a:noFill/>
@@ -1256,7 +1256,7 @@
         <p:spPr>
           <a:xfrm rot="0">
             <a:off x="685800" y="4400550"/>
-            <a:ext cx="5490845" cy="3604895"/>
+            <a:ext cx="5491480" cy="3605530"/>
           </a:xfrm>
           <a:prstGeom prst="rect"/>
         </p:spPr>
@@ -1286,7 +1286,7 @@
         <p:spPr>
           <a:xfrm rot="0">
             <a:off x="3884930" y="8685530"/>
-            <a:ext cx="2976245" cy="462915"/>
+            <a:ext cx="2976880" cy="463550"/>
           </a:xfrm>
           <a:prstGeom prst="rect"/>
         </p:spPr>
@@ -1501,7 +1501,7 @@
         <p:spPr>
           <a:xfrm rot="0">
             <a:off x="685800" y="1143000"/>
-            <a:ext cx="5492750" cy="3092450"/>
+            <a:ext cx="5490845" cy="3090545"/>
           </a:xfrm>
           <a:prstGeom prst="rect"/>
           <a:noFill/>
@@ -1540,7 +1540,7 @@
         <p:spPr>
           <a:xfrm rot="0">
             <a:off x="685800" y="4400550"/>
-            <a:ext cx="5492750" cy="3606800"/>
+            <a:ext cx="5490845" cy="3604895"/>
           </a:xfrm>
           <a:prstGeom prst="rect"/>
         </p:spPr>
@@ -1570,7 +1570,7 @@
         <p:spPr>
           <a:xfrm rot="0">
             <a:off x="3884930" y="8685530"/>
-            <a:ext cx="2978150" cy="464820"/>
+            <a:ext cx="2976245" cy="462915"/>
           </a:xfrm>
           <a:prstGeom prst="rect"/>
         </p:spPr>
@@ -7008,9 +7008,9 @@
           <p:nvPr/>
         </p:nvSpPr>
         <p:spPr>
-          <a:xfrm rot="0">
+          <a:xfrm>
             <a:off x="1232535" y="5281295"/>
-            <a:ext cx="4144010" cy="955040"/>
+            <a:ext cx="4144645" cy="954405"/>
           </a:xfrm>
           <a:prstGeom prst="rect"/>
           <a:noFill/>
@@ -7068,28 +7068,84 @@
                 <a:latin typeface="맑은 고딕" charset="0"/>
                 <a:ea typeface="맑은 고딕" charset="0"/>
               </a:rPr>
-              <a:t>UI에서 Image를 생성한 </a:t>
-            </a:r>
-            <a:r>
-              <a:rPr lang="ko-KR" sz="1800">
-                <a:latin typeface="맑은 고딕" charset="0"/>
-                <a:ea typeface="맑은 고딕" charset="0"/>
-              </a:rPr>
-              <a:t>다음</a:t>
-            </a:r>
-            <a:r>
-              <a:rPr lang="ko-KR" sz="1800">
-                <a:latin typeface="맑은 고딕" charset="0"/>
-                <a:ea typeface="맑은 고딕" charset="0"/>
-              </a:rPr>
-              <a:t> Back Ground라는 이름으로 </a:t>
-            </a:r>
-            <a:r>
-              <a:rPr lang="ko-KR" sz="1800">
-                <a:latin typeface="맑은 고딕" charset="0"/>
-                <a:ea typeface="맑은 고딕" charset="0"/>
-              </a:rPr>
-              <a:t>정의합니다.</a:t>
+              <a:t>UI에서</a:t>
+            </a:r>
+            <a:r>
+              <a:rPr lang="ko-KR" sz="1800">
+                <a:latin typeface="맑은 고딕" charset="0"/>
+                <a:ea typeface="맑은 고딕" charset="0"/>
+              </a:rPr>
+              <a:t> </a:t>
+            </a:r>
+            <a:r>
+              <a:rPr lang="ko-KR" sz="1800">
+                <a:latin typeface="맑은 고딕" charset="0"/>
+                <a:ea typeface="맑은 고딕" charset="0"/>
+              </a:rPr>
+              <a:t>C</a:t>
+            </a:r>
+            <a:r>
+              <a:rPr lang="ko-KR" sz="1800">
+                <a:latin typeface="맑은 고딕" charset="0"/>
+                <a:ea typeface="맑은 고딕" charset="0"/>
+              </a:rPr>
+              <a:t>anvas</a:t>
+            </a:r>
+            <a:r>
+              <a:rPr lang="ko-KR" sz="1800">
+                <a:latin typeface="맑은 고딕" charset="0"/>
+                <a:ea typeface="맑은 고딕" charset="0"/>
+              </a:rPr>
+              <a:t>를</a:t>
+            </a:r>
+            <a:r>
+              <a:rPr lang="ko-KR" sz="1800">
+                <a:latin typeface="맑은 고딕" charset="0"/>
+                <a:ea typeface="맑은 고딕" charset="0"/>
+              </a:rPr>
+              <a:t> </a:t>
+            </a:r>
+            <a:r>
+              <a:rPr lang="ko-KR" sz="1800">
+                <a:latin typeface="맑은 고딕" charset="0"/>
+                <a:ea typeface="맑은 고딕" charset="0"/>
+              </a:rPr>
+              <a:t>생성한</a:t>
+            </a:r>
+            <a:r>
+              <a:rPr lang="ko-KR" sz="1800">
+                <a:latin typeface="맑은 고딕" charset="0"/>
+                <a:ea typeface="맑은 고딕" charset="0"/>
+              </a:rPr>
+              <a:t> </a:t>
+            </a:r>
+            <a:r>
+              <a:rPr lang="ko-KR" sz="1800">
+                <a:latin typeface="맑은 고딕" charset="0"/>
+                <a:ea typeface="맑은 고딕" charset="0"/>
+              </a:rPr>
+              <a:t>다음 </a:t>
+            </a:r>
+            <a:r>
+              <a:rPr lang="ko-KR" sz="1800">
+                <a:latin typeface="맑은 고딕" charset="0"/>
+                <a:ea typeface="맑은 고딕" charset="0"/>
+              </a:rPr>
+              <a:t>C</a:t>
+            </a:r>
+            <a:r>
+              <a:rPr lang="ko-KR" sz="1800">
+                <a:latin typeface="맑은 고딕" charset="0"/>
+                <a:ea typeface="맑은 고딕" charset="0"/>
+              </a:rPr>
+              <a:t>anvas Lobby</a:t>
+            </a:r>
+            <a:r>
+              <a:rPr lang="ko-KR" sz="1800">
+                <a:latin typeface="맑은 고딕" charset="0"/>
+                <a:ea typeface="맑은 고딕" charset="0"/>
+              </a:rPr>
+              <a:t>라는 이름으로 정의합니다.</a:t>
             </a:r>
             <a:endParaRPr lang="ko-KR" altLang="en-US" sz="1800">
               <a:latin typeface="맑은 고딕" charset="0"/>
@@ -7100,14 +7156,76 @@
       </p:sp>
       <p:pic>
         <p:nvPicPr>
-          <p:cNvPr id="31" name="그림 2"/>
+          <p:cNvPr id="38" name="그림 1" descr="C:/Users/nwond/AppData/Roaming/PolarisOffice/ETemp/27104_13584496/fImage2623925541.png"/>
           <p:cNvPicPr>
             <a:picLocks noChangeAspect="1"/>
           </p:cNvPicPr>
           <p:nvPr/>
         </p:nvPicPr>
         <p:blipFill rotWithShape="1">
-          <a:blip r:embed="rId11" cstate="hqprint">
+          <a:blip r:embed="rId18" cstate="print">
+            <a:extLst>
+              <a:ext uri="{28A0092B-C50C-407E-A947-70E740481C1C}">
+                <a14:useLocalDpi xmlns:a14="http://schemas.microsoft.com/office/drawing/2010/main" val="0"/>
+              </a:ext>
+            </a:extLst>
+          </a:blip>
+          <a:stretch>
+            <a:fillRect/>
+          </a:stretch>
+        </p:blipFill>
+        <p:spPr>
+          <a:xfrm rot="0">
+            <a:off x="1236345" y="1480185"/>
+            <a:ext cx="2733040" cy="3591560"/>
+          </a:xfrm>
+          <a:prstGeom prst="roundRect"/>
+          <a:solidFill>
+            <a:srgbClr val="EDEDED"/>
+          </a:solidFill>
+        </p:spPr>
+      </p:pic>
+      <p:pic>
+        <p:nvPicPr>
+          <p:cNvPr id="39" name="그림 5" descr="C:/Users/nwond/AppData/Roaming/PolarisOffice/ETemp/27104_13584496/fImage49902578467.png"/>
+          <p:cNvPicPr>
+            <a:picLocks noChangeAspect="1"/>
+          </p:cNvPicPr>
+          <p:nvPr/>
+        </p:nvPicPr>
+        <p:blipFill rotWithShape="1">
+          <a:blip r:embed="rId19" cstate="print">
+            <a:extLst>
+              <a:ext uri="{28A0092B-C50C-407E-A947-70E740481C1C}">
+                <a14:useLocalDpi xmlns:a14="http://schemas.microsoft.com/office/drawing/2010/main" val="0"/>
+              </a:ext>
+            </a:extLst>
+          </a:blip>
+          <a:stretch>
+            <a:fillRect/>
+          </a:stretch>
+        </p:blipFill>
+        <p:spPr>
+          <a:xfrm rot="0">
+            <a:off x="4102735" y="2614930"/>
+            <a:ext cx="1276350" cy="1315720"/>
+          </a:xfrm>
+          <a:prstGeom prst="roundRect"/>
+          <a:solidFill>
+            <a:srgbClr val="EDEDED"/>
+          </a:solidFill>
+        </p:spPr>
+      </p:pic>
+      <p:pic>
+        <p:nvPicPr>
+          <p:cNvPr id="40" name="그림 8" descr="C:/Users/nwond/AppData/Roaming/PolarisOffice/ETemp/27104_13584496/fImage23042716500.png"/>
+          <p:cNvPicPr>
+            <a:picLocks noChangeAspect="1"/>
+          </p:cNvPicPr>
+          <p:nvPr/>
+        </p:nvPicPr>
+        <p:blipFill rotWithShape="1">
+          <a:blip r:embed="rId20" cstate="hqprint">
             <a:extLst>
               <a:ext uri="{28A0092B-C50C-407E-A947-70E740481C1C}">
                 <a14:useLocalDpi xmlns:a14="http://schemas.microsoft.com/office/drawing/2010/main"/>
@@ -7120,8 +7238,8 @@
         </p:blipFill>
         <p:spPr>
           <a:xfrm rot="0">
-            <a:off x="1231900" y="1472565"/>
-            <a:ext cx="2687955" cy="3624580"/>
+            <a:off x="10001250" y="2781935"/>
+            <a:ext cx="962660" cy="1100455"/>
           </a:xfrm>
           <a:prstGeom prst="roundRect"/>
           <a:solidFill>
@@ -7129,16 +7247,122 @@
           </a:solidFill>
         </p:spPr>
       </p:pic>
+      <p:sp>
+        <p:nvSpPr>
+          <p:cNvPr id="41" name="텍스트 상자 9"/>
+          <p:cNvSpPr txBox="1">
+            <a:spLocks/>
+          </p:cNvSpPr>
+          <p:nvPr/>
+        </p:nvSpPr>
+        <p:spPr>
+          <a:xfrm rot="0">
+            <a:off x="6824980" y="5278755"/>
+            <a:ext cx="4137025" cy="954405"/>
+          </a:xfrm>
+          <a:prstGeom prst="rect"/>
+          <a:noFill/>
+          <a:ln w="0">
+            <a:noFill/>
+            <a:prstDash/>
+          </a:ln>
+        </p:spPr>
+        <p:txBody>
+          <a:bodyPr wrap="square" lIns="89535" tIns="46355" rIns="89535" bIns="46355" numCol="1" vert="horz" anchor="t">
+            <a:spAutoFit/>
+          </a:bodyPr>
+          <a:lstStyle/>
+          <a:p>
+            <a:pPr marL="0" indent="0" rtl="0" algn="l" defTabSz="914400" eaLnBrk="1" latinLnBrk="0" hangingPunct="1">
+              <a:buFontTx/>
+              <a:buNone/>
+            </a:pPr>
+            <a:r>
+              <a:rPr sz="2000" b="1">
+                <a:solidFill>
+                  <a:srgbClr val="0611F2"/>
+                </a:solidFill>
+                <a:latin typeface="맑은 고딕" charset="0"/>
+                <a:ea typeface="맑은 고딕" charset="0"/>
+              </a:rPr>
+              <a:t>2</a:t>
+            </a:r>
+            <a:r>
+              <a:rPr sz="2000" b="1">
+                <a:solidFill>
+                  <a:srgbClr val="0611F2"/>
+                </a:solidFill>
+                <a:latin typeface="맑은 고딕" charset="0"/>
+                <a:ea typeface="맑은 고딕" charset="0"/>
+              </a:rPr>
+              <a:t>. </a:t>
+            </a:r>
+            <a:r>
+              <a:rPr sz="1800">
+                <a:latin typeface="맑은 고딕" charset="0"/>
+                <a:ea typeface="맑은 고딕" charset="0"/>
+              </a:rPr>
+              <a:t>이제</a:t>
+            </a:r>
+            <a:r>
+              <a:rPr sz="1800">
+                <a:latin typeface="맑은 고딕" charset="0"/>
+                <a:ea typeface="맑은 고딕" charset="0"/>
+              </a:rPr>
+              <a:t> C# Script를 생성</a:t>
+            </a:r>
+            <a:r>
+              <a:rPr sz="1800">
+                <a:latin typeface="맑은 고딕" charset="0"/>
+                <a:ea typeface="맑은 고딕" charset="0"/>
+              </a:rPr>
+              <a:t>한 </a:t>
+            </a:r>
+            <a:r>
+              <a:rPr sz="1800">
+                <a:latin typeface="맑은 고딕" charset="0"/>
+                <a:ea typeface="맑은 고딕" charset="0"/>
+              </a:rPr>
+              <a:t>다음</a:t>
+            </a:r>
+            <a:r>
+              <a:rPr sz="1800">
+                <a:latin typeface="맑은 고딕" charset="0"/>
+                <a:ea typeface="맑은 고딕" charset="0"/>
+              </a:rPr>
+              <a:t> </a:t>
+            </a:r>
+            <a:r>
+              <a:rPr lang="ko-KR" sz="1800">
+                <a:latin typeface="맑은 고딕" charset="0"/>
+                <a:ea typeface="맑은 고딕" charset="0"/>
+              </a:rPr>
+              <a:t>ConnectServer</a:t>
+            </a:r>
+            <a:r>
+              <a:rPr sz="1800">
+                <a:latin typeface="맑은 고딕" charset="0"/>
+                <a:ea typeface="맑은 고딕" charset="0"/>
+              </a:rPr>
+              <a:t>라는 이름으로 정의합니다.</a:t>
+            </a:r>
+            <a:endParaRPr lang="ko-KR" altLang="en-US" sz="1800">
+              <a:latin typeface="맑은 고딕" charset="0"/>
+              <a:ea typeface="맑은 고딕" charset="0"/>
+            </a:endParaRPr>
+          </a:p>
+        </p:txBody>
+      </p:sp>
       <p:pic>
         <p:nvPicPr>
-          <p:cNvPr id="32" name="그림 1"/>
+          <p:cNvPr id="42" name="그림 10" descr="C:/Users/nwond/AppData/Roaming/PolarisOffice/ETemp/27104_13584496/fImage82892171478.png"/>
           <p:cNvPicPr>
             <a:picLocks noChangeAspect="1"/>
           </p:cNvPicPr>
           <p:nvPr/>
         </p:nvPicPr>
         <p:blipFill rotWithShape="1">
-          <a:blip r:embed="rId13" cstate="hqprint">
+          <a:blip r:embed="rId21" cstate="hqprint">
             <a:extLst>
               <a:ext uri="{28A0092B-C50C-407E-A947-70E740481C1C}">
                 <a14:useLocalDpi xmlns:a14="http://schemas.microsoft.com/office/drawing/2010/main"/>
@@ -7151,8 +7375,8 @@
         </p:blipFill>
         <p:spPr>
           <a:xfrm rot="0">
-            <a:off x="4065905" y="2442845"/>
-            <a:ext cx="1310640" cy="1671955"/>
+            <a:off x="6878955" y="1478280"/>
+            <a:ext cx="2832735" cy="3593465"/>
           </a:xfrm>
           <a:prstGeom prst="roundRect"/>
           <a:solidFill>
@@ -7160,174 +7384,19 @@
           </a:solidFill>
         </p:spPr>
       </p:pic>
-      <p:sp>
-        <p:nvSpPr>
-          <p:cNvPr id="35" name="텍스트 상자 10"/>
-          <p:cNvSpPr txBox="1">
-            <a:spLocks/>
-          </p:cNvSpPr>
-          <p:nvPr/>
-        </p:nvSpPr>
-        <p:spPr>
-          <a:xfrm rot="0">
-            <a:off x="6816725" y="5275580"/>
-            <a:ext cx="4140835" cy="954405"/>
-          </a:xfrm>
-          <a:prstGeom prst="rect"/>
-          <a:noFill/>
-          <a:ln w="0">
-            <a:noFill/>
-            <a:prstDash/>
-          </a:ln>
-        </p:spPr>
-        <p:txBody>
-          <a:bodyPr wrap="square" lIns="89535" tIns="46355" rIns="89535" bIns="46355" numCol="1" vert="horz" anchor="t">
-            <a:spAutoFit/>
-          </a:bodyPr>
-          <a:lstStyle/>
-          <a:p>
-            <a:pPr marL="0" indent="0" rtl="0" algn="l" defTabSz="914400" eaLnBrk="1" latinLnBrk="0" hangingPunct="1">
-              <a:buFontTx/>
-              <a:buNone/>
-            </a:pPr>
-            <a:r>
-              <a:rPr sz="2000" b="1">
-                <a:solidFill>
-                  <a:srgbClr val="0611F2"/>
-                </a:solidFill>
-                <a:latin typeface="맑은 고딕" charset="0"/>
-                <a:ea typeface="맑은 고딕" charset="0"/>
-              </a:rPr>
-              <a:t>2.</a:t>
-            </a:r>
-            <a:r>
-              <a:rPr sz="2000" b="1">
-                <a:solidFill>
-                  <a:srgbClr val="0611F2"/>
-                </a:solidFill>
-                <a:latin typeface="맑은 고딕" charset="0"/>
-                <a:ea typeface="맑은 고딕" charset="0"/>
-              </a:rPr>
-              <a:t> </a:t>
-            </a:r>
-            <a:r>
-              <a:rPr sz="1800">
-                <a:latin typeface="맑은 고딕" charset="0"/>
-                <a:ea typeface="맑은 고딕" charset="0"/>
-              </a:rPr>
-              <a:t>이제 </a:t>
-            </a:r>
-            <a:r>
-              <a:rPr lang="ko-KR" sz="1800">
-                <a:latin typeface="맑은 고딕" charset="0"/>
-                <a:ea typeface="맑은 고딕" charset="0"/>
-              </a:rPr>
-              <a:t>UI에서 Button - </a:t>
-            </a:r>
-            <a:r>
-              <a:rPr lang="ko-KR" sz="1800">
-                <a:latin typeface="맑은 고딕" charset="0"/>
-                <a:ea typeface="맑은 고딕" charset="0"/>
-              </a:rPr>
-              <a:t>TextMeshPro을</a:t>
-            </a:r>
-            <a:r>
-              <a:rPr lang="ko-KR" sz="1800">
-                <a:latin typeface="맑은 고딕" charset="0"/>
-                <a:ea typeface="맑은 고딕" charset="0"/>
-              </a:rPr>
-              <a:t> </a:t>
-            </a:r>
-            <a:r>
-              <a:rPr lang="ko-KR" sz="1800">
-                <a:latin typeface="맑은 고딕" charset="0"/>
-                <a:ea typeface="맑은 고딕" charset="0"/>
-              </a:rPr>
-              <a:t>생성한 다음</a:t>
-            </a:r>
-            <a:r>
-              <a:rPr lang="ko-KR" sz="1800">
-                <a:latin typeface="맑은 고딕" charset="0"/>
-                <a:ea typeface="맑은 고딕" charset="0"/>
-              </a:rPr>
-              <a:t> </a:t>
-            </a:r>
-            <a:r>
-              <a:rPr lang="ko-KR" sz="1800">
-                <a:latin typeface="맑은 고딕" charset="0"/>
-                <a:ea typeface="맑은 고딕" charset="0"/>
-              </a:rPr>
-              <a:t>Co</a:t>
-            </a:r>
-            <a:r>
-              <a:rPr lang="ko-KR" sz="1800">
-                <a:latin typeface="맑은 고딕" charset="0"/>
-                <a:ea typeface="맑은 고딕" charset="0"/>
-              </a:rPr>
-              <a:t>nnect </a:t>
-            </a:r>
-            <a:r>
-              <a:rPr lang="ko-KR" sz="1800">
-                <a:latin typeface="맑은 고딕" charset="0"/>
-                <a:ea typeface="맑은 고딕" charset="0"/>
-              </a:rPr>
-              <a:t>Button이</a:t>
-            </a:r>
-            <a:r>
-              <a:rPr lang="ko-KR" sz="1800">
-                <a:latin typeface="맑은 고딕" charset="0"/>
-                <a:ea typeface="맑은 고딕" charset="0"/>
-              </a:rPr>
-              <a:t>라는</a:t>
-            </a:r>
-            <a:r>
-              <a:rPr lang="ko-KR" sz="1800">
-                <a:latin typeface="맑은 고딕" charset="0"/>
-                <a:ea typeface="맑은 고딕" charset="0"/>
-              </a:rPr>
-              <a:t> </a:t>
-            </a:r>
-            <a:r>
-              <a:rPr lang="ko-KR" sz="1800">
-                <a:latin typeface="맑은 고딕" charset="0"/>
-                <a:ea typeface="맑은 고딕" charset="0"/>
-              </a:rPr>
-              <a:t>이름으로</a:t>
-            </a:r>
-            <a:r>
-              <a:rPr lang="ko-KR" sz="1800">
-                <a:latin typeface="맑은 고딕" charset="0"/>
-                <a:ea typeface="맑은 고딕" charset="0"/>
-              </a:rPr>
-              <a:t> </a:t>
-            </a:r>
-            <a:r>
-              <a:rPr lang="ko-KR" sz="1800">
-                <a:latin typeface="맑은 고딕" charset="0"/>
-                <a:ea typeface="맑은 고딕" charset="0"/>
-              </a:rPr>
-              <a:t>정의합니다.</a:t>
-            </a:r>
-            <a:endParaRPr lang="ko-KR" altLang="en-US" sz="1800">
-              <a:latin typeface="맑은 고딕" charset="0"/>
-              <a:ea typeface="맑은 고딕" charset="0"/>
-            </a:endParaRPr>
-          </a:p>
-        </p:txBody>
-      </p:sp>
       <p:pic>
         <p:nvPicPr>
-          <p:cNvPr id="36" name="그림 1"/>
+          <p:cNvPr id="43" name="그림 11" descr="C:/Users/nwond/AppData/Roaming/PolarisOffice/ETemp/27104_13584496/fImage2242172209358.png"/>
           <p:cNvPicPr>
             <a:picLocks noChangeAspect="1"/>
           </p:cNvPicPr>
           <p:nvPr/>
         </p:nvPicPr>
         <p:blipFill rotWithShape="1">
-          <a:blip r:embed="rId16" cstate="print">
+          <a:blip r:embed="rId22" cstate="hqprint">
             <a:extLst>
               <a:ext uri="{28A0092B-C50C-407E-A947-70E740481C1C}">
-                <a14:useLocalDpi xmlns:a14="http://schemas.microsoft.com/office/drawing/2010/main" val="0"/>
+                <a14:useLocalDpi xmlns:a14="http://schemas.microsoft.com/office/drawing/2010/main"/>
               </a:ext>
             </a:extLst>
           </a:blip>
@@ -7337,44 +7406,11 @@
         </p:blipFill>
         <p:spPr>
           <a:xfrm rot="0">
-            <a:off x="6809105" y="1464310"/>
-            <a:ext cx="2732405" cy="3623945"/>
-          </a:xfrm>
-          <a:prstGeom prst="roundRect"/>
-          <a:solidFill>
-            <a:srgbClr val="EDEDED"/>
-          </a:solidFill>
-        </p:spPr>
-      </p:pic>
-      <p:pic>
-        <p:nvPicPr>
-          <p:cNvPr id="37" name="그림 14"/>
-          <p:cNvPicPr>
-            <a:picLocks noChangeAspect="1"/>
-          </p:cNvPicPr>
-          <p:nvPr/>
-        </p:nvPicPr>
-        <p:blipFill rotWithShape="1">
-          <a:blip r:embed="rId17" cstate="print">
-            <a:extLst>
-              <a:ext uri="{28A0092B-C50C-407E-A947-70E740481C1C}">
-                <a14:useLocalDpi xmlns:a14="http://schemas.microsoft.com/office/drawing/2010/main" val="0"/>
-              </a:ext>
-            </a:extLst>
-          </a:blip>
-          <a:stretch>
-            <a:fillRect/>
-          </a:stretch>
-        </p:blipFill>
-        <p:spPr>
-          <a:xfrm rot="0">
-            <a:off x="9683750" y="2421890"/>
-            <a:ext cx="1270635" cy="1722755"/>
-          </a:xfrm>
-          <a:prstGeom prst="roundRect"/>
-          <a:solidFill>
-            <a:srgbClr val="EDEDED"/>
-          </a:solidFill>
+            <a:off x="9163685" y="3067050"/>
+            <a:ext cx="1158240" cy="553720"/>
+          </a:xfrm>
+          <a:prstGeom prst="rect"/>
+          <a:noFill/>
         </p:spPr>
       </p:pic>
     </p:spTree>
@@ -7479,7 +7515,7 @@
       </p:sp>
       <p:sp>
         <p:nvSpPr>
-          <p:cNvPr id="1153" name="Rect 0"/>
+          <p:cNvPr id="1157" name="Rect 0"/>
           <p:cNvSpPr txBox="1">
             <a:spLocks/>
           </p:cNvSpPr>
@@ -7487,8 +7523,8 @@
         </p:nvSpPr>
         <p:spPr>
           <a:xfrm rot="0">
-            <a:off x="1231900" y="5217795"/>
-            <a:ext cx="4153535" cy="954405"/>
+            <a:off x="6831330" y="5487035"/>
+            <a:ext cx="4117340" cy="677545"/>
           </a:xfrm>
           <a:prstGeom prst="rect"/>
           <a:noFill/>
@@ -7515,7 +7551,7 @@
                 <a:latin typeface="맑은 고딕" charset="0"/>
                 <a:ea typeface="맑은 고딕" charset="0"/>
               </a:rPr>
-              <a:t>26</a:t>
+              <a:t>28</a:t>
             </a:r>
             <a:r>
               <a:rPr sz="2000" b="1">
@@ -7542,14 +7578,14 @@
                 <a:latin typeface="맑은 고딕" charset="0"/>
                 <a:ea typeface="맑은 고딕" charset="0"/>
               </a:rPr>
-              <a:t>이제 Connect Button 오브젝트의 </a:t>
-            </a:r>
-            <a:r>
-              <a:rPr lang="ko-KR" sz="1800">
-                <a:latin typeface="맑은 고딕" charset="0"/>
-                <a:ea typeface="맑은 고딕" charset="0"/>
-              </a:rPr>
-              <a:t>On</a:t>
+              <a:t>그런 다음 Item Background </a:t>
+            </a:r>
+            <a:r>
+              <a:rPr lang="ko-KR" sz="1800">
+                <a:latin typeface="맑은 고딕" charset="0"/>
+                <a:ea typeface="맑은 고딕" charset="0"/>
+              </a:rPr>
+              <a:t>오브젝트의</a:t>
             </a:r>
             <a:r>
               <a:rPr lang="ko-KR" sz="1800">
@@ -7563,21 +7599,7 @@
                 <a:latin typeface="맑은 고딕" charset="0"/>
                 <a:ea typeface="맑은 고딕" charset="0"/>
               </a:rPr>
-              <a:t>Click( ) 함수에 SelectServer( ) </a:t>
-            </a:r>
-            <a:r>
-              <a:rPr lang="ko-KR" sz="1800">
-                <a:latin typeface="맑은 고딕" charset="0"/>
-                <a:ea typeface="맑은 고딕" charset="0"/>
-              </a:rPr>
-              <a:t>함수</a:t>
-            </a:r>
-            <a:r>
-              <a:rPr lang="ko-KR" sz="1800">
-                <a:latin typeface="맑은 고딕" charset="0"/>
-                <a:ea typeface="맑은 고딕" charset="0"/>
-              </a:rPr>
-              <a:t>를</a:t>
+              <a:t>크기 값을 설정합니다.</a:t>
             </a:r>
             <a:r>
               <a:rPr lang="ko-KR" sz="1800">
@@ -7585,13 +7607,6 @@
                 <a:ea typeface="맑은 고딕" charset="0"/>
               </a:rPr>
               <a:t> </a:t>
-            </a:r>
-            <a:r>
-              <a:rPr lang="ko-KR" sz="1800">
-                <a:latin typeface="맑은 고딕" charset="0"/>
-                <a:ea typeface="맑은 고딕" charset="0"/>
-              </a:rPr>
-              <a:t>등록합니다.</a:t>
             </a:r>
             <a:endParaRPr lang="ko-KR" altLang="en-US" sz="1800">
               <a:latin typeface="맑은 고딕" charset="0"/>
@@ -7600,343 +7615,6 @@
           </a:p>
         </p:txBody>
       </p:sp>
-      <p:sp>
-        <p:nvSpPr>
-          <p:cNvPr id="1157" name="Rect 0"/>
-          <p:cNvSpPr txBox="1">
-            <a:spLocks/>
-          </p:cNvSpPr>
-          <p:nvPr/>
-        </p:nvSpPr>
-        <p:spPr>
-          <a:xfrm rot="0">
-            <a:off x="6831330" y="5487035"/>
-            <a:ext cx="4117340" cy="677545"/>
-          </a:xfrm>
-          <a:prstGeom prst="rect"/>
-          <a:noFill/>
-          <a:ln w="0">
-            <a:noFill/>
-            <a:prstDash/>
-          </a:ln>
-        </p:spPr>
-        <p:txBody>
-          <a:bodyPr wrap="square" lIns="89535" tIns="46355" rIns="89535" bIns="46355" numCol="1" vert="horz" anchor="t">
-            <a:spAutoFit/>
-          </a:bodyPr>
-          <a:lstStyle/>
-          <a:p>
-            <a:pPr marL="0" indent="0" rtl="0" algn="l" defTabSz="914400" eaLnBrk="1" latinLnBrk="0" hangingPunct="1">
-              <a:buFontTx/>
-              <a:buNone/>
-            </a:pPr>
-            <a:r>
-              <a:rPr lang="ko-KR" sz="2000" b="1">
-                <a:solidFill>
-                  <a:srgbClr val="0611F2"/>
-                </a:solidFill>
-                <a:latin typeface="맑은 고딕" charset="0"/>
-                <a:ea typeface="맑은 고딕" charset="0"/>
-              </a:rPr>
-              <a:t>28</a:t>
-            </a:r>
-            <a:r>
-              <a:rPr sz="2000" b="1">
-                <a:solidFill>
-                  <a:srgbClr val="0611F2"/>
-                </a:solidFill>
-                <a:latin typeface="맑은 고딕" charset="0"/>
-                <a:ea typeface="맑은 고딕" charset="0"/>
-              </a:rPr>
-              <a:t>.</a:t>
-            </a:r>
-            <a:r>
-              <a:rPr sz="2000" b="1">
-                <a:solidFill>
-                  <a:srgbClr val="0611F2"/>
-                </a:solidFill>
-                <a:latin typeface="맑은 고딕" charset="0"/>
-                <a:ea typeface="맑은 고딕" charset="0"/>
-              </a:rPr>
-              <a:t> </a:t>
-            </a:r>
-            <a:r>
-              <a:rPr lang="ko-KR" sz="1800">
-                <a:latin typeface="맑은 고딕" charset="0"/>
-                <a:ea typeface="맑은 고딕" charset="0"/>
-              </a:rPr>
-              <a:t>그런 다음 Item Background </a:t>
-            </a:r>
-            <a:r>
-              <a:rPr lang="ko-KR" sz="1800">
-                <a:latin typeface="맑은 고딕" charset="0"/>
-                <a:ea typeface="맑은 고딕" charset="0"/>
-              </a:rPr>
-              <a:t>오브젝트의</a:t>
-            </a:r>
-            <a:r>
-              <a:rPr lang="ko-KR" sz="1800">
-                <a:latin typeface="맑은 고딕" charset="0"/>
-                <a:ea typeface="맑은 고딕" charset="0"/>
-              </a:rPr>
-              <a:t> </a:t>
-            </a:r>
-            <a:r>
-              <a:rPr lang="ko-KR" sz="1800">
-                <a:latin typeface="맑은 고딕" charset="0"/>
-                <a:ea typeface="맑은 고딕" charset="0"/>
-              </a:rPr>
-              <a:t>크기 값을 설정합니다.</a:t>
-            </a:r>
-            <a:r>
-              <a:rPr lang="ko-KR" sz="1800">
-                <a:latin typeface="맑은 고딕" charset="0"/>
-                <a:ea typeface="맑은 고딕" charset="0"/>
-              </a:rPr>
-              <a:t> </a:t>
-            </a:r>
-            <a:endParaRPr lang="ko-KR" altLang="en-US" sz="1800">
-              <a:latin typeface="맑은 고딕" charset="0"/>
-              <a:ea typeface="맑은 고딕" charset="0"/>
-            </a:endParaRPr>
-          </a:p>
-        </p:txBody>
-      </p:sp>
-      <p:pic>
-        <p:nvPicPr>
-          <p:cNvPr id="1168" name="그림 1"/>
-          <p:cNvPicPr>
-            <a:picLocks noChangeAspect="1"/>
-          </p:cNvPicPr>
-          <p:nvPr/>
-        </p:nvPicPr>
-        <p:blipFill rotWithShape="1">
-          <a:blip r:embed="rId2" cstate="hqprint">
-            <a:extLst>
-              <a:ext uri="{28A0092B-C50C-407E-A947-70E740481C1C}">
-                <a14:useLocalDpi xmlns:a14="http://schemas.microsoft.com/office/drawing/2010/main"/>
-              </a:ext>
-            </a:extLst>
-          </a:blip>
-          <a:stretch>
-            <a:fillRect/>
-          </a:stretch>
-        </p:blipFill>
-        <p:spPr>
-          <a:xfrm rot="0">
-            <a:off x="1240790" y="1430655"/>
-            <a:ext cx="1327150" cy="1162050"/>
-          </a:xfrm>
-          <a:prstGeom prst="roundRect"/>
-          <a:solidFill>
-            <a:srgbClr val="EDEDED"/>
-          </a:solidFill>
-        </p:spPr>
-      </p:pic>
-      <p:pic>
-        <p:nvPicPr>
-          <p:cNvPr id="1169" name="그림 2"/>
-          <p:cNvPicPr>
-            <a:picLocks noChangeAspect="1"/>
-          </p:cNvPicPr>
-          <p:nvPr/>
-        </p:nvPicPr>
-        <p:blipFill rotWithShape="1">
-          <a:blip r:embed="rId3" cstate="print">
-            <a:extLst>
-              <a:ext uri="{28A0092B-C50C-407E-A947-70E740481C1C}">
-                <a14:useLocalDpi xmlns:a14="http://schemas.microsoft.com/office/drawing/2010/main" val="0"/>
-              </a:ext>
-            </a:extLst>
-          </a:blip>
-          <a:stretch>
-            <a:fillRect/>
-          </a:stretch>
-        </p:blipFill>
-        <p:spPr>
-          <a:xfrm rot="0">
-            <a:off x="2687955" y="1430020"/>
-            <a:ext cx="2696210" cy="1163320"/>
-          </a:xfrm>
-          <a:prstGeom prst="roundRect"/>
-          <a:solidFill>
-            <a:srgbClr val="EDEDED"/>
-          </a:solidFill>
-        </p:spPr>
-      </p:pic>
-      <p:sp>
-        <p:nvSpPr>
-          <p:cNvPr id="1170" name="텍스트 상자 5"/>
-          <p:cNvSpPr txBox="1">
-            <a:spLocks/>
-          </p:cNvSpPr>
-          <p:nvPr/>
-        </p:nvSpPr>
-        <p:spPr>
-          <a:xfrm rot="0">
-            <a:off x="1234440" y="2637155"/>
-            <a:ext cx="4158615" cy="954405"/>
-          </a:xfrm>
-          <a:prstGeom prst="rect"/>
-          <a:noFill/>
-          <a:ln w="0">
-            <a:noFill/>
-            <a:prstDash/>
-          </a:ln>
-        </p:spPr>
-        <p:txBody>
-          <a:bodyPr wrap="square" lIns="89535" tIns="46355" rIns="89535" bIns="46355" numCol="1" vert="horz" anchor="t">
-            <a:spAutoFit/>
-          </a:bodyPr>
-          <a:lstStyle/>
-          <a:p>
-            <a:pPr marL="0" indent="0" rtl="0" algn="l" defTabSz="914400" eaLnBrk="1" latinLnBrk="0" hangingPunct="1">
-              <a:buFontTx/>
-              <a:buNone/>
-            </a:pPr>
-            <a:r>
-              <a:rPr lang="ko-KR" sz="2000" b="1">
-                <a:solidFill>
-                  <a:srgbClr val="0611F2"/>
-                </a:solidFill>
-                <a:latin typeface="맑은 고딕" charset="0"/>
-                <a:ea typeface="맑은 고딕" charset="0"/>
-              </a:rPr>
-              <a:t>25</a:t>
-            </a:r>
-            <a:r>
-              <a:rPr sz="2000" b="1">
-                <a:solidFill>
-                  <a:srgbClr val="0611F2"/>
-                </a:solidFill>
-                <a:latin typeface="맑은 고딕" charset="0"/>
-                <a:ea typeface="맑은 고딕" charset="0"/>
-              </a:rPr>
-              <a:t>.</a:t>
-            </a:r>
-            <a:r>
-              <a:rPr sz="2000" b="1">
-                <a:solidFill>
-                  <a:srgbClr val="0611F2"/>
-                </a:solidFill>
-                <a:latin typeface="맑은 고딕" charset="0"/>
-                <a:ea typeface="맑은 고딕" charset="0"/>
-              </a:rPr>
-              <a:t> </a:t>
-            </a:r>
-            <a:r>
-              <a:rPr lang="ko-KR" sz="1800">
-                <a:latin typeface="맑은 고딕" charset="0"/>
-                <a:ea typeface="맑은 고딕" charset="0"/>
-              </a:rPr>
-              <a:t>그러고 나서 Connect Button </a:t>
-            </a:r>
-            <a:r>
-              <a:rPr lang="ko-KR" sz="1800">
-                <a:latin typeface="맑은 고딕" charset="0"/>
-                <a:ea typeface="맑은 고딕" charset="0"/>
-              </a:rPr>
-              <a:t>오브젝트의</a:t>
-            </a:r>
-            <a:r>
-              <a:rPr lang="ko-KR" sz="1800">
-                <a:latin typeface="맑은 고딕" charset="0"/>
-                <a:ea typeface="맑은 고딕" charset="0"/>
-              </a:rPr>
-              <a:t> </a:t>
-            </a:r>
-            <a:r>
-              <a:rPr lang="ko-KR" sz="1800">
-                <a:latin typeface="맑은 고딕" charset="0"/>
-                <a:ea typeface="맑은 고딕" charset="0"/>
-              </a:rPr>
-              <a:t>On Click( ) 함수에 Server </a:t>
-            </a:r>
-            <a:r>
-              <a:rPr lang="ko-KR" sz="1800">
-                <a:latin typeface="맑은 고딕" charset="0"/>
-                <a:ea typeface="맑은 고딕" charset="0"/>
-              </a:rPr>
-              <a:t>Manager</a:t>
-            </a:r>
-            <a:r>
-              <a:rPr lang="ko-KR" sz="1800">
-                <a:latin typeface="맑은 고딕" charset="0"/>
-                <a:ea typeface="맑은 고딕" charset="0"/>
-              </a:rPr>
-              <a:t> 오브젝트를 넣어줍니다.</a:t>
-            </a:r>
-            <a:endParaRPr lang="ko-KR" altLang="en-US" sz="1800">
-              <a:latin typeface="맑은 고딕" charset="0"/>
-              <a:ea typeface="맑은 고딕" charset="0"/>
-            </a:endParaRPr>
-          </a:p>
-        </p:txBody>
-      </p:sp>
-      <p:cxnSp>
-        <p:nvCxnSpPr>
-          <p:cNvPr id="1171" name="도형 6"/>
-          <p:cNvCxnSpPr/>
-          <p:nvPr/>
-        </p:nvCxnSpPr>
-        <p:spPr>
-          <a:xfrm rot="0" flipV="1">
-            <a:off x="2403475" y="2118995"/>
-            <a:ext cx="1137285" cy="387985"/>
-          </a:xfrm>
-          <a:prstGeom prst="straightConnector1"/>
-          <a:ln w="6350" cap="flat" cmpd="sng">
-            <a:prstDash/>
-            <a:headEnd type="none" w="med" len="med"/>
-            <a:tailEnd type="triangle" w="med" len="med"/>
-          </a:ln>
-        </p:spPr>
-        <p:style>
-          <a:lnRef idx="1">
-            <a:schemeClr val="accent1"/>
-          </a:lnRef>
-          <a:fillRef idx="0">
-            <a:schemeClr val="accent1"/>
-          </a:fillRef>
-          <a:effectRef idx="0">
-            <a:schemeClr val="accent1"/>
-          </a:effectRef>
-          <a:fontRef idx="minor">
-            <a:schemeClr val="tx1"/>
-          </a:fontRef>
-        </p:style>
-      </p:cxnSp>
-      <p:pic>
-        <p:nvPicPr>
-          <p:cNvPr id="1172" name="그림 7" descr="C:/Users/Admin1/AppData/Roaming/PolarisOffice/ETemp/16480_7681344/fImage55292338467.png"/>
-          <p:cNvPicPr>
-            <a:picLocks noChangeAspect="1"/>
-          </p:cNvPicPr>
-          <p:nvPr/>
-        </p:nvPicPr>
-        <p:blipFill rotWithShape="1">
-          <a:blip r:embed="rId4" cstate="hqprint">
-            <a:extLst>
-              <a:ext uri="{28A0092B-C50C-407E-A947-70E740481C1C}">
-                <a14:useLocalDpi xmlns:a14="http://schemas.microsoft.com/office/drawing/2010/main"/>
-              </a:ext>
-            </a:extLst>
-          </a:blip>
-          <a:stretch>
-            <a:fillRect/>
-          </a:stretch>
-        </p:blipFill>
-        <p:spPr>
-          <a:xfrm rot="0">
-            <a:off x="1240155" y="3712210"/>
-            <a:ext cx="4145280" cy="1423035"/>
-          </a:xfrm>
-          <a:prstGeom prst="roundRect"/>
-          <a:solidFill>
-            <a:srgbClr val="EDEDED"/>
-          </a:solidFill>
-        </p:spPr>
-      </p:pic>
       <p:pic>
         <p:nvPicPr>
           <p:cNvPr id="1173" name="그림 10"/>
@@ -8087,6 +7765,101 @@
           <a:xfrm rot="0">
             <a:off x="6826885" y="3849370"/>
             <a:ext cx="4121785" cy="1551940"/>
+          </a:xfrm>
+          <a:prstGeom prst="roundRect"/>
+          <a:solidFill>
+            <a:srgbClr val="EDEDED"/>
+          </a:solidFill>
+        </p:spPr>
+      </p:pic>
+      <p:sp>
+        <p:nvSpPr>
+          <p:cNvPr id="1176" name="텍스트 상자 22"/>
+          <p:cNvSpPr txBox="1">
+            <a:spLocks/>
+          </p:cNvSpPr>
+          <p:nvPr/>
+        </p:nvSpPr>
+        <p:spPr>
+          <a:xfrm rot="0">
+            <a:off x="1231900" y="5217795"/>
+            <a:ext cx="4153535" cy="955040"/>
+          </a:xfrm>
+          <a:prstGeom prst="rect"/>
+          <a:noFill/>
+          <a:ln w="0">
+            <a:noFill/>
+            <a:prstDash/>
+          </a:ln>
+        </p:spPr>
+        <p:txBody>
+          <a:bodyPr wrap="square" lIns="89535" tIns="46355" rIns="89535" bIns="46355" numCol="1" vert="horz" anchor="t">
+            <a:spAutoFit/>
+          </a:bodyPr>
+          <a:lstStyle/>
+          <a:p>
+            <a:pPr marL="0" indent="0" rtl="0" algn="l" defTabSz="914400" eaLnBrk="1" latinLnBrk="0" hangingPunct="1">
+              <a:buFontTx/>
+              <a:buNone/>
+            </a:pPr>
+            <a:r>
+              <a:rPr lang="ko-KR" sz="2000" b="1">
+                <a:solidFill>
+                  <a:srgbClr val="0611F2"/>
+                </a:solidFill>
+                <a:latin typeface="맑은 고딕" charset="0"/>
+                <a:ea typeface="맑은 고딕" charset="0"/>
+              </a:rPr>
+              <a:t>22</a:t>
+            </a:r>
+            <a:r>
+              <a:rPr sz="2000" b="1">
+                <a:solidFill>
+                  <a:srgbClr val="0611F2"/>
+                </a:solidFill>
+                <a:latin typeface="맑은 고딕" charset="0"/>
+                <a:ea typeface="맑은 고딕" charset="0"/>
+              </a:rPr>
+              <a:t>. </a:t>
+            </a:r>
+            <a:r>
+              <a:rPr lang="ko-KR" sz="1800">
+                <a:latin typeface="맑은 고딕" charset="0"/>
+                <a:ea typeface="맑은 고딕" charset="0"/>
+              </a:rPr>
+              <a:t>그리고 Label 오브젝트의 Font Size를 50으로 설정한 다음 Alignment를 가운데로 정렬합니다.</a:t>
+            </a:r>
+            <a:endParaRPr lang="ko-KR" altLang="en-US" sz="1800">
+              <a:latin typeface="맑은 고딕" charset="0"/>
+              <a:ea typeface="맑은 고딕" charset="0"/>
+            </a:endParaRPr>
+          </a:p>
+        </p:txBody>
+      </p:sp>
+      <p:pic>
+        <p:nvPicPr>
+          <p:cNvPr id="1177" name="그림 23" descr="C:/Users/nwond/AppData/Roaming/PolarisOffice/ETemp/2484_17157552/fImage2395914341.png"/>
+          <p:cNvPicPr>
+            <a:picLocks noChangeAspect="1"/>
+          </p:cNvPicPr>
+          <p:nvPr/>
+        </p:nvPicPr>
+        <p:blipFill rotWithShape="1">
+          <a:blip r:embed="rId8" cstate="hqprint">
+            <a:extLst>
+              <a:ext uri="{28A0092B-C50C-407E-A947-70E740481C1C}">
+                <a14:useLocalDpi xmlns:a14="http://schemas.microsoft.com/office/drawing/2010/main"/>
+              </a:ext>
+            </a:extLst>
+          </a:blip>
+          <a:stretch>
+            <a:fillRect/>
+          </a:stretch>
+        </p:blipFill>
+        <p:spPr>
+          <a:xfrm rot="0">
+            <a:off x="1240790" y="1450975"/>
+            <a:ext cx="4135755" cy="3615055"/>
           </a:xfrm>
           <a:prstGeom prst="roundRect"/>
           <a:solidFill>
@@ -8719,7 +8492,7 @@
 </file>
 
 <file path=ppt/slides/slide2.xml><?xml version="1.0" encoding="utf-8"?>
-<p:sld xmlns:a="http://schemas.openxmlformats.org/drawingml/2006/main" xmlns:r="http://schemas.openxmlformats.org/officeDocument/2006/relationships" xmlns:p="http://schemas.openxmlformats.org/presentationml/2006/main" xmlns:p14="http://schemas.microsoft.com/office/powerpoint/2010/main">
+<p:sld xmlns:a="http://schemas.openxmlformats.org/drawingml/2006/main" xmlns:r="http://schemas.openxmlformats.org/officeDocument/2006/relationships" xmlns:p="http://schemas.openxmlformats.org/presentationml/2006/main">
   <p:cSld>
     <p:spTree>
       <p:nvGrpSpPr>
@@ -8737,7 +8510,7 @@
       </p:grpSpPr>
       <p:sp>
         <p:nvSpPr>
-          <p:cNvPr id="1031" name="Rect 0"/>
+          <p:cNvPr id="22" name="Rect 0"/>
           <p:cNvSpPr txBox="1">
             <a:spLocks/>
           </p:cNvSpPr>
@@ -8745,8 +8518,8 @@
         </p:nvSpPr>
         <p:spPr>
           <a:xfrm rot="0">
-            <a:off x="4337050" y="377190"/>
-            <a:ext cx="3510915" cy="478155"/>
+            <a:off x="4331335" y="445135"/>
+            <a:ext cx="3525520" cy="554990"/>
           </a:xfrm>
           <a:prstGeom prst="rect"/>
           <a:noFill/>
@@ -8761,43 +8534,41 @@
           </a:bodyPr>
           <a:lstStyle/>
           <a:p>
-            <a:pPr marL="0" indent="0" algn="ctr" latinLnBrk="0">
-              <a:buFontTx/>
-              <a:buNone/>
-            </a:pPr>
-            <a:r>
-              <a:rPr lang="ko-KR" altLang="en-US" sz="2500" b="1">
-                <a:solidFill>
-                  <a:schemeClr val="tx1"/>
-                </a:solidFill>
+            <a:pPr marL="0" indent="0" algn="ctr" latinLnBrk="0" hangingPunct="1">
+              <a:buFontTx/>
+              <a:buNone/>
+            </a:pPr>
+            <a:r>
+              <a:rPr lang="ko-KR" sz="2500" b="1">
                 <a:latin typeface="나눔바른고딕" charset="0"/>
                 <a:ea typeface="나눔바른고딕" charset="0"/>
               </a:rPr>
               <a:t>두</a:t>
             </a:r>
             <a:r>
-              <a:rPr lang="ko-KR" altLang="en-US" sz="2500" b="1">
-                <a:solidFill>
-                  <a:schemeClr val="tx1"/>
-                </a:solidFill>
+              <a:rPr lang="ko-KR" sz="2500" b="1">
                 <a:latin typeface="나눔바른고딕" charset="0"/>
                 <a:ea typeface="나눔바른고딕" charset="0"/>
               </a:rPr>
               <a:t> 번째 튜토리얼</a:t>
             </a:r>
-            <a:endParaRPr lang="ko-KR" altLang="en-US" sz="2500" b="1">
-              <a:solidFill>
-                <a:schemeClr val="tx1"/>
-              </a:solidFill>
-              <a:latin typeface="나눔바른고딕" charset="0"/>
-              <a:ea typeface="나눔바른고딕" charset="0"/>
+            <a:r>
+              <a:rPr lang="ko-KR" sz="3000" b="1">
+                <a:latin typeface="맑은 고딕" charset="0"/>
+                <a:ea typeface="맑은 고딕" charset="0"/>
+              </a:rPr>
+              <a:t> </a:t>
+            </a:r>
+            <a:endParaRPr lang="ko-KR" altLang="en-US" sz="3000" b="1">
+              <a:latin typeface="맑은 고딕" charset="0"/>
+              <a:ea typeface="맑은 고딕" charset="0"/>
             </a:endParaRPr>
           </a:p>
         </p:txBody>
       </p:sp>
       <p:sp>
         <p:nvSpPr>
-          <p:cNvPr id="1134" name="Rect 0"/>
+          <p:cNvPr id="30" name="Rect 0"/>
           <p:cNvSpPr txBox="1">
             <a:spLocks/>
           </p:cNvSpPr>
@@ -8805,8 +8576,8 @@
         </p:nvSpPr>
         <p:spPr>
           <a:xfrm rot="0">
-            <a:off x="6813550" y="5314315"/>
-            <a:ext cx="4135120" cy="954405"/>
+            <a:off x="1232535" y="5281295"/>
+            <a:ext cx="4144645" cy="954405"/>
           </a:xfrm>
           <a:prstGeom prst="rect"/>
           <a:noFill/>
@@ -8833,7 +8604,7 @@
                 <a:latin typeface="맑은 고딕" charset="0"/>
                 <a:ea typeface="맑은 고딕" charset="0"/>
               </a:rPr>
-              <a:t>5.</a:t>
+              <a:t>3</a:t>
             </a:r>
             <a:r>
               <a:rPr sz="2000" b="1">
@@ -8843,6 +8614,16 @@
                 <a:latin typeface="맑은 고딕" charset="0"/>
                 <a:ea typeface="맑은 고딕" charset="0"/>
               </a:rPr>
+              <a:t>.</a:t>
+            </a:r>
+            <a:r>
+              <a:rPr sz="2000" b="1">
+                <a:solidFill>
+                  <a:srgbClr val="0611F2"/>
+                </a:solidFill>
+                <a:latin typeface="맑은 고딕" charset="0"/>
+                <a:ea typeface="맑은 고딕" charset="0"/>
+              </a:rPr>
               <a:t> </a:t>
             </a:r>
             <a:r>
@@ -8850,38 +8631,10 @@
                 <a:latin typeface="맑은 고딕" charset="0"/>
                 <a:ea typeface="맑은 고딕" charset="0"/>
               </a:rPr>
-              <a:t>그다음 </a:t>
-            </a:r>
-            <a:r>
-              <a:rPr lang="ko-KR" sz="1800">
-                <a:latin typeface="맑은 고딕" charset="0"/>
-                <a:ea typeface="맑은 고딕" charset="0"/>
-              </a:rPr>
-              <a:t>UI에서 Dropdown - </a:t>
-            </a:r>
-            <a:r>
-              <a:rPr lang="ko-KR" sz="1800">
-                <a:latin typeface="맑은 고딕" charset="0"/>
-                <a:ea typeface="맑은 고딕" charset="0"/>
-              </a:rPr>
-              <a:t>Te</a:t>
-            </a:r>
-            <a:r>
-              <a:rPr lang="ko-KR" sz="1800">
-                <a:latin typeface="맑은 고딕" charset="0"/>
-                <a:ea typeface="맑은 고딕" charset="0"/>
-              </a:rPr>
-              <a:t>xtMeshPro</a:t>
-            </a:r>
-            <a:r>
-              <a:rPr lang="ko-KR" sz="1800">
-                <a:latin typeface="맑은 고딕" charset="0"/>
-                <a:ea typeface="맑은 고딕" charset="0"/>
-              </a:rPr>
-              <a:t>를</a:t>
-            </a:r>
-            <a:r>
-              <a:rPr lang="ko-KR" sz="1800">
+              <a:t>그리고</a:t>
+            </a:r>
+            <a:r>
+              <a:rPr sz="1800">
                 <a:latin typeface="맑은 고딕" charset="0"/>
                 <a:ea typeface="맑은 고딕" charset="0"/>
               </a:rPr>
@@ -8892,7 +8645,7 @@
                 <a:latin typeface="맑은 고딕" charset="0"/>
                 <a:ea typeface="맑은 고딕" charset="0"/>
               </a:rPr>
-              <a:t>생성하고</a:t>
+              <a:t>UI에서</a:t>
             </a:r>
             <a:r>
               <a:rPr lang="ko-KR" sz="1800">
@@ -8906,14 +8659,7 @@
                 <a:latin typeface="맑은 고딕" charset="0"/>
                 <a:ea typeface="맑은 고딕" charset="0"/>
               </a:rPr>
-              <a:t>Server </a:t>
-            </a:r>
-            <a:r>
-              <a:rPr lang="ko-KR" sz="1800">
-                <a:latin typeface="맑은 고딕" charset="0"/>
-                <a:ea typeface="맑은 고딕" charset="0"/>
-              </a:rPr>
-              <a:t>Selection이라는</a:t>
+              <a:t>Image를</a:t>
             </a:r>
             <a:r>
               <a:rPr lang="ko-KR" sz="1800">
@@ -8927,7 +8673,7 @@
                 <a:latin typeface="맑은 고딕" charset="0"/>
                 <a:ea typeface="맑은 고딕" charset="0"/>
               </a:rPr>
-              <a:t>이름으로</a:t>
+              <a:t>생성한</a:t>
             </a:r>
             <a:r>
               <a:rPr lang="ko-KR" sz="1800">
@@ -8941,7 +8687,7 @@
                 <a:latin typeface="맑은 고딕" charset="0"/>
                 <a:ea typeface="맑은 고딕" charset="0"/>
               </a:rPr>
-              <a:t>정의합니다.</a:t>
+              <a:t>다음 Back Ground라는 이름으로 정의합니다.</a:t>
             </a:r>
             <a:endParaRPr lang="ko-KR" altLang="en-US" sz="1800">
               <a:latin typeface="맑은 고딕" charset="0"/>
@@ -8950,125 +8696,16 @@
           </a:p>
         </p:txBody>
       </p:sp>
-      <p:sp>
-        <p:nvSpPr>
-          <p:cNvPr id="1143" name="텍스트 상자 30"/>
-          <p:cNvSpPr txBox="1">
-            <a:spLocks/>
-          </p:cNvSpPr>
-          <p:nvPr/>
-        </p:nvSpPr>
-        <p:spPr>
-          <a:xfrm rot="0">
-            <a:off x="1223645" y="2988310"/>
-            <a:ext cx="4149090" cy="678180"/>
-          </a:xfrm>
-          <a:prstGeom prst="rect"/>
-          <a:noFill/>
-          <a:ln w="0">
-            <a:noFill/>
-            <a:prstDash/>
-          </a:ln>
-        </p:spPr>
-        <p:txBody>
-          <a:bodyPr wrap="square" lIns="89535" tIns="46355" rIns="89535" bIns="46355" numCol="1" vert="horz" anchor="t">
-            <a:spAutoFit/>
-          </a:bodyPr>
-          <a:lstStyle/>
-          <a:p>
-            <a:pPr marL="0" indent="0" rtl="0" algn="l" defTabSz="914400" eaLnBrk="1" latinLnBrk="0" hangingPunct="1">
-              <a:buFontTx/>
-              <a:buNone/>
-            </a:pPr>
-            <a:r>
-              <a:rPr lang="ko-KR" sz="2000" b="1">
-                <a:solidFill>
-                  <a:srgbClr val="0611F2"/>
-                </a:solidFill>
-                <a:latin typeface="맑은 고딕" charset="0"/>
-                <a:ea typeface="맑은 고딕" charset="0"/>
-              </a:rPr>
-              <a:t>3</a:t>
-            </a:r>
-            <a:r>
-              <a:rPr sz="2000" b="1">
-                <a:solidFill>
-                  <a:srgbClr val="0611F2"/>
-                </a:solidFill>
-                <a:latin typeface="맑은 고딕" charset="0"/>
-                <a:ea typeface="맑은 고딕" charset="0"/>
-              </a:rPr>
-              <a:t>.</a:t>
-            </a:r>
-            <a:r>
-              <a:rPr sz="2000" b="1">
-                <a:solidFill>
-                  <a:srgbClr val="0611F2"/>
-                </a:solidFill>
-                <a:latin typeface="맑은 고딕" charset="0"/>
-                <a:ea typeface="맑은 고딕" charset="0"/>
-              </a:rPr>
-              <a:t> </a:t>
-            </a:r>
-            <a:r>
-              <a:rPr sz="1800">
-                <a:latin typeface="맑은 고딕" charset="0"/>
-                <a:ea typeface="맑은 고딕" charset="0"/>
-              </a:rPr>
-              <a:t>그</a:t>
-            </a:r>
-            <a:r>
-              <a:rPr lang="ko-KR" sz="1800">
-                <a:latin typeface="맑은 고딕" charset="0"/>
-                <a:ea typeface="맑은 고딕" charset="0"/>
-              </a:rPr>
-              <a:t>리고</a:t>
-            </a:r>
-            <a:r>
-              <a:rPr sz="1800">
-                <a:latin typeface="맑은 고딕" charset="0"/>
-                <a:ea typeface="맑은 고딕" charset="0"/>
-              </a:rPr>
-              <a:t> Back </a:t>
-            </a:r>
-            <a:r>
-              <a:rPr lang="ko-KR" sz="1800">
-                <a:latin typeface="맑은 고딕" charset="0"/>
-                <a:ea typeface="맑은 고딕" charset="0"/>
-              </a:rPr>
-              <a:t>Ground 오브젝트의 </a:t>
-            </a:r>
-            <a:r>
-              <a:rPr lang="ko-KR" sz="1800">
-                <a:latin typeface="맑은 고딕" charset="0"/>
-                <a:ea typeface="맑은 고딕" charset="0"/>
-              </a:rPr>
-              <a:t>앵커를</a:t>
-            </a:r>
-            <a:r>
-              <a:rPr lang="ko-KR" sz="1800">
-                <a:latin typeface="맑은 고딕" charset="0"/>
-                <a:ea typeface="맑은 고딕" charset="0"/>
-              </a:rPr>
-              <a:t> Stretch로 설정합니다.</a:t>
-            </a:r>
-            <a:endParaRPr lang="ko-KR" altLang="en-US" sz="1800">
-              <a:latin typeface="맑은 고딕" charset="0"/>
-              <a:ea typeface="맑은 고딕" charset="0"/>
-            </a:endParaRPr>
-          </a:p>
-        </p:txBody>
-      </p:sp>
       <p:pic>
         <p:nvPicPr>
-          <p:cNvPr id="1157" name="그림 11"/>
+          <p:cNvPr id="31" name="Picture " descr="C:/Users/nwond/AppData/Roaming/PolarisOffice/ETemp/27104_13584496/fImage185003101478.png"/>
           <p:cNvPicPr>
             <a:picLocks noChangeAspect="1"/>
           </p:cNvPicPr>
           <p:nvPr/>
         </p:nvPicPr>
         <p:blipFill rotWithShape="1">
-          <a:blip r:embed="rId11" cstate="hqprint">
+          <a:blip r:embed="rId2" cstate="hqprint">
             <a:extLst>
               <a:ext uri="{28A0092B-C50C-407E-A947-70E740481C1C}">
                 <a14:useLocalDpi xmlns:a14="http://schemas.microsoft.com/office/drawing/2010/main"/>
@@ -9081,8 +8718,8 @@
         </p:blipFill>
         <p:spPr>
           <a:xfrm rot="0">
-            <a:off x="1223645" y="1447165"/>
-            <a:ext cx="4152900" cy="1490980"/>
+            <a:off x="1231900" y="1472565"/>
+            <a:ext cx="2688590" cy="3625215"/>
           </a:xfrm>
           <a:prstGeom prst="roundRect"/>
           <a:solidFill>
@@ -9092,7 +8729,7 @@
       </p:pic>
       <p:sp>
         <p:nvSpPr>
-          <p:cNvPr id="1159" name="텍스트 상자 17"/>
+          <p:cNvPr id="35" name="Rect 0"/>
           <p:cNvSpPr txBox="1">
             <a:spLocks/>
           </p:cNvSpPr>
@@ -9100,8 +8737,8 @@
         </p:nvSpPr>
         <p:spPr>
           <a:xfrm rot="0">
-            <a:off x="1235075" y="5317490"/>
-            <a:ext cx="4140835" cy="954405"/>
+            <a:off x="6816725" y="5275580"/>
+            <a:ext cx="4141470" cy="954405"/>
           </a:xfrm>
           <a:prstGeom prst="rect"/>
           <a:noFill/>
@@ -9121,16 +8758,6 @@
               <a:buNone/>
             </a:pPr>
             <a:r>
-              <a:rPr lang="ko-KR" sz="2000" b="1">
-                <a:solidFill>
-                  <a:srgbClr val="0611F2"/>
-                </a:solidFill>
-                <a:latin typeface="맑은 고딕" charset="0"/>
-                <a:ea typeface="맑은 고딕" charset="0"/>
-              </a:rPr>
-              <a:t>4</a:t>
-            </a:r>
-            <a:r>
               <a:rPr sz="2000" b="1">
                 <a:solidFill>
                   <a:srgbClr val="0611F2"/>
@@ -9138,7 +8765,7 @@
                 <a:latin typeface="맑은 고딕" charset="0"/>
                 <a:ea typeface="맑은 고딕" charset="0"/>
               </a:rPr>
-              <a:t>.</a:t>
+              <a:t>4</a:t>
             </a:r>
             <a:r>
               <a:rPr sz="2000" b="1">
@@ -9148,84 +8775,35 @@
                 <a:latin typeface="맑은 고딕" charset="0"/>
                 <a:ea typeface="맑은 고딕" charset="0"/>
               </a:rPr>
+              <a:t>. </a:t>
+            </a:r>
+            <a:r>
+              <a:rPr sz="1800">
+                <a:latin typeface="맑은 고딕" charset="0"/>
+                <a:ea typeface="맑은 고딕" charset="0"/>
+              </a:rPr>
+              <a:t>그런 </a:t>
+            </a:r>
+            <a:r>
+              <a:rPr sz="1800">
+                <a:latin typeface="맑은 고딕" charset="0"/>
+                <a:ea typeface="맑은 고딕" charset="0"/>
+              </a:rPr>
+              <a:t>다음</a:t>
+            </a:r>
+            <a:r>
+              <a:rPr sz="1800">
+                <a:latin typeface="맑은 고딕" charset="0"/>
+                <a:ea typeface="맑은 고딕" charset="0"/>
+              </a:rPr>
               <a:t> </a:t>
             </a:r>
             <a:r>
-              <a:rPr sz="1800">
-                <a:latin typeface="맑은 고딕" charset="0"/>
-                <a:ea typeface="맑은 고딕" charset="0"/>
-              </a:rPr>
-              <a:t>그런 다음 Connect Button</a:t>
-            </a:r>
-            <a:r>
-              <a:rPr lang="ko-KR" sz="1800">
-                <a:latin typeface="맑은 고딕" charset="0"/>
-                <a:ea typeface="맑은 고딕" charset="0"/>
-              </a:rPr>
-              <a:t> </a:t>
-            </a:r>
-            <a:r>
-              <a:rPr lang="ko-KR" sz="1800">
-                <a:latin typeface="맑은 고딕" charset="0"/>
-                <a:ea typeface="맑은 고딕" charset="0"/>
-              </a:rPr>
-              <a:t>오브젝트의</a:t>
-            </a:r>
-            <a:r>
-              <a:rPr lang="ko-KR" sz="1800">
-                <a:latin typeface="맑은 고딕" charset="0"/>
-                <a:ea typeface="맑은 고딕" charset="0"/>
-              </a:rPr>
-              <a:t> </a:t>
-            </a:r>
-            <a:r>
-              <a:rPr lang="ko-KR" sz="1800">
-                <a:latin typeface="맑은 고딕" charset="0"/>
-                <a:ea typeface="맑은 고딕" charset="0"/>
-              </a:rPr>
-              <a:t>앵커를</a:t>
-            </a:r>
-            <a:r>
-              <a:rPr lang="ko-KR" sz="1800">
-                <a:latin typeface="맑은 고딕" charset="0"/>
-                <a:ea typeface="맑은 고딕" charset="0"/>
-              </a:rPr>
-              <a:t> </a:t>
-            </a:r>
-            <a:r>
-              <a:rPr lang="ko-KR" sz="1800">
-                <a:latin typeface="맑은 고딕" charset="0"/>
-                <a:ea typeface="맑은 고딕" charset="0"/>
-              </a:rPr>
-              <a:t>지정하고</a:t>
-            </a:r>
-            <a:r>
-              <a:rPr lang="ko-KR" sz="1800">
-                <a:latin typeface="맑은 고딕" charset="0"/>
-                <a:ea typeface="맑은 고딕" charset="0"/>
-              </a:rPr>
-              <a:t> 크기와 </a:t>
-            </a:r>
-            <a:r>
-              <a:rPr lang="ko-KR" sz="1800">
-                <a:latin typeface="맑은 고딕" charset="0"/>
-                <a:ea typeface="맑은 고딕" charset="0"/>
-              </a:rPr>
-              <a:t>위치를</a:t>
-            </a:r>
-            <a:r>
-              <a:rPr lang="ko-KR" sz="1800">
-                <a:latin typeface="맑은 고딕" charset="0"/>
-                <a:ea typeface="맑은 고딕" charset="0"/>
-              </a:rPr>
-              <a:t> </a:t>
-            </a:r>
-            <a:r>
-              <a:rPr lang="ko-KR" sz="1800">
-                <a:latin typeface="맑은 고딕" charset="0"/>
-                <a:ea typeface="맑은 고딕" charset="0"/>
-              </a:rPr>
-              <a:t>설정합니다.</a:t>
+              <a:rPr lang="ko-KR" sz="1800">
+                <a:latin typeface="맑은 고딕" charset="0"/>
+                <a:ea typeface="맑은 고딕" charset="0"/>
+              </a:rPr>
+              <a:t>UI에서 Button - TextMeshPro을 생성한 다음 Connect Button이라는 이름으로 정의합니다.</a:t>
             </a:r>
             <a:endParaRPr lang="ko-KR" altLang="en-US" sz="1800">
               <a:latin typeface="맑은 고딕" charset="0"/>
@@ -9236,14 +8814,45 @@
       </p:sp>
       <p:pic>
         <p:nvPicPr>
-          <p:cNvPr id="1162" name="그림 4"/>
+          <p:cNvPr id="36" name="Picture " descr="C:/Users/nwond/AppData/Roaming/PolarisOffice/ETemp/27104_13584496/fImage2171320641.png"/>
           <p:cNvPicPr>
             <a:picLocks noChangeAspect="1"/>
           </p:cNvPicPr>
           <p:nvPr/>
         </p:nvPicPr>
         <p:blipFill rotWithShape="1">
-          <a:blip r:embed="rId15" cstate="print">
+          <a:blip r:embed="rId3" cstate="hqprint">
+            <a:extLst>
+              <a:ext uri="{28A0092B-C50C-407E-A947-70E740481C1C}">
+                <a14:useLocalDpi xmlns:a14="http://schemas.microsoft.com/office/drawing/2010/main"/>
+              </a:ext>
+            </a:extLst>
+          </a:blip>
+          <a:stretch>
+            <a:fillRect/>
+          </a:stretch>
+        </p:blipFill>
+        <p:spPr>
+          <a:xfrm rot="0">
+            <a:off x="6827520" y="1472565"/>
+            <a:ext cx="2661920" cy="3623310"/>
+          </a:xfrm>
+          <a:prstGeom prst="roundRect"/>
+          <a:solidFill>
+            <a:srgbClr val="EDEDED"/>
+          </a:solidFill>
+        </p:spPr>
+      </p:pic>
+      <p:pic>
+        <p:nvPicPr>
+          <p:cNvPr id="38" name="그림 12" descr="C:/Users/nwond/AppData/Roaming/PolarisOffice/ETemp/27104_13584496/fImage58532626334.png"/>
+          <p:cNvPicPr>
+            <a:picLocks noChangeAspect="1"/>
+          </p:cNvPicPr>
+          <p:nvPr/>
+        </p:nvPicPr>
+        <p:blipFill rotWithShape="1">
+          <a:blip r:embed="rId4" cstate="print">
             <a:extLst>
               <a:ext uri="{28A0092B-C50C-407E-A947-70E740481C1C}">
                 <a14:useLocalDpi xmlns:a14="http://schemas.microsoft.com/office/drawing/2010/main" val="0"/>
@@ -9256,8 +8865,8 @@
         </p:blipFill>
         <p:spPr>
           <a:xfrm rot="0">
-            <a:off x="1220470" y="3755390"/>
-            <a:ext cx="4146550" cy="1499235"/>
+            <a:off x="4055745" y="2465070"/>
+            <a:ext cx="1323975" cy="1630680"/>
           </a:xfrm>
           <a:prstGeom prst="roundRect"/>
           <a:solidFill>
@@ -9267,14 +8876,14 @@
       </p:pic>
       <p:pic>
         <p:nvPicPr>
-          <p:cNvPr id="1163" name="그림 7"/>
+          <p:cNvPr id="39" name="그림 15" descr="C:/Users/nwond/AppData/Roaming/PolarisOffice/ETemp/27104_13584496/fImage63852636500.png"/>
           <p:cNvPicPr>
             <a:picLocks noChangeAspect="1"/>
           </p:cNvPicPr>
           <p:nvPr/>
         </p:nvPicPr>
         <p:blipFill rotWithShape="1">
-          <a:blip r:embed="rId16" cstate="print">
+          <a:blip r:embed="rId5" cstate="print">
             <a:extLst>
               <a:ext uri="{28A0092B-C50C-407E-A947-70E740481C1C}">
                 <a14:useLocalDpi xmlns:a14="http://schemas.microsoft.com/office/drawing/2010/main" val="0"/>
@@ -9287,39 +8896,8 @@
         </p:blipFill>
         <p:spPr>
           <a:xfrm rot="0">
-            <a:off x="6813550" y="1447165"/>
-            <a:ext cx="2722880" cy="3712845"/>
-          </a:xfrm>
-          <a:prstGeom prst="roundRect"/>
-          <a:solidFill>
-            <a:srgbClr val="EDEDED"/>
-          </a:solidFill>
-        </p:spPr>
-      </p:pic>
-      <p:pic>
-        <p:nvPicPr>
-          <p:cNvPr id="1164" name="그림 11"/>
-          <p:cNvPicPr>
-            <a:picLocks noChangeAspect="1"/>
-          </p:cNvPicPr>
-          <p:nvPr/>
-        </p:nvPicPr>
-        <p:blipFill rotWithShape="1">
-          <a:blip r:embed="rId17" cstate="print">
-            <a:extLst>
-              <a:ext uri="{28A0092B-C50C-407E-A947-70E740481C1C}">
-                <a14:useLocalDpi xmlns:a14="http://schemas.microsoft.com/office/drawing/2010/main" val="0"/>
-              </a:ext>
-            </a:extLst>
-          </a:blip>
-          <a:stretch>
-            <a:fillRect/>
-          </a:stretch>
-        </p:blipFill>
-        <p:spPr>
-          <a:xfrm rot="0">
-            <a:off x="9716135" y="2402840"/>
-            <a:ext cx="1232535" cy="1844040"/>
+            <a:off x="9630410" y="2472690"/>
+            <a:ext cx="1317625" cy="1623060"/>
           </a:xfrm>
           <a:prstGeom prst="roundRect"/>
           <a:solidFill>
@@ -9376,9 +8954,9 @@
           <p:nvPr/>
         </p:nvSpPr>
         <p:spPr>
-          <a:xfrm rot="0">
+          <a:xfrm>
             <a:off x="4337050" y="377190"/>
-            <a:ext cx="3510915" cy="478155"/>
+            <a:ext cx="3511550" cy="478155"/>
           </a:xfrm>
           <a:prstGeom prst="rect"/>
           <a:noFill/>
@@ -9437,8 +9015,8 @@
         </p:nvSpPr>
         <p:spPr>
           <a:xfrm rot="0">
-            <a:off x="6813550" y="5236845"/>
-            <a:ext cx="4126865" cy="954405"/>
+            <a:off x="6813550" y="5314315"/>
+            <a:ext cx="4135755" cy="954405"/>
           </a:xfrm>
           <a:prstGeom prst="rect"/>
           <a:noFill/>
@@ -9458,16 +9036,6 @@
               <a:buNone/>
             </a:pPr>
             <a:r>
-              <a:rPr lang="ko-KR" sz="2000" b="1">
-                <a:solidFill>
-                  <a:srgbClr val="0611F2"/>
-                </a:solidFill>
-                <a:latin typeface="맑은 고딕" charset="0"/>
-                <a:ea typeface="맑은 고딕" charset="0"/>
-              </a:rPr>
-              <a:t>7</a:t>
-            </a:r>
-            <a:r>
               <a:rPr sz="2000" b="1">
                 <a:solidFill>
                   <a:srgbClr val="0611F2"/>
@@ -9475,7 +9043,7 @@
                 <a:latin typeface="맑은 고딕" charset="0"/>
                 <a:ea typeface="맑은 고딕" charset="0"/>
               </a:rPr>
-              <a:t>.</a:t>
+              <a:t>7</a:t>
             </a:r>
             <a:r>
               <a:rPr sz="2000" b="1">
@@ -9485,56 +9053,28 @@
                 <a:latin typeface="맑은 고딕" charset="0"/>
                 <a:ea typeface="맑은 고딕" charset="0"/>
               </a:rPr>
+              <a:t>. </a:t>
+            </a:r>
+            <a:r>
+              <a:rPr sz="1800">
+                <a:latin typeface="맑은 고딕" charset="0"/>
+                <a:ea typeface="맑은 고딕" charset="0"/>
+              </a:rPr>
+              <a:t>이제</a:t>
+            </a:r>
+            <a:r>
+              <a:rPr sz="1800">
+                <a:latin typeface="맑은 고딕" charset="0"/>
+                <a:ea typeface="맑은 고딕" charset="0"/>
+              </a:rPr>
               <a:t> </a:t>
             </a:r>
             <a:r>
-              <a:rPr sz="1800">
-                <a:latin typeface="맑은 고딕" charset="0"/>
-                <a:ea typeface="맑은 고딕" charset="0"/>
-              </a:rPr>
-              <a:t>이제 </a:t>
-            </a:r>
-            <a:r>
-              <a:rPr lang="ko-KR" sz="1800">
-                <a:latin typeface="맑은 고딕" charset="0"/>
-                <a:ea typeface="맑은 고딕" charset="0"/>
-              </a:rPr>
-              <a:t>빈 게임 오브젝트를 생성한 </a:t>
-            </a:r>
-            <a:r>
-              <a:rPr lang="ko-KR" sz="1800">
-                <a:latin typeface="맑은 고딕" charset="0"/>
-                <a:ea typeface="맑은 고딕" charset="0"/>
-              </a:rPr>
-              <a:t>다음</a:t>
-            </a:r>
-            <a:r>
-              <a:rPr lang="ko-KR" sz="1800">
-                <a:latin typeface="맑은 고딕" charset="0"/>
-                <a:ea typeface="맑은 고딕" charset="0"/>
-              </a:rPr>
-              <a:t> </a:t>
-            </a:r>
-            <a:r>
-              <a:rPr lang="ko-KR" sz="1800">
-                <a:latin typeface="맑은 고딕" charset="0"/>
-                <a:ea typeface="맑은 고딕" charset="0"/>
-              </a:rPr>
-              <a:t>Server Manager라는 이름으로 </a:t>
-            </a:r>
-            <a:r>
-              <a:rPr lang="ko-KR" sz="1800">
-                <a:latin typeface="맑은 고딕" charset="0"/>
-                <a:ea typeface="맑은 고딕" charset="0"/>
-              </a:rPr>
-              <a:t>정의합니</a:t>
-            </a:r>
-            <a:r>
-              <a:rPr lang="ko-KR" sz="1800">
-                <a:latin typeface="맑은 고딕" charset="0"/>
-                <a:ea typeface="맑은 고딕" charset="0"/>
-              </a:rPr>
-              <a:t>다.</a:t>
+              <a:rPr lang="ko-KR" sz="1800">
+                <a:latin typeface="맑은 고딕" charset="0"/>
+                <a:ea typeface="맑은 고딕" charset="0"/>
+              </a:rPr>
+              <a:t>UI에서 Dropdown - TextMeshPro를 생성하고 Server Selection이라는 이름으로 정의합니다.</a:t>
             </a:r>
             <a:endParaRPr lang="ko-KR" altLang="en-US" sz="1800">
               <a:latin typeface="맑은 고딕" charset="0"/>
@@ -9545,7 +9085,7 @@
       </p:sp>
       <p:sp>
         <p:nvSpPr>
-          <p:cNvPr id="1159" name="Rect 0"/>
+          <p:cNvPr id="1143" name="텍스트 상자 30"/>
           <p:cNvSpPr txBox="1">
             <a:spLocks/>
           </p:cNvSpPr>
@@ -9553,8 +9093,8 @@
         </p:nvSpPr>
         <p:spPr>
           <a:xfrm rot="0">
-            <a:off x="1231900" y="4958715"/>
-            <a:ext cx="4154805" cy="1231265"/>
+            <a:off x="1231265" y="3138170"/>
+            <a:ext cx="4149725" cy="677545"/>
           </a:xfrm>
           <a:prstGeom prst="rect"/>
           <a:noFill/>
@@ -9581,7 +9121,7 @@
                 <a:latin typeface="맑은 고딕" charset="0"/>
                 <a:ea typeface="맑은 고딕" charset="0"/>
               </a:rPr>
-              <a:t>6</a:t>
+              <a:t>5</a:t>
             </a:r>
             <a:r>
               <a:rPr sz="2000" b="1">
@@ -9591,206 +9131,35 @@
                 <a:latin typeface="맑은 고딕" charset="0"/>
                 <a:ea typeface="맑은 고딕" charset="0"/>
               </a:rPr>
-              <a:t>.</a:t>
-            </a:r>
-            <a:r>
-              <a:rPr sz="2000" b="1">
-                <a:solidFill>
-                  <a:srgbClr val="0611F2"/>
-                </a:solidFill>
-                <a:latin typeface="맑은 고딕" charset="0"/>
-                <a:ea typeface="맑은 고딕" charset="0"/>
-              </a:rPr>
-              <a:t> </a:t>
+              <a:t>. </a:t>
             </a:r>
             <a:r>
               <a:rPr sz="1800">
                 <a:latin typeface="맑은 고딕" charset="0"/>
                 <a:ea typeface="맑은 고딕" charset="0"/>
               </a:rPr>
-              <a:t>그러고 나서 Back Ground </a:t>
+              <a:t>그</a:t>
+            </a:r>
+            <a:r>
+              <a:rPr lang="ko-KR" sz="1800">
+                <a:latin typeface="맑은 고딕" charset="0"/>
+                <a:ea typeface="맑은 고딕" charset="0"/>
+              </a:rPr>
+              <a:t>다음</a:t>
             </a:r>
             <a:r>
               <a:rPr sz="1800">
                 <a:latin typeface="맑은 고딕" charset="0"/>
                 <a:ea typeface="맑은 고딕" charset="0"/>
               </a:rPr>
-              <a:t>Texture</a:t>
-            </a:r>
-            <a:r>
-              <a:rPr sz="1800">
-                <a:latin typeface="맑은 고딕" charset="0"/>
-                <a:ea typeface="맑은 고딕" charset="0"/>
-              </a:rPr>
-              <a:t> </a:t>
-            </a:r>
-            <a:r>
-              <a:rPr sz="1800">
-                <a:latin typeface="맑은 고딕" charset="0"/>
-                <a:ea typeface="맑은 고딕" charset="0"/>
-              </a:rPr>
-              <a:t>폴</a:t>
-            </a:r>
-            <a:r>
-              <a:rPr lang="ko-KR" sz="1800">
-                <a:latin typeface="맑은 고딕" charset="0"/>
-                <a:ea typeface="맑은 고딕" charset="0"/>
-              </a:rPr>
-              <a:t>더</a:t>
-            </a:r>
-            <a:r>
-              <a:rPr sz="1800">
-                <a:latin typeface="맑은 고딕" charset="0"/>
-                <a:ea typeface="맑은 고딕" charset="0"/>
-              </a:rPr>
-              <a:t>에</a:t>
-            </a:r>
-            <a:r>
-              <a:rPr sz="1800">
-                <a:latin typeface="맑은 고딕" charset="0"/>
-                <a:ea typeface="맑은 고딕" charset="0"/>
-              </a:rPr>
-              <a:t> </a:t>
-            </a:r>
-            <a:r>
-              <a:rPr sz="1800">
-                <a:latin typeface="맑은 고딕" charset="0"/>
-                <a:ea typeface="맑은 고딕" charset="0"/>
-              </a:rPr>
-              <a:t>있는</a:t>
-            </a:r>
-            <a:r>
-              <a:rPr sz="1800">
-                <a:latin typeface="맑은 고딕" charset="0"/>
-                <a:ea typeface="맑은 고딕" charset="0"/>
-              </a:rPr>
-              <a:t> </a:t>
-            </a:r>
-            <a:r>
-              <a:rPr sz="1800">
-                <a:latin typeface="맑은 고딕" charset="0"/>
-                <a:ea typeface="맑은 고딕" charset="0"/>
-              </a:rPr>
-              <a:t>Lobby</a:t>
-            </a:r>
-            <a:r>
-              <a:rPr sz="1800">
-                <a:latin typeface="맑은 고딕" charset="0"/>
-                <a:ea typeface="맑은 고딕" charset="0"/>
-              </a:rPr>
-              <a:t> </a:t>
-            </a:r>
-            <a:r>
-              <a:rPr sz="1800">
-                <a:latin typeface="맑은 고딕" charset="0"/>
-                <a:ea typeface="맑은 고딕" charset="0"/>
-              </a:rPr>
-              <a:t>텍스</a:t>
-            </a:r>
-            <a:r>
-              <a:rPr lang="ko-KR" sz="1800">
-                <a:latin typeface="맑은 고딕" charset="0"/>
-                <a:ea typeface="맑은 고딕" charset="0"/>
-              </a:rPr>
-              <a:t>처를</a:t>
-            </a:r>
-            <a:r>
-              <a:rPr sz="1800">
-                <a:latin typeface="맑은 고딕" charset="0"/>
-                <a:ea typeface="맑은 고딕" charset="0"/>
-              </a:rPr>
-              <a:t> </a:t>
-            </a:r>
-            <a:r>
-              <a:rPr sz="1800">
-                <a:latin typeface="맑은 고딕" charset="0"/>
-                <a:ea typeface="맑은 고딕" charset="0"/>
-              </a:rPr>
-              <a:t>선택</a:t>
-            </a:r>
-            <a:r>
-              <a:rPr lang="ko-KR" sz="1800">
-                <a:latin typeface="맑은 고딕" charset="0"/>
-                <a:ea typeface="맑은 고딕" charset="0"/>
-              </a:rPr>
-              <a:t>한 </a:t>
-            </a:r>
-            <a:r>
-              <a:rPr lang="ko-KR" sz="1800">
-                <a:latin typeface="맑은 고딕" charset="0"/>
-                <a:ea typeface="맑은 고딕" charset="0"/>
-              </a:rPr>
-              <a:t>다음</a:t>
-            </a:r>
-            <a:r>
-              <a:rPr sz="1800">
-                <a:latin typeface="맑은 고딕" charset="0"/>
-                <a:ea typeface="맑은 고딕" charset="0"/>
-              </a:rPr>
-              <a:t> </a:t>
-            </a:r>
-            <a:r>
-              <a:rPr sz="1800">
-                <a:latin typeface="맑은 고딕" charset="0"/>
-                <a:ea typeface="맑은 고딕" charset="0"/>
-              </a:rPr>
-              <a:t>Back</a:t>
-            </a:r>
-            <a:r>
-              <a:rPr sz="1800">
-                <a:latin typeface="맑은 고딕" charset="0"/>
-                <a:ea typeface="맑은 고딕" charset="0"/>
-              </a:rPr>
-              <a:t> </a:t>
-            </a:r>
-            <a:r>
-              <a:rPr sz="1800">
-                <a:latin typeface="맑은 고딕" charset="0"/>
-                <a:ea typeface="맑은 고딕" charset="0"/>
-              </a:rPr>
-              <a:t>Ground</a:t>
-            </a:r>
-            <a:r>
-              <a:rPr sz="1800">
-                <a:latin typeface="맑은 고딕" charset="0"/>
-                <a:ea typeface="맑은 고딕" charset="0"/>
-              </a:rPr>
-              <a:t> </a:t>
-            </a:r>
-            <a:r>
-              <a:rPr sz="1800">
-                <a:latin typeface="맑은 고딕" charset="0"/>
-                <a:ea typeface="맑은 고딕" charset="0"/>
-              </a:rPr>
-              <a:t>오브젝트의</a:t>
-            </a:r>
-            <a:r>
-              <a:rPr sz="1800">
-                <a:latin typeface="맑은 고딕" charset="0"/>
-                <a:ea typeface="맑은 고딕" charset="0"/>
-              </a:rPr>
-              <a:t> </a:t>
-            </a:r>
-            <a:r>
-              <a:rPr sz="1800">
-                <a:latin typeface="맑은 고딕" charset="0"/>
-                <a:ea typeface="맑은 고딕" charset="0"/>
-              </a:rPr>
-              <a:t>Source </a:t>
-            </a:r>
-            <a:r>
-              <a:rPr sz="1800">
-                <a:latin typeface="맑은 고딕" charset="0"/>
-                <a:ea typeface="맑은 고딕" charset="0"/>
-              </a:rPr>
-              <a:t>Image에</a:t>
-            </a:r>
-            <a:r>
-              <a:rPr sz="1800">
-                <a:latin typeface="맑은 고딕" charset="0"/>
-                <a:ea typeface="맑은 고딕" charset="0"/>
-              </a:rPr>
-              <a:t> 넣어줍니다.</a:t>
+              <a:t> Back </a:t>
+            </a:r>
+            <a:r>
+              <a:rPr lang="ko-KR" sz="1800">
+                <a:latin typeface="맑은 고딕" charset="0"/>
+                <a:ea typeface="맑은 고딕" charset="0"/>
+              </a:rPr>
+              <a:t>Ground 오브젝트의 앵커를 Stretch로 설정합니다.</a:t>
             </a:r>
             <a:endParaRPr lang="ko-KR" altLang="en-US" sz="1800">
               <a:latin typeface="맑은 고딕" charset="0"/>
@@ -9801,14 +9170,14 @@
       </p:sp>
       <p:pic>
         <p:nvPicPr>
-          <p:cNvPr id="1164" name="그림 28"/>
+          <p:cNvPr id="1157" name="그림 11" descr="C:/Users/nwond/AppData/Roaming/PolarisOffice/ETemp/27104_13584496/fImage120662296500.png"/>
           <p:cNvPicPr>
             <a:picLocks noChangeAspect="1"/>
           </p:cNvPicPr>
           <p:nvPr/>
         </p:nvPicPr>
         <p:blipFill rotWithShape="1">
-          <a:blip r:embed="rId3" cstate="hqprint">
+          <a:blip r:embed="rId11" cstate="hqprint">
             <a:extLst>
               <a:ext uri="{28A0092B-C50C-407E-A947-70E740481C1C}">
                 <a14:useLocalDpi xmlns:a14="http://schemas.microsoft.com/office/drawing/2010/main"/>
@@ -9821,8 +9190,8 @@
         </p:blipFill>
         <p:spPr>
           <a:xfrm rot="0">
-            <a:off x="1223645" y="1445895"/>
-            <a:ext cx="4152900" cy="2209165"/>
+            <a:off x="1223645" y="1447165"/>
+            <a:ext cx="4153535" cy="1593215"/>
           </a:xfrm>
           <a:prstGeom prst="roundRect"/>
           <a:solidFill>
@@ -9832,14 +9201,14 @@
       </p:pic>
       <p:pic>
         <p:nvPicPr>
-          <p:cNvPr id="1165" name="그림 31"/>
+          <p:cNvPr id="1163" name="그림 7" descr="C:/Users/nwond/AppData/Roaming/PolarisOffice/ETemp/27104_13584496/fImage214592086500.png"/>
           <p:cNvPicPr>
             <a:picLocks noChangeAspect="1"/>
           </p:cNvPicPr>
           <p:nvPr/>
         </p:nvPicPr>
         <p:blipFill rotWithShape="1">
-          <a:blip r:embed="rId4" cstate="hqprint">
+          <a:blip r:embed="rId16" cstate="hqprint">
             <a:extLst>
               <a:ext uri="{28A0092B-C50C-407E-A947-70E740481C1C}">
                 <a14:useLocalDpi xmlns:a14="http://schemas.microsoft.com/office/drawing/2010/main"/>
@@ -9852,8 +9221,8 @@
         </p:blipFill>
         <p:spPr>
           <a:xfrm rot="0">
-            <a:off x="1221105" y="3870960"/>
-            <a:ext cx="4148455" cy="987425"/>
+            <a:off x="6813550" y="1447165"/>
+            <a:ext cx="2700020" cy="3688080"/>
           </a:xfrm>
           <a:prstGeom prst="roundRect"/>
           <a:solidFill>
@@ -9861,48 +9230,115 @@
           </a:solidFill>
         </p:spPr>
       </p:pic>
-      <p:cxnSp>
-        <p:nvCxnSpPr>
-          <p:cNvPr id="1166" name="도형 34"/>
-          <p:cNvCxnSpPr/>
+      <p:sp>
+        <p:nvSpPr>
+          <p:cNvPr id="1165" name="텍스트 상자 18"/>
+          <p:cNvSpPr txBox="1">
+            <a:spLocks/>
+          </p:cNvSpPr>
           <p:nvPr/>
-        </p:nvCxnSpPr>
-        <p:spPr>
-          <a:xfrm rot="0" flipV="1">
-            <a:off x="2139315" y="1766570"/>
-            <a:ext cx="3091815" cy="2442210"/>
-          </a:xfrm>
-          <a:prstGeom prst="straightConnector1"/>
-          <a:ln w="6350" cap="flat" cmpd="sng">
+        </p:nvSpPr>
+        <p:spPr>
+          <a:xfrm rot="0">
+            <a:off x="1231900" y="5315585"/>
+            <a:ext cx="4147185" cy="954405"/>
+          </a:xfrm>
+          <a:prstGeom prst="rect"/>
+          <a:noFill/>
+          <a:ln w="0">
+            <a:noFill/>
             <a:prstDash/>
-            <a:tailEnd type="triangle" w="med" len="med"/>
           </a:ln>
         </p:spPr>
-        <p:style>
-          <a:lnRef idx="1">
-            <a:schemeClr val="accent1"/>
-          </a:lnRef>
-          <a:fillRef idx="0">
-            <a:schemeClr val="accent1"/>
-          </a:fillRef>
-          <a:effectRef idx="0">
-            <a:schemeClr val="accent1"/>
-          </a:effectRef>
-          <a:fontRef idx="minor">
-            <a:schemeClr val="tx1"/>
-          </a:fontRef>
-        </p:style>
-      </p:cxnSp>
+        <p:txBody>
+          <a:bodyPr wrap="square" lIns="89535" tIns="46355" rIns="89535" bIns="46355" numCol="1" vert="horz" anchor="t">
+            <a:spAutoFit/>
+          </a:bodyPr>
+          <a:lstStyle/>
+          <a:p>
+            <a:pPr marL="0" indent="0" rtl="0" algn="l" defTabSz="914400" eaLnBrk="1" latinLnBrk="0" hangingPunct="1">
+              <a:buFontTx/>
+              <a:buNone/>
+            </a:pPr>
+            <a:r>
+              <a:rPr lang="ko-KR" sz="2000" b="1">
+                <a:solidFill>
+                  <a:srgbClr val="0611F2"/>
+                </a:solidFill>
+                <a:latin typeface="맑은 고딕" charset="0"/>
+                <a:ea typeface="맑은 고딕" charset="0"/>
+              </a:rPr>
+              <a:t>6</a:t>
+            </a:r>
+            <a:r>
+              <a:rPr sz="2000" b="1">
+                <a:solidFill>
+                  <a:srgbClr val="0611F2"/>
+                </a:solidFill>
+                <a:latin typeface="맑은 고딕" charset="0"/>
+                <a:ea typeface="맑은 고딕" charset="0"/>
+              </a:rPr>
+              <a:t>. </a:t>
+            </a:r>
+            <a:r>
+              <a:rPr lang="ko-KR" sz="1800">
+                <a:latin typeface="맑은 고딕" charset="0"/>
+                <a:ea typeface="맑은 고딕" charset="0"/>
+              </a:rPr>
+              <a:t>그러고 나서 Connect</a:t>
+            </a:r>
+            <a:r>
+              <a:rPr sz="1800">
+                <a:latin typeface="맑은 고딕" charset="0"/>
+                <a:ea typeface="맑은 고딕" charset="0"/>
+              </a:rPr>
+              <a:t> </a:t>
+            </a:r>
+            <a:r>
+              <a:rPr lang="ko-KR" sz="1800">
+                <a:latin typeface="맑은 고딕" charset="0"/>
+                <a:ea typeface="맑은 고딕" charset="0"/>
+              </a:rPr>
+              <a:t>B</a:t>
+            </a:r>
+            <a:r>
+              <a:rPr lang="ko-KR" sz="1800">
+                <a:latin typeface="맑은 고딕" charset="0"/>
+                <a:ea typeface="맑은 고딕" charset="0"/>
+              </a:rPr>
+              <a:t>utton </a:t>
+            </a:r>
+            <a:r>
+              <a:rPr lang="ko-KR" sz="1800">
+                <a:latin typeface="맑은 고딕" charset="0"/>
+                <a:ea typeface="맑은 고딕" charset="0"/>
+              </a:rPr>
+              <a:t>오브젝트</a:t>
+            </a:r>
+            <a:r>
+              <a:rPr sz="1800">
+                <a:latin typeface="맑은 고딕" charset="0"/>
+                <a:ea typeface="맑은 고딕" charset="0"/>
+              </a:rPr>
+              <a:t>의 OnClick( ) 함수를 추가합니다.</a:t>
+            </a:r>
+            <a:endParaRPr lang="ko-KR" altLang="en-US" sz="1800">
+              <a:latin typeface="맑은 고딕" charset="0"/>
+              <a:ea typeface="맑은 고딕" charset="0"/>
+            </a:endParaRPr>
+          </a:p>
+        </p:txBody>
+      </p:sp>
       <p:pic>
         <p:nvPicPr>
-          <p:cNvPr id="1167" name="그림 17"/>
+          <p:cNvPr id="1166" name="그림 19" descr="C:/Users/nwond/AppData/Roaming/PolarisOffice/ETemp/27104_13584496/fImage3017334491.png"/>
           <p:cNvPicPr>
             <a:picLocks noChangeAspect="1"/>
           </p:cNvPicPr>
           <p:nvPr/>
         </p:nvPicPr>
         <p:blipFill rotWithShape="1">
-          <a:blip r:embed="rId7" cstate="hqprint">
+          <a:blip r:embed="rId18" cstate="hqprint">
             <a:extLst>
               <a:ext uri="{28A0092B-C50C-407E-A947-70E740481C1C}">
                 <a14:useLocalDpi xmlns:a14="http://schemas.microsoft.com/office/drawing/2010/main"/>
@@ -9915,8 +9351,8 @@
         </p:blipFill>
         <p:spPr>
           <a:xfrm rot="0">
-            <a:off x="6814820" y="1445895"/>
-            <a:ext cx="2581275" cy="3602990"/>
+            <a:off x="1212850" y="3945255"/>
+            <a:ext cx="4174490" cy="1284605"/>
           </a:xfrm>
           <a:prstGeom prst="roundRect"/>
           <a:solidFill>
@@ -9926,14 +9362,14 @@
       </p:pic>
       <p:pic>
         <p:nvPicPr>
-          <p:cNvPr id="1168" name="그림 18"/>
+          <p:cNvPr id="1167" name="그림 21" descr="C:/Users/nwond/AppData/Roaming/PolarisOffice/ETemp/27104_13584496/fImage70162679169.png"/>
           <p:cNvPicPr>
             <a:picLocks noChangeAspect="1"/>
           </p:cNvPicPr>
           <p:nvPr/>
         </p:nvPicPr>
         <p:blipFill rotWithShape="1">
-          <a:blip r:embed="rId8" cstate="print">
+          <a:blip r:embed="rId19" cstate="print">
             <a:extLst>
               <a:ext uri="{28A0092B-C50C-407E-A947-70E740481C1C}">
                 <a14:useLocalDpi xmlns:a14="http://schemas.microsoft.com/office/drawing/2010/main" val="0"/>
@@ -9946,8 +9382,8 @@
         </p:blipFill>
         <p:spPr>
           <a:xfrm rot="0">
-            <a:off x="9559925" y="2300605"/>
-            <a:ext cx="1376680" cy="1873885"/>
+            <a:off x="9646285" y="2440940"/>
+            <a:ext cx="1301115" cy="1685925"/>
           </a:xfrm>
           <a:prstGeom prst="roundRect"/>
           <a:solidFill>
@@ -9997,7 +9433,7 @@
       </p:grpSpPr>
       <p:sp>
         <p:nvSpPr>
-          <p:cNvPr id="36" name="텍스트 상자 355"/>
+          <p:cNvPr id="1031" name="Rect 0"/>
           <p:cNvSpPr txBox="1">
             <a:spLocks/>
           </p:cNvSpPr>
@@ -10005,8 +9441,8 @@
         </p:nvSpPr>
         <p:spPr>
           <a:xfrm>
-            <a:off x="4332605" y="372110"/>
-            <a:ext cx="3527425" cy="478155"/>
+            <a:off x="4337050" y="377190"/>
+            <a:ext cx="3511550" cy="478155"/>
           </a:xfrm>
           <a:prstGeom prst="rect"/>
           <a:noFill/>
@@ -10055,16 +9491,235 @@
           </a:p>
         </p:txBody>
       </p:sp>
+      <p:sp>
+        <p:nvSpPr>
+          <p:cNvPr id="1134" name="Rect 0"/>
+          <p:cNvSpPr txBox="1">
+            <a:spLocks/>
+          </p:cNvSpPr>
+          <p:nvPr/>
+        </p:nvSpPr>
+        <p:spPr>
+          <a:xfrm rot="0">
+            <a:off x="6805930" y="5236845"/>
+            <a:ext cx="4140835" cy="954405"/>
+          </a:xfrm>
+          <a:prstGeom prst="rect"/>
+          <a:noFill/>
+          <a:ln w="0">
+            <a:noFill/>
+            <a:prstDash/>
+          </a:ln>
+        </p:spPr>
+        <p:txBody>
+          <a:bodyPr wrap="square" lIns="89535" tIns="46355" rIns="89535" bIns="46355" numCol="1" vert="horz" anchor="t">
+            <a:spAutoFit/>
+          </a:bodyPr>
+          <a:lstStyle/>
+          <a:p>
+            <a:pPr marL="0" indent="0" rtl="0" algn="l" defTabSz="914400" eaLnBrk="1" latinLnBrk="0" hangingPunct="1">
+              <a:buFontTx/>
+              <a:buNone/>
+            </a:pPr>
+            <a:r>
+              <a:rPr lang="ko-KR" sz="2000" b="1">
+                <a:solidFill>
+                  <a:srgbClr val="0611F2"/>
+                </a:solidFill>
+                <a:latin typeface="맑은 고딕" charset="0"/>
+                <a:ea typeface="맑은 고딕" charset="0"/>
+              </a:rPr>
+              <a:t>9</a:t>
+            </a:r>
+            <a:r>
+              <a:rPr sz="2000" b="1">
+                <a:solidFill>
+                  <a:srgbClr val="0611F2"/>
+                </a:solidFill>
+                <a:latin typeface="맑은 고딕" charset="0"/>
+                <a:ea typeface="맑은 고딕" charset="0"/>
+              </a:rPr>
+              <a:t>. </a:t>
+            </a:r>
+            <a:r>
+              <a:rPr sz="1800">
+                <a:latin typeface="맑은 고딕" charset="0"/>
+                <a:ea typeface="맑은 고딕" charset="0"/>
+              </a:rPr>
+              <a:t>그런 </a:t>
+            </a:r>
+            <a:r>
+              <a:rPr sz="1800">
+                <a:latin typeface="맑은 고딕" charset="0"/>
+                <a:ea typeface="맑은 고딕" charset="0"/>
+              </a:rPr>
+              <a:t>다음</a:t>
+            </a:r>
+            <a:r>
+              <a:rPr sz="1800">
+                <a:latin typeface="맑은 고딕" charset="0"/>
+                <a:ea typeface="맑은 고딕" charset="0"/>
+              </a:rPr>
+              <a:t> </a:t>
+            </a:r>
+            <a:r>
+              <a:rPr lang="ko-KR" sz="1800">
+                <a:latin typeface="맑은 고딕" charset="0"/>
+                <a:ea typeface="맑은 고딕" charset="0"/>
+              </a:rPr>
+              <a:t>빈 게임 오브젝트를 생성</a:t>
+            </a:r>
+            <a:r>
+              <a:rPr lang="ko-KR" sz="1800">
+                <a:latin typeface="맑은 고딕" charset="0"/>
+                <a:ea typeface="맑은 고딕" charset="0"/>
+              </a:rPr>
+              <a:t>하고</a:t>
+            </a:r>
+            <a:r>
+              <a:rPr lang="ko-KR" sz="1800">
+                <a:latin typeface="맑은 고딕" charset="0"/>
+                <a:ea typeface="맑은 고딕" charset="0"/>
+              </a:rPr>
+              <a:t> Server Manager라는 이름으로 정의합니다.</a:t>
+            </a:r>
+            <a:endParaRPr lang="ko-KR" altLang="en-US" sz="1800">
+              <a:latin typeface="맑은 고딕" charset="0"/>
+              <a:ea typeface="맑은 고딕" charset="0"/>
+            </a:endParaRPr>
+          </a:p>
+        </p:txBody>
+      </p:sp>
+      <p:sp>
+        <p:nvSpPr>
+          <p:cNvPr id="1159" name="Rect 0"/>
+          <p:cNvSpPr txBox="1">
+            <a:spLocks/>
+          </p:cNvSpPr>
+          <p:nvPr/>
+        </p:nvSpPr>
+        <p:spPr>
+          <a:xfrm>
+            <a:off x="1231900" y="4958715"/>
+            <a:ext cx="4155440" cy="1231265"/>
+          </a:xfrm>
+          <a:prstGeom prst="rect"/>
+          <a:noFill/>
+          <a:ln w="0">
+            <a:noFill/>
+            <a:prstDash/>
+          </a:ln>
+        </p:spPr>
+        <p:txBody>
+          <a:bodyPr wrap="square" lIns="89535" tIns="46355" rIns="89535" bIns="46355" numCol="1" vert="horz" anchor="t">
+            <a:spAutoFit/>
+          </a:bodyPr>
+          <a:lstStyle/>
+          <a:p>
+            <a:pPr marL="0" indent="0" rtl="0" algn="l" defTabSz="914400" eaLnBrk="1" latinLnBrk="0" hangingPunct="1">
+              <a:buFontTx/>
+              <a:buNone/>
+            </a:pPr>
+            <a:r>
+              <a:rPr lang="ko-KR" sz="2000" b="1">
+                <a:solidFill>
+                  <a:srgbClr val="0611F2"/>
+                </a:solidFill>
+                <a:latin typeface="맑은 고딕" charset="0"/>
+                <a:ea typeface="맑은 고딕" charset="0"/>
+              </a:rPr>
+              <a:t>8</a:t>
+            </a:r>
+            <a:r>
+              <a:rPr sz="2000" b="1">
+                <a:solidFill>
+                  <a:srgbClr val="0611F2"/>
+                </a:solidFill>
+                <a:latin typeface="맑은 고딕" charset="0"/>
+                <a:ea typeface="맑은 고딕" charset="0"/>
+              </a:rPr>
+              <a:t>. </a:t>
+            </a:r>
+            <a:r>
+              <a:rPr sz="1800">
+                <a:latin typeface="맑은 고딕" charset="0"/>
+                <a:ea typeface="맑은 고딕" charset="0"/>
+              </a:rPr>
+              <a:t>그</a:t>
+            </a:r>
+            <a:r>
+              <a:rPr sz="1800">
+                <a:latin typeface="맑은 고딕" charset="0"/>
+                <a:ea typeface="맑은 고딕" charset="0"/>
+              </a:rPr>
+              <a:t>리고</a:t>
+            </a:r>
+            <a:r>
+              <a:rPr sz="1800">
+                <a:latin typeface="맑은 고딕" charset="0"/>
+                <a:ea typeface="맑은 고딕" charset="0"/>
+              </a:rPr>
+              <a:t> Back Ground Texture 폴</a:t>
+            </a:r>
+            <a:r>
+              <a:rPr lang="ko-KR" sz="1800">
+                <a:latin typeface="맑은 고딕" charset="0"/>
+                <a:ea typeface="맑은 고딕" charset="0"/>
+              </a:rPr>
+              <a:t>더</a:t>
+            </a:r>
+            <a:r>
+              <a:rPr sz="1800">
+                <a:latin typeface="맑은 고딕" charset="0"/>
+                <a:ea typeface="맑은 고딕" charset="0"/>
+              </a:rPr>
+              <a:t>에 있는 Lobby 텍스</a:t>
+            </a:r>
+            <a:r>
+              <a:rPr lang="ko-KR" sz="1800">
+                <a:latin typeface="맑은 고딕" charset="0"/>
+                <a:ea typeface="맑은 고딕" charset="0"/>
+              </a:rPr>
+              <a:t>처를</a:t>
+            </a:r>
+            <a:r>
+              <a:rPr sz="1800">
+                <a:latin typeface="맑은 고딕" charset="0"/>
+                <a:ea typeface="맑은 고딕" charset="0"/>
+              </a:rPr>
+              <a:t> 선택</a:t>
+            </a:r>
+            <a:r>
+              <a:rPr lang="ko-KR" sz="1800">
+                <a:latin typeface="맑은 고딕" charset="0"/>
+                <a:ea typeface="맑은 고딕" charset="0"/>
+              </a:rPr>
+              <a:t>한 다음</a:t>
+            </a:r>
+            <a:r>
+              <a:rPr sz="1800">
+                <a:latin typeface="맑은 고딕" charset="0"/>
+                <a:ea typeface="맑은 고딕" charset="0"/>
+              </a:rPr>
+              <a:t> Back Ground 오브젝트의 Source Image에 넣어줍니다.</a:t>
+            </a:r>
+            <a:endParaRPr lang="ko-KR" altLang="en-US" sz="1800">
+              <a:latin typeface="맑은 고딕" charset="0"/>
+              <a:ea typeface="맑은 고딕" charset="0"/>
+            </a:endParaRPr>
+          </a:p>
+        </p:txBody>
+      </p:sp>
       <p:pic>
         <p:nvPicPr>
-          <p:cNvPr id="45" name="그림 23"/>
+          <p:cNvPr id="1164" name="그림 28"/>
           <p:cNvPicPr>
             <a:picLocks noChangeAspect="1"/>
           </p:cNvPicPr>
           <p:nvPr/>
         </p:nvPicPr>
         <p:blipFill rotWithShape="1">
-          <a:blip r:embed="rId11" cstate="hqprint">
+          <a:blip r:embed="rId3" cstate="hqprint">
             <a:extLst>
               <a:ext uri="{28A0092B-C50C-407E-A947-70E740481C1C}">
                 <a14:useLocalDpi xmlns:a14="http://schemas.microsoft.com/office/drawing/2010/main"/>
@@ -10077,8 +9732,8 @@
         </p:blipFill>
         <p:spPr>
           <a:xfrm rot="0">
-            <a:off x="10001250" y="2797810"/>
-            <a:ext cx="962025" cy="1099820"/>
+            <a:off x="1223645" y="1445895"/>
+            <a:ext cx="4152900" cy="2209165"/>
           </a:xfrm>
           <a:prstGeom prst="roundRect"/>
           <a:solidFill>
@@ -10086,368 +9741,16 @@
           </a:solidFill>
         </p:spPr>
       </p:pic>
-      <p:sp>
-        <p:nvSpPr>
-          <p:cNvPr id="49" name="텍스트 상자 29"/>
-          <p:cNvSpPr txBox="1">
-            <a:spLocks/>
-          </p:cNvSpPr>
-          <p:nvPr/>
-        </p:nvSpPr>
-        <p:spPr>
-          <a:xfrm rot="0">
-            <a:off x="6832600" y="5333365"/>
-            <a:ext cx="4139565" cy="954405"/>
-          </a:xfrm>
-          <a:prstGeom prst="rect"/>
-          <a:noFill/>
-          <a:ln w="0">
-            <a:noFill/>
-            <a:prstDash/>
-          </a:ln>
-        </p:spPr>
-        <p:txBody>
-          <a:bodyPr wrap="square" lIns="89535" tIns="46355" rIns="89535" bIns="46355" numCol="1" vert="horz" anchor="t">
-            <a:spAutoFit/>
-          </a:bodyPr>
-          <a:lstStyle/>
-          <a:p>
-            <a:pPr marL="0" indent="0" rtl="0" algn="l" defTabSz="914400" eaLnBrk="1" latinLnBrk="0" hangingPunct="1">
-              <a:buFontTx/>
-              <a:buNone/>
-            </a:pPr>
-            <a:r>
-              <a:rPr sz="2000" b="1">
-                <a:solidFill>
-                  <a:srgbClr val="0611F2"/>
-                </a:solidFill>
-                <a:latin typeface="맑은 고딕" charset="0"/>
-                <a:ea typeface="맑은 고딕" charset="0"/>
-              </a:rPr>
-              <a:t>10.</a:t>
-            </a:r>
-            <a:r>
-              <a:rPr sz="2000" b="1">
-                <a:solidFill>
-                  <a:srgbClr val="0611F2"/>
-                </a:solidFill>
-                <a:latin typeface="맑은 고딕" charset="0"/>
-                <a:ea typeface="맑은 고딕" charset="0"/>
-              </a:rPr>
-              <a:t> </a:t>
-            </a:r>
-            <a:r>
-              <a:rPr sz="1800">
-                <a:latin typeface="맑은 고딕" charset="0"/>
-                <a:ea typeface="맑은 고딕" charset="0"/>
-              </a:rPr>
-              <a:t>그다음으로 </a:t>
-            </a:r>
-            <a:r>
-              <a:rPr sz="1800">
-                <a:latin typeface="맑은 고딕" charset="0"/>
-                <a:ea typeface="맑은 고딕" charset="0"/>
-              </a:rPr>
-              <a:t>C# Script를 생성하고 </a:t>
-            </a:r>
-            <a:r>
-              <a:rPr lang="ko-KR" sz="1800">
-                <a:latin typeface="맑은 고딕" charset="0"/>
-                <a:ea typeface="맑은 고딕" charset="0"/>
-              </a:rPr>
-              <a:t>C</a:t>
-            </a:r>
-            <a:r>
-              <a:rPr lang="ko-KR" sz="1800">
-                <a:latin typeface="맑은 고딕" charset="0"/>
-                <a:ea typeface="맑은 고딕" charset="0"/>
-              </a:rPr>
-              <a:t>onnectServer</a:t>
-            </a:r>
-            <a:r>
-              <a:rPr sz="1800">
-                <a:latin typeface="맑은 고딕" charset="0"/>
-                <a:ea typeface="맑은 고딕" charset="0"/>
-              </a:rPr>
-              <a:t>라는</a:t>
-            </a:r>
-            <a:r>
-              <a:rPr sz="1800">
-                <a:latin typeface="맑은 고딕" charset="0"/>
-                <a:ea typeface="맑은 고딕" charset="0"/>
-              </a:rPr>
-              <a:t> 이름으로 </a:t>
-            </a:r>
-            <a:r>
-              <a:rPr sz="1800">
-                <a:latin typeface="맑은 고딕" charset="0"/>
-                <a:ea typeface="맑은 고딕" charset="0"/>
-              </a:rPr>
-              <a:t>정의합니다.</a:t>
-            </a:r>
-            <a:endParaRPr lang="ko-KR" altLang="en-US" sz="1800">
-              <a:latin typeface="맑은 고딕" charset="0"/>
-              <a:ea typeface="맑은 고딕" charset="0"/>
-            </a:endParaRPr>
-          </a:p>
-        </p:txBody>
-      </p:sp>
-      <p:sp>
-        <p:nvSpPr>
-          <p:cNvPr id="55" name="텍스트 상자 45"/>
-          <p:cNvSpPr txBox="1">
-            <a:spLocks/>
-          </p:cNvSpPr>
-          <p:nvPr/>
-        </p:nvSpPr>
-        <p:spPr>
-          <a:xfrm rot="0">
-            <a:off x="1231900" y="2990850"/>
-            <a:ext cx="4126865" cy="677545"/>
-          </a:xfrm>
-          <a:prstGeom prst="rect"/>
-          <a:noFill/>
-          <a:ln w="0">
-            <a:noFill/>
-            <a:prstDash/>
-          </a:ln>
-        </p:spPr>
-        <p:txBody>
-          <a:bodyPr wrap="square" lIns="89535" tIns="46355" rIns="89535" bIns="46355" numCol="1" vert="horz" anchor="t">
-            <a:spAutoFit/>
-          </a:bodyPr>
-          <a:lstStyle/>
-          <a:p>
-            <a:pPr marL="0" indent="0" rtl="0" algn="l" defTabSz="914400" eaLnBrk="1" latinLnBrk="0" hangingPunct="1">
-              <a:buFontTx/>
-              <a:buNone/>
-            </a:pPr>
-            <a:r>
-              <a:rPr lang="ko-KR" sz="2000" b="1">
-                <a:solidFill>
-                  <a:srgbClr val="0611F2"/>
-                </a:solidFill>
-                <a:latin typeface="맑은 고딕" charset="0"/>
-                <a:ea typeface="맑은 고딕" charset="0"/>
-              </a:rPr>
-              <a:t>8</a:t>
-            </a:r>
-            <a:r>
-              <a:rPr sz="2000" b="1">
-                <a:solidFill>
-                  <a:srgbClr val="0611F2"/>
-                </a:solidFill>
-                <a:latin typeface="맑은 고딕" charset="0"/>
-                <a:ea typeface="맑은 고딕" charset="0"/>
-              </a:rPr>
-              <a:t>.</a:t>
-            </a:r>
-            <a:r>
-              <a:rPr sz="2000" b="1">
-                <a:solidFill>
-                  <a:srgbClr val="0611F2"/>
-                </a:solidFill>
-                <a:latin typeface="맑은 고딕" charset="0"/>
-                <a:ea typeface="맑은 고딕" charset="0"/>
-              </a:rPr>
-              <a:t> </a:t>
-            </a:r>
-            <a:r>
-              <a:rPr sz="1800">
-                <a:latin typeface="맑은 고딕" charset="0"/>
-                <a:ea typeface="맑은 고딕" charset="0"/>
-              </a:rPr>
-              <a:t>그리고</a:t>
-            </a:r>
-            <a:r>
-              <a:rPr lang="ko-KR" sz="1800">
-                <a:latin typeface="맑은 고딕" charset="0"/>
-                <a:ea typeface="맑은 고딕" charset="0"/>
-              </a:rPr>
-              <a:t> Server Manager</a:t>
-            </a:r>
-            <a:r>
-              <a:rPr sz="1800">
-                <a:latin typeface="맑은 고딕" charset="0"/>
-                <a:ea typeface="맑은 고딕" charset="0"/>
-              </a:rPr>
-              <a:t> </a:t>
-            </a:r>
-            <a:r>
-              <a:rPr sz="1800">
-                <a:latin typeface="맑은 고딕" charset="0"/>
-                <a:ea typeface="맑은 고딕" charset="0"/>
-              </a:rPr>
-              <a:t>오브젝트의</a:t>
-            </a:r>
-            <a:r>
-              <a:rPr sz="1800">
-                <a:latin typeface="맑은 고딕" charset="0"/>
-                <a:ea typeface="맑은 고딕" charset="0"/>
-              </a:rPr>
-              <a:t> </a:t>
-            </a:r>
-            <a:r>
-              <a:rPr sz="1800">
-                <a:latin typeface="맑은 고딕" charset="0"/>
-                <a:ea typeface="맑은 고딕" charset="0"/>
-              </a:rPr>
-              <a:t>위치와</a:t>
-            </a:r>
-            <a:r>
-              <a:rPr sz="1800">
-                <a:latin typeface="맑은 고딕" charset="0"/>
-                <a:ea typeface="맑은 고딕" charset="0"/>
-              </a:rPr>
-              <a:t> 회전 값을 </a:t>
-            </a:r>
-            <a:r>
-              <a:rPr sz="1800">
-                <a:latin typeface="맑은 고딕" charset="0"/>
-                <a:ea typeface="맑은 고딕" charset="0"/>
-              </a:rPr>
-              <a:t>초기화합니다.</a:t>
-            </a:r>
-            <a:endParaRPr lang="ko-KR" altLang="en-US" sz="1800">
-              <a:latin typeface="맑은 고딕" charset="0"/>
-              <a:ea typeface="맑은 고딕" charset="0"/>
-            </a:endParaRPr>
-          </a:p>
-        </p:txBody>
-      </p:sp>
-      <p:sp>
-        <p:nvSpPr>
-          <p:cNvPr id="57" name="텍스트 상자 49"/>
-          <p:cNvSpPr txBox="1">
-            <a:spLocks/>
-          </p:cNvSpPr>
-          <p:nvPr/>
-        </p:nvSpPr>
-        <p:spPr>
-          <a:xfrm rot="0">
-            <a:off x="1243330" y="5611495"/>
-            <a:ext cx="4117975" cy="677545"/>
-          </a:xfrm>
-          <a:prstGeom prst="rect"/>
-          <a:noFill/>
-          <a:ln w="0">
-            <a:noFill/>
-            <a:prstDash/>
-          </a:ln>
-        </p:spPr>
-        <p:txBody>
-          <a:bodyPr wrap="square" lIns="89535" tIns="46355" rIns="89535" bIns="46355" numCol="1" vert="horz" anchor="t">
-            <a:spAutoFit/>
-          </a:bodyPr>
-          <a:lstStyle/>
-          <a:p>
-            <a:pPr marL="0" indent="0" rtl="0" algn="l" defTabSz="914400" eaLnBrk="1" latinLnBrk="0" hangingPunct="1">
-              <a:buFontTx/>
-              <a:buNone/>
-            </a:pPr>
-            <a:r>
-              <a:rPr lang="ko-KR" sz="2000" b="1">
-                <a:solidFill>
-                  <a:srgbClr val="0611F2"/>
-                </a:solidFill>
-                <a:latin typeface="맑은 고딕" charset="0"/>
-                <a:ea typeface="맑은 고딕" charset="0"/>
-              </a:rPr>
-              <a:t>9</a:t>
-            </a:r>
-            <a:r>
-              <a:rPr sz="2000" b="1">
-                <a:solidFill>
-                  <a:srgbClr val="0611F2"/>
-                </a:solidFill>
-                <a:latin typeface="맑은 고딕" charset="0"/>
-                <a:ea typeface="맑은 고딕" charset="0"/>
-              </a:rPr>
-              <a:t>.</a:t>
-            </a:r>
-            <a:r>
-              <a:rPr sz="2000" b="1">
-                <a:solidFill>
-                  <a:srgbClr val="0611F2"/>
-                </a:solidFill>
-                <a:latin typeface="맑은 고딕" charset="0"/>
-                <a:ea typeface="맑은 고딕" charset="0"/>
-              </a:rPr>
-              <a:t> </a:t>
-            </a:r>
-            <a:r>
-              <a:rPr sz="1800">
-                <a:latin typeface="맑은 고딕" charset="0"/>
-                <a:ea typeface="맑은 고딕" charset="0"/>
-              </a:rPr>
-              <a:t>그</a:t>
-            </a:r>
-            <a:r>
-              <a:rPr lang="ko-KR" sz="1800">
-                <a:latin typeface="맑은 고딕" charset="0"/>
-                <a:ea typeface="맑은 고딕" charset="0"/>
-              </a:rPr>
-              <a:t>런 다음</a:t>
-            </a:r>
-            <a:r>
-              <a:rPr sz="1800">
-                <a:latin typeface="맑은 고딕" charset="0"/>
-                <a:ea typeface="맑은 고딕" charset="0"/>
-              </a:rPr>
-              <a:t> </a:t>
-            </a:r>
-            <a:r>
-              <a:rPr lang="ko-KR" sz="1800">
-                <a:latin typeface="맑은 고딕" charset="0"/>
-                <a:ea typeface="맑은 고딕" charset="0"/>
-              </a:rPr>
-              <a:t>Template 오브젝트의 </a:t>
-            </a:r>
-            <a:r>
-              <a:rPr lang="ko-KR" sz="1800">
-                <a:latin typeface="맑은 고딕" charset="0"/>
-                <a:ea typeface="맑은 고딕" charset="0"/>
-              </a:rPr>
-              <a:t>크기</a:t>
-            </a:r>
-            <a:r>
-              <a:rPr lang="ko-KR" sz="1800">
-                <a:latin typeface="맑은 고딕" charset="0"/>
-                <a:ea typeface="맑은 고딕" charset="0"/>
-              </a:rPr>
-              <a:t> </a:t>
-            </a:r>
-            <a:r>
-              <a:rPr lang="ko-KR" sz="1800">
-                <a:latin typeface="맑은 고딕" charset="0"/>
-                <a:ea typeface="맑은 고딕" charset="0"/>
-              </a:rPr>
-              <a:t>값을 </a:t>
-            </a:r>
-            <a:r>
-              <a:rPr lang="ko-KR" sz="1800">
-                <a:latin typeface="맑은 고딕" charset="0"/>
-                <a:ea typeface="맑은 고딕" charset="0"/>
-              </a:rPr>
-              <a:t>설정합니다.</a:t>
-            </a:r>
-            <a:endParaRPr lang="ko-KR" altLang="en-US" sz="1800">
-              <a:latin typeface="맑은 고딕" charset="0"/>
-              <a:ea typeface="맑은 고딕" charset="0"/>
-            </a:endParaRPr>
-          </a:p>
-        </p:txBody>
-      </p:sp>
       <p:pic>
         <p:nvPicPr>
-          <p:cNvPr id="58" name="그림 21"/>
+          <p:cNvPr id="1165" name="그림 31"/>
           <p:cNvPicPr>
             <a:picLocks noChangeAspect="1"/>
           </p:cNvPicPr>
           <p:nvPr/>
         </p:nvPicPr>
         <p:blipFill rotWithShape="1">
-          <a:blip r:embed="rId17" cstate="hqprint">
+          <a:blip r:embed="rId4" cstate="hqprint">
             <a:extLst>
               <a:ext uri="{28A0092B-C50C-407E-A947-70E740481C1C}">
                 <a14:useLocalDpi xmlns:a14="http://schemas.microsoft.com/office/drawing/2010/main"/>
@@ -10460,8 +9763,8 @@
         </p:blipFill>
         <p:spPr>
           <a:xfrm rot="0">
-            <a:off x="1240790" y="1454785"/>
-            <a:ext cx="4118610" cy="1490345"/>
+            <a:off x="1221105" y="3870960"/>
+            <a:ext cx="4148455" cy="987425"/>
           </a:xfrm>
           <a:prstGeom prst="roundRect"/>
           <a:solidFill>
@@ -10469,16 +9772,48 @@
           </a:solidFill>
         </p:spPr>
       </p:pic>
+      <p:cxnSp>
+        <p:nvCxnSpPr>
+          <p:cNvPr id="1166" name="도형 34"/>
+          <p:cNvCxnSpPr/>
+          <p:nvPr/>
+        </p:nvCxnSpPr>
+        <p:spPr>
+          <a:xfrm rot="0" flipV="1">
+            <a:off x="2139315" y="1766570"/>
+            <a:ext cx="3091815" cy="2442210"/>
+          </a:xfrm>
+          <a:prstGeom prst="straightConnector1"/>
+          <a:ln w="6350" cap="flat" cmpd="sng">
+            <a:prstDash/>
+            <a:tailEnd type="triangle" w="med" len="med"/>
+          </a:ln>
+        </p:spPr>
+        <p:style>
+          <a:lnRef idx="1">
+            <a:schemeClr val="accent1"/>
+          </a:lnRef>
+          <a:fillRef idx="0">
+            <a:schemeClr val="accent1"/>
+          </a:fillRef>
+          <a:effectRef idx="0">
+            <a:schemeClr val="accent1"/>
+          </a:effectRef>
+          <a:fontRef idx="minor">
+            <a:schemeClr val="tx1"/>
+          </a:fontRef>
+        </p:style>
+      </p:cxnSp>
       <p:pic>
         <p:nvPicPr>
-          <p:cNvPr id="60" name="그림 26"/>
+          <p:cNvPr id="1167" name="그림 17"/>
           <p:cNvPicPr>
             <a:picLocks noChangeAspect="1"/>
           </p:cNvPicPr>
           <p:nvPr/>
         </p:nvPicPr>
         <p:blipFill rotWithShape="1">
-          <a:blip r:embed="rId18" cstate="hqprint">
+          <a:blip r:embed="rId7" cstate="hqprint">
             <a:extLst>
               <a:ext uri="{28A0092B-C50C-407E-A947-70E740481C1C}">
                 <a14:useLocalDpi xmlns:a14="http://schemas.microsoft.com/office/drawing/2010/main"/>
@@ -10491,8 +9826,8 @@
         </p:blipFill>
         <p:spPr>
           <a:xfrm rot="0">
-            <a:off x="6823710" y="1454785"/>
-            <a:ext cx="2832100" cy="3655060"/>
+            <a:off x="6814820" y="1445895"/>
+            <a:ext cx="2581275" cy="3602990"/>
           </a:xfrm>
           <a:prstGeom prst="roundRect"/>
           <a:solidFill>
@@ -10502,43 +9837,14 @@
       </p:pic>
       <p:pic>
         <p:nvPicPr>
-          <p:cNvPr id="61" name="그림 28"/>
+          <p:cNvPr id="1168" name="그림 24" descr="C:/Users/nwond/AppData/Roaming/PolarisOffice/ETemp/27104_13584496/fImage76762685724.png"/>
           <p:cNvPicPr>
             <a:picLocks noChangeAspect="1"/>
           </p:cNvPicPr>
           <p:nvPr/>
         </p:nvPicPr>
         <p:blipFill rotWithShape="1">
-          <a:blip r:embed="rId19" cstate="hqprint">
-            <a:extLst>
-              <a:ext uri="{28A0092B-C50C-407E-A947-70E740481C1C}">
-                <a14:useLocalDpi xmlns:a14="http://schemas.microsoft.com/office/drawing/2010/main"/>
-              </a:ext>
-            </a:extLst>
-          </a:blip>
-          <a:stretch>
-            <a:fillRect/>
-          </a:stretch>
-        </p:blipFill>
-        <p:spPr>
-          <a:xfrm rot="0">
-            <a:off x="9163685" y="3067050"/>
-            <a:ext cx="1157605" cy="553085"/>
-          </a:xfrm>
-          <a:prstGeom prst="rect"/>
-          <a:noFill/>
-        </p:spPr>
-      </p:pic>
-      <p:pic>
-        <p:nvPicPr>
-          <p:cNvPr id="62" name="그림 35"/>
-          <p:cNvPicPr>
-            <a:picLocks noChangeAspect="1"/>
-          </p:cNvPicPr>
-          <p:nvPr/>
-        </p:nvPicPr>
-        <p:blipFill rotWithShape="1">
-          <a:blip r:embed="rId20" cstate="print">
+          <a:blip r:embed="rId9" cstate="print">
             <a:extLst>
               <a:ext uri="{28A0092B-C50C-407E-A947-70E740481C1C}">
                 <a14:useLocalDpi xmlns:a14="http://schemas.microsoft.com/office/drawing/2010/main" val="0"/>
@@ -10551,8 +9857,8 @@
         </p:blipFill>
         <p:spPr>
           <a:xfrm rot="0">
-            <a:off x="1247140" y="3775075"/>
-            <a:ext cx="4114165" cy="1767205"/>
+            <a:off x="9536430" y="2305050"/>
+            <a:ext cx="1403985" cy="1861185"/>
           </a:xfrm>
           <a:prstGeom prst="roundRect"/>
           <a:solidFill>
@@ -10602,7 +9908,7 @@
       </p:grpSpPr>
       <p:sp>
         <p:nvSpPr>
-          <p:cNvPr id="22" name="텍스트 상자 276"/>
+          <p:cNvPr id="36" name="텍스트 상자 355"/>
           <p:cNvSpPr txBox="1">
             <a:spLocks/>
           </p:cNvSpPr>
@@ -10610,8 +9916,8 @@
         </p:nvSpPr>
         <p:spPr>
           <a:xfrm>
-            <a:off x="4305935" y="318770"/>
-            <a:ext cx="3576955" cy="478155"/>
+            <a:off x="4332605" y="372110"/>
+            <a:ext cx="3528060" cy="478155"/>
           </a:xfrm>
           <a:prstGeom prst="rect"/>
           <a:noFill/>
@@ -10626,25 +9932,34 @@
           </a:bodyPr>
           <a:lstStyle/>
           <a:p>
-            <a:pPr marL="0" indent="0" algn="ctr" latinLnBrk="0" hangingPunct="1">
-              <a:buFontTx/>
-              <a:buNone/>
-            </a:pPr>
-            <a:r>
-              <a:rPr lang="ko-KR" sz="2500" b="1">
+            <a:pPr marL="0" indent="0" algn="ctr" latinLnBrk="0">
+              <a:buFontTx/>
+              <a:buNone/>
+            </a:pPr>
+            <a:r>
+              <a:rPr lang="ko-KR" altLang="en-US" sz="2500" b="1">
+                <a:solidFill>
+                  <a:schemeClr val="tx1"/>
+                </a:solidFill>
                 <a:latin typeface="나눔바른고딕" charset="0"/>
                 <a:ea typeface="나눔바른고딕" charset="0"/>
               </a:rPr>
               <a:t>다섯</a:t>
             </a:r>
             <a:r>
-              <a:rPr lang="ko-KR" sz="2500" b="1">
+              <a:rPr lang="ko-KR" altLang="en-US" sz="2500" b="1">
+                <a:solidFill>
+                  <a:schemeClr val="tx1"/>
+                </a:solidFill>
                 <a:latin typeface="나눔바른고딕" charset="0"/>
                 <a:ea typeface="나눔바른고딕" charset="0"/>
               </a:rPr>
               <a:t> 번째 튜토리얼</a:t>
             </a:r>
             <a:endParaRPr lang="ko-KR" altLang="en-US" sz="2500" b="1">
+              <a:solidFill>
+                <a:schemeClr val="tx1"/>
+              </a:solidFill>
               <a:latin typeface="나눔바른고딕" charset="0"/>
               <a:ea typeface="나눔바른고딕" charset="0"/>
             </a:endParaRPr>
@@ -10653,7 +9968,7 @@
       </p:sp>
       <p:sp>
         <p:nvSpPr>
-          <p:cNvPr id="43" name="텍스트 상자 9"/>
+          <p:cNvPr id="49" name="텍스트 상자 29"/>
           <p:cNvSpPr txBox="1">
             <a:spLocks/>
           </p:cNvSpPr>
@@ -10661,8 +9976,8 @@
         </p:nvSpPr>
         <p:spPr>
           <a:xfrm rot="0">
-            <a:off x="1231900" y="2717165"/>
-            <a:ext cx="4146550" cy="677545"/>
+            <a:off x="6832600" y="5616575"/>
+            <a:ext cx="4140200" cy="677545"/>
           </a:xfrm>
           <a:prstGeom prst="rect"/>
           <a:noFill/>
@@ -10682,6 +9997,16 @@
               <a:buNone/>
             </a:pPr>
             <a:r>
+              <a:rPr sz="2000" b="1">
+                <a:solidFill>
+                  <a:srgbClr val="0611F2"/>
+                </a:solidFill>
+                <a:latin typeface="맑은 고딕" charset="0"/>
+                <a:ea typeface="맑은 고딕" charset="0"/>
+              </a:rPr>
+              <a:t>1</a:t>
+            </a:r>
+            <a:r>
               <a:rPr lang="ko-KR" sz="2000" b="1">
                 <a:solidFill>
                   <a:srgbClr val="0611F2"/>
@@ -10689,7 +10014,17 @@
                 <a:latin typeface="맑은 고딕" charset="0"/>
                 <a:ea typeface="맑은 고딕" charset="0"/>
               </a:rPr>
-              <a:t>11</a:t>
+              <a:t>3</a:t>
+            </a:r>
+            <a:r>
+              <a:rPr lang="ko-KR" sz="2000" b="1">
+                <a:solidFill>
+                  <a:srgbClr val="0611F2"/>
+                </a:solidFill>
+                <a:latin typeface="맑은 고딕" charset="0"/>
+                <a:ea typeface="맑은 고딕" charset="0"/>
+              </a:rPr>
+              <a:t>.</a:t>
             </a:r>
             <a:r>
               <a:rPr sz="2000" b="1">
@@ -10699,7 +10034,92 @@
                 <a:latin typeface="맑은 고딕" charset="0"/>
                 <a:ea typeface="맑은 고딕" charset="0"/>
               </a:rPr>
-              <a:t>.</a:t>
+              <a:t> </a:t>
+            </a:r>
+            <a:r>
+              <a:rPr sz="1800">
+                <a:latin typeface="맑은 고딕" charset="0"/>
+                <a:ea typeface="맑은 고딕" charset="0"/>
+              </a:rPr>
+              <a:t>그</a:t>
+            </a:r>
+            <a:r>
+              <a:rPr sz="1800">
+                <a:latin typeface="맑은 고딕" charset="0"/>
+                <a:ea typeface="맑은 고딕" charset="0"/>
+              </a:rPr>
+              <a:t>리고</a:t>
+            </a:r>
+            <a:r>
+              <a:rPr sz="1800">
+                <a:latin typeface="맑은 고딕" charset="0"/>
+                <a:ea typeface="맑은 고딕" charset="0"/>
+              </a:rPr>
+              <a:t> </a:t>
+            </a:r>
+            <a:r>
+              <a:rPr lang="ko-KR" sz="1800">
+                <a:latin typeface="맑은 고딕" charset="0"/>
+                <a:ea typeface="맑은 고딕" charset="0"/>
+              </a:rPr>
+              <a:t>Content 오브젝트의 크기 값을 설정합니다.</a:t>
+            </a:r>
+            <a:endParaRPr lang="ko-KR" altLang="en-US" sz="1800">
+              <a:latin typeface="맑은 고딕" charset="0"/>
+              <a:ea typeface="맑은 고딕" charset="0"/>
+            </a:endParaRPr>
+          </a:p>
+        </p:txBody>
+      </p:sp>
+      <p:sp>
+        <p:nvSpPr>
+          <p:cNvPr id="55" name="텍스트 상자 45"/>
+          <p:cNvSpPr txBox="1">
+            <a:spLocks/>
+          </p:cNvSpPr>
+          <p:nvPr/>
+        </p:nvSpPr>
+        <p:spPr>
+          <a:xfrm rot="0">
+            <a:off x="1231900" y="2911475"/>
+            <a:ext cx="4131310" cy="954405"/>
+          </a:xfrm>
+          <a:prstGeom prst="rect"/>
+          <a:noFill/>
+          <a:ln w="0">
+            <a:noFill/>
+            <a:prstDash/>
+          </a:ln>
+        </p:spPr>
+        <p:txBody>
+          <a:bodyPr wrap="square" lIns="89535" tIns="46355" rIns="89535" bIns="46355" numCol="1" vert="horz" anchor="t">
+            <a:spAutoFit/>
+          </a:bodyPr>
+          <a:lstStyle/>
+          <a:p>
+            <a:pPr marL="0" indent="0" rtl="0" algn="l" defTabSz="914400" eaLnBrk="1" latinLnBrk="0" hangingPunct="1">
+              <a:buFontTx/>
+              <a:buNone/>
+            </a:pPr>
+            <a:r>
+              <a:rPr lang="ko-KR" sz="2000" b="1">
+                <a:solidFill>
+                  <a:srgbClr val="0611F2"/>
+                </a:solidFill>
+                <a:latin typeface="맑은 고딕" charset="0"/>
+                <a:ea typeface="맑은 고딕" charset="0"/>
+              </a:rPr>
+              <a:t>1</a:t>
+            </a:r>
+            <a:r>
+              <a:rPr lang="ko-KR" sz="2000" b="1">
+                <a:solidFill>
+                  <a:srgbClr val="0611F2"/>
+                </a:solidFill>
+                <a:latin typeface="맑은 고딕" charset="0"/>
+                <a:ea typeface="맑은 고딕" charset="0"/>
+              </a:rPr>
+              <a:t>0</a:t>
             </a:r>
             <a:r>
               <a:rPr sz="2000" b="1">
@@ -10709,84 +10129,42 @@
                 <a:latin typeface="맑은 고딕" charset="0"/>
                 <a:ea typeface="맑은 고딕" charset="0"/>
               </a:rPr>
-              <a:t> </a:t>
-            </a:r>
-            <a:r>
-              <a:rPr lang="ko-KR" sz="1800">
-                <a:latin typeface="맑은 고딕" charset="0"/>
-                <a:ea typeface="맑은 고딕" charset="0"/>
-              </a:rPr>
-              <a:t>그러고 나서 Connect</a:t>
+              <a:t>. </a:t>
             </a:r>
             <a:r>
               <a:rPr sz="1800">
                 <a:latin typeface="맑은 고딕" charset="0"/>
                 <a:ea typeface="맑은 고딕" charset="0"/>
               </a:rPr>
-              <a:t> </a:t>
+              <a:t>그</a:t>
             </a:r>
             <a:r>
               <a:rPr sz="1800">
                 <a:latin typeface="맑은 고딕" charset="0"/>
                 <a:ea typeface="맑은 고딕" charset="0"/>
               </a:rPr>
-              <a:t>오브젝트의</a:t>
+              <a:t>다음</a:t>
+            </a:r>
+            <a:r>
+              <a:rPr lang="ko-KR" sz="1800">
+                <a:latin typeface="맑은 고딕" charset="0"/>
+                <a:ea typeface="맑은 고딕" charset="0"/>
+              </a:rPr>
+              <a:t>으로</a:t>
+            </a:r>
+            <a:r>
+              <a:rPr lang="ko-KR" sz="1800">
+                <a:latin typeface="맑은 고딕" charset="0"/>
+                <a:ea typeface="맑은 고딕" charset="0"/>
+              </a:rPr>
+              <a:t> Server Manager</a:t>
             </a:r>
             <a:r>
               <a:rPr sz="1800">
                 <a:latin typeface="맑은 고딕" charset="0"/>
                 <a:ea typeface="맑은 고딕" charset="0"/>
               </a:rPr>
-              <a:t> </a:t>
-            </a:r>
-            <a:r>
-              <a:rPr sz="1800">
-                <a:latin typeface="맑은 고딕" charset="0"/>
-                <a:ea typeface="맑은 고딕" charset="0"/>
-              </a:rPr>
-              <a:t>OnClick(</a:t>
-            </a:r>
-            <a:r>
-              <a:rPr sz="1800">
-                <a:latin typeface="맑은 고딕" charset="0"/>
-                <a:ea typeface="맑은 고딕" charset="0"/>
-              </a:rPr>
-              <a:t> </a:t>
-            </a:r>
-            <a:r>
-              <a:rPr sz="1800">
-                <a:latin typeface="맑은 고딕" charset="0"/>
-                <a:ea typeface="맑은 고딕" charset="0"/>
-              </a:rPr>
-              <a:t>)</a:t>
-            </a:r>
-            <a:r>
-              <a:rPr sz="1800">
-                <a:latin typeface="맑은 고딕" charset="0"/>
-                <a:ea typeface="맑은 고딕" charset="0"/>
-              </a:rPr>
-              <a:t> </a:t>
-            </a:r>
-            <a:r>
-              <a:rPr sz="1800">
-                <a:latin typeface="맑은 고딕" charset="0"/>
-                <a:ea typeface="맑은 고딕" charset="0"/>
-              </a:rPr>
-              <a:t>함수를</a:t>
-            </a:r>
-            <a:r>
-              <a:rPr sz="1800">
-                <a:latin typeface="맑은 고딕" charset="0"/>
-                <a:ea typeface="맑은 고딕" charset="0"/>
-              </a:rPr>
-              <a:t> </a:t>
-            </a:r>
-            <a:r>
-              <a:rPr sz="1800">
-                <a:latin typeface="맑은 고딕" charset="0"/>
-                <a:ea typeface="맑은 고딕" charset="0"/>
-              </a:rPr>
-              <a:t>추가합니다.</a:t>
+              <a:t> 오브젝트의 위치와 회전 값을 초기화합니다.</a:t>
             </a:r>
             <a:endParaRPr lang="ko-KR" altLang="en-US" sz="1800">
               <a:latin typeface="맑은 고딕" charset="0"/>
@@ -10795,16 +10173,118 @@
           </a:p>
         </p:txBody>
       </p:sp>
+      <p:sp>
+        <p:nvSpPr>
+          <p:cNvPr id="57" name="텍스트 상자 49"/>
+          <p:cNvSpPr txBox="1">
+            <a:spLocks/>
+          </p:cNvSpPr>
+          <p:nvPr/>
+        </p:nvSpPr>
+        <p:spPr>
+          <a:xfrm>
+            <a:off x="1243330" y="5611495"/>
+            <a:ext cx="4118610" cy="677545"/>
+          </a:xfrm>
+          <a:prstGeom prst="rect"/>
+          <a:noFill/>
+          <a:ln w="0">
+            <a:noFill/>
+            <a:prstDash/>
+          </a:ln>
+        </p:spPr>
+        <p:txBody>
+          <a:bodyPr wrap="square" lIns="89535" tIns="46355" rIns="89535" bIns="46355" numCol="1" vert="horz" anchor="t">
+            <a:spAutoFit/>
+          </a:bodyPr>
+          <a:lstStyle/>
+          <a:p>
+            <a:pPr marL="0" indent="0" rtl="0" algn="l" defTabSz="914400" eaLnBrk="1" latinLnBrk="0" hangingPunct="1">
+              <a:buFontTx/>
+              <a:buNone/>
+            </a:pPr>
+            <a:r>
+              <a:rPr lang="ko-KR" sz="2000" b="1">
+                <a:solidFill>
+                  <a:srgbClr val="0611F2"/>
+                </a:solidFill>
+                <a:latin typeface="맑은 고딕" charset="0"/>
+                <a:ea typeface="맑은 고딕" charset="0"/>
+              </a:rPr>
+              <a:t>1</a:t>
+            </a:r>
+            <a:r>
+              <a:rPr lang="ko-KR" sz="2000" b="1">
+                <a:solidFill>
+                  <a:srgbClr val="0611F2"/>
+                </a:solidFill>
+                <a:latin typeface="맑은 고딕" charset="0"/>
+                <a:ea typeface="맑은 고딕" charset="0"/>
+              </a:rPr>
+              <a:t>1</a:t>
+            </a:r>
+            <a:r>
+              <a:rPr sz="2000" b="1">
+                <a:solidFill>
+                  <a:srgbClr val="0611F2"/>
+                </a:solidFill>
+                <a:latin typeface="맑은 고딕" charset="0"/>
+                <a:ea typeface="맑은 고딕" charset="0"/>
+              </a:rPr>
+              <a:t>. </a:t>
+            </a:r>
+            <a:r>
+              <a:rPr sz="1800">
+                <a:latin typeface="맑은 고딕" charset="0"/>
+                <a:ea typeface="맑은 고딕" charset="0"/>
+              </a:rPr>
+              <a:t>그</a:t>
+            </a:r>
+            <a:r>
+              <a:rPr lang="ko-KR" sz="1800">
+                <a:latin typeface="맑은 고딕" charset="0"/>
+                <a:ea typeface="맑은 고딕" charset="0"/>
+              </a:rPr>
+              <a:t>러고 </a:t>
+            </a:r>
+            <a:r>
+              <a:rPr lang="ko-KR" sz="1800">
+                <a:latin typeface="맑은 고딕" charset="0"/>
+                <a:ea typeface="맑은 고딕" charset="0"/>
+              </a:rPr>
+              <a:t>나서</a:t>
+            </a:r>
+            <a:r>
+              <a:rPr sz="1800">
+                <a:latin typeface="맑은 고딕" charset="0"/>
+                <a:ea typeface="맑은 고딕" charset="0"/>
+              </a:rPr>
+              <a:t> </a:t>
+            </a:r>
+            <a:r>
+              <a:rPr lang="ko-KR" sz="1800">
+                <a:latin typeface="맑은 고딕" charset="0"/>
+                <a:ea typeface="맑은 고딕" charset="0"/>
+              </a:rPr>
+              <a:t>Template 오브젝트의 크기 값을 설정합니다.</a:t>
+            </a:r>
+            <a:endParaRPr lang="ko-KR" altLang="en-US" sz="1800">
+              <a:latin typeface="맑은 고딕" charset="0"/>
+              <a:ea typeface="맑은 고딕" charset="0"/>
+            </a:endParaRPr>
+          </a:p>
+        </p:txBody>
+      </p:sp>
       <p:pic>
         <p:nvPicPr>
-          <p:cNvPr id="49" name="그림 57"/>
+          <p:cNvPr id="62" name="그림 35" descr="C:/Users/nwond/AppData/Roaming/PolarisOffice/ETemp/27104_13584496/fImage112742236962.png"/>
           <p:cNvPicPr>
             <a:picLocks noChangeAspect="1"/>
           </p:cNvPicPr>
           <p:nvPr/>
         </p:nvPicPr>
         <p:blipFill rotWithShape="1">
-          <a:blip r:embed="rId25" cstate="hqprint">
+          <a:blip r:embed="rId20" cstate="hqprint">
             <a:extLst>
               <a:ext uri="{28A0092B-C50C-407E-A947-70E740481C1C}">
                 <a14:useLocalDpi xmlns:a14="http://schemas.microsoft.com/office/drawing/2010/main"/>
@@ -10817,8 +10297,8 @@
         </p:blipFill>
         <p:spPr>
           <a:xfrm rot="0">
-            <a:off x="2641600" y="1455420"/>
-            <a:ext cx="2745105" cy="1203960"/>
+            <a:off x="1235710" y="3968750"/>
+            <a:ext cx="4126230" cy="1574165"/>
           </a:xfrm>
           <a:prstGeom prst="roundRect"/>
           <a:solidFill>
@@ -10826,234 +10306,16 @@
           </a:solidFill>
         </p:spPr>
       </p:pic>
-      <p:sp>
-        <p:nvSpPr>
-          <p:cNvPr id="53" name="텍스트 상자 65"/>
-          <p:cNvSpPr txBox="1">
-            <a:spLocks/>
-          </p:cNvSpPr>
-          <p:nvPr/>
-        </p:nvSpPr>
-        <p:spPr>
-          <a:xfrm rot="0">
-            <a:off x="1226185" y="5270500"/>
-            <a:ext cx="4152900" cy="955040"/>
-          </a:xfrm>
-          <a:prstGeom prst="rect"/>
-          <a:noFill/>
-          <a:ln w="0">
-            <a:noFill/>
-            <a:prstDash/>
-          </a:ln>
-        </p:spPr>
-        <p:txBody>
-          <a:bodyPr wrap="square" lIns="89535" tIns="46355" rIns="89535" bIns="46355" numCol="1" vert="horz" anchor="t">
-            <a:spAutoFit/>
-          </a:bodyPr>
-          <a:lstStyle/>
-          <a:p>
-            <a:pPr marL="0" indent="0" rtl="0" algn="l" defTabSz="914400" eaLnBrk="1" latinLnBrk="0" hangingPunct="1">
-              <a:buFontTx/>
-              <a:buNone/>
-            </a:pPr>
-            <a:r>
-              <a:rPr lang="ko-KR" sz="2000" b="1">
-                <a:solidFill>
-                  <a:srgbClr val="0611F2"/>
-                </a:solidFill>
-                <a:latin typeface="맑은 고딕" charset="0"/>
-                <a:ea typeface="맑은 고딕" charset="0"/>
-              </a:rPr>
-              <a:t>12</a:t>
-            </a:r>
-            <a:r>
-              <a:rPr sz="2000" b="1">
-                <a:solidFill>
-                  <a:srgbClr val="0611F2"/>
-                </a:solidFill>
-                <a:latin typeface="맑은 고딕" charset="0"/>
-                <a:ea typeface="맑은 고딕" charset="0"/>
-              </a:rPr>
-              <a:t>.</a:t>
-            </a:r>
-            <a:r>
-              <a:rPr sz="2000" b="1">
-                <a:solidFill>
-                  <a:srgbClr val="0611F2"/>
-                </a:solidFill>
-                <a:latin typeface="맑은 고딕" charset="0"/>
-                <a:ea typeface="맑은 고딕" charset="0"/>
-              </a:rPr>
-              <a:t> </a:t>
-            </a:r>
-            <a:r>
-              <a:rPr lang="ko-KR" sz="1800">
-                <a:latin typeface="맑은 고딕" charset="0"/>
-                <a:ea typeface="맑은 고딕" charset="0"/>
-              </a:rPr>
-              <a:t>이제 Server Selection 오브젝트의 </a:t>
-            </a:r>
-            <a:r>
-              <a:rPr lang="ko-KR" sz="1800">
-                <a:latin typeface="맑은 고딕" charset="0"/>
-                <a:ea typeface="맑은 고딕" charset="0"/>
-              </a:rPr>
-              <a:t>앵커를</a:t>
-            </a:r>
-            <a:r>
-              <a:rPr lang="ko-KR" sz="1800">
-                <a:latin typeface="맑은 고딕" charset="0"/>
-                <a:ea typeface="맑은 고딕" charset="0"/>
-              </a:rPr>
-              <a:t> 지정하고 위치와 크기를 </a:t>
-            </a:r>
-            <a:r>
-              <a:rPr lang="ko-KR" sz="1800">
-                <a:latin typeface="맑은 고딕" charset="0"/>
-                <a:ea typeface="맑은 고딕" charset="0"/>
-              </a:rPr>
-              <a:t>설정합니다.</a:t>
-            </a:r>
-            <a:endParaRPr lang="ko-KR" altLang="en-US" sz="1800">
-              <a:latin typeface="맑은 고딕" charset="0"/>
-              <a:ea typeface="맑은 고딕" charset="0"/>
-            </a:endParaRPr>
-          </a:p>
-        </p:txBody>
-      </p:sp>
-      <p:sp>
-        <p:nvSpPr>
-          <p:cNvPr id="56" name="텍스트 상자 70"/>
-          <p:cNvSpPr txBox="1">
-            <a:spLocks/>
-          </p:cNvSpPr>
-          <p:nvPr/>
-        </p:nvSpPr>
-        <p:spPr>
-          <a:xfrm>
-            <a:off x="6810375" y="4998085"/>
-            <a:ext cx="4147820" cy="1231265"/>
-          </a:xfrm>
-          <a:prstGeom prst="rect"/>
-          <a:noFill/>
-          <a:ln w="0">
-            <a:noFill/>
-            <a:prstDash/>
-          </a:ln>
-        </p:spPr>
-        <p:txBody>
-          <a:bodyPr wrap="square" lIns="89535" tIns="46355" rIns="89535" bIns="46355" numCol="1" vert="horz" anchor="t">
-            <a:spAutoFit/>
-          </a:bodyPr>
-          <a:lstStyle/>
-          <a:p>
-            <a:pPr marL="0" indent="0" rtl="0" algn="l" defTabSz="914400" eaLnBrk="1" latinLnBrk="0" hangingPunct="1">
-              <a:buFontTx/>
-              <a:buNone/>
-            </a:pPr>
-            <a:r>
-              <a:rPr lang="ko-KR" sz="2000" b="1">
-                <a:solidFill>
-                  <a:srgbClr val="0611F2"/>
-                </a:solidFill>
-                <a:latin typeface="맑은 고딕" charset="0"/>
-                <a:ea typeface="맑은 고딕" charset="0"/>
-              </a:rPr>
-              <a:t>13</a:t>
-            </a:r>
-            <a:r>
-              <a:rPr sz="2000" b="1">
-                <a:solidFill>
-                  <a:srgbClr val="0611F2"/>
-                </a:solidFill>
-                <a:latin typeface="맑은 고딕" charset="0"/>
-                <a:ea typeface="맑은 고딕" charset="0"/>
-              </a:rPr>
-              <a:t>.</a:t>
-            </a:r>
-            <a:r>
-              <a:rPr sz="2000" b="1">
-                <a:solidFill>
-                  <a:srgbClr val="0611F2"/>
-                </a:solidFill>
-                <a:latin typeface="맑은 고딕" charset="0"/>
-                <a:ea typeface="맑은 고딕" charset="0"/>
-              </a:rPr>
-              <a:t> </a:t>
-            </a:r>
-            <a:r>
-              <a:rPr lang="ko-KR" sz="1800">
-                <a:latin typeface="맑은 고딕" charset="0"/>
-                <a:ea typeface="맑은 고딕" charset="0"/>
-              </a:rPr>
-              <a:t>그리고 Interface Button 폴더에 </a:t>
-            </a:r>
-            <a:r>
-              <a:rPr lang="ko-KR" sz="1800">
-                <a:latin typeface="맑은 고딕" charset="0"/>
-                <a:ea typeface="맑은 고딕" charset="0"/>
-              </a:rPr>
-              <a:t>있는</a:t>
-            </a:r>
-            <a:r>
-              <a:rPr lang="ko-KR" sz="1800">
-                <a:latin typeface="맑은 고딕" charset="0"/>
-                <a:ea typeface="맑은 고딕" charset="0"/>
-              </a:rPr>
-              <a:t> Start Button 텍스처를 Connect </a:t>
-            </a:r>
-            <a:r>
-              <a:rPr lang="ko-KR" sz="1800">
-                <a:latin typeface="맑은 고딕" charset="0"/>
-                <a:ea typeface="맑은 고딕" charset="0"/>
-              </a:rPr>
-              <a:t>Button</a:t>
-            </a:r>
-            <a:r>
-              <a:rPr lang="ko-KR" sz="1800">
-                <a:latin typeface="맑은 고딕" charset="0"/>
-                <a:ea typeface="맑은 고딕" charset="0"/>
-              </a:rPr>
-              <a:t> </a:t>
-            </a:r>
-            <a:r>
-              <a:rPr lang="ko-KR" sz="1800">
-                <a:latin typeface="맑은 고딕" charset="0"/>
-                <a:ea typeface="맑은 고딕" charset="0"/>
-              </a:rPr>
-              <a:t>오브젝트의</a:t>
-            </a:r>
-            <a:r>
-              <a:rPr lang="ko-KR" sz="1800">
-                <a:latin typeface="맑은 고딕" charset="0"/>
-                <a:ea typeface="맑은 고딕" charset="0"/>
-              </a:rPr>
-              <a:t> Source Image에 </a:t>
-            </a:r>
-            <a:r>
-              <a:rPr lang="ko-KR" sz="1800">
-                <a:latin typeface="맑은 고딕" charset="0"/>
-                <a:ea typeface="맑은 고딕" charset="0"/>
-              </a:rPr>
-              <a:t>넣어줍니다.</a:t>
-            </a:r>
-            <a:endParaRPr lang="ko-KR" altLang="en-US" sz="1800">
-              <a:latin typeface="맑은 고딕" charset="0"/>
-              <a:ea typeface="맑은 고딕" charset="0"/>
-            </a:endParaRPr>
-          </a:p>
-        </p:txBody>
-      </p:sp>
       <p:pic>
         <p:nvPicPr>
-          <p:cNvPr id="57" name="그림 29"/>
+          <p:cNvPr id="63" name="그림 27" descr="C:/Users/nwond/AppData/Roaming/PolarisOffice/ETemp/27104_13584496/fImage51742691478.png"/>
           <p:cNvPicPr>
             <a:picLocks noChangeAspect="1"/>
           </p:cNvPicPr>
           <p:nvPr/>
         </p:nvPicPr>
         <p:blipFill rotWithShape="1">
-          <a:blip r:embed="rId30" cstate="print">
+          <a:blip r:embed="rId21" cstate="print">
             <a:extLst>
               <a:ext uri="{28A0092B-C50C-407E-A947-70E740481C1C}">
                 <a14:useLocalDpi xmlns:a14="http://schemas.microsoft.com/office/drawing/2010/main" val="0"/>
@@ -11066,8 +10328,8 @@
         </p:blipFill>
         <p:spPr>
           <a:xfrm rot="0">
-            <a:off x="1242060" y="1445895"/>
-            <a:ext cx="1287145" cy="1212850"/>
+            <a:off x="1230630" y="1456690"/>
+            <a:ext cx="4140835" cy="1379220"/>
           </a:xfrm>
           <a:prstGeom prst="roundRect"/>
           <a:solidFill>
@@ -11075,16 +10337,143 @@
           </a:solidFill>
         </p:spPr>
       </p:pic>
+      <p:sp>
+        <p:nvSpPr>
+          <p:cNvPr id="65" name="텍스트 상자 33"/>
+          <p:cNvSpPr txBox="1">
+            <a:spLocks/>
+          </p:cNvSpPr>
+          <p:nvPr/>
+        </p:nvSpPr>
+        <p:spPr>
+          <a:xfrm rot="0">
+            <a:off x="6835140" y="3232785"/>
+            <a:ext cx="4126865" cy="677545"/>
+          </a:xfrm>
+          <a:prstGeom prst="rect"/>
+          <a:noFill/>
+          <a:ln w="0">
+            <a:noFill/>
+            <a:prstDash/>
+          </a:ln>
+        </p:spPr>
+        <p:txBody>
+          <a:bodyPr wrap="square" lIns="89535" tIns="46355" rIns="89535" bIns="46355" numCol="1" vert="horz" anchor="t">
+            <a:spAutoFit/>
+          </a:bodyPr>
+          <a:lstStyle/>
+          <a:p>
+            <a:pPr marL="0" indent="0" rtl="0" algn="l" defTabSz="914400" eaLnBrk="1" latinLnBrk="0" hangingPunct="1">
+              <a:buFontTx/>
+              <a:buNone/>
+            </a:pPr>
+            <a:r>
+              <a:rPr lang="ko-KR" sz="2000" b="1">
+                <a:solidFill>
+                  <a:srgbClr val="0611F2"/>
+                </a:solidFill>
+                <a:latin typeface="맑은 고딕" charset="0"/>
+                <a:ea typeface="맑은 고딕" charset="0"/>
+              </a:rPr>
+              <a:t>12</a:t>
+            </a:r>
+            <a:r>
+              <a:rPr sz="2000" b="1">
+                <a:solidFill>
+                  <a:srgbClr val="0611F2"/>
+                </a:solidFill>
+                <a:latin typeface="맑은 고딕" charset="0"/>
+                <a:ea typeface="맑은 고딕" charset="0"/>
+              </a:rPr>
+              <a:t>. </a:t>
+            </a:r>
+            <a:r>
+              <a:rPr sz="1800">
+                <a:latin typeface="맑은 고딕" charset="0"/>
+                <a:ea typeface="맑은 고딕" charset="0"/>
+              </a:rPr>
+              <a:t>이제</a:t>
+            </a:r>
+            <a:r>
+              <a:rPr sz="1800">
+                <a:latin typeface="맑은 고딕" charset="0"/>
+                <a:ea typeface="맑은 고딕" charset="0"/>
+              </a:rPr>
+              <a:t> </a:t>
+            </a:r>
+            <a:r>
+              <a:rPr lang="ko-KR" sz="1800">
+                <a:latin typeface="맑은 고딕" charset="0"/>
+                <a:ea typeface="맑은 고딕" charset="0"/>
+              </a:rPr>
+              <a:t>Se</a:t>
+            </a:r>
+            <a:r>
+              <a:rPr lang="ko-KR" sz="1800">
+                <a:latin typeface="맑은 고딕" charset="0"/>
+                <a:ea typeface="맑은 고딕" charset="0"/>
+              </a:rPr>
+              <a:t>r</a:t>
+            </a:r>
+            <a:r>
+              <a:rPr lang="ko-KR" sz="1800">
+                <a:latin typeface="맑은 고딕" charset="0"/>
+                <a:ea typeface="맑은 고딕" charset="0"/>
+              </a:rPr>
+              <a:t>ve</a:t>
+            </a:r>
+            <a:r>
+              <a:rPr lang="ko-KR" sz="1800">
+                <a:latin typeface="맑은 고딕" charset="0"/>
+                <a:ea typeface="맑은 고딕" charset="0"/>
+              </a:rPr>
+              <a:t>r Manager</a:t>
+            </a:r>
+            <a:r>
+              <a:rPr lang="ko-KR" sz="1800">
+                <a:latin typeface="맑은 고딕" charset="0"/>
+                <a:ea typeface="맑은 고딕" charset="0"/>
+              </a:rPr>
+              <a:t> </a:t>
+            </a:r>
+            <a:r>
+              <a:rPr lang="ko-KR" sz="1800">
+                <a:latin typeface="맑은 고딕" charset="0"/>
+                <a:ea typeface="맑은 고딕" charset="0"/>
+              </a:rPr>
+              <a:t>오브젝트의 </a:t>
+            </a:r>
+            <a:r>
+              <a:rPr lang="ko-KR" sz="1800">
+                <a:latin typeface="맑은 고딕" charset="0"/>
+                <a:ea typeface="맑은 고딕" charset="0"/>
+              </a:rPr>
+              <a:t>위치와 회전 </a:t>
+            </a:r>
+            <a:r>
+              <a:rPr lang="ko-KR" sz="1800">
+                <a:latin typeface="맑은 고딕" charset="0"/>
+                <a:ea typeface="맑은 고딕" charset="0"/>
+              </a:rPr>
+              <a:t>값을 초기화합니다.</a:t>
+            </a:r>
+            <a:endParaRPr lang="ko-KR" altLang="en-US" sz="1800">
+              <a:latin typeface="맑은 고딕" charset="0"/>
+              <a:ea typeface="맑은 고딕" charset="0"/>
+            </a:endParaRPr>
+          </a:p>
+        </p:txBody>
+      </p:sp>
       <p:pic>
         <p:nvPicPr>
-          <p:cNvPr id="58" name="그림 36"/>
+          <p:cNvPr id="66" name="그림 34" descr="C:/Users/nwond/AppData/Roaming/PolarisOffice/ETemp/27104_13584496/fImage111081448467.png"/>
           <p:cNvPicPr>
             <a:picLocks noChangeAspect="1"/>
           </p:cNvPicPr>
           <p:nvPr/>
         </p:nvPicPr>
         <p:blipFill rotWithShape="1">
-          <a:blip r:embed="rId31" cstate="hqprint">
+          <a:blip r:embed="rId22" cstate="hqprint">
             <a:extLst>
               <a:ext uri="{28A0092B-C50C-407E-A947-70E740481C1C}">
                 <a14:useLocalDpi xmlns:a14="http://schemas.microsoft.com/office/drawing/2010/main"/>
@@ -11097,8 +10486,8 @@
         </p:blipFill>
         <p:spPr>
           <a:xfrm rot="0">
-            <a:off x="1229995" y="3522980"/>
-            <a:ext cx="4149090" cy="1673225"/>
+            <a:off x="6834505" y="3984625"/>
+            <a:ext cx="4124325" cy="1570355"/>
           </a:xfrm>
           <a:prstGeom prst="roundRect"/>
           <a:solidFill>
@@ -11108,14 +10497,14 @@
       </p:pic>
       <p:pic>
         <p:nvPicPr>
-          <p:cNvPr id="59" name="그림 37"/>
+          <p:cNvPr id="67" name="그림 37" descr="C:/Users/nwond/AppData/Roaming/PolarisOffice/ETemp/27104_13584496/fImage123062759358.png"/>
           <p:cNvPicPr>
             <a:picLocks noChangeAspect="1"/>
           </p:cNvPicPr>
           <p:nvPr/>
         </p:nvPicPr>
         <p:blipFill rotWithShape="1">
-          <a:blip r:embed="rId32" cstate="print">
+          <a:blip r:embed="rId23" cstate="print">
             <a:extLst>
               <a:ext uri="{28A0092B-C50C-407E-A947-70E740481C1C}">
                 <a14:useLocalDpi xmlns:a14="http://schemas.microsoft.com/office/drawing/2010/main" val="0"/>
@@ -11128,8 +10517,8 @@
         </p:blipFill>
         <p:spPr>
           <a:xfrm rot="0">
-            <a:off x="6814820" y="1445260"/>
-            <a:ext cx="4139565" cy="2270125"/>
+            <a:off x="6834505" y="1450975"/>
+            <a:ext cx="4130040" cy="1701165"/>
           </a:xfrm>
           <a:prstGeom prst="roundRect"/>
           <a:solidFill>
@@ -11137,70 +10526,6 @@
           </a:solidFill>
         </p:spPr>
       </p:pic>
-      <p:pic>
-        <p:nvPicPr>
-          <p:cNvPr id="60" name="그림 40"/>
-          <p:cNvPicPr>
-            <a:picLocks noChangeAspect="1"/>
-          </p:cNvPicPr>
-          <p:nvPr/>
-        </p:nvPicPr>
-        <p:blipFill rotWithShape="1">
-          <a:blip r:embed="rId33" cstate="hqprint">
-            <a:extLst>
-              <a:ext uri="{28A0092B-C50C-407E-A947-70E740481C1C}">
-                <a14:useLocalDpi xmlns:a14="http://schemas.microsoft.com/office/drawing/2010/main"/>
-              </a:ext>
-            </a:extLst>
-          </a:blip>
-          <a:stretch>
-            <a:fillRect/>
-          </a:stretch>
-        </p:blipFill>
-        <p:spPr>
-          <a:xfrm rot="0">
-            <a:off x="6823710" y="3913505"/>
-            <a:ext cx="4142105" cy="996950"/>
-          </a:xfrm>
-          <a:prstGeom prst="roundRect"/>
-          <a:solidFill>
-            <a:srgbClr val="EDEDED"/>
-          </a:solidFill>
-        </p:spPr>
-      </p:pic>
-      <p:cxnSp>
-        <p:nvCxnSpPr>
-          <p:cNvPr id="61" name="도형 43"/>
-          <p:cNvCxnSpPr/>
-          <p:nvPr/>
-        </p:nvCxnSpPr>
-        <p:spPr>
-          <a:xfrm rot="0" flipV="1">
-            <a:off x="9888855" y="1783715"/>
-            <a:ext cx="909955" cy="2512060"/>
-          </a:xfrm>
-          <a:prstGeom prst="straightConnector1"/>
-          <a:ln w="6350" cap="flat" cmpd="sng">
-            <a:prstDash/>
-            <a:headEnd type="none" w="med" len="med"/>
-            <a:tailEnd type="triangle" w="med" len="med"/>
-          </a:ln>
-        </p:spPr>
-        <p:style>
-          <a:lnRef idx="1">
-            <a:schemeClr val="accent1"/>
-          </a:lnRef>
-          <a:fillRef idx="0">
-            <a:schemeClr val="accent1"/>
-          </a:fillRef>
-          <a:effectRef idx="0">
-            <a:schemeClr val="accent1"/>
-          </a:effectRef>
-          <a:fontRef idx="minor">
-            <a:schemeClr val="tx1"/>
-          </a:fontRef>
-        </p:style>
-      </p:cxnSp>
     </p:spTree>
   </p:cSld>
   <p:clrMapOvr>
@@ -11243,7 +10568,7 @@
       </p:grpSpPr>
       <p:sp>
         <p:nvSpPr>
-          <p:cNvPr id="1031" name="Rect 0"/>
+          <p:cNvPr id="22" name="텍스트 상자 276"/>
           <p:cNvSpPr txBox="1">
             <a:spLocks/>
           </p:cNvSpPr>
@@ -11251,8 +10576,8 @@
         </p:nvSpPr>
         <p:spPr>
           <a:xfrm>
-            <a:off x="4479290" y="401955"/>
-            <a:ext cx="3229610" cy="478155"/>
+            <a:off x="4305935" y="318770"/>
+            <a:ext cx="3577590" cy="478155"/>
           </a:xfrm>
           <a:prstGeom prst="rect"/>
           <a:noFill/>
@@ -11267,155 +10592,44 @@
           </a:bodyPr>
           <a:lstStyle/>
           <a:p>
-            <a:pPr marL="0" indent="0" algn="ctr" latinLnBrk="0">
-              <a:buFontTx/>
-              <a:buNone/>
-            </a:pPr>
-            <a:r>
-              <a:rPr lang="ko-KR" altLang="en-US" sz="2500" b="1">
-                <a:solidFill>
-                  <a:schemeClr val="tx1"/>
-                </a:solidFill>
+            <a:pPr marL="0" indent="0" algn="ctr" latinLnBrk="0" hangingPunct="1">
+              <a:buFontTx/>
+              <a:buNone/>
+            </a:pPr>
+            <a:r>
+              <a:rPr lang="ko-KR" sz="2500" b="1">
                 <a:latin typeface="나눔바른고딕" charset="0"/>
                 <a:ea typeface="나눔바른고딕" charset="0"/>
               </a:rPr>
-              <a:t>여섯</a:t>
-            </a:r>
-            <a:r>
-              <a:rPr lang="ko-KR" altLang="en-US" sz="2500" b="1">
-                <a:solidFill>
-                  <a:schemeClr val="tx1"/>
-                </a:solidFill>
+              <a:t>여</a:t>
+            </a:r>
+            <a:r>
+              <a:rPr lang="ko-KR" sz="2500" b="1">
                 <a:latin typeface="나눔바른고딕" charset="0"/>
                 <a:ea typeface="나눔바른고딕" charset="0"/>
               </a:rPr>
-              <a:t> 번째 튜토리얼</a:t>
+              <a:t>섯 번째 튜토리얼</a:t>
             </a:r>
             <a:endParaRPr lang="ko-KR" altLang="en-US" sz="2500" b="1">
-              <a:solidFill>
-                <a:schemeClr val="tx1"/>
-              </a:solidFill>
               <a:latin typeface="나눔바른고딕" charset="0"/>
               <a:ea typeface="나눔바른고딕" charset="0"/>
             </a:endParaRPr>
           </a:p>
         </p:txBody>
       </p:sp>
-      <p:sp>
-        <p:nvSpPr>
-          <p:cNvPr id="1170" name="Rect 0"/>
-          <p:cNvSpPr txBox="1">
-            <a:spLocks/>
-          </p:cNvSpPr>
-          <p:nvPr/>
-        </p:nvSpPr>
-        <p:spPr>
-          <a:xfrm rot="0">
-            <a:off x="6822440" y="5161915"/>
-            <a:ext cx="4150360" cy="955040"/>
-          </a:xfrm>
-          <a:prstGeom prst="rect"/>
-          <a:noFill/>
-          <a:ln w="0">
-            <a:noFill/>
-            <a:prstDash/>
-          </a:ln>
-        </p:spPr>
-        <p:txBody>
-          <a:bodyPr wrap="square" lIns="89535" tIns="46355" rIns="89535" bIns="46355" numCol="1" vert="horz" anchor="t">
-            <a:spAutoFit/>
-          </a:bodyPr>
-          <a:lstStyle/>
-          <a:p>
-            <a:pPr marL="0" indent="0" rtl="0" algn="l" defTabSz="914400" eaLnBrk="1" latinLnBrk="0" hangingPunct="1">
-              <a:buFontTx/>
-              <a:buNone/>
-            </a:pPr>
-            <a:r>
-              <a:rPr lang="ko-KR" sz="2000" b="1">
-                <a:solidFill>
-                  <a:srgbClr val="0611F2"/>
-                </a:solidFill>
-                <a:latin typeface="맑은 고딕" charset="0"/>
-                <a:ea typeface="맑은 고딕" charset="0"/>
-              </a:rPr>
-              <a:t>15</a:t>
-            </a:r>
-            <a:r>
-              <a:rPr sz="2000" b="1">
-                <a:solidFill>
-                  <a:srgbClr val="0611F2"/>
-                </a:solidFill>
-                <a:latin typeface="맑은 고딕" charset="0"/>
-                <a:ea typeface="맑은 고딕" charset="0"/>
-              </a:rPr>
-              <a:t>.</a:t>
-            </a:r>
-            <a:r>
-              <a:rPr sz="2000" b="1">
-                <a:solidFill>
-                  <a:srgbClr val="0611F2"/>
-                </a:solidFill>
-                <a:latin typeface="맑은 고딕" charset="0"/>
-                <a:ea typeface="맑은 고딕" charset="0"/>
-              </a:rPr>
-              <a:t> </a:t>
-            </a:r>
-            <a:r>
-              <a:rPr lang="ko-KR" sz="1800">
-                <a:latin typeface="맑은 고딕" charset="0"/>
-                <a:ea typeface="맑은 고딕" charset="0"/>
-              </a:rPr>
-              <a:t>그다음으로 Project 폴더 아래에 </a:t>
-            </a:r>
-            <a:r>
-              <a:rPr lang="ko-KR" sz="1800">
-                <a:latin typeface="맑은 고딕" charset="0"/>
-                <a:ea typeface="맑은 고딕" charset="0"/>
-              </a:rPr>
-              <a:t>있는</a:t>
-            </a:r>
-            <a:r>
-              <a:rPr lang="ko-KR" sz="1800">
-                <a:latin typeface="맑은 고딕" charset="0"/>
-                <a:ea typeface="맑은 고딕" charset="0"/>
-              </a:rPr>
-              <a:t> Scene 폴더에 Photon Room 씬을 </a:t>
-            </a:r>
-            <a:r>
-              <a:rPr lang="ko-KR" sz="1800">
-                <a:latin typeface="맑은 고딕" charset="0"/>
-                <a:ea typeface="맑은 고딕" charset="0"/>
-              </a:rPr>
-              <a:t>Scenes</a:t>
-            </a:r>
-            <a:r>
-              <a:rPr lang="ko-KR" sz="1800">
-                <a:latin typeface="맑은 고딕" charset="0"/>
-                <a:ea typeface="맑은 고딕" charset="0"/>
-              </a:rPr>
-              <a:t> In Build에 넣어줍니다. </a:t>
-            </a:r>
-            <a:endParaRPr lang="ko-KR" altLang="en-US" sz="1800">
-              <a:latin typeface="맑은 고딕" charset="0"/>
-              <a:ea typeface="맑은 고딕" charset="0"/>
-            </a:endParaRPr>
-          </a:p>
-        </p:txBody>
-      </p:sp>
       <p:pic>
         <p:nvPicPr>
-          <p:cNvPr id="1183" name="그림 12" descr="C:/Users/Admin1/AppData/Roaming/PolarisOffice/ETemp/18012_18416592/fImage79303316500.png"/>
+          <p:cNvPr id="62" name="그림 35" descr="C:/Users/nwond/AppData/Roaming/PolarisOffice/ETemp/27104_13584496/fImage125112736962.png"/>
           <p:cNvPicPr>
             <a:picLocks noChangeAspect="1"/>
           </p:cNvPicPr>
           <p:nvPr/>
         </p:nvPicPr>
         <p:blipFill rotWithShape="1">
-          <a:blip r:embed="rId5" cstate="hqprint">
+          <a:blip r:embed="rId34" cstate="print">
             <a:extLst>
               <a:ext uri="{28A0092B-C50C-407E-A947-70E740481C1C}">
-                <a14:useLocalDpi xmlns:a14="http://schemas.microsoft.com/office/drawing/2010/main"/>
+                <a14:useLocalDpi xmlns:a14="http://schemas.microsoft.com/office/drawing/2010/main" val="0"/>
               </a:ext>
             </a:extLst>
           </a:blip>
@@ -11425,8 +10639,8 @@
         </p:blipFill>
         <p:spPr>
           <a:xfrm rot="0">
-            <a:off x="1240790" y="1464310"/>
-            <a:ext cx="4127500" cy="3790315"/>
+            <a:off x="1243965" y="1442720"/>
+            <a:ext cx="4130040" cy="1492250"/>
           </a:xfrm>
           <a:prstGeom prst="roundRect"/>
           <a:solidFill>
@@ -11434,19 +10648,167 @@
           </a:solidFill>
         </p:spPr>
       </p:pic>
+      <p:sp>
+        <p:nvSpPr>
+          <p:cNvPr id="63" name="텍스트 상자 36"/>
+          <p:cNvSpPr txBox="1">
+            <a:spLocks/>
+          </p:cNvSpPr>
+          <p:nvPr/>
+        </p:nvSpPr>
+        <p:spPr>
+          <a:xfrm rot="0">
+            <a:off x="1244600" y="2997200"/>
+            <a:ext cx="4129405" cy="954405"/>
+          </a:xfrm>
+          <a:prstGeom prst="rect"/>
+          <a:noFill/>
+          <a:ln w="0">
+            <a:noFill/>
+            <a:prstDash/>
+          </a:ln>
+        </p:spPr>
+        <p:txBody>
+          <a:bodyPr wrap="square" lIns="89535" tIns="46355" rIns="89535" bIns="46355" numCol="1" vert="horz" anchor="t">
+            <a:spAutoFit/>
+          </a:bodyPr>
+          <a:lstStyle/>
+          <a:p>
+            <a:pPr marL="0" indent="0" rtl="0" algn="l" defTabSz="914400" eaLnBrk="1" latinLnBrk="0" hangingPunct="1">
+              <a:buFontTx/>
+              <a:buNone/>
+            </a:pPr>
+            <a:r>
+              <a:rPr lang="ko-KR" sz="2000" b="1">
+                <a:solidFill>
+                  <a:srgbClr val="0611F2"/>
+                </a:solidFill>
+                <a:latin typeface="맑은 고딕" charset="0"/>
+                <a:ea typeface="맑은 고딕" charset="0"/>
+              </a:rPr>
+              <a:t>14</a:t>
+            </a:r>
+            <a:r>
+              <a:rPr sz="2000" b="1">
+                <a:solidFill>
+                  <a:srgbClr val="0611F2"/>
+                </a:solidFill>
+                <a:latin typeface="맑은 고딕" charset="0"/>
+                <a:ea typeface="맑은 고딕" charset="0"/>
+              </a:rPr>
+              <a:t>. </a:t>
+            </a:r>
+            <a:r>
+              <a:rPr lang="ko-KR" sz="1800">
+                <a:latin typeface="맑은 고딕" charset="0"/>
+                <a:ea typeface="맑은 고딕" charset="0"/>
+              </a:rPr>
+              <a:t>그런 </a:t>
+            </a:r>
+            <a:r>
+              <a:rPr lang="ko-KR" sz="1800">
+                <a:latin typeface="맑은 고딕" charset="0"/>
+                <a:ea typeface="맑은 고딕" charset="0"/>
+              </a:rPr>
+              <a:t>다음</a:t>
+            </a:r>
+            <a:r>
+              <a:rPr sz="1800">
+                <a:latin typeface="맑은 고딕" charset="0"/>
+                <a:ea typeface="맑은 고딕" charset="0"/>
+              </a:rPr>
+              <a:t> </a:t>
+            </a:r>
+            <a:r>
+              <a:rPr lang="ko-KR" sz="1800">
+                <a:latin typeface="맑은 고딕" charset="0"/>
+                <a:ea typeface="맑은 고딕" charset="0"/>
+              </a:rPr>
+              <a:t>C</a:t>
+            </a:r>
+            <a:r>
+              <a:rPr lang="ko-KR" sz="1800">
+                <a:latin typeface="맑은 고딕" charset="0"/>
+                <a:ea typeface="맑은 고딕" charset="0"/>
+              </a:rPr>
+              <a:t>onnect Bu</a:t>
+            </a:r>
+            <a:r>
+              <a:rPr lang="ko-KR" sz="1800">
+                <a:latin typeface="맑은 고딕" charset="0"/>
+                <a:ea typeface="맑은 고딕" charset="0"/>
+              </a:rPr>
+              <a:t>t</a:t>
+            </a:r>
+            <a:r>
+              <a:rPr lang="ko-KR" sz="1800">
+                <a:latin typeface="맑은 고딕" charset="0"/>
+                <a:ea typeface="맑은 고딕" charset="0"/>
+              </a:rPr>
+              <a:t>ton</a:t>
+            </a:r>
+            <a:r>
+              <a:rPr lang="ko-KR" sz="1800">
+                <a:latin typeface="맑은 고딕" charset="0"/>
+                <a:ea typeface="맑은 고딕" charset="0"/>
+              </a:rPr>
+              <a:t> </a:t>
+            </a:r>
+            <a:r>
+              <a:rPr lang="ko-KR" sz="1800">
+                <a:latin typeface="맑은 고딕" charset="0"/>
+                <a:ea typeface="맑은 고딕" charset="0"/>
+              </a:rPr>
+              <a:t>오브젝트의 </a:t>
+            </a:r>
+            <a:r>
+              <a:rPr lang="ko-KR" sz="1800">
+                <a:latin typeface="맑은 고딕" charset="0"/>
+                <a:ea typeface="맑은 고딕" charset="0"/>
+              </a:rPr>
+              <a:t>앵커를 </a:t>
+            </a:r>
+            <a:r>
+              <a:rPr lang="ko-KR" sz="1800">
+                <a:latin typeface="맑은 고딕" charset="0"/>
+                <a:ea typeface="맑은 고딕" charset="0"/>
+              </a:rPr>
+              <a:t>지정하고 </a:t>
+            </a:r>
+            <a:r>
+              <a:rPr lang="ko-KR" sz="1800">
+                <a:latin typeface="맑은 고딕" charset="0"/>
+                <a:ea typeface="맑은 고딕" charset="0"/>
+              </a:rPr>
+              <a:t>위치와 </a:t>
+            </a:r>
+            <a:r>
+              <a:rPr lang="ko-KR" sz="1800">
+                <a:latin typeface="맑은 고딕" charset="0"/>
+                <a:ea typeface="맑은 고딕" charset="0"/>
+              </a:rPr>
+              <a:t>크기 값을 설정합니다.</a:t>
+            </a:r>
+            <a:endParaRPr lang="ko-KR" altLang="en-US" sz="1800">
+              <a:latin typeface="맑은 고딕" charset="0"/>
+              <a:ea typeface="맑은 고딕" charset="0"/>
+            </a:endParaRPr>
+          </a:p>
+        </p:txBody>
+      </p:sp>
       <p:pic>
         <p:nvPicPr>
-          <p:cNvPr id="1184" name="그림 18" descr="C:/Users/Admin1/AppData/Roaming/PolarisOffice/ETemp/18012_18416592/fImage108573339169.png"/>
+          <p:cNvPr id="64" name="그림 46" descr="C:/Users/nwond/AppData/Roaming/PolarisOffice/ETemp/27104_13584496/fImage960812784464.png"/>
           <p:cNvPicPr>
             <a:picLocks noChangeAspect="1"/>
           </p:cNvPicPr>
           <p:nvPr/>
         </p:nvPicPr>
         <p:blipFill rotWithShape="1">
-          <a:blip r:embed="rId6" cstate="hqprint">
+          <a:blip r:embed="rId35" cstate="print">
             <a:extLst>
               <a:ext uri="{28A0092B-C50C-407E-A947-70E740481C1C}">
-                <a14:useLocalDpi xmlns:a14="http://schemas.microsoft.com/office/drawing/2010/main"/>
+                <a14:useLocalDpi xmlns:a14="http://schemas.microsoft.com/office/drawing/2010/main" val="0"/>
               </a:ext>
             </a:extLst>
           </a:blip>
@@ -11456,8 +10818,8 @@
         </p:blipFill>
         <p:spPr>
           <a:xfrm rot="0">
-            <a:off x="6825615" y="1455420"/>
-            <a:ext cx="4141470" cy="2197100"/>
+            <a:off x="1237615" y="4020820"/>
+            <a:ext cx="4130675" cy="1256665"/>
           </a:xfrm>
           <a:prstGeom prst="roundRect"/>
           <a:solidFill>
@@ -11467,7 +10829,7 @@
       </p:pic>
       <p:sp>
         <p:nvSpPr>
-          <p:cNvPr id="1185" name="텍스트 상자 86"/>
+          <p:cNvPr id="65" name="텍스트 상자 49"/>
           <p:cNvSpPr txBox="1">
             <a:spLocks/>
           </p:cNvSpPr>
@@ -11475,19 +10837,15 @@
         </p:nvSpPr>
         <p:spPr>
           <a:xfrm rot="0">
-            <a:off x="1243330" y="5423535"/>
-            <a:ext cx="4133850" cy="678180"/>
+            <a:off x="1243965" y="5377180"/>
+            <a:ext cx="4130040" cy="861695"/>
           </a:xfrm>
           <a:prstGeom prst="rect"/>
           <a:noFill/>
-          <a:ln w="0">
-            <a:noFill/>
-            <a:prstDash/>
-          </a:ln>
-        </p:spPr>
-        <p:txBody>
-          <a:bodyPr wrap="square" lIns="89535" tIns="46355" rIns="89535" bIns="46355" numCol="1" vert="horz" anchor="t">
-            <a:spAutoFit/>
+        </p:spPr>
+        <p:txBody>
+          <a:bodyPr wrap="square" lIns="0" tIns="0" rIns="0" bIns="0" vert="horz" anchor="t">
+            <a:noAutofit/>
           </a:bodyPr>
           <a:lstStyle/>
           <a:p>
@@ -11503,7 +10861,17 @@
                 <a:latin typeface="맑은 고딕" charset="0"/>
                 <a:ea typeface="맑은 고딕" charset="0"/>
               </a:rPr>
-              <a:t>14</a:t>
+              <a:t>1</a:t>
+            </a:r>
+            <a:r>
+              <a:rPr lang="ko-KR" sz="2000" b="1">
+                <a:solidFill>
+                  <a:srgbClr val="0611F2"/>
+                </a:solidFill>
+                <a:latin typeface="맑은 고딕" charset="0"/>
+                <a:ea typeface="맑은 고딕" charset="0"/>
+              </a:rPr>
+              <a:t>5</a:t>
             </a:r>
             <a:r>
               <a:rPr sz="2000" b="1">
@@ -11513,31 +10881,56 @@
                 <a:latin typeface="맑은 고딕" charset="0"/>
                 <a:ea typeface="맑은 고딕" charset="0"/>
               </a:rPr>
-              <a:t>.</a:t>
-            </a:r>
-            <a:r>
-              <a:rPr sz="2000" b="1">
-                <a:solidFill>
-                  <a:srgbClr val="0611F2"/>
-                </a:solidFill>
-                <a:latin typeface="맑은 고딕" charset="0"/>
-                <a:ea typeface="맑은 고딕" charset="0"/>
-              </a:rPr>
-              <a:t> </a:t>
-            </a:r>
-            <a:r>
-              <a:rPr lang="ko-KR" sz="1800">
-                <a:latin typeface="맑은 고딕" charset="0"/>
-                <a:ea typeface="맑은 고딕" charset="0"/>
-              </a:rPr>
-              <a:t>그런 다음 File에 Build Settings를 </a:t>
-            </a:r>
-            <a:r>
-              <a:rPr lang="ko-KR" sz="1800">
-                <a:latin typeface="맑은 고딕" charset="0"/>
-                <a:ea typeface="맑은 고딕" charset="0"/>
-              </a:rPr>
-              <a:t>선택합니다.</a:t>
+              <a:t>. </a:t>
+            </a:r>
+            <a:r>
+              <a:rPr lang="ko-KR" sz="1800">
+                <a:latin typeface="맑은 고딕" charset="0"/>
+                <a:ea typeface="맑은 고딕" charset="0"/>
+              </a:rPr>
+              <a:t>그</a:t>
+            </a:r>
+            <a:r>
+              <a:rPr lang="ko-KR" sz="1800">
+                <a:latin typeface="맑은 고딕" charset="0"/>
+                <a:ea typeface="맑은 고딕" charset="0"/>
+              </a:rPr>
+              <a:t>다음으로</a:t>
+            </a:r>
+            <a:r>
+              <a:rPr lang="ko-KR" sz="1800">
+                <a:latin typeface="맑은 고딕" charset="0"/>
+                <a:ea typeface="맑은 고딕" charset="0"/>
+              </a:rPr>
+              <a:t> ConnectServer 스크립트에 Dropdown 변수</a:t>
+            </a:r>
+            <a:r>
+              <a:rPr lang="ko-KR" sz="1800">
+                <a:latin typeface="맑은 고딕" charset="0"/>
+                <a:ea typeface="맑은 고딕" charset="0"/>
+              </a:rPr>
+              <a:t>와 </a:t>
+            </a:r>
+            <a:r>
+              <a:rPr lang="ko-KR" sz="1800">
+                <a:latin typeface="맑은 고딕" charset="0"/>
+                <a:ea typeface="맑은 고딕" charset="0"/>
+              </a:rPr>
+              <a:t>Can</a:t>
+            </a:r>
+            <a:r>
+              <a:rPr lang="ko-KR" sz="1800">
+                <a:latin typeface="맑은 고딕" charset="0"/>
+                <a:ea typeface="맑은 고딕" charset="0"/>
+              </a:rPr>
+              <a:t>v</a:t>
+            </a:r>
+            <a:r>
+              <a:rPr lang="ko-KR" sz="1800">
+                <a:latin typeface="맑은 고딕" charset="0"/>
+                <a:ea typeface="맑은 고딕" charset="0"/>
+              </a:rPr>
+              <a:t>as 변수를 선언합니다.</a:t>
             </a:r>
             <a:endParaRPr lang="ko-KR" altLang="en-US" sz="1800">
               <a:latin typeface="맑은 고딕" charset="0"/>
@@ -11548,17 +10941,17 @@
       </p:sp>
       <p:pic>
         <p:nvPicPr>
-          <p:cNvPr id="1186" name="그림 91" descr="C:/Users/Admin1/AppData/Roaming/PolarisOffice/ETemp/18012_18416592/fImage64633508716.png"/>
+          <p:cNvPr id="66" name="그림 54" descr="C:/Users/nwond/AppData/Roaming/PolarisOffice/ETemp/27104_13584496/fImage691612945705.png"/>
           <p:cNvPicPr>
             <a:picLocks noChangeAspect="1"/>
           </p:cNvPicPr>
           <p:nvPr/>
         </p:nvPicPr>
         <p:blipFill rotWithShape="1">
-          <a:blip r:embed="rId9" cstate="hqprint">
+          <a:blip r:embed="rId36" cstate="print">
             <a:extLst>
               <a:ext uri="{28A0092B-C50C-407E-A947-70E740481C1C}">
-                <a14:useLocalDpi xmlns:a14="http://schemas.microsoft.com/office/drawing/2010/main"/>
+                <a14:useLocalDpi xmlns:a14="http://schemas.microsoft.com/office/drawing/2010/main" val="0"/>
               </a:ext>
             </a:extLst>
           </a:blip>
@@ -11568,8 +10961,8 @@
         </p:blipFill>
         <p:spPr>
           <a:xfrm rot="0">
-            <a:off x="6832600" y="3867150"/>
-            <a:ext cx="4142740" cy="1190625"/>
+            <a:off x="6816090" y="1449070"/>
+            <a:ext cx="4136390" cy="2626995"/>
           </a:xfrm>
           <a:prstGeom prst="roundRect"/>
           <a:solidFill>
@@ -11577,35 +10970,187 @@
           </a:solidFill>
         </p:spPr>
       </p:pic>
-      <p:pic>
-        <p:nvPicPr>
-          <p:cNvPr id="1187" name="그림 96" descr="C:/Users/Admin1/AppData/Roaming/PolarisOffice/ETemp/18012_18416592/fImage2242173004464.png"/>
-          <p:cNvPicPr>
-            <a:picLocks noChangeAspect="1"/>
-          </p:cNvPicPr>
+      <p:sp>
+        <p:nvSpPr>
+          <p:cNvPr id="67" name="텍스트 상자 57"/>
+          <p:cNvSpPr txBox="1">
+            <a:spLocks/>
+          </p:cNvSpPr>
           <p:nvPr/>
-        </p:nvPicPr>
-        <p:blipFill rotWithShape="1">
-          <a:blip r:embed="rId10" cstate="hqprint">
-            <a:extLst>
-              <a:ext uri="{28A0092B-C50C-407E-A947-70E740481C1C}">
-                <a14:useLocalDpi xmlns:a14="http://schemas.microsoft.com/office/drawing/2010/main"/>
-              </a:ext>
-            </a:extLst>
-          </a:blip>
-          <a:stretch>
-            <a:fillRect/>
-          </a:stretch>
-        </p:blipFill>
-        <p:spPr>
-          <a:xfrm rot="16200000">
-            <a:off x="8632825" y="3479165"/>
-            <a:ext cx="532130" cy="427355"/>
+        </p:nvSpPr>
+        <p:spPr>
+          <a:xfrm rot="0">
+            <a:off x="6810375" y="4266565"/>
+            <a:ext cx="4142105" cy="1969135"/>
           </a:xfrm>
           <a:prstGeom prst="rect"/>
           <a:noFill/>
         </p:spPr>
-      </p:pic>
+        <p:txBody>
+          <a:bodyPr wrap="square" lIns="0" tIns="0" rIns="0" bIns="0" vert="horz" anchor="t">
+            <a:noAutofit/>
+          </a:bodyPr>
+          <a:lstStyle/>
+          <a:p>
+            <a:pPr marL="0" indent="0" rtl="0" algn="l" defTabSz="914400" eaLnBrk="1" latinLnBrk="0" hangingPunct="1">
+              <a:buFontTx/>
+              <a:buNone/>
+            </a:pPr>
+            <a:r>
+              <a:rPr lang="ko-KR" sz="2000" b="1">
+                <a:solidFill>
+                  <a:srgbClr val="0611F2"/>
+                </a:solidFill>
+                <a:latin typeface="맑은 고딕" charset="0"/>
+                <a:ea typeface="맑은 고딕" charset="0"/>
+              </a:rPr>
+              <a:t>1</a:t>
+            </a:r>
+            <a:r>
+              <a:rPr lang="ko-KR" sz="2000" b="1">
+                <a:solidFill>
+                  <a:srgbClr val="0611F2"/>
+                </a:solidFill>
+                <a:latin typeface="맑은 고딕" charset="0"/>
+                <a:ea typeface="맑은 고딕" charset="0"/>
+              </a:rPr>
+              <a:t>6</a:t>
+            </a:r>
+            <a:r>
+              <a:rPr sz="2000" b="1">
+                <a:solidFill>
+                  <a:srgbClr val="0611F2"/>
+                </a:solidFill>
+                <a:latin typeface="맑은 고딕" charset="0"/>
+                <a:ea typeface="맑은 고딕" charset="0"/>
+              </a:rPr>
+              <a:t>. </a:t>
+            </a:r>
+            <a:r>
+              <a:rPr lang="ko-KR" sz="1800">
+                <a:latin typeface="맑은 고딕" charset="0"/>
+                <a:ea typeface="맑은 고딕" charset="0"/>
+              </a:rPr>
+              <a:t>그러고 </a:t>
+            </a:r>
+            <a:r>
+              <a:rPr lang="ko-KR" sz="1800">
+                <a:latin typeface="맑은 고딕" charset="0"/>
+                <a:ea typeface="맑은 고딕" charset="0"/>
+              </a:rPr>
+              <a:t>나서</a:t>
+            </a:r>
+            <a:r>
+              <a:rPr lang="ko-KR" sz="1800">
+                <a:latin typeface="맑은 고딕" charset="0"/>
+                <a:ea typeface="맑은 고딕" charset="0"/>
+              </a:rPr>
+              <a:t> Awake( ) 함수를 선언한 다음 드롭다운에 있는 옵션</a:t>
+            </a:r>
+            <a:r>
+              <a:rPr lang="ko-KR" sz="1800">
+                <a:latin typeface="맑은 고딕" charset="0"/>
+                <a:ea typeface="맑은 고딕" charset="0"/>
+              </a:rPr>
+              <a:t>의</a:t>
+            </a:r>
+            <a:r>
+              <a:rPr lang="ko-KR" sz="1800">
+                <a:latin typeface="맑은 고딕" charset="0"/>
+                <a:ea typeface="맑은 고딕" charset="0"/>
+              </a:rPr>
+              <a:t> 속성을 설정합니다.</a:t>
+            </a:r>
+            <a:endParaRPr lang="ko-KR" altLang="en-US" sz="1800">
+              <a:latin typeface="맑은 고딕" charset="0"/>
+              <a:ea typeface="맑은 고딕" charset="0"/>
+            </a:endParaRPr>
+          </a:p>
+          <a:p>
+            <a:pPr marL="0" indent="0" rtl="0" algn="l" defTabSz="914400" eaLnBrk="1" latinLnBrk="0" hangingPunct="1">
+              <a:buFontTx/>
+              <a:buNone/>
+            </a:pPr>
+            <a:endParaRPr lang="ko-KR" altLang="en-US" sz="1800">
+              <a:latin typeface="맑은 고딕" charset="0"/>
+              <a:ea typeface="맑은 고딕" charset="0"/>
+            </a:endParaRPr>
+          </a:p>
+          <a:p>
+            <a:pPr marL="0" indent="0" rtl="0" algn="l" defTabSz="914400" eaLnBrk="1" latinLnBrk="0" hangingPunct="1">
+              <a:buFontTx/>
+              <a:buNone/>
+            </a:pPr>
+            <a:r>
+              <a:rPr lang="ko-KR" sz="1800">
+                <a:latin typeface="맑은 고딕" charset="0"/>
+                <a:ea typeface="맑은 고딕" charset="0"/>
+              </a:rPr>
+              <a:t>이제 </a:t>
+            </a:r>
+            <a:r>
+              <a:rPr lang="ko-KR" sz="1800">
+                <a:latin typeface="맑은 고딕" charset="0"/>
+                <a:ea typeface="맑은 고딕" charset="0"/>
+              </a:rPr>
+              <a:t>서버에 </a:t>
+            </a:r>
+            <a:r>
+              <a:rPr lang="ko-KR" sz="1800">
+                <a:latin typeface="맑은 고딕" charset="0"/>
+                <a:ea typeface="맑은 고딕" charset="0"/>
+              </a:rPr>
+              <a:t>연결이 되어있는 상태</a:t>
+            </a:r>
+            <a:r>
+              <a:rPr lang="ko-KR" sz="1800">
+                <a:latin typeface="맑은 고딕" charset="0"/>
+                <a:ea typeface="맑은 고딕" charset="0"/>
+              </a:rPr>
+              <a:t>라면 c</a:t>
+            </a:r>
+            <a:r>
+              <a:rPr lang="ko-KR" sz="1800">
+                <a:latin typeface="맑은 고딕" charset="0"/>
+                <a:ea typeface="맑은 고딕" charset="0"/>
+              </a:rPr>
+              <a:t>anvas</a:t>
+            </a:r>
+            <a:r>
+              <a:rPr lang="ko-KR" sz="1800">
+                <a:latin typeface="맑은 고딕" charset="0"/>
+                <a:ea typeface="맑은 고딕" charset="0"/>
+              </a:rPr>
+              <a:t>L</a:t>
+            </a:r>
+            <a:r>
+              <a:rPr lang="ko-KR" sz="1800">
+                <a:latin typeface="맑은 고딕" charset="0"/>
+                <a:ea typeface="맑은 고딕" charset="0"/>
+              </a:rPr>
+              <a:t>obby</a:t>
+            </a:r>
+            <a:r>
+              <a:rPr lang="ko-KR" sz="1800">
+                <a:latin typeface="맑은 고딕" charset="0"/>
+                <a:ea typeface="맑은 고딕" charset="0"/>
+              </a:rPr>
+              <a:t> </a:t>
+            </a:r>
+            <a:r>
+              <a:rPr lang="ko-KR" sz="1800">
+                <a:latin typeface="맑은 고딕" charset="0"/>
+                <a:ea typeface="맑은 고딕" charset="0"/>
+              </a:rPr>
+              <a:t>오브젝트를 비활성화하도록 설정합니다.</a:t>
+            </a:r>
+            <a:endParaRPr lang="ko-KR" altLang="en-US" sz="1800">
+              <a:latin typeface="맑은 고딕" charset="0"/>
+              <a:ea typeface="맑은 고딕" charset="0"/>
+            </a:endParaRPr>
+          </a:p>
+        </p:txBody>
+      </p:sp>
     </p:spTree>
   </p:cSld>
   <p:clrMapOvr>
@@ -11630,7 +11175,7 @@
 </file>
 
 <file path=ppt/slides/slide7.xml><?xml version="1.0" encoding="utf-8"?>
-<p:sld xmlns:a="http://schemas.openxmlformats.org/drawingml/2006/main" xmlns:r="http://schemas.openxmlformats.org/officeDocument/2006/relationships" xmlns:p="http://schemas.openxmlformats.org/presentationml/2006/main">
+<p:sld xmlns:a="http://schemas.openxmlformats.org/drawingml/2006/main" xmlns:r="http://schemas.openxmlformats.org/officeDocument/2006/relationships" xmlns:p="http://schemas.openxmlformats.org/presentationml/2006/main" xmlns:p14="http://schemas.microsoft.com/office/powerpoint/2010/main">
   <p:cSld>
     <p:spTree>
       <p:nvGrpSpPr>
@@ -11708,7 +11253,7 @@
       </p:sp>
       <p:sp>
         <p:nvSpPr>
-          <p:cNvPr id="1137" name="Rect 0"/>
+          <p:cNvPr id="1146" name="Rect 0"/>
           <p:cNvSpPr txBox="1">
             <a:spLocks/>
           </p:cNvSpPr>
@@ -11716,8 +11261,8 @@
         </p:nvSpPr>
         <p:spPr>
           <a:xfrm rot="0">
-            <a:off x="1240790" y="2561590"/>
-            <a:ext cx="4126230" cy="954405"/>
+            <a:off x="1228090" y="2816860"/>
+            <a:ext cx="4138930" cy="954405"/>
           </a:xfrm>
           <a:prstGeom prst="rect"/>
           <a:noFill/>
@@ -11744,7 +11289,17 @@
                 <a:latin typeface="맑은 고딕" charset="0"/>
                 <a:ea typeface="맑은 고딕" charset="0"/>
               </a:rPr>
-              <a:t>16</a:t>
+              <a:t>1</a:t>
+            </a:r>
+            <a:r>
+              <a:rPr lang="ko-KR" sz="2000" b="1">
+                <a:solidFill>
+                  <a:srgbClr val="0611F2"/>
+                </a:solidFill>
+                <a:latin typeface="맑은 고딕" charset="0"/>
+                <a:ea typeface="맑은 고딕" charset="0"/>
+              </a:rPr>
+              <a:t>7</a:t>
             </a:r>
             <a:r>
               <a:rPr sz="2000" b="1">
@@ -11754,59 +11309,14 @@
                 <a:latin typeface="맑은 고딕" charset="0"/>
                 <a:ea typeface="맑은 고딕" charset="0"/>
               </a:rPr>
-              <a:t>.</a:t>
-            </a:r>
-            <a:r>
-              <a:rPr sz="2000" b="1">
-                <a:solidFill>
-                  <a:srgbClr val="0611F2"/>
-                </a:solidFill>
-                <a:latin typeface="맑은 고딕" charset="0"/>
-                <a:ea typeface="맑은 고딕" charset="0"/>
-              </a:rPr>
-              <a:t> </a:t>
-            </a:r>
-            <a:r>
-              <a:rPr lang="ko-KR" sz="1800">
-                <a:latin typeface="맑은 고딕" charset="0"/>
-                <a:ea typeface="맑은 고딕" charset="0"/>
-              </a:rPr>
-              <a:t>그러고 나서 ConnectServer </a:t>
-            </a:r>
-            <a:r>
-              <a:rPr lang="ko-KR" sz="1800">
-                <a:latin typeface="맑은 고딕" charset="0"/>
-                <a:ea typeface="맑은 고딕" charset="0"/>
-              </a:rPr>
-              <a:t>스크립트에</a:t>
-            </a:r>
-            <a:r>
-              <a:rPr lang="ko-KR" sz="1800">
-                <a:latin typeface="맑은 고딕" charset="0"/>
-                <a:ea typeface="맑은 고딕" charset="0"/>
-              </a:rPr>
-              <a:t> </a:t>
-            </a:r>
-            <a:r>
-              <a:rPr lang="ko-KR" sz="1800">
-                <a:latin typeface="맑은 고딕" charset="0"/>
-                <a:ea typeface="맑은 고딕" charset="0"/>
-              </a:rPr>
-              <a:t>Dropdown</a:t>
-            </a:r>
-            <a:r>
-              <a:rPr lang="ko-KR" sz="1800">
-                <a:latin typeface="맑은 고딕" charset="0"/>
-                <a:ea typeface="맑은 고딕" charset="0"/>
-              </a:rPr>
-              <a:t> 변수를 </a:t>
-            </a:r>
-            <a:r>
-              <a:rPr lang="ko-KR" sz="1800">
-                <a:latin typeface="맑은 고딕" charset="0"/>
-                <a:ea typeface="맑은 고딕" charset="0"/>
-              </a:rPr>
-              <a:t>선언합니다.</a:t>
+              <a:t>. </a:t>
+            </a:r>
+            <a:r>
+              <a:rPr lang="ko-KR" sz="1800">
+                <a:latin typeface="맑은 고딕" charset="0"/>
+                <a:ea typeface="맑은 고딕" charset="0"/>
+              </a:rPr>
+              <a:t>그리고 SelectServer( ) 함수를 선언하고 서버에 접속할 수 있도록 설정합니다.</a:t>
             </a:r>
             <a:endParaRPr lang="ko-KR" altLang="en-US" sz="1800">
               <a:latin typeface="맑은 고딕" charset="0"/>
@@ -11817,7 +11327,7 @@
       </p:sp>
       <p:sp>
         <p:nvSpPr>
-          <p:cNvPr id="1146" name="Rect 0"/>
+          <p:cNvPr id="1164" name="텍스트 상자 7"/>
           <p:cNvSpPr txBox="1">
             <a:spLocks/>
           </p:cNvSpPr>
@@ -11825,8 +11335,8 @@
         </p:nvSpPr>
         <p:spPr>
           <a:xfrm rot="0">
-            <a:off x="6831330" y="2775585"/>
-            <a:ext cx="4126230" cy="954405"/>
+            <a:off x="1235710" y="5234305"/>
+            <a:ext cx="4133215" cy="954405"/>
           </a:xfrm>
           <a:prstGeom prst="rect"/>
           <a:noFill/>
@@ -11853,7 +11363,17 @@
                 <a:latin typeface="맑은 고딕" charset="0"/>
                 <a:ea typeface="맑은 고딕" charset="0"/>
               </a:rPr>
-              <a:t>18</a:t>
+              <a:t>1</a:t>
+            </a:r>
+            <a:r>
+              <a:rPr lang="ko-KR" sz="2000" b="1">
+                <a:solidFill>
+                  <a:srgbClr val="0611F2"/>
+                </a:solidFill>
+                <a:latin typeface="맑은 고딕" charset="0"/>
+                <a:ea typeface="맑은 고딕" charset="0"/>
+              </a:rPr>
+              <a:t>8</a:t>
             </a:r>
             <a:r>
               <a:rPr sz="2000" b="1">
@@ -11863,59 +11383,56 @@
                 <a:latin typeface="맑은 고딕" charset="0"/>
                 <a:ea typeface="맑은 고딕" charset="0"/>
               </a:rPr>
-              <a:t>.</a:t>
-            </a:r>
-            <a:r>
-              <a:rPr sz="2000" b="1">
-                <a:solidFill>
-                  <a:srgbClr val="0611F2"/>
-                </a:solidFill>
-                <a:latin typeface="맑은 고딕" charset="0"/>
-                <a:ea typeface="맑은 고딕" charset="0"/>
-              </a:rPr>
-              <a:t> </a:t>
-            </a:r>
-            <a:r>
-              <a:rPr lang="ko-KR" sz="1800">
-                <a:latin typeface="맑은 고딕" charset="0"/>
-                <a:ea typeface="맑은 고딕" charset="0"/>
-              </a:rPr>
-              <a:t>그리고 SelectServer( ) 함수를 </a:t>
-            </a:r>
-            <a:r>
-              <a:rPr lang="ko-KR" sz="1800">
-                <a:latin typeface="맑은 고딕" charset="0"/>
-                <a:ea typeface="맑은 고딕" charset="0"/>
-              </a:rPr>
-              <a:t>선언하고</a:t>
-            </a:r>
-            <a:r>
-              <a:rPr lang="ko-KR" sz="1800">
-                <a:latin typeface="맑은 고딕" charset="0"/>
-                <a:ea typeface="맑은 고딕" charset="0"/>
-              </a:rPr>
-              <a:t> </a:t>
-            </a:r>
-            <a:r>
-              <a:rPr lang="ko-KR" sz="1800">
-                <a:latin typeface="맑은 고딕" charset="0"/>
-                <a:ea typeface="맑은 고딕" charset="0"/>
-              </a:rPr>
-              <a:t>서버에 접속할 수 있도록 </a:t>
-            </a:r>
-            <a:r>
-              <a:rPr lang="ko-KR" sz="1800">
-                <a:latin typeface="맑은 고딕" charset="0"/>
-                <a:ea typeface="맑은 고딕" charset="0"/>
-              </a:rPr>
-              <a:t>설정합니</a:t>
-            </a:r>
-            <a:r>
-              <a:rPr lang="ko-KR" sz="1800">
-                <a:latin typeface="맑은 고딕" charset="0"/>
-                <a:ea typeface="맑은 고딕" charset="0"/>
-              </a:rPr>
-              <a:t>다.</a:t>
+              <a:t>. </a:t>
+            </a:r>
+            <a:r>
+              <a:rPr lang="ko-KR" sz="1800">
+                <a:latin typeface="맑은 고딕" charset="0"/>
+                <a:ea typeface="맑은 고딕" charset="0"/>
+              </a:rPr>
+              <a:t>그런 다음 OnJoinedLobby( ) 함수를 선언하고 </a:t>
+            </a:r>
+            <a:r>
+              <a:rPr lang="ko-KR" sz="1800">
+                <a:latin typeface="맑은 고딕" charset="0"/>
+                <a:ea typeface="맑은 고딕" charset="0"/>
+              </a:rPr>
+              <a:t>캔버스 </a:t>
+            </a:r>
+            <a:r>
+              <a:rPr lang="ko-KR" sz="1800">
+                <a:latin typeface="맑은 고딕" charset="0"/>
+                <a:ea typeface="맑은 고딕" charset="0"/>
+              </a:rPr>
+              <a:t>오브젝트의 </a:t>
+            </a:r>
+            <a:r>
+              <a:rPr lang="ko-KR" sz="1800">
+                <a:latin typeface="맑은 고딕" charset="0"/>
+                <a:ea typeface="맑은 고딕" charset="0"/>
+              </a:rPr>
+              <a:t>정렬 </a:t>
+            </a:r>
+            <a:r>
+              <a:rPr lang="ko-KR" sz="1800">
+                <a:latin typeface="맑은 고딕" charset="0"/>
+                <a:ea typeface="맑은 고딕" charset="0"/>
+              </a:rPr>
+              <a:t>순서</a:t>
+            </a:r>
+            <a:r>
+              <a:rPr lang="ko-KR" sz="1800">
+                <a:latin typeface="맑은 고딕" charset="0"/>
+                <a:ea typeface="맑은 고딕" charset="0"/>
+              </a:rPr>
+              <a:t>를 </a:t>
+            </a:r>
+            <a:r>
+              <a:rPr lang="ko-KR" sz="1800">
+                <a:latin typeface="맑은 고딕" charset="0"/>
+                <a:ea typeface="맑은 고딕" charset="0"/>
+              </a:rPr>
+              <a:t>설정합니다.</a:t>
             </a:r>
             <a:endParaRPr lang="ko-KR" altLang="en-US" sz="1800">
               <a:latin typeface="맑은 고딕" charset="0"/>
@@ -11924,324 +11441,9 @@
           </a:p>
         </p:txBody>
       </p:sp>
-      <p:sp>
-        <p:nvSpPr>
-          <p:cNvPr id="1153" name="Rect 0"/>
-          <p:cNvSpPr txBox="1">
-            <a:spLocks/>
-          </p:cNvSpPr>
-          <p:nvPr/>
-        </p:nvSpPr>
-        <p:spPr>
-          <a:xfrm rot="0">
-            <a:off x="1240790" y="5252085"/>
-            <a:ext cx="4145280" cy="954405"/>
-          </a:xfrm>
-          <a:prstGeom prst="rect"/>
-          <a:noFill/>
-          <a:ln w="0">
-            <a:noFill/>
-            <a:prstDash/>
-          </a:ln>
-        </p:spPr>
-        <p:txBody>
-          <a:bodyPr wrap="square" lIns="89535" tIns="46355" rIns="89535" bIns="46355" numCol="1" vert="horz" anchor="t">
-            <a:spAutoFit/>
-          </a:bodyPr>
-          <a:lstStyle/>
-          <a:p>
-            <a:pPr marL="0" indent="0" rtl="0" algn="l" defTabSz="914400" eaLnBrk="1" latinLnBrk="0" hangingPunct="1">
-              <a:buFontTx/>
-              <a:buNone/>
-            </a:pPr>
-            <a:r>
-              <a:rPr lang="ko-KR" sz="2000" b="1">
-                <a:solidFill>
-                  <a:srgbClr val="0611F2"/>
-                </a:solidFill>
-                <a:latin typeface="맑은 고딕" charset="0"/>
-                <a:ea typeface="맑은 고딕" charset="0"/>
-              </a:rPr>
-              <a:t>17</a:t>
-            </a:r>
-            <a:r>
-              <a:rPr sz="2000" b="1">
-                <a:solidFill>
-                  <a:srgbClr val="0611F2"/>
-                </a:solidFill>
-                <a:latin typeface="맑은 고딕" charset="0"/>
-                <a:ea typeface="맑은 고딕" charset="0"/>
-              </a:rPr>
-              <a:t>.</a:t>
-            </a:r>
-            <a:r>
-              <a:rPr sz="2000" b="1">
-                <a:solidFill>
-                  <a:srgbClr val="0611F2"/>
-                </a:solidFill>
-                <a:latin typeface="맑은 고딕" charset="0"/>
-                <a:ea typeface="맑은 고딕" charset="0"/>
-              </a:rPr>
-              <a:t> </a:t>
-            </a:r>
-            <a:r>
-              <a:rPr lang="ko-KR" sz="1800">
-                <a:latin typeface="맑은 고딕" charset="0"/>
-                <a:ea typeface="맑은 고딕" charset="0"/>
-              </a:rPr>
-              <a:t>이제 Awake( ) 함수를 선언한 </a:t>
-            </a:r>
-            <a:r>
-              <a:rPr lang="ko-KR" sz="1800">
-                <a:latin typeface="맑은 고딕" charset="0"/>
-                <a:ea typeface="맑은 고딕" charset="0"/>
-              </a:rPr>
-              <a:t>다음</a:t>
-            </a:r>
-            <a:r>
-              <a:rPr lang="ko-KR" sz="1800">
-                <a:latin typeface="맑은 고딕" charset="0"/>
-                <a:ea typeface="맑은 고딕" charset="0"/>
-              </a:rPr>
-              <a:t> </a:t>
-            </a:r>
-            <a:r>
-              <a:rPr lang="ko-KR" sz="1800">
-                <a:latin typeface="맑은 고딕" charset="0"/>
-                <a:ea typeface="맑은 고딕" charset="0"/>
-              </a:rPr>
-              <a:t>드롭다운에</a:t>
-            </a:r>
-            <a:r>
-              <a:rPr lang="ko-KR" sz="1800">
-                <a:latin typeface="맑은 고딕" charset="0"/>
-                <a:ea typeface="맑은 고딕" charset="0"/>
-              </a:rPr>
-              <a:t> </a:t>
-            </a:r>
-            <a:r>
-              <a:rPr lang="ko-KR" sz="1800">
-                <a:latin typeface="맑은 고딕" charset="0"/>
-                <a:ea typeface="맑은 고딕" charset="0"/>
-              </a:rPr>
-              <a:t>있는 옵션에 속성을 </a:t>
-            </a:r>
-            <a:r>
-              <a:rPr lang="ko-KR" sz="1800">
-                <a:latin typeface="맑은 고딕" charset="0"/>
-                <a:ea typeface="맑은 고딕" charset="0"/>
-              </a:rPr>
-              <a:t>설정합니</a:t>
-            </a:r>
-            <a:r>
-              <a:rPr lang="ko-KR" sz="1800">
-                <a:latin typeface="맑은 고딕" charset="0"/>
-                <a:ea typeface="맑은 고딕" charset="0"/>
-              </a:rPr>
-              <a:t>다.</a:t>
-            </a:r>
-            <a:endParaRPr lang="ko-KR" altLang="en-US" sz="1800">
-              <a:latin typeface="맑은 고딕" charset="0"/>
-              <a:ea typeface="맑은 고딕" charset="0"/>
-            </a:endParaRPr>
-          </a:p>
-        </p:txBody>
-      </p:sp>
       <p:pic>
         <p:nvPicPr>
-          <p:cNvPr id="1162" name="그림 1" descr="C:/Users/Admin1/AppData/Roaming/PolarisOffice/ETemp/16480_7681344/fImage3234725741.png"/>
-          <p:cNvPicPr>
-            <a:picLocks noChangeAspect="1"/>
-          </p:cNvPicPr>
-          <p:nvPr/>
-        </p:nvPicPr>
-        <p:blipFill rotWithShape="1">
-          <a:blip r:embed="rId2" cstate="print">
-            <a:extLst>
-              <a:ext uri="{28A0092B-C50C-407E-A947-70E740481C1C}">
-                <a14:useLocalDpi xmlns:a14="http://schemas.microsoft.com/office/drawing/2010/main" val="0"/>
-              </a:ext>
-            </a:extLst>
-          </a:blip>
-          <a:stretch>
-            <a:fillRect/>
-          </a:stretch>
-        </p:blipFill>
-        <p:spPr>
-          <a:xfrm rot="0">
-            <a:off x="1240790" y="3634740"/>
-            <a:ext cx="4126230" cy="1541780"/>
-          </a:xfrm>
-          <a:prstGeom prst="roundRect"/>
-          <a:solidFill>
-            <a:srgbClr val="EDEDED"/>
-          </a:solidFill>
-        </p:spPr>
-      </p:pic>
-      <p:pic>
-        <p:nvPicPr>
-          <p:cNvPr id="1163" name="그림 4" descr="C:/Users/Admin1/AppData/Roaming/PolarisOffice/ETemp/16480_7681344/fImage394162588467.png"/>
-          <p:cNvPicPr>
-            <a:picLocks noChangeAspect="1"/>
-          </p:cNvPicPr>
-          <p:nvPr/>
-        </p:nvPicPr>
-        <p:blipFill rotWithShape="1">
-          <a:blip r:embed="rId3" cstate="print">
-            <a:extLst>
-              <a:ext uri="{28A0092B-C50C-407E-A947-70E740481C1C}">
-                <a14:useLocalDpi xmlns:a14="http://schemas.microsoft.com/office/drawing/2010/main" val="0"/>
-              </a:ext>
-            </a:extLst>
-          </a:blip>
-          <a:stretch>
-            <a:fillRect/>
-          </a:stretch>
-        </p:blipFill>
-        <p:spPr>
-          <a:xfrm rot="0">
-            <a:off x="1249680" y="1438910"/>
-            <a:ext cx="4126230" cy="1042670"/>
-          </a:xfrm>
-          <a:prstGeom prst="roundRect"/>
-          <a:solidFill>
-            <a:srgbClr val="EDEDED"/>
-          </a:solidFill>
-        </p:spPr>
-      </p:pic>
-      <p:sp>
-        <p:nvSpPr>
-          <p:cNvPr id="1164" name="텍스트 상자 7"/>
-          <p:cNvSpPr txBox="1">
-            <a:spLocks/>
-          </p:cNvSpPr>
-          <p:nvPr/>
-        </p:nvSpPr>
-        <p:spPr>
-          <a:xfrm rot="0">
-            <a:off x="6839585" y="5265420"/>
-            <a:ext cx="4117975" cy="954405"/>
-          </a:xfrm>
-          <a:prstGeom prst="rect"/>
-          <a:noFill/>
-          <a:ln w="0">
-            <a:noFill/>
-            <a:prstDash/>
-          </a:ln>
-        </p:spPr>
-        <p:txBody>
-          <a:bodyPr wrap="square" lIns="89535" tIns="46355" rIns="89535" bIns="46355" numCol="1" vert="horz" anchor="t">
-            <a:spAutoFit/>
-          </a:bodyPr>
-          <a:lstStyle/>
-          <a:p>
-            <a:pPr marL="0" indent="0" rtl="0" algn="l" defTabSz="914400" eaLnBrk="1" latinLnBrk="0" hangingPunct="1">
-              <a:buFontTx/>
-              <a:buNone/>
-            </a:pPr>
-            <a:r>
-              <a:rPr lang="ko-KR" sz="2000" b="1">
-                <a:solidFill>
-                  <a:srgbClr val="0611F2"/>
-                </a:solidFill>
-                <a:latin typeface="맑은 고딕" charset="0"/>
-                <a:ea typeface="맑은 고딕" charset="0"/>
-              </a:rPr>
-              <a:t>19</a:t>
-            </a:r>
-            <a:r>
-              <a:rPr sz="2000" b="1">
-                <a:solidFill>
-                  <a:srgbClr val="0611F2"/>
-                </a:solidFill>
-                <a:latin typeface="맑은 고딕" charset="0"/>
-                <a:ea typeface="맑은 고딕" charset="0"/>
-              </a:rPr>
-              <a:t>.</a:t>
-            </a:r>
-            <a:r>
-              <a:rPr sz="2000" b="1">
-                <a:solidFill>
-                  <a:srgbClr val="0611F2"/>
-                </a:solidFill>
-                <a:latin typeface="맑은 고딕" charset="0"/>
-                <a:ea typeface="맑은 고딕" charset="0"/>
-              </a:rPr>
-              <a:t> </a:t>
-            </a:r>
-            <a:r>
-              <a:rPr lang="ko-KR" sz="1800">
-                <a:latin typeface="맑은 고딕" charset="0"/>
-                <a:ea typeface="맑은 고딕" charset="0"/>
-              </a:rPr>
-              <a:t>그런 다음 OnJoinedLobby( ) </a:t>
-            </a:r>
-            <a:r>
-              <a:rPr lang="ko-KR" sz="1800">
-                <a:latin typeface="맑은 고딕" charset="0"/>
-                <a:ea typeface="맑은 고딕" charset="0"/>
-              </a:rPr>
-              <a:t>함수를</a:t>
-            </a:r>
-            <a:r>
-              <a:rPr lang="ko-KR" sz="1800">
-                <a:latin typeface="맑은 고딕" charset="0"/>
-                <a:ea typeface="맑은 고딕" charset="0"/>
-              </a:rPr>
-              <a:t> </a:t>
-            </a:r>
-            <a:r>
-              <a:rPr lang="ko-KR" sz="1800">
-                <a:latin typeface="맑은 고딕" charset="0"/>
-                <a:ea typeface="맑은 고딕" charset="0"/>
-              </a:rPr>
-              <a:t>선언하고</a:t>
-            </a:r>
-            <a:r>
-              <a:rPr lang="ko-KR" sz="1800">
-                <a:latin typeface="맑은 고딕" charset="0"/>
-                <a:ea typeface="맑은 고딕" charset="0"/>
-              </a:rPr>
-              <a:t> Photon Room이라는 </a:t>
-            </a:r>
-            <a:r>
-              <a:rPr lang="ko-KR" sz="1800">
-                <a:latin typeface="맑은 고딕" charset="0"/>
-                <a:ea typeface="맑은 고딕" charset="0"/>
-              </a:rPr>
-              <a:t>씬으로</a:t>
-            </a:r>
-            <a:r>
-              <a:rPr lang="ko-KR" sz="1800">
-                <a:latin typeface="맑은 고딕" charset="0"/>
-                <a:ea typeface="맑은 고딕" charset="0"/>
-              </a:rPr>
-              <a:t> </a:t>
-            </a:r>
-            <a:r>
-              <a:rPr lang="ko-KR" sz="1800">
-                <a:latin typeface="맑은 고딕" charset="0"/>
-                <a:ea typeface="맑은 고딕" charset="0"/>
-              </a:rPr>
-              <a:t>이동하도록</a:t>
-            </a:r>
-            <a:r>
-              <a:rPr lang="ko-KR" sz="1800">
-                <a:latin typeface="맑은 고딕" charset="0"/>
-                <a:ea typeface="맑은 고딕" charset="0"/>
-              </a:rPr>
-              <a:t> 설정합니다.</a:t>
-            </a:r>
-            <a:endParaRPr lang="ko-KR" altLang="en-US" sz="1800">
-              <a:latin typeface="맑은 고딕" charset="0"/>
-              <a:ea typeface="맑은 고딕" charset="0"/>
-            </a:endParaRPr>
-          </a:p>
-        </p:txBody>
-      </p:sp>
-      <p:pic>
-        <p:nvPicPr>
-          <p:cNvPr id="1165" name="그림 8" descr="C:/Users/Admin1/AppData/Roaming/PolarisOffice/ETemp/16480_7681344/fImage286442168467.png"/>
+          <p:cNvPr id="1165" name="그림 8" descr="C:/Users/nwond/AppData/Roaming/PolarisOffice/ETemp/2484_17157552/fImage286442168467.png"/>
           <p:cNvPicPr>
             <a:picLocks noChangeAspect="1"/>
           </p:cNvPicPr>
@@ -12261,8 +11463,8 @@
         </p:blipFill>
         <p:spPr>
           <a:xfrm rot="0">
-            <a:off x="6830695" y="1429385"/>
-            <a:ext cx="4126865" cy="1258570"/>
+            <a:off x="1233170" y="1452245"/>
+            <a:ext cx="4135755" cy="1266825"/>
           </a:xfrm>
           <a:prstGeom prst="roundRect"/>
           <a:solidFill>
@@ -12272,14 +11474,150 @@
       </p:pic>
       <p:pic>
         <p:nvPicPr>
-          <p:cNvPr id="1166" name="그림 13" descr="C:/Users/Admin1/AppData/Roaming/PolarisOffice/ETemp/16480_7681344/fImage392392176334.png"/>
+          <p:cNvPr id="1166" name="그림 1" descr="C:/Users/nwond/AppData/Roaming/PolarisOffice/ETemp/2484_17157552/fImage2851517741.png"/>
           <p:cNvPicPr>
             <a:picLocks noChangeAspect="1"/>
           </p:cNvPicPr>
           <p:nvPr/>
         </p:nvPicPr>
         <p:blipFill rotWithShape="1">
-          <a:blip r:embed="rId5" cstate="hqprint">
+          <a:blip r:embed="rId7" cstate="print">
+            <a:extLst>
+              <a:ext uri="{28A0092B-C50C-407E-A947-70E740481C1C}">
+                <a14:useLocalDpi xmlns:a14="http://schemas.microsoft.com/office/drawing/2010/main" val="0"/>
+              </a:ext>
+            </a:extLst>
+          </a:blip>
+          <a:stretch>
+            <a:fillRect/>
+          </a:stretch>
+        </p:blipFill>
+        <p:spPr>
+          <a:xfrm rot="0">
+            <a:off x="1235710" y="3897630"/>
+            <a:ext cx="4135755" cy="1253490"/>
+          </a:xfrm>
+          <a:prstGeom prst="roundRect"/>
+          <a:solidFill>
+            <a:srgbClr val="EDEDED"/>
+          </a:solidFill>
+        </p:spPr>
+      </p:pic>
+      <p:sp>
+        <p:nvSpPr>
+          <p:cNvPr id="1167" name="텍스트 상자 4"/>
+          <p:cNvSpPr txBox="1">
+            <a:spLocks/>
+          </p:cNvSpPr>
+          <p:nvPr/>
+        </p:nvSpPr>
+        <p:spPr>
+          <a:xfrm rot="0">
+            <a:off x="6816725" y="4405630"/>
+            <a:ext cx="4137660" cy="1784985"/>
+          </a:xfrm>
+          <a:prstGeom prst="rect"/>
+          <a:noFill/>
+          <a:ln w="0">
+            <a:noFill/>
+            <a:prstDash/>
+          </a:ln>
+        </p:spPr>
+        <p:txBody>
+          <a:bodyPr wrap="square" lIns="89535" tIns="46355" rIns="89535" bIns="46355" numCol="1" vert="horz" anchor="t">
+            <a:spAutoFit/>
+          </a:bodyPr>
+          <a:lstStyle/>
+          <a:p>
+            <a:pPr marL="0" indent="0" rtl="0" algn="l" defTabSz="914400" eaLnBrk="1" latinLnBrk="0" hangingPunct="1">
+              <a:buFontTx/>
+              <a:buNone/>
+            </a:pPr>
+            <a:r>
+              <a:rPr lang="ko-KR" sz="2000" b="1">
+                <a:solidFill>
+                  <a:srgbClr val="0611F2"/>
+                </a:solidFill>
+                <a:latin typeface="맑은 고딕" charset="0"/>
+                <a:ea typeface="맑은 고딕" charset="0"/>
+              </a:rPr>
+              <a:t>20</a:t>
+            </a:r>
+            <a:r>
+              <a:rPr sz="2000" b="1">
+                <a:solidFill>
+                  <a:srgbClr val="0611F2"/>
+                </a:solidFill>
+                <a:latin typeface="맑은 고딕" charset="0"/>
+                <a:ea typeface="맑은 고딕" charset="0"/>
+              </a:rPr>
+              <a:t>. </a:t>
+            </a:r>
+            <a:r>
+              <a:rPr lang="ko-KR" sz="1800">
+                <a:latin typeface="맑은 고딕" charset="0"/>
+                <a:ea typeface="맑은 고딕" charset="0"/>
+              </a:rPr>
+              <a:t>그</a:t>
+            </a:r>
+            <a:r>
+              <a:rPr lang="ko-KR" sz="1800">
+                <a:latin typeface="맑은 고딕" charset="0"/>
+                <a:ea typeface="맑은 고딕" charset="0"/>
+              </a:rPr>
+              <a:t>다음으로</a:t>
+            </a:r>
+            <a:r>
+              <a:rPr lang="ko-KR" sz="1800">
+                <a:latin typeface="맑은 고딕" charset="0"/>
+                <a:ea typeface="맑은 고딕" charset="0"/>
+              </a:rPr>
+              <a:t> OnConnectedToMaster( )라는 함수를 선언합니다.</a:t>
+            </a:r>
+            <a:endParaRPr lang="ko-KR" altLang="en-US" sz="1800">
+              <a:latin typeface="맑은 고딕" charset="0"/>
+              <a:ea typeface="맑은 고딕" charset="0"/>
+            </a:endParaRPr>
+          </a:p>
+          <a:p>
+            <a:pPr marL="0" indent="0" rtl="0" algn="l" defTabSz="914400" eaLnBrk="1" latinLnBrk="0" hangingPunct="1">
+              <a:buFontTx/>
+              <a:buNone/>
+            </a:pPr>
+            <a:endParaRPr lang="ko-KR" altLang="en-US" sz="1800">
+              <a:latin typeface="맑은 고딕" charset="0"/>
+              <a:ea typeface="맑은 고딕" charset="0"/>
+            </a:endParaRPr>
+          </a:p>
+          <a:p>
+            <a:pPr marL="0" indent="0" rtl="0" algn="l" defTabSz="914400" eaLnBrk="1" latinLnBrk="0" hangingPunct="1">
+              <a:buFontTx/>
+              <a:buNone/>
+            </a:pPr>
+            <a:r>
+              <a:rPr lang="ko-KR" sz="1800">
+                <a:latin typeface="맑은 고딕" charset="0"/>
+                <a:ea typeface="맑은 고딕" charset="0"/>
+              </a:rPr>
+              <a:t>그러고 나서 특정 로비를 생성하고 로비에 접속하도록 설정합니다.</a:t>
+            </a:r>
+            <a:endParaRPr lang="ko-KR" altLang="en-US" sz="1800">
+              <a:latin typeface="맑은 고딕" charset="0"/>
+              <a:ea typeface="맑은 고딕" charset="0"/>
+            </a:endParaRPr>
+          </a:p>
+        </p:txBody>
+      </p:sp>
+      <p:pic>
+        <p:nvPicPr>
+          <p:cNvPr id="1168" name="그림 5" descr="C:/Users/nwond/AppData/Roaming/PolarisOffice/ETemp/2484_17157552/fImage399712199169.png"/>
+          <p:cNvPicPr>
+            <a:picLocks noChangeAspect="1"/>
+          </p:cNvPicPr>
+          <p:nvPr/>
+        </p:nvPicPr>
+        <p:blipFill rotWithShape="1">
+          <a:blip r:embed="rId8" cstate="hqprint">
             <a:extLst>
               <a:ext uri="{28A0092B-C50C-407E-A947-70E740481C1C}">
                 <a14:useLocalDpi xmlns:a14="http://schemas.microsoft.com/office/drawing/2010/main"/>
@@ -12292,8 +11630,8 @@
         </p:blipFill>
         <p:spPr>
           <a:xfrm rot="0">
-            <a:off x="6831330" y="3850005"/>
-            <a:ext cx="4126230" cy="1327785"/>
+            <a:off x="6814185" y="1452245"/>
+            <a:ext cx="4146550" cy="2799715"/>
           </a:xfrm>
           <a:prstGeom prst="roundRect"/>
           <a:solidFill>
@@ -12403,7 +11741,7 @@
       </p:sp>
       <p:sp>
         <p:nvSpPr>
-          <p:cNvPr id="1153" name="Rect 0"/>
+          <p:cNvPr id="1163" name="텍스트 상자 22"/>
           <p:cNvSpPr txBox="1">
             <a:spLocks/>
           </p:cNvSpPr>
@@ -12411,8 +11749,8 @@
         </p:nvSpPr>
         <p:spPr>
           <a:xfrm rot="0">
-            <a:off x="1249680" y="4374515"/>
-            <a:ext cx="4145280" cy="1784985"/>
+            <a:off x="6814185" y="4970780"/>
+            <a:ext cx="4147185" cy="1231265"/>
           </a:xfrm>
           <a:prstGeom prst="rect"/>
           <a:noFill/>
@@ -12439,7 +11777,17 @@
                 <a:latin typeface="맑은 고딕" charset="0"/>
                 <a:ea typeface="맑은 고딕" charset="0"/>
               </a:rPr>
-              <a:t>20</a:t>
+              <a:t>2</a:t>
+            </a:r>
+            <a:r>
+              <a:rPr lang="ko-KR" sz="2000" b="1">
+                <a:solidFill>
+                  <a:srgbClr val="0611F2"/>
+                </a:solidFill>
+                <a:latin typeface="맑은 고딕" charset="0"/>
+                <a:ea typeface="맑은 고딕" charset="0"/>
+              </a:rPr>
+              <a:t>3</a:t>
             </a:r>
             <a:r>
               <a:rPr sz="2000" b="1">
@@ -12449,13 +11797,24 @@
                 <a:latin typeface="맑은 고딕" charset="0"/>
                 <a:ea typeface="맑은 고딕" charset="0"/>
               </a:rPr>
-              <a:t>.</a:t>
-            </a:r>
-            <a:r>
-              <a:rPr sz="2000" b="1">
-                <a:solidFill>
-                  <a:srgbClr val="0611F2"/>
-                </a:solidFill>
+              <a:t>. </a:t>
+            </a:r>
+            <a:r>
+              <a:rPr lang="ko-KR" sz="1800">
+                <a:latin typeface="맑은 고딕" charset="0"/>
+                <a:ea typeface="맑은 고딕" charset="0"/>
+              </a:rPr>
+              <a:t>그런 </a:t>
+            </a:r>
+            <a:r>
+              <a:rPr lang="ko-KR" sz="1800">
+                <a:latin typeface="맑은 고딕" charset="0"/>
+                <a:ea typeface="맑은 고딕" charset="0"/>
+              </a:rPr>
+              <a:t>다음</a:t>
+            </a:r>
+            <a:r>
+              <a:rPr lang="ko-KR" sz="1800">
                 <a:latin typeface="맑은 고딕" charset="0"/>
                 <a:ea typeface="맑은 고딕" charset="0"/>
               </a:rPr>
@@ -12466,349 +11825,32 @@
                 <a:latin typeface="맑은 고딕" charset="0"/>
                 <a:ea typeface="맑은 고딕" charset="0"/>
               </a:rPr>
-              <a:t>그다음으로 </a:t>
-            </a:r>
-            <a:r>
-              <a:rPr lang="ko-KR" sz="1800">
-                <a:latin typeface="맑은 고딕" charset="0"/>
-                <a:ea typeface="맑은 고딕" charset="0"/>
-              </a:rPr>
-              <a:t>OnConnectedToMaster(</a:t>
-            </a:r>
-            <a:r>
-              <a:rPr lang="ko-KR" sz="1800">
-                <a:latin typeface="맑은 고딕" charset="0"/>
-                <a:ea typeface="맑은 고딕" charset="0"/>
-              </a:rPr>
-              <a:t> </a:t>
-            </a:r>
-            <a:r>
-              <a:rPr lang="ko-KR" sz="1800">
-                <a:latin typeface="맑은 고딕" charset="0"/>
-                <a:ea typeface="맑은 고딕" charset="0"/>
-              </a:rPr>
-              <a:t>)라는</a:t>
-            </a:r>
-            <a:r>
-              <a:rPr lang="ko-KR" sz="1800">
-                <a:latin typeface="맑은 고딕" charset="0"/>
-                <a:ea typeface="맑은 고딕" charset="0"/>
-              </a:rPr>
-              <a:t> </a:t>
-            </a:r>
-            <a:r>
-              <a:rPr lang="ko-KR" sz="1800">
-                <a:latin typeface="맑은 고딕" charset="0"/>
-                <a:ea typeface="맑은 고딕" charset="0"/>
-              </a:rPr>
-              <a:t>함수를</a:t>
-            </a:r>
-            <a:r>
-              <a:rPr lang="ko-KR" sz="1800">
-                <a:latin typeface="맑은 고딕" charset="0"/>
-                <a:ea typeface="맑은 고딕" charset="0"/>
-              </a:rPr>
-              <a:t> </a:t>
-            </a:r>
-            <a:r>
-              <a:rPr lang="ko-KR" sz="1800">
-                <a:latin typeface="맑은 고딕" charset="0"/>
-                <a:ea typeface="맑은 고딕" charset="0"/>
-              </a:rPr>
-              <a:t>선언합니다.</a:t>
+              <a:t>Lo</a:t>
+            </a:r>
+            <a:r>
+              <a:rPr lang="ko-KR" sz="1800">
+                <a:latin typeface="맑은 고딕" charset="0"/>
+                <a:ea typeface="맑은 고딕" charset="0"/>
+              </a:rPr>
+              <a:t>bby Sprite</a:t>
+            </a:r>
+            <a:r>
+              <a:rPr lang="ko-KR" sz="1800">
+                <a:latin typeface="맑은 고딕" charset="0"/>
+                <a:ea typeface="맑은 고딕" charset="0"/>
+              </a:rPr>
+              <a:t> 폴더에 있는 Server Button 텍스처를 Server Item Background 오브젝트의 Source Image에 넣어줍니다. </a:t>
             </a:r>
             <a:endParaRPr lang="ko-KR" altLang="en-US" sz="1800">
               <a:latin typeface="맑은 고딕" charset="0"/>
               <a:ea typeface="맑은 고딕" charset="0"/>
             </a:endParaRPr>
           </a:p>
-          <a:p>
-            <a:pPr marL="0" indent="0" rtl="0" algn="l" defTabSz="914400" eaLnBrk="1" latinLnBrk="0" hangingPunct="1">
-              <a:buFontTx/>
-              <a:buNone/>
-            </a:pPr>
-            <a:endParaRPr lang="ko-KR" altLang="en-US" sz="1800">
-              <a:latin typeface="맑은 고딕" charset="0"/>
-              <a:ea typeface="맑은 고딕" charset="0"/>
-            </a:endParaRPr>
-          </a:p>
-          <a:p>
-            <a:pPr marL="0" indent="0" rtl="0" algn="l" defTabSz="914400" eaLnBrk="1" latinLnBrk="0" hangingPunct="1">
-              <a:buFontTx/>
-              <a:buNone/>
-            </a:pPr>
-            <a:r>
-              <a:rPr lang="ko-KR" sz="1800">
-                <a:latin typeface="맑은 고딕" charset="0"/>
-                <a:ea typeface="맑은 고딕" charset="0"/>
-              </a:rPr>
-              <a:t>그러고</a:t>
-            </a:r>
-            <a:r>
-              <a:rPr lang="ko-KR" sz="1800">
-                <a:latin typeface="맑은 고딕" charset="0"/>
-                <a:ea typeface="맑은 고딕" charset="0"/>
-              </a:rPr>
-              <a:t> 나서 특정 로비를 생성하고 </a:t>
-            </a:r>
-            <a:r>
-              <a:rPr lang="ko-KR" sz="1800">
-                <a:latin typeface="맑은 고딕" charset="0"/>
-                <a:ea typeface="맑은 고딕" charset="0"/>
-              </a:rPr>
-              <a:t>로비에</a:t>
-            </a:r>
-            <a:r>
-              <a:rPr lang="ko-KR" sz="1800">
-                <a:latin typeface="맑은 고딕" charset="0"/>
-                <a:ea typeface="맑은 고딕" charset="0"/>
-              </a:rPr>
-              <a:t> 접속하도록 설정합니다.</a:t>
-            </a:r>
-            <a:endParaRPr lang="ko-KR" altLang="en-US" sz="1800">
-              <a:latin typeface="맑은 고딕" charset="0"/>
-              <a:ea typeface="맑은 고딕" charset="0"/>
-            </a:endParaRPr>
-          </a:p>
         </p:txBody>
       </p:sp>
       <p:pic>
         <p:nvPicPr>
-          <p:cNvPr id="1162" name="그림 11" descr="C:/Users/Admin1/AppData/Roaming/PolarisOffice/ETemp/16480_7681344/fImage399712199169.png"/>
-          <p:cNvPicPr>
-            <a:picLocks noChangeAspect="1"/>
-          </p:cNvPicPr>
-          <p:nvPr/>
-        </p:nvPicPr>
-        <p:blipFill rotWithShape="1">
-          <a:blip r:embed="rId7" cstate="hqprint">
-            <a:extLst>
-              <a:ext uri="{28A0092B-C50C-407E-A947-70E740481C1C}">
-                <a14:useLocalDpi xmlns:a14="http://schemas.microsoft.com/office/drawing/2010/main"/>
-              </a:ext>
-            </a:extLst>
-          </a:blip>
-          <a:stretch>
-            <a:fillRect/>
-          </a:stretch>
-        </p:blipFill>
-        <p:spPr>
-          <a:xfrm rot="0">
-            <a:off x="1240790" y="1447165"/>
-            <a:ext cx="4152265" cy="2739390"/>
-          </a:xfrm>
-          <a:prstGeom prst="roundRect"/>
-          <a:solidFill>
-            <a:srgbClr val="EDEDED"/>
-          </a:solidFill>
-        </p:spPr>
-      </p:pic>
-      <p:sp>
-        <p:nvSpPr>
-          <p:cNvPr id="1163" name="텍스트 상자 22"/>
-          <p:cNvSpPr txBox="1">
-            <a:spLocks/>
-          </p:cNvSpPr>
-          <p:nvPr/>
-        </p:nvSpPr>
-        <p:spPr>
-          <a:xfrm rot="0">
-            <a:off x="6849110" y="4926965"/>
-            <a:ext cx="4117975" cy="1231265"/>
-          </a:xfrm>
-          <a:prstGeom prst="rect"/>
-          <a:noFill/>
-          <a:ln w="0">
-            <a:noFill/>
-            <a:prstDash/>
-          </a:ln>
-        </p:spPr>
-        <p:txBody>
-          <a:bodyPr wrap="square" lIns="89535" tIns="46355" rIns="89535" bIns="46355" numCol="1" vert="horz" anchor="t">
-            <a:spAutoFit/>
-          </a:bodyPr>
-          <a:lstStyle/>
-          <a:p>
-            <a:pPr marL="0" indent="0" rtl="0" algn="l" defTabSz="914400" eaLnBrk="1" latinLnBrk="0" hangingPunct="1">
-              <a:buFontTx/>
-              <a:buNone/>
-            </a:pPr>
-            <a:r>
-              <a:rPr lang="ko-KR" sz="2000" b="1">
-                <a:solidFill>
-                  <a:srgbClr val="0611F2"/>
-                </a:solidFill>
-                <a:latin typeface="맑은 고딕" charset="0"/>
-                <a:ea typeface="맑은 고딕" charset="0"/>
-              </a:rPr>
-              <a:t>2</a:t>
-            </a:r>
-            <a:r>
-              <a:rPr lang="ko-KR" sz="2000" b="1">
-                <a:solidFill>
-                  <a:srgbClr val="0611F2"/>
-                </a:solidFill>
-                <a:latin typeface="맑은 고딕" charset="0"/>
-                <a:ea typeface="맑은 고딕" charset="0"/>
-              </a:rPr>
-              <a:t>1</a:t>
-            </a:r>
-            <a:r>
-              <a:rPr sz="2000" b="1">
-                <a:solidFill>
-                  <a:srgbClr val="0611F2"/>
-                </a:solidFill>
-                <a:latin typeface="맑은 고딕" charset="0"/>
-                <a:ea typeface="맑은 고딕" charset="0"/>
-              </a:rPr>
-              <a:t>.</a:t>
-            </a:r>
-            <a:r>
-              <a:rPr sz="2000" b="1">
-                <a:solidFill>
-                  <a:srgbClr val="0611F2"/>
-                </a:solidFill>
-                <a:latin typeface="맑은 고딕" charset="0"/>
-                <a:ea typeface="맑은 고딕" charset="0"/>
-              </a:rPr>
-              <a:t> </a:t>
-            </a:r>
-            <a:r>
-              <a:rPr lang="ko-KR" sz="1800">
-                <a:latin typeface="맑은 고딕" charset="0"/>
-                <a:ea typeface="맑은 고딕" charset="0"/>
-              </a:rPr>
-              <a:t>이제 Interface Button </a:t>
-            </a:r>
-            <a:r>
-              <a:rPr lang="ko-KR" sz="1800">
-                <a:latin typeface="맑은 고딕" charset="0"/>
-                <a:ea typeface="맑은 고딕" charset="0"/>
-              </a:rPr>
-              <a:t>폴더에</a:t>
-            </a:r>
-            <a:r>
-              <a:rPr lang="ko-KR" sz="1800">
-                <a:latin typeface="맑은 고딕" charset="0"/>
-                <a:ea typeface="맑은 고딕" charset="0"/>
-              </a:rPr>
-              <a:t> </a:t>
-            </a:r>
-            <a:r>
-              <a:rPr lang="ko-KR" sz="1800">
-                <a:latin typeface="맑은 고딕" charset="0"/>
-                <a:ea typeface="맑은 고딕" charset="0"/>
-              </a:rPr>
-              <a:t>있는</a:t>
-            </a:r>
-            <a:r>
-              <a:rPr lang="ko-KR" sz="1800">
-                <a:latin typeface="맑은 고딕" charset="0"/>
-                <a:ea typeface="맑은 고딕" charset="0"/>
-              </a:rPr>
-              <a:t> </a:t>
-            </a:r>
-            <a:r>
-              <a:rPr lang="ko-KR" sz="1800">
-                <a:latin typeface="맑은 고딕" charset="0"/>
-                <a:ea typeface="맑은 고딕" charset="0"/>
-              </a:rPr>
-              <a:t>Server</a:t>
-            </a:r>
-            <a:r>
-              <a:rPr lang="ko-KR" sz="1800">
-                <a:latin typeface="맑은 고딕" charset="0"/>
-                <a:ea typeface="맑은 고딕" charset="0"/>
-              </a:rPr>
-              <a:t> Button 텍스처를 </a:t>
-            </a:r>
-            <a:r>
-              <a:rPr lang="ko-KR" sz="1800">
-                <a:latin typeface="맑은 고딕" charset="0"/>
-                <a:ea typeface="맑은 고딕" charset="0"/>
-              </a:rPr>
-              <a:t>Server</a:t>
-            </a:r>
-            <a:r>
-              <a:rPr lang="ko-KR" sz="1800">
-                <a:latin typeface="맑은 고딕" charset="0"/>
-                <a:ea typeface="맑은 고딕" charset="0"/>
-              </a:rPr>
-              <a:t> </a:t>
-            </a:r>
-            <a:r>
-              <a:rPr lang="ko-KR" sz="1800">
-                <a:latin typeface="맑은 고딕" charset="0"/>
-                <a:ea typeface="맑은 고딕" charset="0"/>
-              </a:rPr>
-              <a:t>I</a:t>
-            </a:r>
-            <a:r>
-              <a:rPr lang="ko-KR" sz="1800">
-                <a:latin typeface="맑은 고딕" charset="0"/>
-                <a:ea typeface="맑은 고딕" charset="0"/>
-              </a:rPr>
-              <a:t>tem</a:t>
-            </a:r>
-            <a:r>
-              <a:rPr lang="ko-KR" sz="1800">
-                <a:latin typeface="맑은 고딕" charset="0"/>
-                <a:ea typeface="맑은 고딕" charset="0"/>
-              </a:rPr>
-              <a:t> Background </a:t>
-            </a:r>
-            <a:r>
-              <a:rPr lang="ko-KR" sz="1800">
-                <a:latin typeface="맑은 고딕" charset="0"/>
-                <a:ea typeface="맑은 고딕" charset="0"/>
-              </a:rPr>
-              <a:t>오브젝트의</a:t>
-            </a:r>
-            <a:r>
-              <a:rPr lang="ko-KR" sz="1800">
-                <a:latin typeface="맑은 고딕" charset="0"/>
-                <a:ea typeface="맑은 고딕" charset="0"/>
-              </a:rPr>
-              <a:t> Source </a:t>
-            </a:r>
-            <a:r>
-              <a:rPr lang="ko-KR" sz="1800">
-                <a:latin typeface="맑은 고딕" charset="0"/>
-                <a:ea typeface="맑은 고딕" charset="0"/>
-              </a:rPr>
-              <a:t>Image에</a:t>
-            </a:r>
-            <a:r>
-              <a:rPr lang="ko-KR" sz="1800">
-                <a:latin typeface="맑은 고딕" charset="0"/>
-                <a:ea typeface="맑은 고딕" charset="0"/>
-              </a:rPr>
-              <a:t> </a:t>
-            </a:r>
-            <a:r>
-              <a:rPr lang="ko-KR" sz="1800">
-                <a:latin typeface="맑은 고딕" charset="0"/>
-                <a:ea typeface="맑은 고딕" charset="0"/>
-              </a:rPr>
-              <a:t>넣어줍니다.</a:t>
-            </a:r>
-            <a:r>
-              <a:rPr lang="ko-KR" sz="1800">
-                <a:latin typeface="맑은 고딕" charset="0"/>
-                <a:ea typeface="맑은 고딕" charset="0"/>
-              </a:rPr>
-              <a:t> </a:t>
-            </a:r>
-            <a:endParaRPr lang="ko-KR" altLang="en-US" sz="1800">
-              <a:latin typeface="맑은 고딕" charset="0"/>
-              <a:ea typeface="맑은 고딕" charset="0"/>
-            </a:endParaRPr>
-          </a:p>
-        </p:txBody>
-      </p:sp>
-      <p:pic>
-        <p:nvPicPr>
-          <p:cNvPr id="1164" name="그림 23" descr="C:/Users/Admin1/AppData/Roaming/PolarisOffice/ETemp/16480_7681344/fImage156372549169.png"/>
+          <p:cNvPr id="1164" name="그림 23" descr="C:/Users/nwond/AppData/Roaming/PolarisOffice/ETemp/2484_17157552/fImage156372549169.png"/>
           <p:cNvPicPr>
             <a:picLocks noChangeAspect="1"/>
           </p:cNvPicPr>
@@ -12828,8 +11870,8 @@
         </p:blipFill>
         <p:spPr>
           <a:xfrm rot="0">
-            <a:off x="6835775" y="1449070"/>
-            <a:ext cx="4122420" cy="2212975"/>
+            <a:off x="6814185" y="1449070"/>
+            <a:ext cx="4146550" cy="2213610"/>
           </a:xfrm>
           <a:prstGeom prst="roundRect"/>
           <a:solidFill>
@@ -12837,16 +11879,97 @@
           </a:solidFill>
         </p:spPr>
       </p:pic>
+      <p:sp>
+        <p:nvSpPr>
+          <p:cNvPr id="1167" name="텍스트 상자 6"/>
+          <p:cNvSpPr txBox="1">
+            <a:spLocks/>
+          </p:cNvSpPr>
+          <p:nvPr/>
+        </p:nvSpPr>
+        <p:spPr>
+          <a:xfrm rot="0">
+            <a:off x="1231900" y="5243195"/>
+            <a:ext cx="4155440" cy="954405"/>
+          </a:xfrm>
+          <a:prstGeom prst="rect"/>
+          <a:noFill/>
+          <a:ln w="0">
+            <a:noFill/>
+            <a:prstDash/>
+          </a:ln>
+        </p:spPr>
+        <p:txBody>
+          <a:bodyPr wrap="square" lIns="89535" tIns="46355" rIns="89535" bIns="46355" numCol="1" vert="horz" anchor="t">
+            <a:spAutoFit/>
+          </a:bodyPr>
+          <a:lstStyle/>
+          <a:p>
+            <a:pPr marL="0" indent="0" rtl="0" algn="l" defTabSz="914400" eaLnBrk="1" latinLnBrk="0" hangingPunct="1">
+              <a:buFontTx/>
+              <a:buNone/>
+            </a:pPr>
+            <a:r>
+              <a:rPr lang="ko-KR" sz="2000" b="1">
+                <a:solidFill>
+                  <a:srgbClr val="0611F2"/>
+                </a:solidFill>
+                <a:latin typeface="맑은 고딕" charset="0"/>
+                <a:ea typeface="맑은 고딕" charset="0"/>
+              </a:rPr>
+              <a:t>2</a:t>
+            </a:r>
+            <a:r>
+              <a:rPr lang="ko-KR" sz="2000" b="1">
+                <a:solidFill>
+                  <a:srgbClr val="0611F2"/>
+                </a:solidFill>
+                <a:latin typeface="맑은 고딕" charset="0"/>
+                <a:ea typeface="맑은 고딕" charset="0"/>
+              </a:rPr>
+              <a:t>2</a:t>
+            </a:r>
+            <a:r>
+              <a:rPr sz="2000" b="1">
+                <a:solidFill>
+                  <a:srgbClr val="0611F2"/>
+                </a:solidFill>
+                <a:latin typeface="맑은 고딕" charset="0"/>
+                <a:ea typeface="맑은 고딕" charset="0"/>
+              </a:rPr>
+              <a:t>. </a:t>
+            </a:r>
+            <a:r>
+              <a:rPr lang="ko-KR" sz="1800">
+                <a:latin typeface="맑은 고딕" charset="0"/>
+                <a:ea typeface="맑은 고딕" charset="0"/>
+              </a:rPr>
+              <a:t>그리고</a:t>
+            </a:r>
+            <a:r>
+              <a:rPr lang="ko-KR" sz="1800">
+                <a:latin typeface="맑은 고딕" charset="0"/>
+                <a:ea typeface="맑은 고딕" charset="0"/>
+              </a:rPr>
+              <a:t> Connect Button 오브젝트의 On Click( ) 함수에 SelectServer( ) 함수를 등록합니다.</a:t>
+            </a:r>
+            <a:endParaRPr lang="ko-KR" altLang="en-US" sz="1800">
+              <a:latin typeface="맑은 고딕" charset="0"/>
+              <a:ea typeface="맑은 고딕" charset="0"/>
+            </a:endParaRPr>
+          </a:p>
+        </p:txBody>
+      </p:sp>
       <p:pic>
         <p:nvPicPr>
-          <p:cNvPr id="1165" name="그림 24" descr="C:/Users/Admin1/AppData/Roaming/PolarisOffice/ETemp/16480_7681344/fImage151212555724.png"/>
+          <p:cNvPr id="1168" name="그림 7" descr="C:/Users/nwond/AppData/Roaming/PolarisOffice/ETemp/2484_17157552/fImage73262125724.png"/>
           <p:cNvPicPr>
             <a:picLocks noChangeAspect="1"/>
           </p:cNvPicPr>
           <p:nvPr/>
         </p:nvPicPr>
         <p:blipFill rotWithShape="1">
-          <a:blip r:embed="rId9" cstate="hqprint">
+          <a:blip r:embed="rId10" cstate="hqprint">
             <a:extLst>
               <a:ext uri="{28A0092B-C50C-407E-A947-70E740481C1C}">
                 <a14:useLocalDpi xmlns:a14="http://schemas.microsoft.com/office/drawing/2010/main"/>
@@ -12859,8 +11982,214 @@
         </p:blipFill>
         <p:spPr>
           <a:xfrm rot="0">
-            <a:off x="6838950" y="3832860"/>
-            <a:ext cx="4119245" cy="1035050"/>
+            <a:off x="1235075" y="1430655"/>
+            <a:ext cx="1333500" cy="1162685"/>
+          </a:xfrm>
+          <a:prstGeom prst="roundRect"/>
+          <a:solidFill>
+            <a:srgbClr val="EDEDED"/>
+          </a:solidFill>
+        </p:spPr>
+      </p:pic>
+      <p:pic>
+        <p:nvPicPr>
+          <p:cNvPr id="1169" name="그림 8" descr="C:/Users/nwond/AppData/Roaming/PolarisOffice/ETemp/2484_17157552/fImage509123041.png"/>
+          <p:cNvPicPr>
+            <a:picLocks noChangeAspect="1"/>
+          </p:cNvPicPr>
+          <p:nvPr/>
+        </p:nvPicPr>
+        <p:blipFill rotWithShape="1">
+          <a:blip r:embed="rId11" cstate="hqprint">
+            <a:extLst>
+              <a:ext uri="{28A0092B-C50C-407E-A947-70E740481C1C}">
+                <a14:useLocalDpi xmlns:a14="http://schemas.microsoft.com/office/drawing/2010/main"/>
+              </a:ext>
+            </a:extLst>
+          </a:blip>
+          <a:stretch>
+            <a:fillRect/>
+          </a:stretch>
+        </p:blipFill>
+        <p:spPr>
+          <a:xfrm rot="0">
+            <a:off x="2687955" y="1430020"/>
+            <a:ext cx="2693035" cy="1163955"/>
+          </a:xfrm>
+          <a:prstGeom prst="roundRect"/>
+          <a:solidFill>
+            <a:srgbClr val="EDEDED"/>
+          </a:solidFill>
+        </p:spPr>
+      </p:pic>
+      <p:sp>
+        <p:nvSpPr>
+          <p:cNvPr id="1170" name="텍스트 상자 9"/>
+          <p:cNvSpPr txBox="1">
+            <a:spLocks/>
+          </p:cNvSpPr>
+          <p:nvPr/>
+        </p:nvSpPr>
+        <p:spPr>
+          <a:xfrm rot="0">
+            <a:off x="1235075" y="2687955"/>
+            <a:ext cx="4158615" cy="954405"/>
+          </a:xfrm>
+          <a:prstGeom prst="rect"/>
+          <a:noFill/>
+          <a:ln w="0">
+            <a:noFill/>
+            <a:prstDash/>
+          </a:ln>
+        </p:spPr>
+        <p:txBody>
+          <a:bodyPr wrap="square" lIns="89535" tIns="46355" rIns="89535" bIns="46355" numCol="1" vert="horz" anchor="t">
+            <a:spAutoFit/>
+          </a:bodyPr>
+          <a:lstStyle/>
+          <a:p>
+            <a:pPr marL="0" indent="0" rtl="0" algn="l" defTabSz="914400" eaLnBrk="1" latinLnBrk="0" hangingPunct="1">
+              <a:buFontTx/>
+              <a:buNone/>
+            </a:pPr>
+            <a:r>
+              <a:rPr lang="ko-KR" sz="2000" b="1">
+                <a:solidFill>
+                  <a:srgbClr val="0611F2"/>
+                </a:solidFill>
+                <a:latin typeface="맑은 고딕" charset="0"/>
+                <a:ea typeface="맑은 고딕" charset="0"/>
+              </a:rPr>
+              <a:t>2</a:t>
+            </a:r>
+            <a:r>
+              <a:rPr lang="ko-KR" sz="2000" b="1">
+                <a:solidFill>
+                  <a:srgbClr val="0611F2"/>
+                </a:solidFill>
+                <a:latin typeface="맑은 고딕" charset="0"/>
+                <a:ea typeface="맑은 고딕" charset="0"/>
+              </a:rPr>
+              <a:t>1</a:t>
+            </a:r>
+            <a:r>
+              <a:rPr sz="2000" b="1">
+                <a:solidFill>
+                  <a:srgbClr val="0611F2"/>
+                </a:solidFill>
+                <a:latin typeface="맑은 고딕" charset="0"/>
+                <a:ea typeface="맑은 고딕" charset="0"/>
+              </a:rPr>
+              <a:t>. </a:t>
+            </a:r>
+            <a:r>
+              <a:rPr lang="ko-KR" sz="1800">
+                <a:latin typeface="맑은 고딕" charset="0"/>
+                <a:ea typeface="맑은 고딕" charset="0"/>
+              </a:rPr>
+              <a:t>이제</a:t>
+            </a:r>
+            <a:r>
+              <a:rPr lang="ko-KR" sz="1800">
+                <a:latin typeface="맑은 고딕" charset="0"/>
+                <a:ea typeface="맑은 고딕" charset="0"/>
+              </a:rPr>
+              <a:t> Connect Button 오브젝트의 On Click( ) 함수에 Server Manager 오브젝트를 넣어줍니다.</a:t>
+            </a:r>
+            <a:endParaRPr lang="ko-KR" altLang="en-US" sz="1800">
+              <a:latin typeface="맑은 고딕" charset="0"/>
+              <a:ea typeface="맑은 고딕" charset="0"/>
+            </a:endParaRPr>
+          </a:p>
+        </p:txBody>
+      </p:sp>
+      <p:cxnSp>
+        <p:nvCxnSpPr>
+          <p:cNvPr id="1171" name="도형 10"/>
+          <p:cNvCxnSpPr/>
+          <p:nvPr/>
+        </p:nvCxnSpPr>
+        <p:spPr>
+          <a:xfrm rot="0" flipV="1">
+            <a:off x="2403475" y="2118995"/>
+            <a:ext cx="1137920" cy="388620"/>
+          </a:xfrm>
+          <a:prstGeom prst="straightConnector1"/>
+          <a:ln w="6350" cap="flat" cmpd="sng">
+            <a:prstDash/>
+            <a:tailEnd type="triangle" w="med" len="med"/>
+          </a:ln>
+        </p:spPr>
+        <p:style>
+          <a:lnRef idx="1">
+            <a:schemeClr val="accent1"/>
+          </a:lnRef>
+          <a:fillRef idx="0">
+            <a:schemeClr val="accent1"/>
+          </a:fillRef>
+          <a:effectRef idx="0">
+            <a:schemeClr val="accent1"/>
+          </a:effectRef>
+          <a:fontRef idx="minor">
+            <a:schemeClr val="tx1"/>
+          </a:fontRef>
+        </p:style>
+      </p:cxnSp>
+      <p:pic>
+        <p:nvPicPr>
+          <p:cNvPr id="1172" name="그림 11" descr="C:/Users/nwond/AppData/Roaming/PolarisOffice/ETemp/2484_17157552/fImage55292338467.png"/>
+          <p:cNvPicPr>
+            <a:picLocks noChangeAspect="1"/>
+          </p:cNvPicPr>
+          <p:nvPr/>
+        </p:nvPicPr>
+        <p:blipFill rotWithShape="1">
+          <a:blip r:embed="rId12" cstate="hqprint">
+            <a:extLst>
+              <a:ext uri="{28A0092B-C50C-407E-A947-70E740481C1C}">
+                <a14:useLocalDpi xmlns:a14="http://schemas.microsoft.com/office/drawing/2010/main"/>
+              </a:ext>
+            </a:extLst>
+          </a:blip>
+          <a:stretch>
+            <a:fillRect/>
+          </a:stretch>
+        </p:blipFill>
+        <p:spPr>
+          <a:xfrm rot="0">
+            <a:off x="1240155" y="3737610"/>
+            <a:ext cx="4145915" cy="1423670"/>
+          </a:xfrm>
+          <a:prstGeom prst="roundRect"/>
+          <a:solidFill>
+            <a:srgbClr val="EDEDED"/>
+          </a:solidFill>
+        </p:spPr>
+      </p:pic>
+      <p:pic>
+        <p:nvPicPr>
+          <p:cNvPr id="1173" name="그림 19" descr="C:/Users/nwond/AppData/Roaming/PolarisOffice/ETemp/2484_17157552/fImage94541898467.png"/>
+          <p:cNvPicPr>
+            <a:picLocks noChangeAspect="1"/>
+          </p:cNvPicPr>
+          <p:nvPr/>
+        </p:nvPicPr>
+        <p:blipFill rotWithShape="1">
+          <a:blip r:embed="rId13" cstate="print">
+            <a:extLst>
+              <a:ext uri="{28A0092B-C50C-407E-A947-70E740481C1C}">
+                <a14:useLocalDpi xmlns:a14="http://schemas.microsoft.com/office/drawing/2010/main" val="0"/>
+              </a:ext>
+            </a:extLst>
+          </a:blip>
+          <a:stretch>
+            <a:fillRect/>
+          </a:stretch>
+        </p:blipFill>
+        <p:spPr>
+          <a:xfrm rot="0">
+            <a:off x="6820535" y="3792855"/>
+            <a:ext cx="4140200" cy="1099185"/>
           </a:xfrm>
           <a:prstGeom prst="roundRect"/>
           <a:solidFill>
@@ -12876,8 +12205,8 @@
         </p:nvCxnSpPr>
         <p:spPr>
           <a:xfrm rot="0" flipV="1">
-            <a:off x="8898255" y="1765935"/>
-            <a:ext cx="1913255" cy="2490470"/>
+            <a:off x="8049260" y="1759585"/>
+            <a:ext cx="2762885" cy="2455545"/>
           </a:xfrm>
           <a:prstGeom prst="straightConnector1"/>
           <a:ln w="6350" cap="flat" cmpd="sng">
@@ -13011,7 +12340,7 @@
         <p:spPr>
           <a:xfrm rot="0">
             <a:off x="1231900" y="5217795"/>
-            <a:ext cx="4152900" cy="954405"/>
+            <a:ext cx="4149090" cy="954405"/>
           </a:xfrm>
           <a:prstGeom prst="rect"/>
           <a:noFill/>
@@ -13038,7 +12367,17 @@
                 <a:latin typeface="맑은 고딕" charset="0"/>
                 <a:ea typeface="맑은 고딕" charset="0"/>
               </a:rPr>
-              <a:t>22</a:t>
+              <a:t>2</a:t>
+            </a:r>
+            <a:r>
+              <a:rPr lang="ko-KR" sz="2000" b="1">
+                <a:solidFill>
+                  <a:srgbClr val="0611F2"/>
+                </a:solidFill>
+                <a:latin typeface="맑은 고딕" charset="0"/>
+                <a:ea typeface="맑은 고딕" charset="0"/>
+              </a:rPr>
+              <a:t>5</a:t>
             </a:r>
             <a:r>
               <a:rPr sz="2000" b="1">
@@ -13048,157 +12387,35 @@
                 <a:latin typeface="맑은 고딕" charset="0"/>
                 <a:ea typeface="맑은 고딕" charset="0"/>
               </a:rPr>
-              <a:t>.</a:t>
-            </a:r>
-            <a:r>
-              <a:rPr sz="2000" b="1">
-                <a:solidFill>
-                  <a:srgbClr val="0611F2"/>
-                </a:solidFill>
-                <a:latin typeface="맑은 고딕" charset="0"/>
-                <a:ea typeface="맑은 고딕" charset="0"/>
-              </a:rPr>
-              <a:t> </a:t>
-            </a:r>
-            <a:r>
-              <a:rPr lang="ko-KR" sz="1800">
-                <a:latin typeface="맑은 고딕" charset="0"/>
-                <a:ea typeface="맑은 고딕" charset="0"/>
-              </a:rPr>
-              <a:t>그리고 </a:t>
-            </a:r>
-            <a:r>
-              <a:rPr lang="ko-KR" sz="1800">
-                <a:latin typeface="맑은 고딕" charset="0"/>
-                <a:ea typeface="맑은 고딕" charset="0"/>
-              </a:rPr>
-              <a:t>La</a:t>
-            </a:r>
-            <a:r>
-              <a:rPr lang="ko-KR" sz="1800">
-                <a:latin typeface="맑은 고딕" charset="0"/>
-                <a:ea typeface="맑은 고딕" charset="0"/>
-              </a:rPr>
-              <a:t>b</a:t>
-            </a:r>
-            <a:r>
-              <a:rPr lang="ko-KR" sz="1800">
-                <a:latin typeface="맑은 고딕" charset="0"/>
-                <a:ea typeface="맑은 고딕" charset="0"/>
-              </a:rPr>
-              <a:t>el 오브젝트</a:t>
-            </a:r>
-            <a:r>
-              <a:rPr lang="ko-KR" sz="1800">
-                <a:latin typeface="맑은 고딕" charset="0"/>
-                <a:ea typeface="맑은 고딕" charset="0"/>
-              </a:rPr>
-              <a:t>의 </a:t>
-            </a:r>
-            <a:r>
-              <a:rPr lang="ko-KR" sz="1800">
-                <a:latin typeface="맑은 고딕" charset="0"/>
-                <a:ea typeface="맑은 고딕" charset="0"/>
-              </a:rPr>
-              <a:t>F</a:t>
-            </a:r>
-            <a:r>
-              <a:rPr lang="ko-KR" sz="1800">
-                <a:latin typeface="맑은 고딕" charset="0"/>
-                <a:ea typeface="맑은 고딕" charset="0"/>
-              </a:rPr>
-              <a:t>o</a:t>
-            </a:r>
-            <a:r>
-              <a:rPr lang="ko-KR" sz="1800">
-                <a:latin typeface="맑은 고딕" charset="0"/>
-                <a:ea typeface="맑은 고딕" charset="0"/>
-              </a:rPr>
-              <a:t>nt </a:t>
-            </a:r>
-            <a:r>
-              <a:rPr lang="ko-KR" sz="1800">
-                <a:latin typeface="맑은 고딕" charset="0"/>
-                <a:ea typeface="맑은 고딕" charset="0"/>
-              </a:rPr>
-              <a:t>Size</a:t>
-            </a:r>
-            <a:r>
-              <a:rPr lang="ko-KR" sz="1800">
-                <a:latin typeface="맑은 고딕" charset="0"/>
-                <a:ea typeface="맑은 고딕" charset="0"/>
-              </a:rPr>
-              <a:t>를</a:t>
-            </a:r>
-            <a:r>
-              <a:rPr lang="ko-KR" sz="1800">
-                <a:latin typeface="맑은 고딕" charset="0"/>
-                <a:ea typeface="맑은 고딕" charset="0"/>
-              </a:rPr>
-              <a:t> </a:t>
-            </a:r>
-            <a:r>
-              <a:rPr lang="ko-KR" sz="1800">
-                <a:latin typeface="맑은 고딕" charset="0"/>
-                <a:ea typeface="맑은 고딕" charset="0"/>
-              </a:rPr>
-              <a:t>50</a:t>
-            </a:r>
-            <a:r>
-              <a:rPr lang="ko-KR" sz="1800">
-                <a:latin typeface="맑은 고딕" charset="0"/>
-                <a:ea typeface="맑은 고딕" charset="0"/>
-              </a:rPr>
-              <a:t>으로 </a:t>
-            </a:r>
-            <a:r>
-              <a:rPr lang="ko-KR" sz="1800">
-                <a:latin typeface="맑은 고딕" charset="0"/>
-                <a:ea typeface="맑은 고딕" charset="0"/>
-              </a:rPr>
-              <a:t>설정</a:t>
-            </a:r>
-            <a:r>
-              <a:rPr lang="ko-KR" sz="1800">
-                <a:latin typeface="맑은 고딕" charset="0"/>
-                <a:ea typeface="맑은 고딕" charset="0"/>
-              </a:rPr>
-              <a:t>한 </a:t>
-            </a:r>
-            <a:r>
-              <a:rPr lang="ko-KR" sz="1800">
-                <a:latin typeface="맑은 고딕" charset="0"/>
-                <a:ea typeface="맑은 고딕" charset="0"/>
-              </a:rPr>
-              <a:t>다</a:t>
-            </a:r>
-            <a:r>
-              <a:rPr lang="ko-KR" sz="1800">
-                <a:latin typeface="맑은 고딕" charset="0"/>
-                <a:ea typeface="맑은 고딕" charset="0"/>
-              </a:rPr>
-              <a:t>음 </a:t>
-            </a:r>
-            <a:r>
-              <a:rPr lang="ko-KR" sz="1800">
-                <a:latin typeface="맑은 고딕" charset="0"/>
-                <a:ea typeface="맑은 고딕" charset="0"/>
-              </a:rPr>
-              <a:t>Alignment를</a:t>
-            </a:r>
-            <a:r>
-              <a:rPr lang="ko-KR" sz="1800">
-                <a:latin typeface="맑은 고딕" charset="0"/>
-                <a:ea typeface="맑은 고딕" charset="0"/>
-              </a:rPr>
-              <a:t> </a:t>
-            </a:r>
-            <a:r>
-              <a:rPr lang="ko-KR" sz="1800">
-                <a:latin typeface="맑은 고딕" charset="0"/>
-                <a:ea typeface="맑은 고딕" charset="0"/>
-              </a:rPr>
-              <a:t>가운데로 정렬합니다.</a:t>
+              <a:t>. </a:t>
+            </a:r>
+            <a:r>
+              <a:rPr lang="ko-KR" sz="1800">
+                <a:latin typeface="맑은 고딕" charset="0"/>
+                <a:ea typeface="맑은 고딕" charset="0"/>
+              </a:rPr>
+              <a:t>그</a:t>
+            </a:r>
+            <a:r>
+              <a:rPr lang="ko-KR" sz="1800">
+                <a:latin typeface="맑은 고딕" charset="0"/>
+                <a:ea typeface="맑은 고딕" charset="0"/>
+              </a:rPr>
+              <a:t>러고 </a:t>
+            </a:r>
+            <a:r>
+              <a:rPr lang="ko-KR" sz="1800">
+                <a:latin typeface="맑은 고딕" charset="0"/>
+                <a:ea typeface="맑은 고딕" charset="0"/>
+              </a:rPr>
+              <a:t>나서</a:t>
+            </a:r>
+            <a:r>
+              <a:rPr lang="ko-KR" sz="1800">
+                <a:latin typeface="맑은 고딕" charset="0"/>
+                <a:ea typeface="맑은 고딕" charset="0"/>
+              </a:rPr>
+              <a:t> Connect Server 스크립트의 Server 변수에 Server Selection 오브젝트를 넣어줍니다. </a:t>
             </a:r>
             <a:endParaRPr lang="ko-KR" altLang="en-US" sz="1800">
               <a:latin typeface="맑은 고딕" charset="0"/>
@@ -13207,282 +12424,9 @@
           </a:p>
         </p:txBody>
       </p:sp>
-      <p:sp>
-        <p:nvSpPr>
-          <p:cNvPr id="1157" name="Rect 0"/>
-          <p:cNvSpPr txBox="1">
-            <a:spLocks/>
-          </p:cNvSpPr>
-          <p:nvPr/>
-        </p:nvSpPr>
-        <p:spPr>
-          <a:xfrm rot="0">
-            <a:off x="6831330" y="5220335"/>
-            <a:ext cx="4135120" cy="954405"/>
-          </a:xfrm>
-          <a:prstGeom prst="rect"/>
-          <a:noFill/>
-          <a:ln w="0">
-            <a:noFill/>
-            <a:prstDash/>
-          </a:ln>
-        </p:spPr>
-        <p:txBody>
-          <a:bodyPr wrap="square" lIns="89535" tIns="46355" rIns="89535" bIns="46355" numCol="1" vert="horz" anchor="t">
-            <a:spAutoFit/>
-          </a:bodyPr>
-          <a:lstStyle/>
-          <a:p>
-            <a:pPr marL="0" indent="0" rtl="0" algn="l" defTabSz="914400" eaLnBrk="1" latinLnBrk="0" hangingPunct="1">
-              <a:buFontTx/>
-              <a:buNone/>
-            </a:pPr>
-            <a:r>
-              <a:rPr lang="ko-KR" sz="2000" b="1">
-                <a:solidFill>
-                  <a:srgbClr val="0611F2"/>
-                </a:solidFill>
-                <a:latin typeface="맑은 고딕" charset="0"/>
-                <a:ea typeface="맑은 고딕" charset="0"/>
-              </a:rPr>
-              <a:t>24</a:t>
-            </a:r>
-            <a:r>
-              <a:rPr sz="2000" b="1">
-                <a:solidFill>
-                  <a:srgbClr val="0611F2"/>
-                </a:solidFill>
-                <a:latin typeface="맑은 고딕" charset="0"/>
-                <a:ea typeface="맑은 고딕" charset="0"/>
-              </a:rPr>
-              <a:t>.</a:t>
-            </a:r>
-            <a:r>
-              <a:rPr sz="2000" b="1">
-                <a:solidFill>
-                  <a:srgbClr val="0611F2"/>
-                </a:solidFill>
-                <a:latin typeface="맑은 고딕" charset="0"/>
-                <a:ea typeface="맑은 고딕" charset="0"/>
-              </a:rPr>
-              <a:t> </a:t>
-            </a:r>
-            <a:r>
-              <a:rPr lang="ko-KR" sz="1800">
-                <a:latin typeface="맑은 고딕" charset="0"/>
-                <a:ea typeface="맑은 고딕" charset="0"/>
-              </a:rPr>
-              <a:t>그다음으로 Connect Server </a:t>
-            </a:r>
-            <a:r>
-              <a:rPr lang="ko-KR" sz="1800">
-                <a:latin typeface="맑은 고딕" charset="0"/>
-                <a:ea typeface="맑은 고딕" charset="0"/>
-              </a:rPr>
-              <a:t>스크립트의</a:t>
-            </a:r>
-            <a:r>
-              <a:rPr lang="ko-KR" sz="1800">
-                <a:latin typeface="맑은 고딕" charset="0"/>
-                <a:ea typeface="맑은 고딕" charset="0"/>
-              </a:rPr>
-              <a:t> </a:t>
-            </a:r>
-            <a:r>
-              <a:rPr lang="ko-KR" sz="1800">
-                <a:latin typeface="맑은 고딕" charset="0"/>
-                <a:ea typeface="맑은 고딕" charset="0"/>
-              </a:rPr>
-              <a:t>Server 변수에 Server </a:t>
-            </a:r>
-            <a:r>
-              <a:rPr lang="ko-KR" sz="1800">
-                <a:latin typeface="맑은 고딕" charset="0"/>
-                <a:ea typeface="맑은 고딕" charset="0"/>
-              </a:rPr>
-              <a:t>Selection</a:t>
-            </a:r>
-            <a:r>
-              <a:rPr lang="ko-KR" sz="1800">
-                <a:latin typeface="맑은 고딕" charset="0"/>
-                <a:ea typeface="맑은 고딕" charset="0"/>
-              </a:rPr>
-              <a:t> 오브젝트를 넣어줍니다.</a:t>
-            </a:r>
-            <a:r>
-              <a:rPr lang="ko-KR" sz="1800">
-                <a:latin typeface="맑은 고딕" charset="0"/>
-                <a:ea typeface="맑은 고딕" charset="0"/>
-              </a:rPr>
-              <a:t> </a:t>
-            </a:r>
-            <a:endParaRPr lang="ko-KR" altLang="en-US" sz="1800">
-              <a:latin typeface="맑은 고딕" charset="0"/>
-              <a:ea typeface="맑은 고딕" charset="0"/>
-            </a:endParaRPr>
-          </a:p>
-        </p:txBody>
-      </p:sp>
       <p:pic>
         <p:nvPicPr>
-          <p:cNvPr id="1162" name="그림 4"/>
-          <p:cNvPicPr>
-            <a:picLocks noChangeAspect="1"/>
-          </p:cNvPicPr>
-          <p:nvPr/>
-        </p:nvPicPr>
-        <p:blipFill rotWithShape="1">
-          <a:blip r:embed="rId5" cstate="print">
-            <a:extLst>
-              <a:ext uri="{28A0092B-C50C-407E-A947-70E740481C1C}">
-                <a14:useLocalDpi xmlns:a14="http://schemas.microsoft.com/office/drawing/2010/main" val="0"/>
-              </a:ext>
-            </a:extLst>
-          </a:blip>
-          <a:stretch>
-            <a:fillRect/>
-          </a:stretch>
-        </p:blipFill>
-        <p:spPr>
-          <a:xfrm rot="0">
-            <a:off x="1240790" y="1450975"/>
-            <a:ext cx="4135120" cy="3614420"/>
-          </a:xfrm>
-          <a:prstGeom prst="roundRect"/>
-          <a:solidFill>
-            <a:srgbClr val="EDEDED"/>
-          </a:solidFill>
-        </p:spPr>
-      </p:pic>
-      <p:pic>
-        <p:nvPicPr>
-          <p:cNvPr id="1163" name="그림 7"/>
-          <p:cNvPicPr>
-            <a:picLocks noChangeAspect="1"/>
-          </p:cNvPicPr>
-          <p:nvPr/>
-        </p:nvPicPr>
-        <p:blipFill rotWithShape="1">
-          <a:blip r:embed="rId6" cstate="print">
-            <a:extLst>
-              <a:ext uri="{28A0092B-C50C-407E-A947-70E740481C1C}">
-                <a14:useLocalDpi xmlns:a14="http://schemas.microsoft.com/office/drawing/2010/main" val="0"/>
-              </a:ext>
-            </a:extLst>
-          </a:blip>
-          <a:stretch>
-            <a:fillRect/>
-          </a:stretch>
-        </p:blipFill>
-        <p:spPr>
-          <a:xfrm rot="0">
-            <a:off x="6818630" y="1438275"/>
-            <a:ext cx="4138930" cy="1671955"/>
-          </a:xfrm>
-          <a:prstGeom prst="roundRect"/>
-          <a:solidFill>
-            <a:srgbClr val="EDEDED"/>
-          </a:solidFill>
-        </p:spPr>
-      </p:pic>
-      <p:sp>
-        <p:nvSpPr>
-          <p:cNvPr id="1164" name="텍스트 상자 10"/>
-          <p:cNvSpPr txBox="1">
-            <a:spLocks/>
-          </p:cNvSpPr>
-          <p:nvPr/>
-        </p:nvSpPr>
-        <p:spPr>
-          <a:xfrm rot="0">
-            <a:off x="6811645" y="3190240"/>
-            <a:ext cx="4148455" cy="677545"/>
-          </a:xfrm>
-          <a:prstGeom prst="rect"/>
-          <a:noFill/>
-          <a:ln w="0">
-            <a:noFill/>
-            <a:prstDash/>
-          </a:ln>
-        </p:spPr>
-        <p:txBody>
-          <a:bodyPr wrap="square" lIns="89535" tIns="46355" rIns="89535" bIns="46355" numCol="1" vert="horz" anchor="t">
-            <a:spAutoFit/>
-          </a:bodyPr>
-          <a:lstStyle/>
-          <a:p>
-            <a:pPr marL="0" indent="0" rtl="0" algn="l" defTabSz="914400" eaLnBrk="1" latinLnBrk="0" hangingPunct="1">
-              <a:buFontTx/>
-              <a:buNone/>
-            </a:pPr>
-            <a:r>
-              <a:rPr lang="ko-KR" sz="2000" b="1">
-                <a:solidFill>
-                  <a:srgbClr val="0611F2"/>
-                </a:solidFill>
-                <a:latin typeface="맑은 고딕" charset="0"/>
-                <a:ea typeface="맑은 고딕" charset="0"/>
-              </a:rPr>
-              <a:t>23</a:t>
-            </a:r>
-            <a:r>
-              <a:rPr sz="2000" b="1">
-                <a:solidFill>
-                  <a:srgbClr val="0611F2"/>
-                </a:solidFill>
-                <a:latin typeface="맑은 고딕" charset="0"/>
-                <a:ea typeface="맑은 고딕" charset="0"/>
-              </a:rPr>
-              <a:t>.</a:t>
-            </a:r>
-            <a:r>
-              <a:rPr sz="2000" b="1">
-                <a:solidFill>
-                  <a:srgbClr val="0611F2"/>
-                </a:solidFill>
-                <a:latin typeface="맑은 고딕" charset="0"/>
-                <a:ea typeface="맑은 고딕" charset="0"/>
-              </a:rPr>
-              <a:t> </a:t>
-            </a:r>
-            <a:r>
-              <a:rPr lang="ko-KR" sz="1800">
-                <a:latin typeface="맑은 고딕" charset="0"/>
-                <a:ea typeface="맑은 고딕" charset="0"/>
-              </a:rPr>
-              <a:t>그런 다음 Content 오브젝트의 </a:t>
-            </a:r>
-            <a:r>
-              <a:rPr lang="ko-KR" sz="1800">
-                <a:latin typeface="맑은 고딕" charset="0"/>
-                <a:ea typeface="맑은 고딕" charset="0"/>
-              </a:rPr>
-              <a:t>크기</a:t>
-            </a:r>
-            <a:r>
-              <a:rPr lang="ko-KR" sz="1800">
-                <a:latin typeface="맑은 고딕" charset="0"/>
-                <a:ea typeface="맑은 고딕" charset="0"/>
-              </a:rPr>
-              <a:t> </a:t>
-            </a:r>
-            <a:r>
-              <a:rPr lang="ko-KR" sz="1800">
-                <a:latin typeface="맑은 고딕" charset="0"/>
-                <a:ea typeface="맑은 고딕" charset="0"/>
-              </a:rPr>
-              <a:t>값을 설정합니다.</a:t>
-            </a:r>
-            <a:endParaRPr lang="ko-KR" altLang="en-US" sz="1800">
-              <a:latin typeface="맑은 고딕" charset="0"/>
-              <a:ea typeface="맑은 고딕" charset="0"/>
-            </a:endParaRPr>
-          </a:p>
-        </p:txBody>
-      </p:sp>
-      <p:pic>
-        <p:nvPicPr>
-          <p:cNvPr id="1165" name="그림 11" descr="C:/Users/Admin1/AppData/Roaming/PolarisOffice/ETemp/18356_10877360/fImage73031466334.png"/>
+          <p:cNvPr id="1165" name="그림 11" descr="C:/Users/nwond/AppData/Roaming/PolarisOffice/ETemp/2484_17157552/fImage73031466334.png"/>
           <p:cNvPicPr>
             <a:picLocks noChangeAspect="1"/>
           </p:cNvPicPr>
@@ -13502,8 +12446,8 @@
         </p:blipFill>
         <p:spPr>
           <a:xfrm rot="0">
-            <a:off x="6824980" y="3992880"/>
-            <a:ext cx="1238885" cy="1133475"/>
+            <a:off x="1233170" y="4031615"/>
+            <a:ext cx="1237615" cy="1096010"/>
           </a:xfrm>
           <a:prstGeom prst="roundRect"/>
           <a:solidFill>
@@ -13513,7 +12457,7 @@
       </p:pic>
       <p:pic>
         <p:nvPicPr>
-          <p:cNvPr id="1166" name="그림 14" descr="C:/Users/Admin1/AppData/Roaming/PolarisOffice/ETemp/18356_10877360/fImage76431476500.png"/>
+          <p:cNvPr id="1166" name="그림 14" descr="C:/Users/nwond/AppData/Roaming/PolarisOffice/ETemp/2484_17157552/fImage76431476500.png"/>
           <p:cNvPicPr>
             <a:picLocks noChangeAspect="1"/>
           </p:cNvPicPr>
@@ -13533,8 +12477,8 @@
         </p:blipFill>
         <p:spPr>
           <a:xfrm rot="0">
-            <a:off x="8183245" y="4005580"/>
-            <a:ext cx="2774950" cy="1086485"/>
+            <a:off x="2569845" y="4040505"/>
+            <a:ext cx="2878455" cy="1080770"/>
           </a:xfrm>
           <a:prstGeom prst="roundRect"/>
           <a:solidFill>
@@ -13542,21 +12486,364 @@
           </a:solidFill>
         </p:spPr>
       </p:pic>
+      <p:pic>
+        <p:nvPicPr>
+          <p:cNvPr id="1168" name="그림 12" descr="C:/Users/nwond/AppData/Roaming/PolarisOffice/ETemp/2484_17157552/fImage159471866334.png"/>
+          <p:cNvPicPr>
+            <a:picLocks noChangeAspect="1"/>
+          </p:cNvPicPr>
+          <p:nvPr/>
+        </p:nvPicPr>
+        <p:blipFill rotWithShape="1">
+          <a:blip r:embed="rId9" cstate="print">
+            <a:extLst>
+              <a:ext uri="{28A0092B-C50C-407E-A947-70E740481C1C}">
+                <a14:useLocalDpi xmlns:a14="http://schemas.microsoft.com/office/drawing/2010/main" val="0"/>
+              </a:ext>
+            </a:extLst>
+          </a:blip>
+          <a:stretch>
+            <a:fillRect/>
+          </a:stretch>
+        </p:blipFill>
+        <p:spPr>
+          <a:xfrm rot="0">
+            <a:off x="1235075" y="1471295"/>
+            <a:ext cx="4152265" cy="1731645"/>
+          </a:xfrm>
+          <a:prstGeom prst="roundRect"/>
+          <a:solidFill>
+            <a:srgbClr val="EDEDED"/>
+          </a:solidFill>
+        </p:spPr>
+      </p:pic>
+      <p:sp>
+        <p:nvSpPr>
+          <p:cNvPr id="1169" name="텍스트 상자 24"/>
+          <p:cNvSpPr txBox="1">
+            <a:spLocks/>
+          </p:cNvSpPr>
+          <p:nvPr/>
+        </p:nvSpPr>
+        <p:spPr>
+          <a:xfrm rot="0">
+            <a:off x="1235075" y="3261995"/>
+            <a:ext cx="4153535" cy="677545"/>
+          </a:xfrm>
+          <a:prstGeom prst="rect"/>
+          <a:noFill/>
+          <a:ln w="0">
+            <a:noFill/>
+            <a:prstDash/>
+          </a:ln>
+        </p:spPr>
+        <p:txBody>
+          <a:bodyPr wrap="square" lIns="89535" tIns="46355" rIns="89535" bIns="46355" numCol="1" vert="horz" anchor="t">
+            <a:spAutoFit/>
+          </a:bodyPr>
+          <a:lstStyle/>
+          <a:p>
+            <a:pPr marL="0" indent="0" rtl="0" algn="l" defTabSz="914400" eaLnBrk="1" latinLnBrk="0" hangingPunct="1">
+              <a:buFontTx/>
+              <a:buNone/>
+            </a:pPr>
+            <a:r>
+              <a:rPr lang="ko-KR" sz="2000" b="1">
+                <a:solidFill>
+                  <a:srgbClr val="0611F2"/>
+                </a:solidFill>
+                <a:latin typeface="맑은 고딕" charset="0"/>
+                <a:ea typeface="맑은 고딕" charset="0"/>
+              </a:rPr>
+              <a:t>2</a:t>
+            </a:r>
+            <a:r>
+              <a:rPr lang="ko-KR" sz="2000" b="1">
+                <a:solidFill>
+                  <a:srgbClr val="0611F2"/>
+                </a:solidFill>
+                <a:latin typeface="맑은 고딕" charset="0"/>
+                <a:ea typeface="맑은 고딕" charset="0"/>
+              </a:rPr>
+              <a:t>4</a:t>
+            </a:r>
+            <a:r>
+              <a:rPr sz="2000" b="1">
+                <a:solidFill>
+                  <a:srgbClr val="0611F2"/>
+                </a:solidFill>
+                <a:latin typeface="맑은 고딕" charset="0"/>
+                <a:ea typeface="맑은 고딕" charset="0"/>
+              </a:rPr>
+              <a:t>. </a:t>
+            </a:r>
+            <a:r>
+              <a:rPr lang="ko-KR" sz="1800">
+                <a:latin typeface="맑은 고딕" charset="0"/>
+                <a:ea typeface="맑은 고딕" charset="0"/>
+              </a:rPr>
+              <a:t>그</a:t>
+            </a:r>
+            <a:r>
+              <a:rPr lang="ko-KR" sz="1800">
+                <a:latin typeface="맑은 고딕" charset="0"/>
+                <a:ea typeface="맑은 고딕" charset="0"/>
+              </a:rPr>
+              <a:t>다음 </a:t>
+            </a:r>
+            <a:r>
+              <a:rPr lang="ko-KR" sz="1800">
+                <a:latin typeface="맑은 고딕" charset="0"/>
+                <a:ea typeface="맑은 고딕" charset="0"/>
+              </a:rPr>
+              <a:t>Template 오브젝트</a:t>
+            </a:r>
+            <a:r>
+              <a:rPr lang="ko-KR" sz="1800">
+                <a:latin typeface="맑은 고딕" charset="0"/>
+                <a:ea typeface="맑은 고딕" charset="0"/>
+              </a:rPr>
+              <a:t>에 </a:t>
+            </a:r>
+            <a:r>
+              <a:rPr lang="ko-KR" sz="1800">
+                <a:latin typeface="맑은 고딕" charset="0"/>
+                <a:ea typeface="맑은 고딕" charset="0"/>
+              </a:rPr>
+              <a:t>있는 </a:t>
+            </a:r>
+            <a:r>
+              <a:rPr lang="ko-KR" sz="1800">
+                <a:latin typeface="맑은 고딕" charset="0"/>
+                <a:ea typeface="맑은 고딕" charset="0"/>
+              </a:rPr>
+              <a:t>이미지 </a:t>
+            </a:r>
+            <a:r>
+              <a:rPr lang="ko-KR" sz="1800">
+                <a:latin typeface="맑은 고딕" charset="0"/>
+                <a:ea typeface="맑은 고딕" charset="0"/>
+              </a:rPr>
+              <a:t>컴포넌</a:t>
+            </a:r>
+            <a:r>
+              <a:rPr lang="ko-KR" sz="1800">
+                <a:latin typeface="맑은 고딕" charset="0"/>
+                <a:ea typeface="맑은 고딕" charset="0"/>
+              </a:rPr>
+              <a:t>트를 </a:t>
+            </a:r>
+            <a:r>
+              <a:rPr lang="ko-KR" sz="1800">
+                <a:latin typeface="맑은 고딕" charset="0"/>
+                <a:ea typeface="맑은 고딕" charset="0"/>
+              </a:rPr>
+              <a:t>비</a:t>
+            </a:r>
+            <a:r>
+              <a:rPr lang="ko-KR" sz="1800">
+                <a:latin typeface="맑은 고딕" charset="0"/>
+                <a:ea typeface="맑은 고딕" charset="0"/>
+              </a:rPr>
+              <a:t>활성화합니다.</a:t>
+            </a:r>
+            <a:endParaRPr lang="ko-KR" altLang="en-US" sz="1800">
+              <a:latin typeface="맑은 고딕" charset="0"/>
+              <a:ea typeface="맑은 고딕" charset="0"/>
+            </a:endParaRPr>
+          </a:p>
+        </p:txBody>
+      </p:sp>
       <p:cxnSp>
         <p:nvCxnSpPr>
-          <p:cNvPr id="1167" name="도형 17"/>
+          <p:cNvPr id="1170" name="도형 25"/>
           <p:cNvCxnSpPr/>
           <p:nvPr/>
         </p:nvCxnSpPr>
         <p:spPr>
           <a:xfrm rot="0">
-            <a:off x="8036560" y="4806315"/>
-            <a:ext cx="2834640" cy="17780"/>
+            <a:off x="2445385" y="4797425"/>
+            <a:ext cx="2898775" cy="56515"/>
           </a:xfrm>
           <a:prstGeom prst="straightConnector1"/>
           <a:ln w="6350" cap="flat" cmpd="sng">
             <a:prstDash/>
             <a:headEnd type="none" w="med" len="med"/>
+            <a:tailEnd type="triangle" w="med" len="med"/>
+          </a:ln>
+        </p:spPr>
+        <p:style>
+          <a:lnRef idx="1">
+            <a:schemeClr val="accent1"/>
+          </a:lnRef>
+          <a:fillRef idx="0">
+            <a:schemeClr val="accent1"/>
+          </a:fillRef>
+          <a:effectRef idx="0">
+            <a:schemeClr val="accent1"/>
+          </a:effectRef>
+          <a:fontRef idx="minor">
+            <a:schemeClr val="tx1"/>
+          </a:fontRef>
+        </p:style>
+      </p:cxnSp>
+      <p:sp>
+        <p:nvSpPr>
+          <p:cNvPr id="1171" name="텍스트 상자 26"/>
+          <p:cNvSpPr txBox="1">
+            <a:spLocks/>
+          </p:cNvSpPr>
+          <p:nvPr/>
+        </p:nvSpPr>
+        <p:spPr>
+          <a:xfrm rot="0">
+            <a:off x="6810375" y="4998085"/>
+            <a:ext cx="4149090" cy="1231265"/>
+          </a:xfrm>
+          <a:prstGeom prst="rect"/>
+          <a:noFill/>
+          <a:ln w="0">
+            <a:noFill/>
+            <a:prstDash/>
+          </a:ln>
+        </p:spPr>
+        <p:txBody>
+          <a:bodyPr wrap="square" lIns="89535" tIns="46355" rIns="89535" bIns="46355" numCol="1" vert="horz" anchor="t">
+            <a:spAutoFit/>
+          </a:bodyPr>
+          <a:lstStyle/>
+          <a:p>
+            <a:pPr marL="0" indent="0" rtl="0" algn="l" defTabSz="914400" eaLnBrk="1" latinLnBrk="0" hangingPunct="1">
+              <a:buFontTx/>
+              <a:buNone/>
+            </a:pPr>
+            <a:r>
+              <a:rPr lang="ko-KR" sz="2000" b="1">
+                <a:solidFill>
+                  <a:srgbClr val="0611F2"/>
+                </a:solidFill>
+                <a:latin typeface="맑은 고딕" charset="0"/>
+                <a:ea typeface="맑은 고딕" charset="0"/>
+              </a:rPr>
+              <a:t>2</a:t>
+            </a:r>
+            <a:r>
+              <a:rPr lang="ko-KR" sz="2000" b="1">
+                <a:solidFill>
+                  <a:srgbClr val="0611F2"/>
+                </a:solidFill>
+                <a:latin typeface="맑은 고딕" charset="0"/>
+                <a:ea typeface="맑은 고딕" charset="0"/>
+              </a:rPr>
+              <a:t>6</a:t>
+            </a:r>
+            <a:r>
+              <a:rPr sz="2000" b="1">
+                <a:solidFill>
+                  <a:srgbClr val="0611F2"/>
+                </a:solidFill>
+                <a:latin typeface="맑은 고딕" charset="0"/>
+                <a:ea typeface="맑은 고딕" charset="0"/>
+              </a:rPr>
+              <a:t>. </a:t>
+            </a:r>
+            <a:r>
+              <a:rPr lang="ko-KR" sz="1800">
+                <a:latin typeface="맑은 고딕" charset="0"/>
+                <a:ea typeface="맑은 고딕" charset="0"/>
+              </a:rPr>
+              <a:t>이제</a:t>
+            </a:r>
+            <a:r>
+              <a:rPr lang="ko-KR" sz="1800">
+                <a:latin typeface="맑은 고딕" charset="0"/>
+                <a:ea typeface="맑은 고딕" charset="0"/>
+              </a:rPr>
+              <a:t> Interface Button 폴더에 있는 Start Button 텍스처를 Connect Button 오브젝트의 Source Image에 넣어줍니다.</a:t>
+            </a:r>
+            <a:endParaRPr lang="ko-KR" altLang="en-US" sz="1800">
+              <a:latin typeface="맑은 고딕" charset="0"/>
+              <a:ea typeface="맑은 고딕" charset="0"/>
+            </a:endParaRPr>
+          </a:p>
+        </p:txBody>
+      </p:sp>
+      <p:pic>
+        <p:nvPicPr>
+          <p:cNvPr id="1172" name="그림 27" descr="C:/Users/nwond/AppData/Roaming/PolarisOffice/ETemp/2484_17157552/fImage154622258145.png"/>
+          <p:cNvPicPr>
+            <a:picLocks noChangeAspect="1"/>
+          </p:cNvPicPr>
+          <p:nvPr/>
+        </p:nvPicPr>
+        <p:blipFill rotWithShape="1">
+          <a:blip r:embed="rId10" cstate="hqprint">
+            <a:extLst>
+              <a:ext uri="{28A0092B-C50C-407E-A947-70E740481C1C}">
+                <a14:useLocalDpi xmlns:a14="http://schemas.microsoft.com/office/drawing/2010/main"/>
+              </a:ext>
+            </a:extLst>
+          </a:blip>
+          <a:stretch>
+            <a:fillRect/>
+          </a:stretch>
+        </p:blipFill>
+        <p:spPr>
+          <a:xfrm rot="0">
+            <a:off x="6814820" y="1445260"/>
+            <a:ext cx="4140835" cy="2271395"/>
+          </a:xfrm>
+          <a:prstGeom prst="roundRect"/>
+          <a:solidFill>
+            <a:srgbClr val="EDEDED"/>
+          </a:solidFill>
+        </p:spPr>
+      </p:pic>
+      <p:pic>
+        <p:nvPicPr>
+          <p:cNvPr id="1173" name="그림 28" descr="C:/Users/nwond/AppData/Roaming/PolarisOffice/ETemp/2484_17157552/fImage151082263281.png"/>
+          <p:cNvPicPr>
+            <a:picLocks noChangeAspect="1"/>
+          </p:cNvPicPr>
+          <p:nvPr/>
+        </p:nvPicPr>
+        <p:blipFill rotWithShape="1">
+          <a:blip r:embed="rId11" cstate="hqprint">
+            <a:extLst>
+              <a:ext uri="{28A0092B-C50C-407E-A947-70E740481C1C}">
+                <a14:useLocalDpi xmlns:a14="http://schemas.microsoft.com/office/drawing/2010/main"/>
+              </a:ext>
+            </a:extLst>
+          </a:blip>
+          <a:stretch>
+            <a:fillRect/>
+          </a:stretch>
+        </p:blipFill>
+        <p:spPr>
+          <a:xfrm rot="0">
+            <a:off x="6823710" y="3913505"/>
+            <a:ext cx="4143375" cy="998220"/>
+          </a:xfrm>
+          <a:prstGeom prst="roundRect"/>
+          <a:solidFill>
+            <a:srgbClr val="EDEDED"/>
+          </a:solidFill>
+        </p:spPr>
+      </p:pic>
+      <p:cxnSp>
+        <p:nvCxnSpPr>
+          <p:cNvPr id="1174" name="도형 29"/>
+          <p:cNvCxnSpPr/>
+          <p:nvPr/>
+        </p:nvCxnSpPr>
+        <p:spPr>
+          <a:xfrm rot="0" flipV="1">
+            <a:off x="9888855" y="1783715"/>
+            <a:ext cx="911225" cy="2513330"/>
+          </a:xfrm>
+          <a:prstGeom prst="straightConnector1"/>
+          <a:ln w="6350" cap="flat" cmpd="sng">
+            <a:prstDash/>
             <a:tailEnd type="triangle" w="med" len="med"/>
           </a:ln>
         </p:spPr>

--- a/Photon Server/Assets/PPT Data/Photon Lobby.pptx
+++ b/Photon Server/Assets/PPT Data/Photon Lobby.pptx
@@ -2,23 +2,23 @@
 <file path=ppt/presentation.xml><?xml version="1.0" encoding="utf-8"?>
 <p:presentation xmlns:a="http://schemas.openxmlformats.org/drawingml/2006/main" xmlns:r="http://schemas.openxmlformats.org/officeDocument/2006/relationships" xmlns:p="http://schemas.openxmlformats.org/presentationml/2006/main" xmlns:p14="http://schemas.microsoft.com/office/powerpoint/2010/main" saveSubsetFonts="1" firstSlideNum="0">
   <p:sldMasterIdLst>
-    <p:sldMasterId id="2147487069" r:id="rId12"/>
+    <p:sldMasterId id="2147487078" r:id="rId12"/>
   </p:sldMasterIdLst>
   <p:notesMasterIdLst>
     <p:notesMasterId r:id="rId14"/>
   </p:notesMasterIdLst>
   <p:sldIdLst>
     <p:sldId id="311" r:id="rId16"/>
-    <p:sldId id="341" r:id="rId18"/>
-    <p:sldId id="318" r:id="rId20"/>
-    <p:sldId id="335" r:id="rId22"/>
-    <p:sldId id="305" r:id="rId24"/>
-    <p:sldId id="300" r:id="rId26"/>
-    <p:sldId id="340" r:id="rId28"/>
-    <p:sldId id="336" r:id="rId29"/>
-    <p:sldId id="337" r:id="rId30"/>
-    <p:sldId id="338" r:id="rId31"/>
-    <p:sldId id="339" r:id="rId32"/>
+    <p:sldId id="341" r:id="rId17"/>
+    <p:sldId id="318" r:id="rId18"/>
+    <p:sldId id="335" r:id="rId19"/>
+    <p:sldId id="305" r:id="rId20"/>
+    <p:sldId id="300" r:id="rId21"/>
+    <p:sldId id="340" r:id="rId22"/>
+    <p:sldId id="336" r:id="rId23"/>
+    <p:sldId id="337" r:id="rId25"/>
+    <p:sldId id="338" r:id="rId27"/>
+    <p:sldId id="339" r:id="rId29"/>
   </p:sldIdLst>
   <p:sldSz cx="12192000" cy="6858000"/>
   <p:notesSz cx="6858000" cy="9144000"/>
@@ -7156,17 +7156,17 @@
       </p:sp>
       <p:pic>
         <p:nvPicPr>
-          <p:cNvPr id="38" name="그림 1" descr="C:/Users/nwond/AppData/Roaming/PolarisOffice/ETemp/27104_13584496/fImage2623925541.png"/>
+          <p:cNvPr id="38" name="그림 1" descr="C:/Users/nwond/AppData/Roaming/PolarisOffice/ETemp/25736_8473440/fImage2623925541.png"/>
           <p:cNvPicPr>
             <a:picLocks noChangeAspect="1"/>
           </p:cNvPicPr>
           <p:nvPr/>
         </p:nvPicPr>
         <p:blipFill rotWithShape="1">
-          <a:blip r:embed="rId18" cstate="print">
+          <a:blip r:embed="rId18" cstate="hqprint">
             <a:extLst>
               <a:ext uri="{28A0092B-C50C-407E-A947-70E740481C1C}">
-                <a14:useLocalDpi xmlns:a14="http://schemas.microsoft.com/office/drawing/2010/main" val="0"/>
+                <a14:useLocalDpi xmlns:a14="http://schemas.microsoft.com/office/drawing/2010/main"/>
               </a:ext>
             </a:extLst>
           </a:blip>
@@ -7176,8 +7176,8 @@
         </p:blipFill>
         <p:spPr>
           <a:xfrm rot="0">
-            <a:off x="1236345" y="1480185"/>
-            <a:ext cx="2733040" cy="3591560"/>
+            <a:off x="1236345" y="1446530"/>
+            <a:ext cx="2779395" cy="3773805"/>
           </a:xfrm>
           <a:prstGeom prst="roundRect"/>
           <a:solidFill>
@@ -7187,17 +7187,17 @@
       </p:pic>
       <p:pic>
         <p:nvPicPr>
-          <p:cNvPr id="39" name="그림 5" descr="C:/Users/nwond/AppData/Roaming/PolarisOffice/ETemp/27104_13584496/fImage49902578467.png"/>
+          <p:cNvPr id="39" name="그림 5" descr="C:/Users/nwond/AppData/Roaming/PolarisOffice/ETemp/25736_8473440/fImage49902578467.png"/>
           <p:cNvPicPr>
             <a:picLocks noChangeAspect="1"/>
           </p:cNvPicPr>
           <p:nvPr/>
         </p:nvPicPr>
         <p:blipFill rotWithShape="1">
-          <a:blip r:embed="rId19" cstate="print">
+          <a:blip r:embed="rId19" cstate="hqprint">
             <a:extLst>
               <a:ext uri="{28A0092B-C50C-407E-A947-70E740481C1C}">
-                <a14:useLocalDpi xmlns:a14="http://schemas.microsoft.com/office/drawing/2010/main" val="0"/>
+                <a14:useLocalDpi xmlns:a14="http://schemas.microsoft.com/office/drawing/2010/main"/>
               </a:ext>
             </a:extLst>
           </a:blip>
@@ -7208,7 +7208,7 @@
         <p:spPr>
           <a:xfrm rot="0">
             <a:off x="4102735" y="2614930"/>
-            <a:ext cx="1276350" cy="1315720"/>
+            <a:ext cx="1276985" cy="1450975"/>
           </a:xfrm>
           <a:prstGeom prst="roundRect"/>
           <a:solidFill>
@@ -7218,7 +7218,7 @@
       </p:pic>
       <p:pic>
         <p:nvPicPr>
-          <p:cNvPr id="40" name="그림 8" descr="C:/Users/nwond/AppData/Roaming/PolarisOffice/ETemp/27104_13584496/fImage23042716500.png"/>
+          <p:cNvPr id="40" name="그림 8"/>
           <p:cNvPicPr>
             <a:picLocks noChangeAspect="1"/>
           </p:cNvPicPr>
@@ -7355,7 +7355,7 @@
       </p:sp>
       <p:pic>
         <p:nvPicPr>
-          <p:cNvPr id="42" name="그림 10" descr="C:/Users/nwond/AppData/Roaming/PolarisOffice/ETemp/27104_13584496/fImage82892171478.png"/>
+          <p:cNvPr id="42" name="그림 10" descr="C:/Users/nwond/AppData/Roaming/PolarisOffice/ETemp/25736_8473440/fImage82892171478.png"/>
           <p:cNvPicPr>
             <a:picLocks noChangeAspect="1"/>
           </p:cNvPicPr>
@@ -7375,8 +7375,8 @@
         </p:blipFill>
         <p:spPr>
           <a:xfrm rot="0">
-            <a:off x="6878955" y="1478280"/>
-            <a:ext cx="2832735" cy="3593465"/>
+            <a:off x="6878955" y="1440180"/>
+            <a:ext cx="2833370" cy="3786505"/>
           </a:xfrm>
           <a:prstGeom prst="roundRect"/>
           <a:solidFill>
@@ -7386,7 +7386,7 @@
       </p:pic>
       <p:pic>
         <p:nvPicPr>
-          <p:cNvPr id="43" name="그림 11" descr="C:/Users/nwond/AppData/Roaming/PolarisOffice/ETemp/27104_13584496/fImage2242172209358.png"/>
+          <p:cNvPr id="43" name="그림 11"/>
           <p:cNvPicPr>
             <a:picLocks noChangeAspect="1"/>
           </p:cNvPicPr>
@@ -8492,7 +8492,7 @@
 </file>
 
 <file path=ppt/slides/slide2.xml><?xml version="1.0" encoding="utf-8"?>
-<p:sld xmlns:a="http://schemas.openxmlformats.org/drawingml/2006/main" xmlns:r="http://schemas.openxmlformats.org/officeDocument/2006/relationships" xmlns:p="http://schemas.openxmlformats.org/presentationml/2006/main">
+<p:sld xmlns:a="http://schemas.openxmlformats.org/drawingml/2006/main" xmlns:r="http://schemas.openxmlformats.org/officeDocument/2006/relationships" xmlns:p="http://schemas.openxmlformats.org/presentationml/2006/main" xmlns:p14="http://schemas.microsoft.com/office/powerpoint/2010/main">
   <p:cSld>
     <p:spTree>
       <p:nvGrpSpPr>
@@ -8575,9 +8575,9 @@
           <p:nvPr/>
         </p:nvSpPr>
         <p:spPr>
-          <a:xfrm rot="0">
+          <a:xfrm>
             <a:off x="1232535" y="5281295"/>
-            <a:ext cx="4144645" cy="954405"/>
+            <a:ext cx="4145280" cy="954405"/>
           </a:xfrm>
           <a:prstGeom prst="rect"/>
           <a:noFill/>
@@ -8604,90 +8604,56 @@
                 <a:latin typeface="맑은 고딕" charset="0"/>
                 <a:ea typeface="맑은 고딕" charset="0"/>
               </a:rPr>
-              <a:t>3</a:t>
-            </a:r>
-            <a:r>
-              <a:rPr sz="2000" b="1">
-                <a:solidFill>
-                  <a:srgbClr val="0611F2"/>
-                </a:solidFill>
-                <a:latin typeface="맑은 고딕" charset="0"/>
-                <a:ea typeface="맑은 고딕" charset="0"/>
-              </a:rPr>
-              <a:t>.</a:t>
-            </a:r>
-            <a:r>
-              <a:rPr sz="2000" b="1">
-                <a:solidFill>
-                  <a:srgbClr val="0611F2"/>
-                </a:solidFill>
-                <a:latin typeface="맑은 고딕" charset="0"/>
-                <a:ea typeface="맑은 고딕" charset="0"/>
-              </a:rPr>
-              <a:t> </a:t>
+              <a:t>3. </a:t>
             </a:r>
             <a:r>
               <a:rPr sz="1800">
                 <a:latin typeface="맑은 고딕" charset="0"/>
                 <a:ea typeface="맑은 고딕" charset="0"/>
               </a:rPr>
-              <a:t>그리고</a:t>
-            </a:r>
-            <a:r>
-              <a:rPr sz="1800">
-                <a:latin typeface="맑은 고딕" charset="0"/>
-                <a:ea typeface="맑은 고딕" charset="0"/>
-              </a:rPr>
-              <a:t> </a:t>
-            </a:r>
-            <a:r>
-              <a:rPr lang="ko-KR" sz="1800">
-                <a:latin typeface="맑은 고딕" charset="0"/>
-                <a:ea typeface="맑은 고딕" charset="0"/>
-              </a:rPr>
-              <a:t>UI에서</a:t>
-            </a:r>
-            <a:r>
-              <a:rPr lang="ko-KR" sz="1800">
-                <a:latin typeface="맑은 고딕" charset="0"/>
-                <a:ea typeface="맑은 고딕" charset="0"/>
-              </a:rPr>
-              <a:t> </a:t>
-            </a:r>
-            <a:r>
-              <a:rPr lang="ko-KR" sz="1800">
-                <a:latin typeface="맑은 고딕" charset="0"/>
-                <a:ea typeface="맑은 고딕" charset="0"/>
-              </a:rPr>
-              <a:t>Image를</a:t>
-            </a:r>
-            <a:r>
-              <a:rPr lang="ko-KR" sz="1800">
-                <a:latin typeface="맑은 고딕" charset="0"/>
-                <a:ea typeface="맑은 고딕" charset="0"/>
-              </a:rPr>
-              <a:t> </a:t>
-            </a:r>
-            <a:r>
-              <a:rPr lang="ko-KR" sz="1800">
-                <a:latin typeface="맑은 고딕" charset="0"/>
-                <a:ea typeface="맑은 고딕" charset="0"/>
-              </a:rPr>
-              <a:t>생성한</a:t>
-            </a:r>
-            <a:r>
-              <a:rPr lang="ko-KR" sz="1800">
-                <a:latin typeface="맑은 고딕" charset="0"/>
-                <a:ea typeface="맑은 고딕" charset="0"/>
-              </a:rPr>
-              <a:t> </a:t>
-            </a:r>
-            <a:r>
-              <a:rPr lang="ko-KR" sz="1800">
-                <a:latin typeface="맑은 고딕" charset="0"/>
-                <a:ea typeface="맑은 고딕" charset="0"/>
-              </a:rPr>
-              <a:t>다음 Back Ground라는 이름으로 정의합니다.</a:t>
+              <a:t>그리고 </a:t>
+            </a:r>
+            <a:r>
+              <a:rPr lang="ko-KR" sz="1800">
+                <a:latin typeface="맑은 고딕" charset="0"/>
+                <a:ea typeface="맑은 고딕" charset="0"/>
+              </a:rPr>
+              <a:t>UI에서 Image를 생성한 다음 </a:t>
+            </a:r>
+            <a:r>
+              <a:rPr lang="ko-KR" sz="1800">
+                <a:latin typeface="맑은 고딕" charset="0"/>
+                <a:ea typeface="맑은 고딕" charset="0"/>
+              </a:rPr>
+              <a:t>S</a:t>
+            </a:r>
+            <a:r>
+              <a:rPr lang="ko-KR" sz="1800">
+                <a:latin typeface="맑은 고딕" charset="0"/>
+                <a:ea typeface="맑은 고딕" charset="0"/>
+              </a:rPr>
+              <a:t>cen</a:t>
+            </a:r>
+            <a:r>
+              <a:rPr lang="ko-KR" sz="1800">
+                <a:latin typeface="맑은 고딕" charset="0"/>
+                <a:ea typeface="맑은 고딕" charset="0"/>
+              </a:rPr>
+              <a:t>e</a:t>
+            </a:r>
+            <a:r>
+              <a:rPr lang="ko-KR" sz="1800">
+                <a:latin typeface="맑은 고딕" charset="0"/>
+                <a:ea typeface="맑은 고딕" charset="0"/>
+              </a:rPr>
+              <a:t>ry</a:t>
+            </a:r>
+            <a:r>
+              <a:rPr lang="ko-KR" sz="1800">
+                <a:latin typeface="맑은 고딕" charset="0"/>
+                <a:ea typeface="맑은 고딕" charset="0"/>
+              </a:rPr>
+              <a:t>라는 이름으로 정의합니다.</a:t>
             </a:r>
             <a:endParaRPr lang="ko-KR" altLang="en-US" sz="1800">
               <a:latin typeface="맑은 고딕" charset="0"/>
@@ -8698,7 +8664,7 @@
       </p:sp>
       <p:pic>
         <p:nvPicPr>
-          <p:cNvPr id="31" name="Picture " descr="C:/Users/nwond/AppData/Roaming/PolarisOffice/ETemp/27104_13584496/fImage185003101478.png"/>
+          <p:cNvPr id="31" name="Picture "/>
           <p:cNvPicPr>
             <a:picLocks noChangeAspect="1"/>
           </p:cNvPicPr>
@@ -8814,7 +8780,7 @@
       </p:sp>
       <p:pic>
         <p:nvPicPr>
-          <p:cNvPr id="36" name="Picture " descr="C:/Users/nwond/AppData/Roaming/PolarisOffice/ETemp/27104_13584496/fImage2171320641.png"/>
+          <p:cNvPr id="36" name="Picture "/>
           <p:cNvPicPr>
             <a:picLocks noChangeAspect="1"/>
           </p:cNvPicPr>
@@ -8845,14 +8811,14 @@
       </p:pic>
       <p:pic>
         <p:nvPicPr>
-          <p:cNvPr id="38" name="그림 12" descr="C:/Users/nwond/AppData/Roaming/PolarisOffice/ETemp/27104_13584496/fImage58532626334.png"/>
+          <p:cNvPr id="40" name="그림 1" descr="C:/Users/nwond/AppData/Roaming/PolarisOffice/ETemp/25736_8473440/fImage539317141.png"/>
           <p:cNvPicPr>
             <a:picLocks noChangeAspect="1"/>
           </p:cNvPicPr>
           <p:nvPr/>
         </p:nvPicPr>
         <p:blipFill rotWithShape="1">
-          <a:blip r:embed="rId4" cstate="print">
+          <a:blip r:embed="rId7" cstate="print">
             <a:extLst>
               <a:ext uri="{28A0092B-C50C-407E-A947-70E740481C1C}">
                 <a14:useLocalDpi xmlns:a14="http://schemas.microsoft.com/office/drawing/2010/main" val="0"/>
@@ -8865,8 +8831,8 @@
         </p:blipFill>
         <p:spPr>
           <a:xfrm rot="0">
-            <a:off x="4055745" y="2465070"/>
-            <a:ext cx="1323975" cy="1630680"/>
+            <a:off x="4008755" y="2482215"/>
+            <a:ext cx="1365885" cy="1589405"/>
           </a:xfrm>
           <a:prstGeom prst="roundRect"/>
           <a:solidFill>
@@ -8876,14 +8842,14 @@
       </p:pic>
       <p:pic>
         <p:nvPicPr>
-          <p:cNvPr id="39" name="그림 15" descr="C:/Users/nwond/AppData/Roaming/PolarisOffice/ETemp/27104_13584496/fImage63852636500.png"/>
+          <p:cNvPr id="41" name="그림 4" descr="C:/Users/nwond/AppData/Roaming/PolarisOffice/ETemp/25736_8473440/fImage60881728467.png"/>
           <p:cNvPicPr>
             <a:picLocks noChangeAspect="1"/>
           </p:cNvPicPr>
           <p:nvPr/>
         </p:nvPicPr>
         <p:blipFill rotWithShape="1">
-          <a:blip r:embed="rId5" cstate="print">
+          <a:blip r:embed="rId8" cstate="print">
             <a:extLst>
               <a:ext uri="{28A0092B-C50C-407E-A947-70E740481C1C}">
                 <a14:useLocalDpi xmlns:a14="http://schemas.microsoft.com/office/drawing/2010/main" val="0"/>
@@ -8896,8 +8862,8 @@
         </p:blipFill>
         <p:spPr>
           <a:xfrm rot="0">
-            <a:off x="9630410" y="2472690"/>
-            <a:ext cx="1317625" cy="1623060"/>
+            <a:off x="9575800" y="2480310"/>
+            <a:ext cx="1388745" cy="1585595"/>
           </a:xfrm>
           <a:prstGeom prst="roundRect"/>
           <a:solidFill>
@@ -9093,8 +9059,8 @@
         </p:nvSpPr>
         <p:spPr>
           <a:xfrm rot="0">
-            <a:off x="1231265" y="3138170"/>
-            <a:ext cx="4149725" cy="677545"/>
+            <a:off x="1224915" y="3225800"/>
+            <a:ext cx="4150360" cy="677545"/>
           </a:xfrm>
           <a:prstGeom prst="rect"/>
           <a:noFill/>
@@ -9148,18 +9114,60 @@
               <a:t>다음</a:t>
             </a:r>
             <a:r>
+              <a:rPr lang="ko-KR" sz="1800">
+                <a:latin typeface="맑은 고딕" charset="0"/>
+                <a:ea typeface="맑은 고딕" charset="0"/>
+              </a:rPr>
+              <a:t>으로</a:t>
+            </a:r>
+            <a:r>
               <a:rPr sz="1800">
                 <a:latin typeface="맑은 고딕" charset="0"/>
                 <a:ea typeface="맑은 고딕" charset="0"/>
               </a:rPr>
-              <a:t> Back </a:t>
-            </a:r>
-            <a:r>
-              <a:rPr lang="ko-KR" sz="1800">
-                <a:latin typeface="맑은 고딕" charset="0"/>
-                <a:ea typeface="맑은 고딕" charset="0"/>
-              </a:rPr>
-              <a:t>Ground 오브젝트의 앵커를 Stretch로 설정합니다.</a:t>
+              <a:t> </a:t>
+            </a:r>
+            <a:r>
+              <a:rPr sz="1800">
+                <a:latin typeface="맑은 고딕" charset="0"/>
+                <a:ea typeface="맑은 고딕" charset="0"/>
+              </a:rPr>
+              <a:t>S</a:t>
+            </a:r>
+            <a:r>
+              <a:rPr lang="ko-KR" sz="1800">
+                <a:latin typeface="맑은 고딕" charset="0"/>
+                <a:ea typeface="맑은 고딕" charset="0"/>
+              </a:rPr>
+              <a:t>c</a:t>
+            </a:r>
+            <a:r>
+              <a:rPr lang="ko-KR" sz="1800">
+                <a:latin typeface="맑은 고딕" charset="0"/>
+                <a:ea typeface="맑은 고딕" charset="0"/>
+              </a:rPr>
+              <a:t>e</a:t>
+            </a:r>
+            <a:r>
+              <a:rPr lang="ko-KR" sz="1800">
+                <a:latin typeface="맑은 고딕" charset="0"/>
+                <a:ea typeface="맑은 고딕" charset="0"/>
+              </a:rPr>
+              <a:t>n</a:t>
+            </a:r>
+            <a:r>
+              <a:rPr lang="ko-KR" sz="1800">
+                <a:latin typeface="맑은 고딕" charset="0"/>
+                <a:ea typeface="맑은 고딕" charset="0"/>
+              </a:rPr>
+              <a:t>ery</a:t>
+            </a:r>
+            <a:r>
+              <a:rPr lang="ko-KR" sz="1800">
+                <a:latin typeface="맑은 고딕" charset="0"/>
+                <a:ea typeface="맑은 고딕" charset="0"/>
+              </a:rPr>
+              <a:t> 오브젝트의 앵커를 Stretch로 설정합니다.</a:t>
             </a:r>
             <a:endParaRPr lang="ko-KR" altLang="en-US" sz="1800">
               <a:latin typeface="맑은 고딕" charset="0"/>
@@ -9170,38 +9178,7 @@
       </p:sp>
       <p:pic>
         <p:nvPicPr>
-          <p:cNvPr id="1157" name="그림 11" descr="C:/Users/nwond/AppData/Roaming/PolarisOffice/ETemp/27104_13584496/fImage120662296500.png"/>
-          <p:cNvPicPr>
-            <a:picLocks noChangeAspect="1"/>
-          </p:cNvPicPr>
-          <p:nvPr/>
-        </p:nvPicPr>
-        <p:blipFill rotWithShape="1">
-          <a:blip r:embed="rId11" cstate="hqprint">
-            <a:extLst>
-              <a:ext uri="{28A0092B-C50C-407E-A947-70E740481C1C}">
-                <a14:useLocalDpi xmlns:a14="http://schemas.microsoft.com/office/drawing/2010/main"/>
-              </a:ext>
-            </a:extLst>
-          </a:blip>
-          <a:stretch>
-            <a:fillRect/>
-          </a:stretch>
-        </p:blipFill>
-        <p:spPr>
-          <a:xfrm rot="0">
-            <a:off x="1223645" y="1447165"/>
-            <a:ext cx="4153535" cy="1593215"/>
-          </a:xfrm>
-          <a:prstGeom prst="roundRect"/>
-          <a:solidFill>
-            <a:srgbClr val="EDEDED"/>
-          </a:solidFill>
-        </p:spPr>
-      </p:pic>
-      <p:pic>
-        <p:nvPicPr>
-          <p:cNvPr id="1163" name="그림 7" descr="C:/Users/nwond/AppData/Roaming/PolarisOffice/ETemp/27104_13584496/fImage214592086500.png"/>
+          <p:cNvPr id="1163" name="그림 7" descr="C:/Users/nwond/AppData/Roaming/PolarisOffice/ETemp/25736_8473440/fImage214592086500.png"/>
           <p:cNvPicPr>
             <a:picLocks noChangeAspect="1"/>
           </p:cNvPicPr>
@@ -9221,8 +9198,8 @@
         </p:blipFill>
         <p:spPr>
           <a:xfrm rot="0">
-            <a:off x="6813550" y="1447165"/>
-            <a:ext cx="2700020" cy="3688080"/>
+            <a:off x="6813550" y="1440815"/>
+            <a:ext cx="2744470" cy="3822700"/>
           </a:xfrm>
           <a:prstGeom prst="roundRect"/>
           <a:solidFill>
@@ -9331,45 +9308,14 @@
       </p:sp>
       <p:pic>
         <p:nvPicPr>
-          <p:cNvPr id="1166" name="그림 19" descr="C:/Users/nwond/AppData/Roaming/PolarisOffice/ETemp/27104_13584496/fImage3017334491.png"/>
+          <p:cNvPr id="1168" name="그림 7" descr="C:/Users/nwond/AppData/Roaming/PolarisOffice/ETemp/25736_8473440/fImage117051736334.png"/>
           <p:cNvPicPr>
             <a:picLocks noChangeAspect="1"/>
           </p:cNvPicPr>
           <p:nvPr/>
         </p:nvPicPr>
         <p:blipFill rotWithShape="1">
-          <a:blip r:embed="rId18" cstate="hqprint">
-            <a:extLst>
-              <a:ext uri="{28A0092B-C50C-407E-A947-70E740481C1C}">
-                <a14:useLocalDpi xmlns:a14="http://schemas.microsoft.com/office/drawing/2010/main"/>
-              </a:ext>
-            </a:extLst>
-          </a:blip>
-          <a:stretch>
-            <a:fillRect/>
-          </a:stretch>
-        </p:blipFill>
-        <p:spPr>
-          <a:xfrm rot="0">
-            <a:off x="1212850" y="3945255"/>
-            <a:ext cx="4174490" cy="1284605"/>
-          </a:xfrm>
-          <a:prstGeom prst="roundRect"/>
-          <a:solidFill>
-            <a:srgbClr val="EDEDED"/>
-          </a:solidFill>
-        </p:spPr>
-      </p:pic>
-      <p:pic>
-        <p:nvPicPr>
-          <p:cNvPr id="1167" name="그림 21" descr="C:/Users/nwond/AppData/Roaming/PolarisOffice/ETemp/27104_13584496/fImage70162679169.png"/>
-          <p:cNvPicPr>
-            <a:picLocks noChangeAspect="1"/>
-          </p:cNvPicPr>
-          <p:nvPr/>
-        </p:nvPicPr>
-        <p:blipFill rotWithShape="1">
-          <a:blip r:embed="rId19" cstate="print">
+          <a:blip r:embed="rId20" cstate="print">
             <a:extLst>
               <a:ext uri="{28A0092B-C50C-407E-A947-70E740481C1C}">
                 <a14:useLocalDpi xmlns:a14="http://schemas.microsoft.com/office/drawing/2010/main" val="0"/>
@@ -9382,8 +9328,70 @@
         </p:blipFill>
         <p:spPr>
           <a:xfrm rot="0">
-            <a:off x="9646285" y="2440940"/>
-            <a:ext cx="1301115" cy="1685925"/>
+            <a:off x="1223645" y="1440180"/>
+            <a:ext cx="4157345" cy="1800225"/>
+          </a:xfrm>
+          <a:prstGeom prst="roundRect"/>
+          <a:solidFill>
+            <a:srgbClr val="EDEDED"/>
+          </a:solidFill>
+        </p:spPr>
+      </p:pic>
+      <p:pic>
+        <p:nvPicPr>
+          <p:cNvPr id="1169" name="그림 10" descr="C:/Users/nwond/AppData/Roaming/PolarisOffice/ETemp/25736_8473440/fImage28371746500.png"/>
+          <p:cNvPicPr>
+            <a:picLocks noChangeAspect="1"/>
+          </p:cNvPicPr>
+          <p:nvPr/>
+        </p:nvPicPr>
+        <p:blipFill rotWithShape="1">
+          <a:blip r:embed="rId21" cstate="print">
+            <a:extLst>
+              <a:ext uri="{28A0092B-C50C-407E-A947-70E740481C1C}">
+                <a14:useLocalDpi xmlns:a14="http://schemas.microsoft.com/office/drawing/2010/main" val="0"/>
+              </a:ext>
+            </a:extLst>
+          </a:blip>
+          <a:stretch>
+            <a:fillRect/>
+          </a:stretch>
+        </p:blipFill>
+        <p:spPr>
+          <a:xfrm rot="0">
+            <a:off x="1222375" y="3897630"/>
+            <a:ext cx="4158615" cy="1458595"/>
+          </a:xfrm>
+          <a:prstGeom prst="roundRect"/>
+          <a:solidFill>
+            <a:srgbClr val="EDEDED"/>
+          </a:solidFill>
+        </p:spPr>
+      </p:pic>
+      <p:pic>
+        <p:nvPicPr>
+          <p:cNvPr id="1170" name="그림 13" descr="C:/Users/nwond/AppData/Roaming/PolarisOffice/ETemp/25736_8473440/fImage66461759169.png"/>
+          <p:cNvPicPr>
+            <a:picLocks noChangeAspect="1"/>
+          </p:cNvPicPr>
+          <p:nvPr/>
+        </p:nvPicPr>
+        <p:blipFill rotWithShape="1">
+          <a:blip r:embed="rId22" cstate="print">
+            <a:extLst>
+              <a:ext uri="{28A0092B-C50C-407E-A947-70E740481C1C}">
+                <a14:useLocalDpi xmlns:a14="http://schemas.microsoft.com/office/drawing/2010/main" val="0"/>
+              </a:ext>
+            </a:extLst>
+          </a:blip>
+          <a:stretch>
+            <a:fillRect/>
+          </a:stretch>
+        </p:blipFill>
+        <p:spPr>
+          <a:xfrm rot="0">
+            <a:off x="9638030" y="2564765"/>
+            <a:ext cx="1316355" cy="1724660"/>
           </a:xfrm>
           <a:prstGeom prst="roundRect"/>
           <a:solidFill>
@@ -9501,8 +9509,8 @@
         </p:nvSpPr>
         <p:spPr>
           <a:xfrm rot="0">
-            <a:off x="6805930" y="5236845"/>
-            <a:ext cx="4140835" cy="954405"/>
+            <a:off x="6781165" y="5230495"/>
+            <a:ext cx="4166870" cy="954405"/>
           </a:xfrm>
           <a:prstGeom prst="rect"/>
           <a:noFill/>
@@ -9546,42 +9554,14 @@
                 <a:latin typeface="맑은 고딕" charset="0"/>
                 <a:ea typeface="맑은 고딕" charset="0"/>
               </a:rPr>
-              <a:t>그런 </a:t>
-            </a:r>
-            <a:r>
-              <a:rPr sz="1800">
-                <a:latin typeface="맑은 고딕" charset="0"/>
-                <a:ea typeface="맑은 고딕" charset="0"/>
-              </a:rPr>
-              <a:t>다음</a:t>
-            </a:r>
-            <a:r>
-              <a:rPr sz="1800">
-                <a:latin typeface="맑은 고딕" charset="0"/>
-                <a:ea typeface="맑은 고딕" charset="0"/>
-              </a:rPr>
-              <a:t> </a:t>
-            </a:r>
-            <a:r>
-              <a:rPr lang="ko-KR" sz="1800">
-                <a:latin typeface="맑은 고딕" charset="0"/>
-                <a:ea typeface="맑은 고딕" charset="0"/>
-              </a:rPr>
-              <a:t>빈 게임 오브젝트를 생성</a:t>
-            </a:r>
-            <a:r>
-              <a:rPr lang="ko-KR" sz="1800">
-                <a:latin typeface="맑은 고딕" charset="0"/>
-                <a:ea typeface="맑은 고딕" charset="0"/>
-              </a:rPr>
-              <a:t>하고</a:t>
-            </a:r>
-            <a:r>
-              <a:rPr lang="ko-KR" sz="1800">
-                <a:latin typeface="맑은 고딕" charset="0"/>
-                <a:ea typeface="맑은 고딕" charset="0"/>
-              </a:rPr>
-              <a:t> Server Manager라는 이름으로 정의합니다.</a:t>
+              <a:t>그런 다음 </a:t>
+            </a:r>
+            <a:r>
+              <a:rPr lang="ko-KR" sz="1800">
+                <a:latin typeface="맑은 고딕" charset="0"/>
+                <a:ea typeface="맑은 고딕" charset="0"/>
+              </a:rPr>
+              <a:t>빈 게임 오브젝트를 생성하고 Server Manager라는 이름으로 정의합니다.</a:t>
             </a:r>
             <a:endParaRPr lang="ko-KR" altLang="en-US" sz="1800">
               <a:latin typeface="맑은 고딕" charset="0"/>
@@ -9599,9 +9579,9 @@
           <p:nvPr/>
         </p:nvSpPr>
         <p:spPr>
-          <a:xfrm>
-            <a:off x="1231900" y="4958715"/>
-            <a:ext cx="4155440" cy="1231265"/>
+          <a:xfrm rot="0">
+            <a:off x="1222375" y="4958715"/>
+            <a:ext cx="4152900" cy="1231265"/>
           </a:xfrm>
           <a:prstGeom prst="rect"/>
           <a:noFill/>
@@ -9645,63 +9625,112 @@
                 <a:latin typeface="맑은 고딕" charset="0"/>
                 <a:ea typeface="맑은 고딕" charset="0"/>
               </a:rPr>
-              <a:t>그</a:t>
+              <a:t>그리고 </a:t>
+            </a:r>
+            <a:r>
+              <a:rPr lang="ko-KR" sz="1800">
+                <a:latin typeface="맑은 고딕" charset="0"/>
+                <a:ea typeface="맑은 고딕" charset="0"/>
+              </a:rPr>
+              <a:t>Sc</a:t>
+            </a:r>
+            <a:r>
+              <a:rPr lang="ko-KR" sz="1800">
+                <a:latin typeface="맑은 고딕" charset="0"/>
+                <a:ea typeface="맑은 고딕" charset="0"/>
+              </a:rPr>
+              <a:t>enery</a:t>
             </a:r>
             <a:r>
               <a:rPr sz="1800">
                 <a:latin typeface="맑은 고딕" charset="0"/>
                 <a:ea typeface="맑은 고딕" charset="0"/>
               </a:rPr>
-              <a:t>리고</a:t>
+              <a:t> 폴</a:t>
+            </a:r>
+            <a:r>
+              <a:rPr lang="ko-KR" sz="1800">
+                <a:latin typeface="맑은 고딕" charset="0"/>
+                <a:ea typeface="맑은 고딕" charset="0"/>
+              </a:rPr>
+              <a:t>더</a:t>
             </a:r>
             <a:r>
               <a:rPr sz="1800">
                 <a:latin typeface="맑은 고딕" charset="0"/>
                 <a:ea typeface="맑은 고딕" charset="0"/>
               </a:rPr>
-              <a:t> Back Ground Texture 폴</a:t>
-            </a:r>
-            <a:r>
-              <a:rPr lang="ko-KR" sz="1800">
-                <a:latin typeface="맑은 고딕" charset="0"/>
-                <a:ea typeface="맑은 고딕" charset="0"/>
-              </a:rPr>
-              <a:t>더</a:t>
+              <a:t>에</a:t>
             </a:r>
             <a:r>
               <a:rPr sz="1800">
                 <a:latin typeface="맑은 고딕" charset="0"/>
                 <a:ea typeface="맑은 고딕" charset="0"/>
               </a:rPr>
-              <a:t>에 있는 Lobby 텍스</a:t>
-            </a:r>
-            <a:r>
-              <a:rPr lang="ko-KR" sz="1800">
-                <a:latin typeface="맑은 고딕" charset="0"/>
-                <a:ea typeface="맑은 고딕" charset="0"/>
-              </a:rPr>
-              <a:t>처를</a:t>
+              <a:t> </a:t>
             </a:r>
             <a:r>
               <a:rPr sz="1800">
                 <a:latin typeface="맑은 고딕" charset="0"/>
                 <a:ea typeface="맑은 고딕" charset="0"/>
               </a:rPr>
-              <a:t> 선택</a:t>
-            </a:r>
-            <a:r>
-              <a:rPr lang="ko-KR" sz="1800">
-                <a:latin typeface="맑은 고딕" charset="0"/>
-                <a:ea typeface="맑은 고딕" charset="0"/>
-              </a:rPr>
-              <a:t>한 다음</a:t>
+              <a:t>있는</a:t>
+            </a:r>
+            <a:r>
+              <a:rPr lang="ko-KR" sz="1800">
+                <a:latin typeface="맑은 고딕" charset="0"/>
+                <a:ea typeface="맑은 고딕" charset="0"/>
+              </a:rPr>
+              <a:t> </a:t>
+            </a:r>
+            <a:r>
+              <a:rPr lang="ko-KR" sz="1800">
+                <a:latin typeface="맑은 고딕" charset="0"/>
+                <a:ea typeface="맑은 고딕" charset="0"/>
+              </a:rPr>
+              <a:t>Lo</a:t>
+            </a:r>
+            <a:r>
+              <a:rPr lang="ko-KR" sz="1800">
+                <a:latin typeface="맑은 고딕" charset="0"/>
+                <a:ea typeface="맑은 고딕" charset="0"/>
+              </a:rPr>
+              <a:t>b</a:t>
+            </a:r>
+            <a:r>
+              <a:rPr lang="ko-KR" sz="1800">
+                <a:latin typeface="맑은 고딕" charset="0"/>
+                <a:ea typeface="맑은 고딕" charset="0"/>
+              </a:rPr>
+              <a:t>by 텍스처를 선택하고 </a:t>
+            </a:r>
+            <a:r>
+              <a:rPr lang="ko-KR" sz="1800">
+                <a:latin typeface="맑은 고딕" charset="0"/>
+                <a:ea typeface="맑은 고딕" charset="0"/>
+              </a:rPr>
+              <a:t>S</a:t>
+            </a:r>
+            <a:r>
+              <a:rPr lang="ko-KR" sz="1800">
+                <a:latin typeface="맑은 고딕" charset="0"/>
+                <a:ea typeface="맑은 고딕" charset="0"/>
+              </a:rPr>
+              <a:t>cenery</a:t>
+            </a:r>
+            <a:r>
+              <a:rPr lang="ko-KR" sz="1800">
+                <a:latin typeface="맑은 고딕" charset="0"/>
+                <a:ea typeface="맑은 고딕" charset="0"/>
+              </a:rPr>
+              <a:t> </a:t>
             </a:r>
             <a:r>
               <a:rPr sz="1800">
                 <a:latin typeface="맑은 고딕" charset="0"/>
                 <a:ea typeface="맑은 고딕" charset="0"/>
               </a:rPr>
-              <a:t> Back Ground 오브젝트의 Source Image에 넣어줍니다.</a:t>
+              <a:t>오브젝트의 Source Image에 넣어줍니다.</a:t>
             </a:r>
             <a:endParaRPr lang="ko-KR" altLang="en-US" sz="1800">
               <a:latin typeface="맑은 고딕" charset="0"/>
@@ -9712,7 +9741,7 @@
       </p:sp>
       <p:pic>
         <p:nvPicPr>
-          <p:cNvPr id="1164" name="그림 28"/>
+          <p:cNvPr id="1164" name="그림 28" descr="C:/Users/nwond/AppData/Roaming/PolarisOffice/ETemp/25736_8473440/fImage162043196962.png"/>
           <p:cNvPicPr>
             <a:picLocks noChangeAspect="1"/>
           </p:cNvPicPr>
@@ -9732,8 +9761,8 @@
         </p:blipFill>
         <p:spPr>
           <a:xfrm rot="0">
-            <a:off x="1223645" y="1445895"/>
-            <a:ext cx="4152900" cy="2209165"/>
+            <a:off x="1223645" y="1452245"/>
+            <a:ext cx="4145280" cy="2272665"/>
           </a:xfrm>
           <a:prstGeom prst="roundRect"/>
           <a:solidFill>
@@ -9743,14 +9772,14 @@
       </p:pic>
       <p:pic>
         <p:nvPicPr>
-          <p:cNvPr id="1165" name="그림 31"/>
+          <p:cNvPr id="1167" name="그림 17" descr="C:/Users/nwond/AppData/Roaming/PolarisOffice/ETemp/25736_8473440/fImage330253038467.png"/>
           <p:cNvPicPr>
             <a:picLocks noChangeAspect="1"/>
           </p:cNvPicPr>
           <p:nvPr/>
         </p:nvPicPr>
         <p:blipFill rotWithShape="1">
-          <a:blip r:embed="rId4" cstate="hqprint">
+          <a:blip r:embed="rId7" cstate="hqprint">
             <a:extLst>
               <a:ext uri="{28A0092B-C50C-407E-A947-70E740481C1C}">
                 <a14:useLocalDpi xmlns:a14="http://schemas.microsoft.com/office/drawing/2010/main"/>
@@ -9763,8 +9792,39 @@
         </p:blipFill>
         <p:spPr>
           <a:xfrm rot="0">
-            <a:off x="1221105" y="3870960"/>
-            <a:ext cx="4148455" cy="987425"/>
+            <a:off x="6814185" y="1452245"/>
+            <a:ext cx="2563495" cy="3718560"/>
+          </a:xfrm>
+          <a:prstGeom prst="roundRect"/>
+          <a:solidFill>
+            <a:srgbClr val="EDEDED"/>
+          </a:solidFill>
+        </p:spPr>
+      </p:pic>
+      <p:pic>
+        <p:nvPicPr>
+          <p:cNvPr id="1169" name="그림 16" descr="C:/Users/nwond/AppData/Roaming/PolarisOffice/ETemp/25736_8473440/fImage298271765724.png"/>
+          <p:cNvPicPr>
+            <a:picLocks noChangeAspect="1"/>
+          </p:cNvPicPr>
+          <p:nvPr/>
+        </p:nvPicPr>
+        <p:blipFill rotWithShape="1">
+          <a:blip r:embed="rId10" cstate="print">
+            <a:extLst>
+              <a:ext uri="{28A0092B-C50C-407E-A947-70E740481C1C}">
+                <a14:useLocalDpi xmlns:a14="http://schemas.microsoft.com/office/drawing/2010/main" val="0"/>
+              </a:ext>
+            </a:extLst>
+          </a:blip>
+          <a:stretch>
+            <a:fillRect/>
+          </a:stretch>
+        </p:blipFill>
+        <p:spPr>
+          <a:xfrm rot="0">
+            <a:off x="1222375" y="3805555"/>
+            <a:ext cx="4146550" cy="1193800"/>
           </a:xfrm>
           <a:prstGeom prst="roundRect"/>
           <a:solidFill>
@@ -9780,8 +9840,8 @@
         </p:nvCxnSpPr>
         <p:spPr>
           <a:xfrm rot="0" flipV="1">
-            <a:off x="2139315" y="1766570"/>
-            <a:ext cx="3091815" cy="2442210"/>
+            <a:off x="2358390" y="1766570"/>
+            <a:ext cx="2873375" cy="2429510"/>
           </a:xfrm>
           <a:prstGeom prst="straightConnector1"/>
           <a:ln w="6350" cap="flat" cmpd="sng">
@@ -9806,45 +9866,14 @@
       </p:cxnSp>
       <p:pic>
         <p:nvPicPr>
-          <p:cNvPr id="1167" name="그림 17"/>
+          <p:cNvPr id="1170" name="그림 19" descr="C:/Users/nwond/AppData/Roaming/PolarisOffice/ETemp/25736_8473440/fImage72781771478.png"/>
           <p:cNvPicPr>
             <a:picLocks noChangeAspect="1"/>
           </p:cNvPicPr>
           <p:nvPr/>
         </p:nvPicPr>
         <p:blipFill rotWithShape="1">
-          <a:blip r:embed="rId7" cstate="hqprint">
-            <a:extLst>
-              <a:ext uri="{28A0092B-C50C-407E-A947-70E740481C1C}">
-                <a14:useLocalDpi xmlns:a14="http://schemas.microsoft.com/office/drawing/2010/main"/>
-              </a:ext>
-            </a:extLst>
-          </a:blip>
-          <a:stretch>
-            <a:fillRect/>
-          </a:stretch>
-        </p:blipFill>
-        <p:spPr>
-          <a:xfrm rot="0">
-            <a:off x="6814820" y="1445895"/>
-            <a:ext cx="2581275" cy="3602990"/>
-          </a:xfrm>
-          <a:prstGeom prst="roundRect"/>
-          <a:solidFill>
-            <a:srgbClr val="EDEDED"/>
-          </a:solidFill>
-        </p:spPr>
-      </p:pic>
-      <p:pic>
-        <p:nvPicPr>
-          <p:cNvPr id="1168" name="그림 24" descr="C:/Users/nwond/AppData/Roaming/PolarisOffice/ETemp/27104_13584496/fImage76762685724.png"/>
-          <p:cNvPicPr>
-            <a:picLocks noChangeAspect="1"/>
-          </p:cNvPicPr>
-          <p:nvPr/>
-        </p:nvPicPr>
-        <p:blipFill rotWithShape="1">
-          <a:blip r:embed="rId9" cstate="print">
+          <a:blip r:embed="rId11" cstate="print">
             <a:extLst>
               <a:ext uri="{28A0092B-C50C-407E-A947-70E740481C1C}">
                 <a14:useLocalDpi xmlns:a14="http://schemas.microsoft.com/office/drawing/2010/main" val="0"/>
@@ -9857,8 +9886,8 @@
         </p:blipFill>
         <p:spPr>
           <a:xfrm rot="0">
-            <a:off x="9536430" y="2305050"/>
-            <a:ext cx="1403985" cy="1861185"/>
+            <a:off x="9483090" y="2313305"/>
+            <a:ext cx="1463040" cy="1976120"/>
           </a:xfrm>
           <a:prstGeom prst="roundRect"/>
           <a:solidFill>
@@ -10081,8 +10110,8 @@
         </p:nvSpPr>
         <p:spPr>
           <a:xfrm rot="0">
-            <a:off x="1231900" y="2911475"/>
-            <a:ext cx="4131310" cy="954405"/>
+            <a:off x="1238250" y="3023235"/>
+            <a:ext cx="4131945" cy="955040"/>
           </a:xfrm>
           <a:prstGeom prst="rect"/>
           <a:noFill/>
@@ -10109,17 +10138,7 @@
                 <a:latin typeface="맑은 고딕" charset="0"/>
                 <a:ea typeface="맑은 고딕" charset="0"/>
               </a:rPr>
-              <a:t>1</a:t>
-            </a:r>
-            <a:r>
-              <a:rPr lang="ko-KR" sz="2000" b="1">
-                <a:solidFill>
-                  <a:srgbClr val="0611F2"/>
-                </a:solidFill>
-                <a:latin typeface="맑은 고딕" charset="0"/>
-                <a:ea typeface="맑은 고딕" charset="0"/>
-              </a:rPr>
-              <a:t>0</a:t>
+              <a:t>10</a:t>
             </a:r>
             <a:r>
               <a:rPr sz="2000" b="1">
@@ -10136,28 +10155,14 @@
                 <a:latin typeface="맑은 고딕" charset="0"/>
                 <a:ea typeface="맑은 고딕" charset="0"/>
               </a:rPr>
-              <a:t>그</a:t>
-            </a:r>
-            <a:r>
-              <a:rPr sz="1800">
-                <a:latin typeface="맑은 고딕" charset="0"/>
-                <a:ea typeface="맑은 고딕" charset="0"/>
-              </a:rPr>
-              <a:t>다음</a:t>
-            </a:r>
-            <a:r>
-              <a:rPr lang="ko-KR" sz="1800">
-                <a:latin typeface="맑은 고딕" charset="0"/>
-                <a:ea typeface="맑은 고딕" charset="0"/>
-              </a:rPr>
-              <a:t>으로</a:t>
-            </a:r>
-            <a:r>
-              <a:rPr lang="ko-KR" sz="1800">
-                <a:latin typeface="맑은 고딕" charset="0"/>
-                <a:ea typeface="맑은 고딕" charset="0"/>
-              </a:rPr>
-              <a:t> Server Manager</a:t>
+              <a:t>그다음</a:t>
+            </a:r>
+            <a:r>
+              <a:rPr lang="ko-KR" sz="1800">
+                <a:latin typeface="맑은 고딕" charset="0"/>
+                <a:ea typeface="맑은 고딕" charset="0"/>
+              </a:rPr>
+              <a:t>으로 Server Manager</a:t>
             </a:r>
             <a:r>
               <a:rPr sz="1800">
@@ -10277,7 +10282,7 @@
       </p:sp>
       <p:pic>
         <p:nvPicPr>
-          <p:cNvPr id="62" name="그림 35" descr="C:/Users/nwond/AppData/Roaming/PolarisOffice/ETemp/27104_13584496/fImage112742236962.png"/>
+          <p:cNvPr id="62" name="그림 35" descr="C:/Users/nwond/AppData/Roaming/PolarisOffice/ETemp/25736_8473440/fImage112742236962.png"/>
           <p:cNvPicPr>
             <a:picLocks noChangeAspect="1"/>
           </p:cNvPicPr>
@@ -10297,8 +10302,8 @@
         </p:blipFill>
         <p:spPr>
           <a:xfrm rot="0">
-            <a:off x="1235710" y="3968750"/>
-            <a:ext cx="4126230" cy="1574165"/>
+            <a:off x="1242060" y="3977640"/>
+            <a:ext cx="4120515" cy="1670685"/>
           </a:xfrm>
           <a:prstGeom prst="roundRect"/>
           <a:solidFill>
@@ -10306,37 +10311,6 @@
           </a:solidFill>
         </p:spPr>
       </p:pic>
-      <p:pic>
-        <p:nvPicPr>
-          <p:cNvPr id="63" name="그림 27" descr="C:/Users/nwond/AppData/Roaming/PolarisOffice/ETemp/27104_13584496/fImage51742691478.png"/>
-          <p:cNvPicPr>
-            <a:picLocks noChangeAspect="1"/>
-          </p:cNvPicPr>
-          <p:nvPr/>
-        </p:nvPicPr>
-        <p:blipFill rotWithShape="1">
-          <a:blip r:embed="rId21" cstate="print">
-            <a:extLst>
-              <a:ext uri="{28A0092B-C50C-407E-A947-70E740481C1C}">
-                <a14:useLocalDpi xmlns:a14="http://schemas.microsoft.com/office/drawing/2010/main" val="0"/>
-              </a:ext>
-            </a:extLst>
-          </a:blip>
-          <a:stretch>
-            <a:fillRect/>
-          </a:stretch>
-        </p:blipFill>
-        <p:spPr>
-          <a:xfrm rot="0">
-            <a:off x="1230630" y="1456690"/>
-            <a:ext cx="4140835" cy="1379220"/>
-          </a:xfrm>
-          <a:prstGeom prst="roundRect"/>
-          <a:solidFill>
-            <a:srgbClr val="EDEDED"/>
-          </a:solidFill>
-        </p:spPr>
-      </p:pic>
       <p:sp>
         <p:nvSpPr>
           <p:cNvPr id="65" name="텍스트 상자 33"/>
@@ -10347,8 +10321,8 @@
         </p:nvSpPr>
         <p:spPr>
           <a:xfrm rot="0">
-            <a:off x="6835140" y="3232785"/>
-            <a:ext cx="4126865" cy="677545"/>
+            <a:off x="6835140" y="3245485"/>
+            <a:ext cx="4127500" cy="678180"/>
           </a:xfrm>
           <a:prstGeom prst="rect"/>
           <a:noFill/>
@@ -10392,70 +10366,14 @@
                 <a:latin typeface="맑은 고딕" charset="0"/>
                 <a:ea typeface="맑은 고딕" charset="0"/>
               </a:rPr>
-              <a:t>이제</a:t>
-            </a:r>
-            <a:r>
-              <a:rPr sz="1800">
-                <a:latin typeface="맑은 고딕" charset="0"/>
-                <a:ea typeface="맑은 고딕" charset="0"/>
-              </a:rPr>
-              <a:t> </a:t>
-            </a:r>
-            <a:r>
-              <a:rPr lang="ko-KR" sz="1800">
-                <a:latin typeface="맑은 고딕" charset="0"/>
-                <a:ea typeface="맑은 고딕" charset="0"/>
-              </a:rPr>
-              <a:t>Se</a:t>
-            </a:r>
-            <a:r>
-              <a:rPr lang="ko-KR" sz="1800">
-                <a:latin typeface="맑은 고딕" charset="0"/>
-                <a:ea typeface="맑은 고딕" charset="0"/>
-              </a:rPr>
-              <a:t>r</a:t>
-            </a:r>
-            <a:r>
-              <a:rPr lang="ko-KR" sz="1800">
-                <a:latin typeface="맑은 고딕" charset="0"/>
-                <a:ea typeface="맑은 고딕" charset="0"/>
-              </a:rPr>
-              <a:t>ve</a:t>
-            </a:r>
-            <a:r>
-              <a:rPr lang="ko-KR" sz="1800">
-                <a:latin typeface="맑은 고딕" charset="0"/>
-                <a:ea typeface="맑은 고딕" charset="0"/>
-              </a:rPr>
-              <a:t>r Manager</a:t>
-            </a:r>
-            <a:r>
-              <a:rPr lang="ko-KR" sz="1800">
-                <a:latin typeface="맑은 고딕" charset="0"/>
-                <a:ea typeface="맑은 고딕" charset="0"/>
-              </a:rPr>
-              <a:t> </a:t>
-            </a:r>
-            <a:r>
-              <a:rPr lang="ko-KR" sz="1800">
-                <a:latin typeface="맑은 고딕" charset="0"/>
-                <a:ea typeface="맑은 고딕" charset="0"/>
-              </a:rPr>
-              <a:t>오브젝트의 </a:t>
-            </a:r>
-            <a:r>
-              <a:rPr lang="ko-KR" sz="1800">
-                <a:latin typeface="맑은 고딕" charset="0"/>
-                <a:ea typeface="맑은 고딕" charset="0"/>
-              </a:rPr>
-              <a:t>위치와 회전 </a:t>
-            </a:r>
-            <a:r>
-              <a:rPr lang="ko-KR" sz="1800">
-                <a:latin typeface="맑은 고딕" charset="0"/>
-                <a:ea typeface="맑은 고딕" charset="0"/>
-              </a:rPr>
-              <a:t>값을 초기화합니다.</a:t>
+              <a:t>이제 </a:t>
+            </a:r>
+            <a:r>
+              <a:rPr lang="ko-KR" sz="1800">
+                <a:latin typeface="맑은 고딕" charset="0"/>
+                <a:ea typeface="맑은 고딕" charset="0"/>
+              </a:rPr>
+              <a:t>Server Manager 오브젝트의 위치와 회전 값을 초기화합니다.</a:t>
             </a:r>
             <a:endParaRPr lang="ko-KR" altLang="en-US" sz="1800">
               <a:latin typeface="맑은 고딕" charset="0"/>
@@ -10466,7 +10384,7 @@
       </p:sp>
       <p:pic>
         <p:nvPicPr>
-          <p:cNvPr id="66" name="그림 34" descr="C:/Users/nwond/AppData/Roaming/PolarisOffice/ETemp/27104_13584496/fImage111081448467.png"/>
+          <p:cNvPr id="66" name="그림 34" descr="C:/Users/nwond/AppData/Roaming/PolarisOffice/ETemp/25736_8473440/fImage111081448467.png"/>
           <p:cNvPicPr>
             <a:picLocks noChangeAspect="1"/>
           </p:cNvPicPr>
@@ -10486,8 +10404,8 @@
         </p:blipFill>
         <p:spPr>
           <a:xfrm rot="0">
-            <a:off x="6834505" y="3984625"/>
-            <a:ext cx="4124325" cy="1570355"/>
+            <a:off x="6834505" y="3928745"/>
+            <a:ext cx="4124960" cy="1707515"/>
           </a:xfrm>
           <a:prstGeom prst="roundRect"/>
           <a:solidFill>
@@ -10497,14 +10415,45 @@
       </p:pic>
       <p:pic>
         <p:nvPicPr>
-          <p:cNvPr id="67" name="그림 37" descr="C:/Users/nwond/AppData/Roaming/PolarisOffice/ETemp/27104_13584496/fImage123062759358.png"/>
+          <p:cNvPr id="67" name="그림 37" descr="C:/Users/nwond/AppData/Roaming/PolarisOffice/ETemp/25736_8473440/fImage123062759358.png"/>
           <p:cNvPicPr>
             <a:picLocks noChangeAspect="1"/>
           </p:cNvPicPr>
           <p:nvPr/>
         </p:nvPicPr>
         <p:blipFill rotWithShape="1">
-          <a:blip r:embed="rId23" cstate="print">
+          <a:blip r:embed="rId23" cstate="hqprint">
+            <a:extLst>
+              <a:ext uri="{28A0092B-C50C-407E-A947-70E740481C1C}">
+                <a14:useLocalDpi xmlns:a14="http://schemas.microsoft.com/office/drawing/2010/main"/>
+              </a:ext>
+            </a:extLst>
+          </a:blip>
+          <a:stretch>
+            <a:fillRect/>
+          </a:stretch>
+        </p:blipFill>
+        <p:spPr>
+          <a:xfrm rot="0">
+            <a:off x="6834505" y="1450975"/>
+            <a:ext cx="4130675" cy="1833245"/>
+          </a:xfrm>
+          <a:prstGeom prst="roundRect"/>
+          <a:solidFill>
+            <a:srgbClr val="EDEDED"/>
+          </a:solidFill>
+        </p:spPr>
+      </p:pic>
+      <p:pic>
+        <p:nvPicPr>
+          <p:cNvPr id="68" name="그림 22" descr="C:/Users/nwond/AppData/Roaming/PolarisOffice/ETemp/25736_8473440/fImage51801789358.png"/>
+          <p:cNvPicPr>
+            <a:picLocks noChangeAspect="1"/>
+          </p:cNvPicPr>
+          <p:nvPr/>
+        </p:nvPicPr>
+        <p:blipFill rotWithShape="1">
+          <a:blip r:embed="rId24" cstate="print">
             <a:extLst>
               <a:ext uri="{28A0092B-C50C-407E-A947-70E740481C1C}">
                 <a14:useLocalDpi xmlns:a14="http://schemas.microsoft.com/office/drawing/2010/main" val="0"/>
@@ -10517,8 +10466,8 @@
         </p:blipFill>
         <p:spPr>
           <a:xfrm rot="0">
-            <a:off x="6834505" y="1450975"/>
-            <a:ext cx="4130040" cy="1701165"/>
+            <a:off x="1243330" y="1454785"/>
+            <a:ext cx="4119245" cy="1586865"/>
           </a:xfrm>
           <a:prstGeom prst="roundRect"/>
           <a:solidFill>
@@ -10619,17 +10568,17 @@
       </p:sp>
       <p:pic>
         <p:nvPicPr>
-          <p:cNvPr id="62" name="그림 35" descr="C:/Users/nwond/AppData/Roaming/PolarisOffice/ETemp/27104_13584496/fImage125112736962.png"/>
+          <p:cNvPr id="62" name="그림 35" descr="C:/Users/nwond/AppData/Roaming/PolarisOffice/ETemp/25736_8473440/fImage125112736962.png"/>
           <p:cNvPicPr>
             <a:picLocks noChangeAspect="1"/>
           </p:cNvPicPr>
           <p:nvPr/>
         </p:nvPicPr>
         <p:blipFill rotWithShape="1">
-          <a:blip r:embed="rId34" cstate="print">
+          <a:blip r:embed="rId34" cstate="hqprint">
             <a:extLst>
               <a:ext uri="{28A0092B-C50C-407E-A947-70E740481C1C}">
-                <a14:useLocalDpi xmlns:a14="http://schemas.microsoft.com/office/drawing/2010/main" val="0"/>
+                <a14:useLocalDpi xmlns:a14="http://schemas.microsoft.com/office/drawing/2010/main"/>
               </a:ext>
             </a:extLst>
           </a:blip>
@@ -10639,8 +10588,8 @@
         </p:blipFill>
         <p:spPr>
           <a:xfrm rot="0">
-            <a:off x="1243965" y="1442720"/>
-            <a:ext cx="4130040" cy="1492250"/>
+            <a:off x="1240790" y="1446530"/>
+            <a:ext cx="4134485" cy="1614170"/>
           </a:xfrm>
           <a:prstGeom prst="roundRect"/>
           <a:solidFill>
@@ -10658,8 +10607,8 @@
         </p:nvSpPr>
         <p:spPr>
           <a:xfrm rot="0">
-            <a:off x="1244600" y="2997200"/>
-            <a:ext cx="4129405" cy="954405"/>
+            <a:off x="1244600" y="3035300"/>
+            <a:ext cx="4130040" cy="955040"/>
           </a:xfrm>
           <a:prstGeom prst="rect"/>
           <a:noFill/>
@@ -10703,14 +10652,7 @@
                 <a:latin typeface="맑은 고딕" charset="0"/>
                 <a:ea typeface="맑은 고딕" charset="0"/>
               </a:rPr>
-              <a:t>그런 </a:t>
-            </a:r>
-            <a:r>
-              <a:rPr lang="ko-KR" sz="1800">
-                <a:latin typeface="맑은 고딕" charset="0"/>
-                <a:ea typeface="맑은 고딕" charset="0"/>
-              </a:rPr>
-              <a:t>다음</a:t>
+              <a:t>그런 다음</a:t>
             </a:r>
             <a:r>
               <a:rPr sz="1800">
@@ -10724,70 +10666,7 @@
                 <a:latin typeface="맑은 고딕" charset="0"/>
                 <a:ea typeface="맑은 고딕" charset="0"/>
               </a:rPr>
-              <a:t>C</a:t>
-            </a:r>
-            <a:r>
-              <a:rPr lang="ko-KR" sz="1800">
-                <a:latin typeface="맑은 고딕" charset="0"/>
-                <a:ea typeface="맑은 고딕" charset="0"/>
-              </a:rPr>
-              <a:t>onnect Bu</a:t>
-            </a:r>
-            <a:r>
-              <a:rPr lang="ko-KR" sz="1800">
-                <a:latin typeface="맑은 고딕" charset="0"/>
-                <a:ea typeface="맑은 고딕" charset="0"/>
-              </a:rPr>
-              <a:t>t</a:t>
-            </a:r>
-            <a:r>
-              <a:rPr lang="ko-KR" sz="1800">
-                <a:latin typeface="맑은 고딕" charset="0"/>
-                <a:ea typeface="맑은 고딕" charset="0"/>
-              </a:rPr>
-              <a:t>ton</a:t>
-            </a:r>
-            <a:r>
-              <a:rPr lang="ko-KR" sz="1800">
-                <a:latin typeface="맑은 고딕" charset="0"/>
-                <a:ea typeface="맑은 고딕" charset="0"/>
-              </a:rPr>
-              <a:t> </a:t>
-            </a:r>
-            <a:r>
-              <a:rPr lang="ko-KR" sz="1800">
-                <a:latin typeface="맑은 고딕" charset="0"/>
-                <a:ea typeface="맑은 고딕" charset="0"/>
-              </a:rPr>
-              <a:t>오브젝트의 </a:t>
-            </a:r>
-            <a:r>
-              <a:rPr lang="ko-KR" sz="1800">
-                <a:latin typeface="맑은 고딕" charset="0"/>
-                <a:ea typeface="맑은 고딕" charset="0"/>
-              </a:rPr>
-              <a:t>앵커를 </a:t>
-            </a:r>
-            <a:r>
-              <a:rPr lang="ko-KR" sz="1800">
-                <a:latin typeface="맑은 고딕" charset="0"/>
-                <a:ea typeface="맑은 고딕" charset="0"/>
-              </a:rPr>
-              <a:t>지정하고 </a:t>
-            </a:r>
-            <a:r>
-              <a:rPr lang="ko-KR" sz="1800">
-                <a:latin typeface="맑은 고딕" charset="0"/>
-                <a:ea typeface="맑은 고딕" charset="0"/>
-              </a:rPr>
-              <a:t>위치와 </a:t>
-            </a:r>
-            <a:r>
-              <a:rPr lang="ko-KR" sz="1800">
-                <a:latin typeface="맑은 고딕" charset="0"/>
-                <a:ea typeface="맑은 고딕" charset="0"/>
-              </a:rPr>
-              <a:t>크기 값을 설정합니다.</a:t>
+              <a:t>Connect Button 오브젝트의 앵커를 지정하고 위치와 크기 값을 설정합니다.</a:t>
             </a:r>
             <a:endParaRPr lang="ko-KR" altLang="en-US" sz="1800">
               <a:latin typeface="맑은 고딕" charset="0"/>
@@ -10798,17 +10677,17 @@
       </p:sp>
       <p:pic>
         <p:nvPicPr>
-          <p:cNvPr id="64" name="그림 46" descr="C:/Users/nwond/AppData/Roaming/PolarisOffice/ETemp/27104_13584496/fImage960812784464.png"/>
+          <p:cNvPr id="64" name="그림 46" descr="C:/Users/nwond/AppData/Roaming/PolarisOffice/ETemp/25736_8473440/fImage960812784464.png"/>
           <p:cNvPicPr>
             <a:picLocks noChangeAspect="1"/>
           </p:cNvPicPr>
           <p:nvPr/>
         </p:nvPicPr>
         <p:blipFill rotWithShape="1">
-          <a:blip r:embed="rId35" cstate="print">
+          <a:blip r:embed="rId35" cstate="hqprint">
             <a:extLst>
               <a:ext uri="{28A0092B-C50C-407E-A947-70E740481C1C}">
-                <a14:useLocalDpi xmlns:a14="http://schemas.microsoft.com/office/drawing/2010/main" val="0"/>
+                <a14:useLocalDpi xmlns:a14="http://schemas.microsoft.com/office/drawing/2010/main"/>
               </a:ext>
             </a:extLst>
           </a:blip>
@@ -10818,8 +10697,8 @@
         </p:blipFill>
         <p:spPr>
           <a:xfrm rot="0">
-            <a:off x="1237615" y="4020820"/>
-            <a:ext cx="4130675" cy="1256665"/>
+            <a:off x="1235075" y="4003040"/>
+            <a:ext cx="4133850" cy="1341120"/>
           </a:xfrm>
           <a:prstGeom prst="roundRect"/>
           <a:solidFill>
@@ -10941,17 +10820,17 @@
       </p:sp>
       <p:pic>
         <p:nvPicPr>
-          <p:cNvPr id="66" name="그림 54" descr="C:/Users/nwond/AppData/Roaming/PolarisOffice/ETemp/27104_13584496/fImage691612945705.png"/>
+          <p:cNvPr id="66" name="그림 54" descr="C:/Users/nwond/AppData/Roaming/PolarisOffice/ETemp/25736_8473440/fImage691612945705.png"/>
           <p:cNvPicPr>
             <a:picLocks noChangeAspect="1"/>
           </p:cNvPicPr>
           <p:nvPr/>
         </p:nvPicPr>
         <p:blipFill rotWithShape="1">
-          <a:blip r:embed="rId36" cstate="print">
+          <a:blip r:embed="rId36" cstate="hqprint">
             <a:extLst>
               <a:ext uri="{28A0092B-C50C-407E-A947-70E740481C1C}">
-                <a14:useLocalDpi xmlns:a14="http://schemas.microsoft.com/office/drawing/2010/main" val="0"/>
+                <a14:useLocalDpi xmlns:a14="http://schemas.microsoft.com/office/drawing/2010/main"/>
               </a:ext>
             </a:extLst>
           </a:blip>
@@ -10961,8 +10840,8 @@
         </p:blipFill>
         <p:spPr>
           <a:xfrm rot="0">
-            <a:off x="6816090" y="1449070"/>
-            <a:ext cx="4136390" cy="2626995"/>
+            <a:off x="6814185" y="1446530"/>
+            <a:ext cx="4140200" cy="2749550"/>
           </a:xfrm>
           <a:prstGeom prst="roundRect"/>
           <a:solidFill>
@@ -11443,7 +11322,7 @@
       </p:sp>
       <p:pic>
         <p:nvPicPr>
-          <p:cNvPr id="1165" name="그림 8" descr="C:/Users/nwond/AppData/Roaming/PolarisOffice/ETemp/2484_17157552/fImage286442168467.png"/>
+          <p:cNvPr id="1165" name="그림 8" descr="C:/Users/nwond/AppData/Roaming/PolarisOffice/ETemp/25736_8473440/fImage286442168467.png"/>
           <p:cNvPicPr>
             <a:picLocks noChangeAspect="1"/>
           </p:cNvPicPr>
@@ -11464,7 +11343,7 @@
         <p:spPr>
           <a:xfrm rot="0">
             <a:off x="1233170" y="1452245"/>
-            <a:ext cx="4135755" cy="1266825"/>
+            <a:ext cx="4136390" cy="1366520"/>
           </a:xfrm>
           <a:prstGeom prst="roundRect"/>
           <a:solidFill>
@@ -11474,17 +11353,17 @@
       </p:pic>
       <p:pic>
         <p:nvPicPr>
-          <p:cNvPr id="1166" name="그림 1" descr="C:/Users/nwond/AppData/Roaming/PolarisOffice/ETemp/2484_17157552/fImage2851517741.png"/>
+          <p:cNvPr id="1166" name="그림 1" descr="C:/Users/nwond/AppData/Roaming/PolarisOffice/ETemp/25736_8473440/fImage2851517741.png"/>
           <p:cNvPicPr>
             <a:picLocks noChangeAspect="1"/>
           </p:cNvPicPr>
           <p:nvPr/>
         </p:nvPicPr>
         <p:blipFill rotWithShape="1">
-          <a:blip r:embed="rId7" cstate="print">
+          <a:blip r:embed="rId7" cstate="hqprint">
             <a:extLst>
               <a:ext uri="{28A0092B-C50C-407E-A947-70E740481C1C}">
-                <a14:useLocalDpi xmlns:a14="http://schemas.microsoft.com/office/drawing/2010/main" val="0"/>
+                <a14:useLocalDpi xmlns:a14="http://schemas.microsoft.com/office/drawing/2010/main"/>
               </a:ext>
             </a:extLst>
           </a:blip>
@@ -11494,8 +11373,8 @@
         </p:blipFill>
         <p:spPr>
           <a:xfrm rot="0">
-            <a:off x="1235710" y="3897630"/>
-            <a:ext cx="4135755" cy="1253490"/>
+            <a:off x="1235710" y="3798570"/>
+            <a:ext cx="4133215" cy="1433830"/>
           </a:xfrm>
           <a:prstGeom prst="roundRect"/>
           <a:solidFill>
@@ -11512,9 +11391,9 @@
           <p:nvPr/>
         </p:nvSpPr>
         <p:spPr>
-          <a:xfrm rot="0">
+          <a:xfrm>
             <a:off x="6816725" y="4405630"/>
-            <a:ext cx="4137660" cy="1784985"/>
+            <a:ext cx="4138295" cy="1784985"/>
           </a:xfrm>
           <a:prstGeom prst="rect"/>
           <a:noFill/>
@@ -11558,21 +11437,7 @@
                 <a:latin typeface="맑은 고딕" charset="0"/>
                 <a:ea typeface="맑은 고딕" charset="0"/>
               </a:rPr>
-              <a:t>그</a:t>
-            </a:r>
-            <a:r>
-              <a:rPr lang="ko-KR" sz="1800">
-                <a:latin typeface="맑은 고딕" charset="0"/>
-                <a:ea typeface="맑은 고딕" charset="0"/>
-              </a:rPr>
-              <a:t>다음으로</a:t>
-            </a:r>
-            <a:r>
-              <a:rPr lang="ko-KR" sz="1800">
-                <a:latin typeface="맑은 고딕" charset="0"/>
-                <a:ea typeface="맑은 고딕" charset="0"/>
-              </a:rPr>
-              <a:t> OnConnectedToMaster( )라는 함수를 선언합니다.</a:t>
+              <a:t>그다음으로 OnConnectedToMaster( )라는 함수를 선언합니다.</a:t>
             </a:r>
             <a:endParaRPr lang="ko-KR" altLang="en-US" sz="1800">
               <a:latin typeface="맑은 고딕" charset="0"/>
@@ -11610,7 +11475,7 @@
       </p:sp>
       <p:pic>
         <p:nvPicPr>
-          <p:cNvPr id="1168" name="그림 5" descr="C:/Users/nwond/AppData/Roaming/PolarisOffice/ETemp/2484_17157552/fImage399712199169.png"/>
+          <p:cNvPr id="1168" name="그림 5" descr="C:/Users/nwond/AppData/Roaming/PolarisOffice/ETemp/25736_8473440/fImage399712199169.png"/>
           <p:cNvPicPr>
             <a:picLocks noChangeAspect="1"/>
           </p:cNvPicPr>
@@ -11630,8 +11495,8 @@
         </p:blipFill>
         <p:spPr>
           <a:xfrm rot="0">
-            <a:off x="6814185" y="1452245"/>
-            <a:ext cx="4146550" cy="2799715"/>
+            <a:off x="6807835" y="1452245"/>
+            <a:ext cx="4147185" cy="2905125"/>
           </a:xfrm>
           <a:prstGeom prst="roundRect"/>
           <a:solidFill>

--- a/Photon Server/Assets/PPT Data/Photon Lobby.pptx
+++ b/Photon Server/Assets/PPT Data/Photon Lobby.pptx
@@ -2,7 +2,7 @@
 <file path=ppt/presentation.xml><?xml version="1.0" encoding="utf-8"?>
 <p:presentation xmlns:a="http://schemas.openxmlformats.org/drawingml/2006/main" xmlns:r="http://schemas.openxmlformats.org/officeDocument/2006/relationships" xmlns:p="http://schemas.openxmlformats.org/presentationml/2006/main" xmlns:p14="http://schemas.microsoft.com/office/powerpoint/2010/main" saveSubsetFonts="1" firstSlideNum="0">
   <p:sldMasterIdLst>
-    <p:sldMasterId id="2147487078" r:id="rId12"/>
+    <p:sldMasterId id="2147487102" r:id="rId12"/>
   </p:sldMasterIdLst>
   <p:notesMasterIdLst>
     <p:notesMasterId r:id="rId14"/>
@@ -10,15 +10,17 @@
   <p:sldIdLst>
     <p:sldId id="311" r:id="rId16"/>
     <p:sldId id="341" r:id="rId17"/>
-    <p:sldId id="318" r:id="rId18"/>
-    <p:sldId id="335" r:id="rId19"/>
-    <p:sldId id="305" r:id="rId20"/>
-    <p:sldId id="300" r:id="rId21"/>
-    <p:sldId id="340" r:id="rId22"/>
-    <p:sldId id="336" r:id="rId23"/>
-    <p:sldId id="337" r:id="rId25"/>
-    <p:sldId id="338" r:id="rId27"/>
-    <p:sldId id="339" r:id="rId29"/>
+    <p:sldId id="318" r:id="rId19"/>
+    <p:sldId id="335" r:id="rId21"/>
+    <p:sldId id="305" r:id="rId22"/>
+    <p:sldId id="300" r:id="rId23"/>
+    <p:sldId id="340" r:id="rId24"/>
+    <p:sldId id="336" r:id="rId26"/>
+    <p:sldId id="337" r:id="rId27"/>
+    <p:sldId id="338" r:id="rId28"/>
+    <p:sldId id="342" r:id="rId29"/>
+    <p:sldId id="343" r:id="rId30"/>
+    <p:sldId id="339" r:id="rId31"/>
   </p:sldIdLst>
   <p:sldSz cx="12192000" cy="6858000"/>
   <p:notesSz cx="6858000" cy="9144000"/>
@@ -791,6 +793,290 @@
         <p:spPr>
           <a:xfrm rot="0">
             <a:off x="685800" y="1143000"/>
+            <a:ext cx="5492115" cy="3091815"/>
+          </a:xfrm>
+          <a:prstGeom prst="rect"/>
+          <a:noFill/>
+          <a:ln w="12700" cap="flat" cmpd="sng">
+            <a:solidFill>
+              <a:srgbClr val="000000">
+                <a:alpha val="100000"/>
+              </a:srgbClr>
+            </a:solidFill>
+            <a:prstDash val="solid"/>
+          </a:ln>
+        </p:spPr>
+        <p:txBody>
+          <a:bodyPr wrap="square" lIns="91440" tIns="45720" rIns="91440" bIns="45720" numCol="1" vert="horz" anchor="ctr">
+            <a:noAutofit/>
+          </a:bodyPr>
+          <a:lstStyle/>
+          <a:p>
+            <a:pPr marL="0" indent="0" latinLnBrk="0">
+              <a:buFontTx/>
+              <a:buNone/>
+            </a:pPr>
+          </a:p>
+        </p:txBody>
+      </p:sp>
+      <p:sp>
+        <p:nvSpPr>
+          <p:cNvPr id="3" name="슬라이드 노트 개체 틀 4"/>
+          <p:cNvSpPr txBox="1">
+            <a:spLocks/>
+          </p:cNvSpPr>
+          <p:nvPr>
+            <p:ph type="body" idx="3"/>
+          </p:nvPr>
+        </p:nvSpPr>
+        <p:spPr>
+          <a:xfrm rot="0">
+            <a:off x="685800" y="4400550"/>
+            <a:ext cx="5492115" cy="3606165"/>
+          </a:xfrm>
+          <a:prstGeom prst="rect"/>
+        </p:spPr>
+        <p:txBody>
+          <a:bodyPr wrap="square" lIns="91440" tIns="45720" rIns="91440" bIns="45720" numCol="1" vert="horz" anchor="t">
+            <a:noAutofit/>
+          </a:bodyPr>
+          <a:lstStyle/>
+          <a:p>
+            <a:pPr marL="0" indent="0" latinLnBrk="0">
+              <a:buFontTx/>
+              <a:buNone/>
+            </a:pPr>
+          </a:p>
+        </p:txBody>
+      </p:sp>
+      <p:sp>
+        <p:nvSpPr>
+          <p:cNvPr id="4" name="슬라이드 번호 개체 틀 6"/>
+          <p:cNvSpPr txBox="1">
+            <a:spLocks/>
+          </p:cNvSpPr>
+          <p:nvPr>
+            <p:ph type="sldNum" idx="5"/>
+          </p:nvPr>
+        </p:nvSpPr>
+        <p:spPr>
+          <a:xfrm rot="0">
+            <a:off x="3884930" y="8685530"/>
+            <a:ext cx="2977515" cy="464185"/>
+          </a:xfrm>
+          <a:prstGeom prst="rect"/>
+        </p:spPr>
+        <p:txBody>
+          <a:bodyPr wrap="square" lIns="91440" tIns="45720" rIns="91440" bIns="45720" numCol="1" vert="horz" anchor="b">
+            <a:noAutofit/>
+          </a:bodyPr>
+          <a:lstStyle>
+            <a:lvl1pPr marL="0" indent="0" algn="r" latinLnBrk="0">
+              <a:buFontTx/>
+              <a:buNone/>
+              <a:defRPr lang="en-GB" altLang="en-US" sz="1200"/>
+            </a:lvl1pPr>
+          </a:lstStyle>
+          <a:p>
+            <a:pPr marL="0" indent="0" latinLnBrk="0">
+              <a:buFontTx/>
+              <a:buNone/>
+            </a:pPr>
+            <a:fld id="{B9320F77-B9A0-41C5-862A-B4B631284C64}" type="slidenum">
+              <a:rPr lang="ko-KR" altLang="en-US"/>
+              <a:t>‹#›</a:t>
+            </a:fld>
+          </a:p>
+        </p:txBody>
+      </p:sp>
+    </p:spTree>
+  </p:cSld>
+  <p:clrMapOvr>
+    <a:masterClrMapping/>
+  </p:clrMapOvr>
+  <mc:AlternateContent xmlns:mc="http://schemas.openxmlformats.org/markup-compatibility/2006">
+    <mc:Choice xmlns:p14="http://schemas.microsoft.com/office/powerpoint/2010/main" Requires="p14">
+      <p:transition spd="slow" p14:dur="0"/>
+    </mc:Choice>
+    <mc:Fallback>
+      <p:transition spd="slow"/>
+    </mc:Fallback>
+  </mc:AlternateContent>
+</p:notes>
+</file>
+
+<file path=ppt/notesSlides/notesSlide12.xml><?xml version="1.0" encoding="utf-8"?>
+<p:notes xmlns:a="http://schemas.openxmlformats.org/drawingml/2006/main" xmlns:r="http://schemas.openxmlformats.org/officeDocument/2006/relationships" xmlns:p="http://schemas.openxmlformats.org/presentationml/2006/main">
+  <p:cSld>
+    <p:spTree>
+      <p:nvGrpSpPr>
+        <p:cNvPr id="1" name=""/>
+        <p:cNvGrpSpPr/>
+        <p:nvPr/>
+      </p:nvGrpSpPr>
+      <p:grpSpPr>
+        <a:xfrm>
+          <a:off x="0" y="0"/>
+          <a:ext cx="0" cy="0"/>
+          <a:chOff x="0" y="0"/>
+          <a:chExt cx="0" cy="0"/>
+        </a:xfrm>
+      </p:grpSpPr>
+      <p:sp>
+        <p:nvSpPr>
+          <p:cNvPr id="2" name="슬라이드 이미지 개체 틀 3"/>
+          <p:cNvSpPr>
+            <a:spLocks noChangeAspect="1"/>
+          </p:cNvSpPr>
+          <p:nvPr>
+            <p:ph type="sldImg" idx="2"/>
+          </p:nvPr>
+        </p:nvSpPr>
+        <p:spPr>
+          <a:xfrm rot="0">
+            <a:off x="685800" y="1143000"/>
+            <a:ext cx="5492115" cy="3091815"/>
+          </a:xfrm>
+          <a:prstGeom prst="rect"/>
+          <a:noFill/>
+          <a:ln w="12700" cap="flat" cmpd="sng">
+            <a:solidFill>
+              <a:srgbClr val="000000">
+                <a:alpha val="100000"/>
+              </a:srgbClr>
+            </a:solidFill>
+            <a:prstDash val="solid"/>
+          </a:ln>
+        </p:spPr>
+        <p:txBody>
+          <a:bodyPr wrap="square" lIns="91440" tIns="45720" rIns="91440" bIns="45720" numCol="1" vert="horz" anchor="ctr">
+            <a:noAutofit/>
+          </a:bodyPr>
+          <a:lstStyle/>
+          <a:p>
+            <a:pPr marL="0" indent="0" latinLnBrk="0">
+              <a:buFontTx/>
+              <a:buNone/>
+            </a:pPr>
+          </a:p>
+        </p:txBody>
+      </p:sp>
+      <p:sp>
+        <p:nvSpPr>
+          <p:cNvPr id="3" name="슬라이드 노트 개체 틀 4"/>
+          <p:cNvSpPr txBox="1">
+            <a:spLocks/>
+          </p:cNvSpPr>
+          <p:nvPr>
+            <p:ph type="body" idx="3"/>
+          </p:nvPr>
+        </p:nvSpPr>
+        <p:spPr>
+          <a:xfrm rot="0">
+            <a:off x="685800" y="4400550"/>
+            <a:ext cx="5492115" cy="3606165"/>
+          </a:xfrm>
+          <a:prstGeom prst="rect"/>
+        </p:spPr>
+        <p:txBody>
+          <a:bodyPr wrap="square" lIns="91440" tIns="45720" rIns="91440" bIns="45720" numCol="1" vert="horz" anchor="t">
+            <a:noAutofit/>
+          </a:bodyPr>
+          <a:lstStyle/>
+          <a:p>
+            <a:pPr marL="0" indent="0" latinLnBrk="0">
+              <a:buFontTx/>
+              <a:buNone/>
+            </a:pPr>
+          </a:p>
+        </p:txBody>
+      </p:sp>
+      <p:sp>
+        <p:nvSpPr>
+          <p:cNvPr id="4" name="슬라이드 번호 개체 틀 6"/>
+          <p:cNvSpPr txBox="1">
+            <a:spLocks/>
+          </p:cNvSpPr>
+          <p:nvPr>
+            <p:ph type="sldNum" idx="5"/>
+          </p:nvPr>
+        </p:nvSpPr>
+        <p:spPr>
+          <a:xfrm rot="0">
+            <a:off x="3884930" y="8685530"/>
+            <a:ext cx="2977515" cy="464185"/>
+          </a:xfrm>
+          <a:prstGeom prst="rect"/>
+        </p:spPr>
+        <p:txBody>
+          <a:bodyPr wrap="square" lIns="91440" tIns="45720" rIns="91440" bIns="45720" numCol="1" vert="horz" anchor="b">
+            <a:noAutofit/>
+          </a:bodyPr>
+          <a:lstStyle>
+            <a:lvl1pPr marL="0" indent="0" algn="r" latinLnBrk="0">
+              <a:buFontTx/>
+              <a:buNone/>
+              <a:defRPr lang="en-GB" altLang="en-US" sz="1200"/>
+            </a:lvl1pPr>
+          </a:lstStyle>
+          <a:p>
+            <a:pPr marL="0" indent="0" latinLnBrk="0">
+              <a:buFontTx/>
+              <a:buNone/>
+            </a:pPr>
+            <a:fld id="{B9320F77-B9A0-41C5-862A-B4B631284C64}" type="slidenum">
+              <a:rPr lang="ko-KR" altLang="en-US"/>
+              <a:t>‹#›</a:t>
+            </a:fld>
+          </a:p>
+        </p:txBody>
+      </p:sp>
+    </p:spTree>
+  </p:cSld>
+  <p:clrMapOvr>
+    <a:masterClrMapping/>
+  </p:clrMapOvr>
+  <mc:AlternateContent xmlns:mc="http://schemas.openxmlformats.org/markup-compatibility/2006">
+    <mc:Choice xmlns:p14="http://schemas.microsoft.com/office/powerpoint/2010/main" Requires="p14">
+      <p:transition spd="slow" p14:dur="0"/>
+    </mc:Choice>
+    <mc:Fallback>
+      <p:transition spd="slow"/>
+    </mc:Fallback>
+  </mc:AlternateContent>
+</p:notes>
+</file>
+
+<file path=ppt/notesSlides/notesSlide13.xml><?xml version="1.0" encoding="utf-8"?>
+<p:notes xmlns:a="http://schemas.openxmlformats.org/drawingml/2006/main" xmlns:r="http://schemas.openxmlformats.org/officeDocument/2006/relationships" xmlns:p="http://schemas.openxmlformats.org/presentationml/2006/main">
+  <p:cSld>
+    <p:spTree>
+      <p:nvGrpSpPr>
+        <p:cNvPr id="1" name=""/>
+        <p:cNvGrpSpPr/>
+        <p:nvPr/>
+      </p:nvGrpSpPr>
+      <p:grpSpPr>
+        <a:xfrm>
+          <a:off x="0" y="0"/>
+          <a:ext cx="0" cy="0"/>
+          <a:chOff x="0" y="0"/>
+          <a:chExt cx="0" cy="0"/>
+        </a:xfrm>
+      </p:grpSpPr>
+      <p:sp>
+        <p:nvSpPr>
+          <p:cNvPr id="2" name="슬라이드 이미지 개체 틀 3"/>
+          <p:cNvSpPr>
+            <a:spLocks noChangeAspect="1"/>
+          </p:cNvSpPr>
+          <p:nvPr>
+            <p:ph type="sldImg" idx="2"/>
+          </p:nvPr>
+        </p:nvSpPr>
+        <p:spPr>
+          <a:xfrm rot="0">
+            <a:off x="685800" y="1143000"/>
             <a:ext cx="5491480" cy="3091180"/>
           </a:xfrm>
           <a:prstGeom prst="rect"/>
@@ -7156,7 +7442,7 @@
       </p:sp>
       <p:pic>
         <p:nvPicPr>
-          <p:cNvPr id="38" name="그림 1" descr="C:/Users/nwond/AppData/Roaming/PolarisOffice/ETemp/25736_8473440/fImage2623925541.png"/>
+          <p:cNvPr id="38" name="그림 1"/>
           <p:cNvPicPr>
             <a:picLocks noChangeAspect="1"/>
           </p:cNvPicPr>
@@ -7187,7 +7473,7 @@
       </p:pic>
       <p:pic>
         <p:nvPicPr>
-          <p:cNvPr id="39" name="그림 5" descr="C:/Users/nwond/AppData/Roaming/PolarisOffice/ETemp/25736_8473440/fImage49902578467.png"/>
+          <p:cNvPr id="39" name="그림 5"/>
           <p:cNvPicPr>
             <a:picLocks noChangeAspect="1"/>
           </p:cNvPicPr>
@@ -7238,8 +7524,8 @@
         </p:blipFill>
         <p:spPr>
           <a:xfrm rot="0">
-            <a:off x="10001250" y="2781935"/>
-            <a:ext cx="962660" cy="1100455"/>
+            <a:off x="9855200" y="2757170"/>
+            <a:ext cx="1109345" cy="1153795"/>
           </a:xfrm>
           <a:prstGeom prst="roundRect"/>
           <a:solidFill>
@@ -7256,9 +7542,9 @@
           <p:nvPr/>
         </p:nvSpPr>
         <p:spPr>
-          <a:xfrm rot="0">
+          <a:xfrm>
             <a:off x="6824980" y="5278755"/>
-            <a:ext cx="4137025" cy="954405"/>
+            <a:ext cx="4138295" cy="954405"/>
           </a:xfrm>
           <a:prstGeom prst="rect"/>
           <a:noFill/>
@@ -7285,59 +7571,56 @@
                 <a:latin typeface="맑은 고딕" charset="0"/>
                 <a:ea typeface="맑은 고딕" charset="0"/>
               </a:rPr>
-              <a:t>2</a:t>
-            </a:r>
-            <a:r>
-              <a:rPr sz="2000" b="1">
-                <a:solidFill>
-                  <a:srgbClr val="0611F2"/>
-                </a:solidFill>
-                <a:latin typeface="맑은 고딕" charset="0"/>
-                <a:ea typeface="맑은 고딕" charset="0"/>
-              </a:rPr>
-              <a:t>. </a:t>
+              <a:t>2. </a:t>
             </a:r>
             <a:r>
               <a:rPr sz="1800">
                 <a:latin typeface="맑은 고딕" charset="0"/>
                 <a:ea typeface="맑은 고딕" charset="0"/>
               </a:rPr>
-              <a:t>이제</a:t>
-            </a:r>
-            <a:r>
-              <a:rPr sz="1800">
-                <a:latin typeface="맑은 고딕" charset="0"/>
-                <a:ea typeface="맑은 고딕" charset="0"/>
-              </a:rPr>
-              <a:t> C# Script를 생성</a:t>
-            </a:r>
-            <a:r>
-              <a:rPr sz="1800">
-                <a:latin typeface="맑은 고딕" charset="0"/>
-                <a:ea typeface="맑은 고딕" charset="0"/>
-              </a:rPr>
-              <a:t>한 </a:t>
-            </a:r>
-            <a:r>
-              <a:rPr sz="1800">
-                <a:latin typeface="맑은 고딕" charset="0"/>
-                <a:ea typeface="맑은 고딕" charset="0"/>
-              </a:rPr>
-              <a:t>다음</a:t>
-            </a:r>
-            <a:r>
-              <a:rPr sz="1800">
-                <a:latin typeface="맑은 고딕" charset="0"/>
-                <a:ea typeface="맑은 고딕" charset="0"/>
-              </a:rPr>
-              <a:t> </a:t>
+              <a:t>이제 C# Script를 생성한 다음 </a:t>
             </a:r>
             <a:r>
               <a:rPr lang="ko-KR" sz="1800">
                 <a:latin typeface="맑은 고딕" charset="0"/>
                 <a:ea typeface="맑은 고딕" charset="0"/>
               </a:rPr>
-              <a:t>ConnectServer</a:t>
+              <a:t>C</a:t>
+            </a:r>
+            <a:r>
+              <a:rPr lang="ko-KR" sz="1800">
+                <a:latin typeface="맑은 고딕" charset="0"/>
+                <a:ea typeface="맑은 고딕" charset="0"/>
+              </a:rPr>
+              <a:t>on</a:t>
+            </a:r>
+            <a:r>
+              <a:rPr lang="ko-KR" sz="1800">
+                <a:latin typeface="맑은 고딕" charset="0"/>
+                <a:ea typeface="맑은 고딕" charset="0"/>
+              </a:rPr>
+              <a:t>n</a:t>
+            </a:r>
+            <a:r>
+              <a:rPr lang="ko-KR" sz="1800">
+                <a:latin typeface="맑은 고딕" charset="0"/>
+                <a:ea typeface="맑은 고딕" charset="0"/>
+              </a:rPr>
+              <a:t>ect</a:t>
+            </a:r>
+            <a:r>
+              <a:rPr lang="ko-KR" sz="1800">
+                <a:latin typeface="맑은 고딕" charset="0"/>
+                <a:ea typeface="맑은 고딕" charset="0"/>
+              </a:rPr>
+              <a:t>S</a:t>
+            </a:r>
+            <a:r>
+              <a:rPr lang="ko-KR" sz="1800">
+                <a:latin typeface="맑은 고딕" charset="0"/>
+                <a:ea typeface="맑은 고딕" charset="0"/>
+              </a:rPr>
+              <a:t>erver</a:t>
             </a:r>
             <a:r>
               <a:rPr sz="1800">
@@ -7355,7 +7638,7 @@
       </p:sp>
       <p:pic>
         <p:nvPicPr>
-          <p:cNvPr id="42" name="그림 10" descr="C:/Users/nwond/AppData/Roaming/PolarisOffice/ETemp/25736_8473440/fImage82892171478.png"/>
+          <p:cNvPr id="42" name="그림 10"/>
           <p:cNvPicPr>
             <a:picLocks noChangeAspect="1"/>
           </p:cNvPicPr>
@@ -7522,9 +7805,9 @@
           <p:nvPr/>
         </p:nvSpPr>
         <p:spPr>
-          <a:xfrm rot="0">
+          <a:xfrm>
             <a:off x="6831330" y="5487035"/>
-            <a:ext cx="4117340" cy="677545"/>
+            <a:ext cx="4118610" cy="677545"/>
           </a:xfrm>
           <a:prstGeom prst="rect"/>
           <a:noFill/>
@@ -7551,7 +7834,17 @@
                 <a:latin typeface="맑은 고딕" charset="0"/>
                 <a:ea typeface="맑은 고딕" charset="0"/>
               </a:rPr>
-              <a:t>28</a:t>
+              <a:t>2</a:t>
+            </a:r>
+            <a:r>
+              <a:rPr lang="ko-KR" sz="2000" b="1">
+                <a:solidFill>
+                  <a:srgbClr val="0611F2"/>
+                </a:solidFill>
+                <a:latin typeface="맑은 고딕" charset="0"/>
+                <a:ea typeface="맑은 고딕" charset="0"/>
+              </a:rPr>
+              <a:t>8</a:t>
             </a:r>
             <a:r>
               <a:rPr sz="2000" b="1">
@@ -7561,178 +7854,35 @@
                 <a:latin typeface="맑은 고딕" charset="0"/>
                 <a:ea typeface="맑은 고딕" charset="0"/>
               </a:rPr>
-              <a:t>.</a:t>
-            </a:r>
-            <a:r>
-              <a:rPr sz="2000" b="1">
-                <a:solidFill>
-                  <a:srgbClr val="0611F2"/>
-                </a:solidFill>
-                <a:latin typeface="맑은 고딕" charset="0"/>
-                <a:ea typeface="맑은 고딕" charset="0"/>
-              </a:rPr>
-              <a:t> </a:t>
+              <a:t>. </a:t>
             </a:r>
             <a:r>
               <a:rPr lang="ko-KR" sz="1800">
                 <a:latin typeface="맑은 고딕" charset="0"/>
                 <a:ea typeface="맑은 고딕" charset="0"/>
               </a:rPr>
-              <a:t>그런 다음 Item Background </a:t>
+              <a:t>그</a:t>
             </a:r>
             <a:r>
               <a:rPr lang="ko-KR" sz="1800">
                 <a:latin typeface="맑은 고딕" charset="0"/>
                 <a:ea typeface="맑은 고딕" charset="0"/>
               </a:rPr>
-              <a:t>오브젝트의</a:t>
+              <a:t>런 </a:t>
             </a:r>
             <a:r>
               <a:rPr lang="ko-KR" sz="1800">
                 <a:latin typeface="맑은 고딕" charset="0"/>
                 <a:ea typeface="맑은 고딕" charset="0"/>
               </a:rPr>
-              <a:t> </a:t>
+              <a:t>다음</a:t>
             </a:r>
             <a:r>
               <a:rPr lang="ko-KR" sz="1800">
                 <a:latin typeface="맑은 고딕" charset="0"/>
                 <a:ea typeface="맑은 고딕" charset="0"/>
               </a:rPr>
-              <a:t>크기 값을 설정합니다.</a:t>
-            </a:r>
-            <a:r>
-              <a:rPr lang="ko-KR" sz="1800">
-                <a:latin typeface="맑은 고딕" charset="0"/>
-                <a:ea typeface="맑은 고딕" charset="0"/>
-              </a:rPr>
-              <a:t> </a:t>
-            </a:r>
-            <a:endParaRPr lang="ko-KR" altLang="en-US" sz="1800">
-              <a:latin typeface="맑은 고딕" charset="0"/>
-              <a:ea typeface="맑은 고딕" charset="0"/>
-            </a:endParaRPr>
-          </a:p>
-        </p:txBody>
-      </p:sp>
-      <p:pic>
-        <p:nvPicPr>
-          <p:cNvPr id="1173" name="그림 10"/>
-          <p:cNvPicPr>
-            <a:picLocks noChangeAspect="1"/>
-          </p:cNvPicPr>
-          <p:nvPr/>
-        </p:nvPicPr>
-        <p:blipFill rotWithShape="1">
-          <a:blip r:embed="rId5" cstate="print">
-            <a:extLst>
-              <a:ext uri="{28A0092B-C50C-407E-A947-70E740481C1C}">
-                <a14:useLocalDpi xmlns:a14="http://schemas.microsoft.com/office/drawing/2010/main" val="0"/>
-              </a:ext>
-            </a:extLst>
-          </a:blip>
-          <a:stretch>
-            <a:fillRect/>
-          </a:stretch>
-        </p:blipFill>
-        <p:spPr>
-          <a:xfrm rot="0">
-            <a:off x="6822440" y="1430020"/>
-            <a:ext cx="4135120" cy="1567815"/>
-          </a:xfrm>
-          <a:prstGeom prst="roundRect"/>
-          <a:solidFill>
-            <a:srgbClr val="EDEDED"/>
-          </a:solidFill>
-        </p:spPr>
-      </p:pic>
-      <p:sp>
-        <p:nvSpPr>
-          <p:cNvPr id="1174" name="텍스트 상자 13"/>
-          <p:cNvSpPr txBox="1">
-            <a:spLocks/>
-          </p:cNvSpPr>
-          <p:nvPr/>
-        </p:nvSpPr>
-        <p:spPr>
-          <a:xfrm rot="0">
-            <a:off x="6833870" y="3069590"/>
-            <a:ext cx="4097655" cy="677545"/>
-          </a:xfrm>
-          <a:prstGeom prst="rect"/>
-          <a:noFill/>
-          <a:ln w="0">
-            <a:noFill/>
-            <a:prstDash/>
-          </a:ln>
-        </p:spPr>
-        <p:txBody>
-          <a:bodyPr wrap="square" lIns="89535" tIns="46355" rIns="89535" bIns="46355" numCol="1" vert="horz" anchor="t">
-            <a:spAutoFit/>
-          </a:bodyPr>
-          <a:lstStyle/>
-          <a:p>
-            <a:pPr marL="0" indent="0" rtl="0" algn="l" defTabSz="914400" eaLnBrk="1" latinLnBrk="0" hangingPunct="1">
-              <a:buFontTx/>
-              <a:buNone/>
-            </a:pPr>
-            <a:r>
-              <a:rPr lang="ko-KR" sz="2000" b="1">
-                <a:solidFill>
-                  <a:srgbClr val="0611F2"/>
-                </a:solidFill>
-                <a:latin typeface="맑은 고딕" charset="0"/>
-                <a:ea typeface="맑은 고딕" charset="0"/>
-              </a:rPr>
-              <a:t>27</a:t>
-            </a:r>
-            <a:r>
-              <a:rPr sz="2000" b="1">
-                <a:solidFill>
-                  <a:srgbClr val="0611F2"/>
-                </a:solidFill>
-                <a:latin typeface="맑은 고딕" charset="0"/>
-                <a:ea typeface="맑은 고딕" charset="0"/>
-              </a:rPr>
-              <a:t>.</a:t>
-            </a:r>
-            <a:r>
-              <a:rPr sz="2000" b="1">
-                <a:solidFill>
-                  <a:srgbClr val="0611F2"/>
-                </a:solidFill>
-                <a:latin typeface="맑은 고딕" charset="0"/>
-                <a:ea typeface="맑은 고딕" charset="0"/>
-              </a:rPr>
-              <a:t> </a:t>
-            </a:r>
-            <a:r>
-              <a:rPr lang="ko-KR" sz="1800">
-                <a:latin typeface="맑은 고딕" charset="0"/>
-                <a:ea typeface="맑은 고딕" charset="0"/>
-              </a:rPr>
-              <a:t>그리고 Item 오브젝트의 크기 </a:t>
-            </a:r>
-            <a:r>
-              <a:rPr lang="ko-KR" sz="1800">
-                <a:latin typeface="맑은 고딕" charset="0"/>
-                <a:ea typeface="맑은 고딕" charset="0"/>
-              </a:rPr>
-              <a:t>값을</a:t>
-            </a:r>
-            <a:r>
-              <a:rPr lang="ko-KR" sz="1800">
-                <a:latin typeface="맑은 고딕" charset="0"/>
-                <a:ea typeface="맑은 고딕" charset="0"/>
-              </a:rPr>
-              <a:t> </a:t>
-            </a:r>
-            <a:r>
-              <a:rPr lang="ko-KR" sz="1800">
-                <a:latin typeface="맑은 고딕" charset="0"/>
-                <a:ea typeface="맑은 고딕" charset="0"/>
-              </a:rPr>
-              <a:t>설정합니다.</a:t>
+              <a:t> Item Background 오브젝트의 크기 값을 설정합니다. </a:t>
             </a:r>
             <a:endParaRPr lang="ko-KR" altLang="en-US" sz="1800">
               <a:latin typeface="맑은 고딕" charset="0"/>
@@ -7750,10 +7900,10 @@
           <p:nvPr/>
         </p:nvPicPr>
         <p:blipFill rotWithShape="1">
-          <a:blip r:embed="rId6" cstate="print">
+          <a:blip r:embed="rId6" cstate="hqprint">
             <a:extLst>
               <a:ext uri="{28A0092B-C50C-407E-A947-70E740481C1C}">
-                <a14:useLocalDpi xmlns:a14="http://schemas.microsoft.com/office/drawing/2010/main" val="0"/>
+                <a14:useLocalDpi xmlns:a14="http://schemas.microsoft.com/office/drawing/2010/main"/>
               </a:ext>
             </a:extLst>
           </a:blip>
@@ -7763,8 +7913,8 @@
         </p:blipFill>
         <p:spPr>
           <a:xfrm rot="0">
-            <a:off x="6826885" y="3849370"/>
-            <a:ext cx="4121785" cy="1551940"/>
+            <a:off x="6833235" y="3623945"/>
+            <a:ext cx="4121150" cy="1892300"/>
           </a:xfrm>
           <a:prstGeom prst="roundRect"/>
           <a:solidFill>
@@ -7781,9 +7931,9 @@
           <p:nvPr/>
         </p:nvSpPr>
         <p:spPr>
-          <a:xfrm rot="0">
+          <a:xfrm>
             <a:off x="1231900" y="5217795"/>
-            <a:ext cx="4153535" cy="955040"/>
+            <a:ext cx="4154805" cy="954405"/>
           </a:xfrm>
           <a:prstGeom prst="rect"/>
           <a:noFill/>
@@ -7810,7 +7960,17 @@
                 <a:latin typeface="맑은 고딕" charset="0"/>
                 <a:ea typeface="맑은 고딕" charset="0"/>
               </a:rPr>
-              <a:t>22</a:t>
+              <a:t>2</a:t>
+            </a:r>
+            <a:r>
+              <a:rPr lang="ko-KR" sz="2000" b="1">
+                <a:solidFill>
+                  <a:srgbClr val="0611F2"/>
+                </a:solidFill>
+                <a:latin typeface="맑은 고딕" charset="0"/>
+                <a:ea typeface="맑은 고딕" charset="0"/>
+              </a:rPr>
+              <a:t>6</a:t>
             </a:r>
             <a:r>
               <a:rPr sz="2000" b="1">
@@ -7827,7 +7987,14 @@
                 <a:latin typeface="맑은 고딕" charset="0"/>
                 <a:ea typeface="맑은 고딕" charset="0"/>
               </a:rPr>
-              <a:t>그리고 Label 오브젝트의 Font Size를 50으로 설정한 다음 Alignment를 가운데로 정렬합니다.</a:t>
+              <a:t>이제</a:t>
+            </a:r>
+            <a:r>
+              <a:rPr lang="ko-KR" sz="1800">
+                <a:latin typeface="맑은 고딕" charset="0"/>
+                <a:ea typeface="맑은 고딕" charset="0"/>
+              </a:rPr>
+              <a:t> Label 오브젝트의 Font Size를 50으로 설정한 다음 Alignment를 가운데로 정렬합니다.</a:t>
             </a:r>
             <a:endParaRPr lang="ko-KR" altLang="en-US" sz="1800">
               <a:latin typeface="맑은 고딕" charset="0"/>
@@ -7838,7 +8005,7 @@
       </p:sp>
       <p:pic>
         <p:nvPicPr>
-          <p:cNvPr id="1177" name="그림 23" descr="C:/Users/nwond/AppData/Roaming/PolarisOffice/ETemp/2484_17157552/fImage2395914341.png"/>
+          <p:cNvPr id="1177" name="그림 23"/>
           <p:cNvPicPr>
             <a:picLocks noChangeAspect="1"/>
           </p:cNvPicPr>
@@ -7859,12 +8026,191 @@
         <p:spPr>
           <a:xfrm rot="0">
             <a:off x="1240790" y="1450975"/>
-            <a:ext cx="4135755" cy="3615055"/>
+            <a:ext cx="4136390" cy="3688715"/>
           </a:xfrm>
           <a:prstGeom prst="roundRect"/>
           <a:solidFill>
             <a:srgbClr val="EDEDED"/>
           </a:solidFill>
+        </p:spPr>
+      </p:pic>
+      <p:pic>
+        <p:nvPicPr>
+          <p:cNvPr id="1178" name="그림 33"/>
+          <p:cNvPicPr>
+            <a:picLocks noChangeAspect="1"/>
+          </p:cNvPicPr>
+          <p:nvPr/>
+        </p:nvPicPr>
+        <p:blipFill rotWithShape="1">
+          <a:blip r:embed="rId9" cstate="print">
+            <a:extLst>
+              <a:ext uri="{28A0092B-C50C-407E-A947-70E740481C1C}">
+                <a14:useLocalDpi xmlns:a14="http://schemas.microsoft.com/office/drawing/2010/main" val="0"/>
+              </a:ext>
+            </a:extLst>
+          </a:blip>
+          <a:stretch>
+            <a:fillRect/>
+          </a:stretch>
+        </p:blipFill>
+        <p:spPr>
+          <a:xfrm rot="0">
+            <a:off x="6830695" y="1452245"/>
+            <a:ext cx="1324610" cy="1252855"/>
+          </a:xfrm>
+          <a:prstGeom prst="roundRect"/>
+          <a:solidFill>
+            <a:srgbClr val="EDEDED"/>
+          </a:solidFill>
+        </p:spPr>
+      </p:pic>
+      <p:sp>
+        <p:nvSpPr>
+          <p:cNvPr id="1180" name="텍스트 상자 40"/>
+          <p:cNvSpPr txBox="1">
+            <a:spLocks/>
+          </p:cNvSpPr>
+          <p:nvPr/>
+        </p:nvSpPr>
+        <p:spPr>
+          <a:xfrm>
+            <a:off x="6834505" y="2669540"/>
+            <a:ext cx="4114165" cy="954405"/>
+          </a:xfrm>
+          <a:prstGeom prst="rect"/>
+          <a:noFill/>
+          <a:ln w="0">
+            <a:noFill/>
+            <a:prstDash/>
+          </a:ln>
+        </p:spPr>
+        <p:txBody>
+          <a:bodyPr wrap="square" lIns="89535" tIns="46355" rIns="89535" bIns="46355" numCol="1" vert="horz" anchor="t">
+            <a:spAutoFit/>
+          </a:bodyPr>
+          <a:lstStyle/>
+          <a:p>
+            <a:pPr marL="0" indent="0" rtl="0" algn="l" defTabSz="914400" eaLnBrk="1" latinLnBrk="0" hangingPunct="1">
+              <a:buFontTx/>
+              <a:buNone/>
+            </a:pPr>
+            <a:r>
+              <a:rPr lang="ko-KR" sz="2000" b="1">
+                <a:solidFill>
+                  <a:srgbClr val="0611F2"/>
+                </a:solidFill>
+                <a:latin typeface="맑은 고딕" charset="0"/>
+                <a:ea typeface="맑은 고딕" charset="0"/>
+              </a:rPr>
+              <a:t>2</a:t>
+            </a:r>
+            <a:r>
+              <a:rPr lang="ko-KR" sz="2000" b="1">
+                <a:solidFill>
+                  <a:srgbClr val="0611F2"/>
+                </a:solidFill>
+                <a:latin typeface="맑은 고딕" charset="0"/>
+                <a:ea typeface="맑은 고딕" charset="0"/>
+              </a:rPr>
+              <a:t>7</a:t>
+            </a:r>
+            <a:r>
+              <a:rPr sz="2000" b="1">
+                <a:solidFill>
+                  <a:srgbClr val="0611F2"/>
+                </a:solidFill>
+                <a:latin typeface="맑은 고딕" charset="0"/>
+                <a:ea typeface="맑은 고딕" charset="0"/>
+              </a:rPr>
+              <a:t>. </a:t>
+            </a:r>
+            <a:r>
+              <a:rPr lang="ko-KR" sz="1800">
+                <a:latin typeface="맑은 고딕" charset="0"/>
+                <a:ea typeface="맑은 고딕" charset="0"/>
+              </a:rPr>
+              <a:t>그</a:t>
+            </a:r>
+            <a:r>
+              <a:rPr lang="ko-KR" sz="1800">
+                <a:latin typeface="맑은 고딕" charset="0"/>
+                <a:ea typeface="맑은 고딕" charset="0"/>
+              </a:rPr>
+              <a:t>리고</a:t>
+            </a:r>
+            <a:r>
+              <a:rPr lang="ko-KR" sz="1800">
+                <a:latin typeface="맑은 고딕" charset="0"/>
+                <a:ea typeface="맑은 고딕" charset="0"/>
+              </a:rPr>
+              <a:t> Connect Server 스크립트의 Server 변수에 Server Selection 오브젝트를 넣어줍니다. </a:t>
+            </a:r>
+            <a:endParaRPr lang="ko-KR" altLang="en-US" sz="1800">
+              <a:latin typeface="맑은 고딕" charset="0"/>
+              <a:ea typeface="맑은 고딕" charset="0"/>
+            </a:endParaRPr>
+          </a:p>
+        </p:txBody>
+      </p:sp>
+      <p:pic>
+        <p:nvPicPr>
+          <p:cNvPr id="1181" name="그림 19" descr="C:/Users/nwond/AppData/Roaming/PolarisOffice/ETemp/26808_6435248/fImage107052126334.png"/>
+          <p:cNvPicPr>
+            <a:picLocks noChangeAspect="1"/>
+          </p:cNvPicPr>
+          <p:nvPr/>
+        </p:nvPicPr>
+        <p:blipFill rotWithShape="1">
+          <a:blip r:embed="rId11" cstate="print">
+            <a:extLst>
+              <a:ext uri="{28A0092B-C50C-407E-A947-70E740481C1C}">
+                <a14:useLocalDpi xmlns:a14="http://schemas.microsoft.com/office/drawing/2010/main" val="0"/>
+              </a:ext>
+            </a:extLst>
+          </a:blip>
+          <a:stretch>
+            <a:fillRect/>
+          </a:stretch>
+        </p:blipFill>
+        <p:spPr>
+          <a:xfrm rot="0">
+            <a:off x="8223250" y="1452245"/>
+            <a:ext cx="2724785" cy="1248410"/>
+          </a:xfrm>
+          <a:prstGeom prst="roundRect"/>
+          <a:solidFill>
+            <a:srgbClr val="EDEDED"/>
+          </a:solidFill>
+        </p:spPr>
+      </p:pic>
+      <p:pic>
+        <p:nvPicPr>
+          <p:cNvPr id="1182" name="그림 22" descr="C:/Users/nwond/AppData/Roaming/PolarisOffice/ETemp/26808_6435248/fImage2242172209358.png"/>
+          <p:cNvPicPr>
+            <a:picLocks noChangeAspect="1"/>
+          </p:cNvPicPr>
+          <p:nvPr/>
+        </p:nvPicPr>
+        <p:blipFill rotWithShape="1">
+          <a:blip r:embed="rId12" cstate="hqprint">
+            <a:extLst>
+              <a:ext uri="{28A0092B-C50C-407E-A947-70E740481C1C}">
+                <a14:useLocalDpi xmlns:a14="http://schemas.microsoft.com/office/drawing/2010/main"/>
+              </a:ext>
+            </a:extLst>
+          </a:blip>
+          <a:stretch>
+            <a:fillRect/>
+          </a:stretch>
+        </p:blipFill>
+        <p:spPr>
+          <a:xfrm rot="0">
+            <a:off x="7828915" y="1863090"/>
+            <a:ext cx="655320" cy="435610"/>
+          </a:xfrm>
+          <a:prstGeom prst="rect"/>
+          <a:noFill/>
         </p:spPr>
       </p:pic>
     </p:spTree>
@@ -7891,7 +8237,7 @@
 </file>
 
 <file path=ppt/slides/slide11.xml><?xml version="1.0" encoding="utf-8"?>
-<p:sld xmlns:a="http://schemas.openxmlformats.org/drawingml/2006/main" xmlns:r="http://schemas.openxmlformats.org/officeDocument/2006/relationships" xmlns:p="http://schemas.openxmlformats.org/presentationml/2006/main">
+<p:sld xmlns:a="http://schemas.openxmlformats.org/drawingml/2006/main" xmlns:r="http://schemas.openxmlformats.org/officeDocument/2006/relationships" xmlns:p="http://schemas.openxmlformats.org/presentationml/2006/main" xmlns:p14="http://schemas.microsoft.com/office/powerpoint/2010/main">
   <p:cSld>
     <p:spTree>
       <p:nvGrpSpPr>
@@ -7918,7 +8264,7 @@
         <p:spPr>
           <a:xfrm rot="0">
             <a:off x="4337050" y="377190"/>
-            <a:ext cx="3524250" cy="478155"/>
+            <a:ext cx="3524885" cy="478155"/>
           </a:xfrm>
           <a:prstGeom prst="rect"/>
           <a:noFill/>
@@ -7945,7 +8291,17 @@
                 <a:latin typeface="나눔바른고딕" charset="0"/>
                 <a:ea typeface="나눔바른고딕" charset="0"/>
               </a:rPr>
-              <a:t>열한</a:t>
+              <a:t>열</a:t>
+            </a:r>
+            <a:r>
+              <a:rPr lang="ko-KR" altLang="en-US" sz="2500" b="1">
+                <a:solidFill>
+                  <a:schemeClr val="tx1"/>
+                </a:solidFill>
+                <a:latin typeface="나눔바른고딕" charset="0"/>
+                <a:ea typeface="나눔바른고딕" charset="0"/>
+              </a:rPr>
+              <a:t>한</a:t>
             </a:r>
             <a:r>
               <a:rPr lang="ko-KR" altLang="en-US" sz="2500" b="1">
@@ -7977,8 +8333,8 @@
         </p:nvSpPr>
         <p:spPr>
           <a:xfrm rot="0">
-            <a:off x="6840220" y="4953000"/>
-            <a:ext cx="4117340" cy="1231265"/>
+            <a:off x="6824980" y="3149600"/>
+            <a:ext cx="4117340" cy="954405"/>
           </a:xfrm>
           <a:prstGeom prst="rect"/>
           <a:noFill/>
@@ -8025,136 +8381,28 @@
                 <a:latin typeface="맑은 고딕" charset="0"/>
                 <a:ea typeface="맑은 고딕" charset="0"/>
               </a:rPr>
-              <a:t>.</a:t>
-            </a:r>
-            <a:r>
-              <a:rPr sz="2000" b="1">
-                <a:solidFill>
-                  <a:srgbClr val="0611F2"/>
-                </a:solidFill>
-                <a:latin typeface="맑은 고딕" charset="0"/>
-                <a:ea typeface="맑은 고딕" charset="0"/>
-              </a:rPr>
-              <a:t> </a:t>
+              <a:t>. </a:t>
             </a:r>
             <a:r>
               <a:rPr lang="ko-KR" sz="1800">
                 <a:latin typeface="맑은 고딕" charset="0"/>
                 <a:ea typeface="맑은 고딕" charset="0"/>
               </a:rPr>
-              <a:t>그러고 나서 Interface Button </a:t>
+              <a:t>그러고 </a:t>
             </a:r>
             <a:r>
               <a:rPr lang="ko-KR" sz="1800">
                 <a:latin typeface="맑은 고딕" charset="0"/>
                 <a:ea typeface="맑은 고딕" charset="0"/>
               </a:rPr>
-              <a:t>폴더에</a:t>
+              <a:t>나서 </a:t>
             </a:r>
             <a:r>
               <a:rPr lang="ko-KR" sz="1800">
                 <a:latin typeface="맑은 고딕" charset="0"/>
                 <a:ea typeface="맑은 고딕" charset="0"/>
               </a:rPr>
-              <a:t> </a:t>
-            </a:r>
-            <a:r>
-              <a:rPr lang="ko-KR" sz="1800">
-                <a:latin typeface="맑은 고딕" charset="0"/>
-                <a:ea typeface="맑은 고딕" charset="0"/>
-              </a:rPr>
-              <a:t>있는</a:t>
-            </a:r>
-            <a:r>
-              <a:rPr lang="ko-KR" sz="1800">
-                <a:latin typeface="맑은 고딕" charset="0"/>
-                <a:ea typeface="맑은 고딕" charset="0"/>
-              </a:rPr>
-              <a:t> </a:t>
-            </a:r>
-            <a:r>
-              <a:rPr lang="ko-KR" sz="1800">
-                <a:latin typeface="맑은 고딕" charset="0"/>
-                <a:ea typeface="맑은 고딕" charset="0"/>
-              </a:rPr>
-              <a:t>Server Button</a:t>
-            </a:r>
-            <a:r>
-              <a:rPr lang="ko-KR" sz="1800">
-                <a:latin typeface="맑은 고딕" charset="0"/>
-                <a:ea typeface="맑은 고딕" charset="0"/>
-              </a:rPr>
-              <a:t> 텍스처를 </a:t>
-            </a:r>
-            <a:r>
-              <a:rPr lang="ko-KR" sz="1800">
-                <a:latin typeface="맑은 고딕" charset="0"/>
-                <a:ea typeface="맑은 고딕" charset="0"/>
-              </a:rPr>
-              <a:t>Server</a:t>
-            </a:r>
-            <a:r>
-              <a:rPr lang="ko-KR" sz="1800">
-                <a:latin typeface="맑은 고딕" charset="0"/>
-                <a:ea typeface="맑은 고딕" charset="0"/>
-              </a:rPr>
-              <a:t> </a:t>
-            </a:r>
-            <a:r>
-              <a:rPr lang="ko-KR" sz="1800">
-                <a:latin typeface="맑은 고딕" charset="0"/>
-                <a:ea typeface="맑은 고딕" charset="0"/>
-              </a:rPr>
-              <a:t>Selection</a:t>
-            </a:r>
-            <a:r>
-              <a:rPr lang="ko-KR" sz="1800">
-                <a:latin typeface="맑은 고딕" charset="0"/>
-                <a:ea typeface="맑은 고딕" charset="0"/>
-              </a:rPr>
-              <a:t> </a:t>
-            </a:r>
-            <a:r>
-              <a:rPr lang="ko-KR" sz="1800">
-                <a:latin typeface="맑은 고딕" charset="0"/>
-                <a:ea typeface="맑은 고딕" charset="0"/>
-              </a:rPr>
-              <a:t>오브젝트의</a:t>
-            </a:r>
-            <a:r>
-              <a:rPr lang="ko-KR" sz="1800">
-                <a:latin typeface="맑은 고딕" charset="0"/>
-                <a:ea typeface="맑은 고딕" charset="0"/>
-              </a:rPr>
-              <a:t> Source </a:t>
-            </a:r>
-            <a:r>
-              <a:rPr lang="ko-KR" sz="1800">
-                <a:latin typeface="맑은 고딕" charset="0"/>
-                <a:ea typeface="맑은 고딕" charset="0"/>
-              </a:rPr>
-              <a:t>Image에</a:t>
-            </a:r>
-            <a:r>
-              <a:rPr lang="ko-KR" sz="1800">
-                <a:latin typeface="맑은 고딕" charset="0"/>
-                <a:ea typeface="맑은 고딕" charset="0"/>
-              </a:rPr>
-              <a:t> </a:t>
-            </a:r>
-            <a:r>
-              <a:rPr lang="ko-KR" sz="1800">
-                <a:latin typeface="맑은 고딕" charset="0"/>
-                <a:ea typeface="맑은 고딕" charset="0"/>
-              </a:rPr>
-              <a:t>넣어줍니다.</a:t>
-            </a:r>
-            <a:r>
-              <a:rPr lang="ko-KR" sz="1800">
-                <a:latin typeface="맑은 고딕" charset="0"/>
-                <a:ea typeface="맑은 고딕" charset="0"/>
-              </a:rPr>
-              <a:t> </a:t>
+              <a:t>Server Selection 오브젝트의 앵커를 지정하고 크기와 위치를 설정합니다. </a:t>
             </a:r>
             <a:endParaRPr lang="ko-KR" altLang="en-US" sz="1800">
               <a:latin typeface="맑은 고딕" charset="0"/>
@@ -8163,9 +8411,40 @@
           </a:p>
         </p:txBody>
       </p:sp>
-      <p:sp>
-        <p:nvSpPr>
-          <p:cNvPr id="1176" name="텍스트 상자 17"/>
+      <p:pic>
+        <p:nvPicPr>
+          <p:cNvPr id="1180" name="그림 42" descr="C:/Users/nwond/AppData/Roaming/PolarisOffice/ETemp/26808_6435248/fImage117832769358.png"/>
+          <p:cNvPicPr>
+            <a:picLocks noChangeAspect="1"/>
+          </p:cNvPicPr>
+          <p:nvPr/>
+        </p:nvPicPr>
+        <p:blipFill rotWithShape="1">
+          <a:blip r:embed="rId3" cstate="hqprint">
+            <a:extLst>
+              <a:ext uri="{28A0092B-C50C-407E-A947-70E740481C1C}">
+                <a14:useLocalDpi xmlns:a14="http://schemas.microsoft.com/office/drawing/2010/main"/>
+              </a:ext>
+            </a:extLst>
+          </a:blip>
+          <a:stretch>
+            <a:fillRect/>
+          </a:stretch>
+        </p:blipFill>
+        <p:spPr>
+          <a:xfrm rot="0">
+            <a:off x="6820535" y="1428115"/>
+            <a:ext cx="4121785" cy="1763395"/>
+          </a:xfrm>
+          <a:prstGeom prst="roundRect"/>
+          <a:solidFill>
+            <a:srgbClr val="EDEDED"/>
+          </a:solidFill>
+        </p:spPr>
+      </p:pic>
+      <p:sp>
+        <p:nvSpPr>
+          <p:cNvPr id="1184" name="텍스트 상자 1"/>
           <p:cNvSpPr txBox="1">
             <a:spLocks/>
           </p:cNvSpPr>
@@ -8173,8 +8452,8 @@
         </p:nvSpPr>
         <p:spPr>
           <a:xfrm rot="0">
-            <a:off x="1231900" y="5234940"/>
-            <a:ext cx="4144010" cy="954405"/>
+            <a:off x="1244600" y="4955540"/>
+            <a:ext cx="4124325" cy="1231265"/>
           </a:xfrm>
           <a:prstGeom prst="rect"/>
           <a:noFill/>
@@ -8201,7 +8480,17 @@
                 <a:latin typeface="맑은 고딕" charset="0"/>
                 <a:ea typeface="맑은 고딕" charset="0"/>
               </a:rPr>
-              <a:t>29</a:t>
+              <a:t>2</a:t>
+            </a:r>
+            <a:r>
+              <a:rPr lang="ko-KR" sz="2000" b="1">
+                <a:solidFill>
+                  <a:srgbClr val="0611F2"/>
+                </a:solidFill>
+                <a:latin typeface="맑은 고딕" charset="0"/>
+                <a:ea typeface="맑은 고딕" charset="0"/>
+              </a:rPr>
+              <a:t>9</a:t>
             </a:r>
             <a:r>
               <a:rPr sz="2000" b="1">
@@ -8211,129 +8500,28 @@
                 <a:latin typeface="맑은 고딕" charset="0"/>
                 <a:ea typeface="맑은 고딕" charset="0"/>
               </a:rPr>
-              <a:t>.</a:t>
-            </a:r>
-            <a:r>
-              <a:rPr sz="2000" b="1">
-                <a:solidFill>
-                  <a:srgbClr val="0611F2"/>
-                </a:solidFill>
-                <a:latin typeface="맑은 고딕" charset="0"/>
-                <a:ea typeface="맑은 고딕" charset="0"/>
-              </a:rPr>
-              <a:t> </a:t>
+              <a:t>. </a:t>
             </a:r>
             <a:r>
               <a:rPr lang="ko-KR" sz="1800">
                 <a:latin typeface="맑은 고딕" charset="0"/>
                 <a:ea typeface="맑은 고딕" charset="0"/>
               </a:rPr>
-              <a:t>그다음 Item Label </a:t>
+              <a:t>그</a:t>
             </a:r>
             <a:r>
               <a:rPr lang="ko-KR" sz="1800">
                 <a:latin typeface="맑은 고딕" charset="0"/>
                 <a:ea typeface="맑은 고딕" charset="0"/>
               </a:rPr>
-              <a:t>오브젝트의</a:t>
+              <a:t>다음으로</a:t>
             </a:r>
             <a:r>
               <a:rPr lang="ko-KR" sz="1800">
                 <a:latin typeface="맑은 고딕" charset="0"/>
                 <a:ea typeface="맑은 고딕" charset="0"/>
               </a:rPr>
-              <a:t> </a:t>
-            </a:r>
-            <a:r>
-              <a:rPr lang="ko-KR" sz="1800">
-                <a:latin typeface="맑은 고딕" charset="0"/>
-                <a:ea typeface="맑은 고딕" charset="0"/>
-              </a:rPr>
-              <a:t>Font</a:t>
-            </a:r>
-            <a:r>
-              <a:rPr lang="ko-KR" sz="1800">
-                <a:latin typeface="맑은 고딕" charset="0"/>
-                <a:ea typeface="맑은 고딕" charset="0"/>
-              </a:rPr>
-              <a:t> </a:t>
-            </a:r>
-            <a:r>
-              <a:rPr lang="ko-KR" sz="1800">
-                <a:latin typeface="맑은 고딕" charset="0"/>
-                <a:ea typeface="맑은 고딕" charset="0"/>
-              </a:rPr>
-              <a:t>Size를</a:t>
-            </a:r>
-            <a:r>
-              <a:rPr lang="ko-KR" sz="1800">
-                <a:latin typeface="맑은 고딕" charset="0"/>
-                <a:ea typeface="맑은 고딕" charset="0"/>
-              </a:rPr>
-              <a:t> </a:t>
-            </a:r>
-            <a:r>
-              <a:rPr lang="ko-KR" sz="1800">
-                <a:latin typeface="맑은 고딕" charset="0"/>
-                <a:ea typeface="맑은 고딕" charset="0"/>
-              </a:rPr>
-              <a:t>50으로</a:t>
-            </a:r>
-            <a:r>
-              <a:rPr lang="ko-KR" sz="1800">
-                <a:latin typeface="맑은 고딕" charset="0"/>
-                <a:ea typeface="맑은 고딕" charset="0"/>
-              </a:rPr>
-              <a:t> </a:t>
-            </a:r>
-            <a:r>
-              <a:rPr lang="ko-KR" sz="1800">
-                <a:latin typeface="맑은 고딕" charset="0"/>
-                <a:ea typeface="맑은 고딕" charset="0"/>
-              </a:rPr>
-              <a:t>설정하고</a:t>
-            </a:r>
-            <a:r>
-              <a:rPr lang="ko-KR" sz="1800">
-                <a:latin typeface="맑은 고딕" charset="0"/>
-                <a:ea typeface="맑은 고딕" charset="0"/>
-              </a:rPr>
-              <a:t> </a:t>
-            </a:r>
-            <a:r>
-              <a:rPr lang="ko-KR" sz="1800">
-                <a:latin typeface="맑은 고딕" charset="0"/>
-                <a:ea typeface="맑은 고딕" charset="0"/>
-              </a:rPr>
-              <a:t>Alignment를</a:t>
-            </a:r>
-            <a:r>
-              <a:rPr lang="ko-KR" sz="1800">
-                <a:latin typeface="맑은 고딕" charset="0"/>
-                <a:ea typeface="맑은 고딕" charset="0"/>
-              </a:rPr>
-              <a:t> </a:t>
-            </a:r>
-            <a:r>
-              <a:rPr lang="ko-KR" sz="1800">
-                <a:latin typeface="맑은 고딕" charset="0"/>
-                <a:ea typeface="맑은 고딕" charset="0"/>
-              </a:rPr>
-              <a:t>가운데로</a:t>
-            </a:r>
-            <a:r>
-              <a:rPr lang="ko-KR" sz="1800">
-                <a:latin typeface="맑은 고딕" charset="0"/>
-                <a:ea typeface="맑은 고딕" charset="0"/>
-              </a:rPr>
-              <a:t> </a:t>
-            </a:r>
-            <a:r>
-              <a:rPr lang="ko-KR" sz="1800">
-                <a:latin typeface="맑은 고딕" charset="0"/>
-                <a:ea typeface="맑은 고딕" charset="0"/>
-              </a:rPr>
-              <a:t>정렬합니다.</a:t>
+              <a:t> Item Label 오브젝트의 Font Size를 50으로 설정하고 Alignment를 가운데로 정렬합니다.</a:t>
             </a:r>
             <a:endParaRPr lang="ko-KR" altLang="en-US" sz="1800">
               <a:latin typeface="맑은 고딕" charset="0"/>
@@ -8344,7 +8532,7 @@
       </p:sp>
       <p:pic>
         <p:nvPicPr>
-          <p:cNvPr id="1177" name="그림 18" descr="C:/Users/Admin1/AppData/Roaming/PolarisOffice/ETemp/18356_10877360/fImage2395914341.png"/>
+          <p:cNvPr id="1185" name="그림 2" descr="C:/Users/nwond/AppData/Roaming/PolarisOffice/ETemp/26808_6435248/fImage2395914341.png"/>
           <p:cNvPicPr>
             <a:picLocks noChangeAspect="1"/>
           </p:cNvPicPr>
@@ -8365,7 +8553,7 @@
         <p:spPr>
           <a:xfrm rot="0">
             <a:off x="1240790" y="1450975"/>
-            <a:ext cx="4135755" cy="3615055"/>
+            <a:ext cx="4128770" cy="3515360"/>
           </a:xfrm>
           <a:prstGeom prst="roundRect"/>
           <a:solidFill>
@@ -8375,14 +8563,147 @@
       </p:pic>
       <p:pic>
         <p:nvPicPr>
-          <p:cNvPr id="1178" name="그림 22" descr="C:/Users/Admin1/AppData/Roaming/PolarisOffice/ETemp/18356_10877360/fImage156372549169.png"/>
+          <p:cNvPr id="1186" name="그림 39" descr="C:/Users/nwond/AppData/Roaming/PolarisOffice/ETemp/26808_6435248/fImage56111869169.png"/>
           <p:cNvPicPr>
             <a:picLocks noChangeAspect="1"/>
           </p:cNvPicPr>
           <p:nvPr/>
         </p:nvPicPr>
         <p:blipFill rotWithShape="1">
-          <a:blip r:embed="rId3" cstate="print">
+          <a:blip r:embed="rId7" cstate="hqprint">
+            <a:extLst>
+              <a:ext uri="{28A0092B-C50C-407E-A947-70E740481C1C}">
+                <a14:useLocalDpi xmlns:a14="http://schemas.microsoft.com/office/drawing/2010/main"/>
+              </a:ext>
+            </a:extLst>
+          </a:blip>
+          <a:stretch>
+            <a:fillRect/>
+          </a:stretch>
+        </p:blipFill>
+        <p:spPr>
+          <a:xfrm rot="0">
+            <a:off x="6818630" y="4127500"/>
+            <a:ext cx="1349375" cy="1173480"/>
+          </a:xfrm>
+          <a:prstGeom prst="roundRect"/>
+          <a:solidFill>
+            <a:srgbClr val="EDEDED"/>
+          </a:solidFill>
+        </p:spPr>
+      </p:pic>
+      <p:sp>
+        <p:nvSpPr>
+          <p:cNvPr id="1187" name="텍스트 상자 40"/>
+          <p:cNvSpPr txBox="1">
+            <a:spLocks/>
+          </p:cNvSpPr>
+          <p:nvPr/>
+        </p:nvSpPr>
+        <p:spPr>
+          <a:xfrm rot="0">
+            <a:off x="6823710" y="5253355"/>
+            <a:ext cx="4117975" cy="954405"/>
+          </a:xfrm>
+          <a:prstGeom prst="rect"/>
+          <a:noFill/>
+          <a:ln w="0">
+            <a:noFill/>
+            <a:prstDash/>
+          </a:ln>
+        </p:spPr>
+        <p:txBody>
+          <a:bodyPr wrap="square" lIns="89535" tIns="46355" rIns="89535" bIns="46355" numCol="1" vert="horz" anchor="t">
+            <a:spAutoFit/>
+          </a:bodyPr>
+          <a:lstStyle/>
+          <a:p>
+            <a:pPr marL="0" indent="0" rtl="0" algn="l" defTabSz="914400" eaLnBrk="1" latinLnBrk="0" hangingPunct="1">
+              <a:buFontTx/>
+              <a:buNone/>
+            </a:pPr>
+            <a:r>
+              <a:rPr lang="ko-KR" sz="2000" b="1">
+                <a:solidFill>
+                  <a:srgbClr val="0611F2"/>
+                </a:solidFill>
+                <a:latin typeface="맑은 고딕" charset="0"/>
+                <a:ea typeface="맑은 고딕" charset="0"/>
+              </a:rPr>
+              <a:t>31</a:t>
+            </a:r>
+            <a:r>
+              <a:rPr lang="ko-KR" sz="2000" b="1">
+                <a:solidFill>
+                  <a:srgbClr val="0611F2"/>
+                </a:solidFill>
+                <a:latin typeface="맑은 고딕" charset="0"/>
+                <a:ea typeface="맑은 고딕" charset="0"/>
+              </a:rPr>
+              <a:t>.</a:t>
+            </a:r>
+            <a:r>
+              <a:rPr sz="2000" b="1">
+                <a:solidFill>
+                  <a:srgbClr val="0611F2"/>
+                </a:solidFill>
+                <a:latin typeface="맑은 고딕" charset="0"/>
+                <a:ea typeface="맑은 고딕" charset="0"/>
+              </a:rPr>
+              <a:t> </a:t>
+            </a:r>
+            <a:r>
+              <a:rPr lang="ko-KR" sz="1800">
+                <a:latin typeface="맑은 고딕" charset="0"/>
+                <a:ea typeface="맑은 고딕" charset="0"/>
+              </a:rPr>
+              <a:t>이제</a:t>
+            </a:r>
+            <a:r>
+              <a:rPr lang="ko-KR" sz="1800">
+                <a:latin typeface="맑은 고딕" charset="0"/>
+                <a:ea typeface="맑은 고딕" charset="0"/>
+              </a:rPr>
+              <a:t> Connect Server 스크립트의 Canvas </a:t>
+            </a:r>
+            <a:r>
+              <a:rPr lang="ko-KR" sz="1800">
+                <a:latin typeface="맑은 고딕" charset="0"/>
+                <a:ea typeface="맑은 고딕" charset="0"/>
+              </a:rPr>
+              <a:t>L</a:t>
+            </a:r>
+            <a:r>
+              <a:rPr lang="ko-KR" sz="1800">
+                <a:latin typeface="맑은 고딕" charset="0"/>
+                <a:ea typeface="맑은 고딕" charset="0"/>
+              </a:rPr>
+              <a:t>obby</a:t>
+            </a:r>
+            <a:r>
+              <a:rPr lang="ko-KR" sz="1800">
+                <a:latin typeface="맑은 고딕" charset="0"/>
+                <a:ea typeface="맑은 고딕" charset="0"/>
+              </a:rPr>
+              <a:t> 변수에 Canvase Lobby 오브젝트를 넣어줍니다.</a:t>
+            </a:r>
+            <a:endParaRPr lang="ko-KR" altLang="en-US" sz="1800">
+              <a:latin typeface="맑은 고딕" charset="0"/>
+              <a:ea typeface="맑은 고딕" charset="0"/>
+            </a:endParaRPr>
+          </a:p>
+        </p:txBody>
+      </p:sp>
+      <p:pic>
+        <p:nvPicPr>
+          <p:cNvPr id="1188" name="그림 41" descr="C:/Users/nwond/AppData/Roaming/PolarisOffice/ETemp/26808_6435248/fImage99822326500.png"/>
+          <p:cNvPicPr>
+            <a:picLocks noChangeAspect="1"/>
+          </p:cNvPicPr>
+          <p:nvPr/>
+        </p:nvPicPr>
+        <p:blipFill rotWithShape="1">
+          <a:blip r:embed="rId8" cstate="print">
             <a:extLst>
               <a:ext uri="{28A0092B-C50C-407E-A947-70E740481C1C}">
                 <a14:useLocalDpi xmlns:a14="http://schemas.microsoft.com/office/drawing/2010/main" val="0"/>
@@ -8395,8 +8716,8 @@
         </p:blipFill>
         <p:spPr>
           <a:xfrm rot="0">
-            <a:off x="6835775" y="1449070"/>
-            <a:ext cx="4121785" cy="2212340"/>
+            <a:off x="8235315" y="4127500"/>
+            <a:ext cx="2712720" cy="1173480"/>
           </a:xfrm>
           <a:prstGeom prst="roundRect"/>
           <a:solidFill>
@@ -8406,7 +8727,409 @@
       </p:pic>
       <p:pic>
         <p:nvPicPr>
-          <p:cNvPr id="1179" name="그림 25" descr="C:/Users/Admin1/AppData/Roaming/PolarisOffice/ETemp/18356_10877360/fImage151212555724.png"/>
+          <p:cNvPr id="1189" name="그림 42" descr="C:/Users/nwond/AppData/Roaming/PolarisOffice/ETemp/26808_6435248/fImage2242172209358.png"/>
+          <p:cNvPicPr>
+            <a:picLocks noChangeAspect="1"/>
+          </p:cNvPicPr>
+          <p:nvPr/>
+        </p:nvPicPr>
+        <p:blipFill rotWithShape="1">
+          <a:blip r:embed="rId9" cstate="hqprint">
+            <a:extLst>
+              <a:ext uri="{28A0092B-C50C-407E-A947-70E740481C1C}">
+                <a14:useLocalDpi xmlns:a14="http://schemas.microsoft.com/office/drawing/2010/main"/>
+              </a:ext>
+            </a:extLst>
+          </a:blip>
+          <a:stretch>
+            <a:fillRect/>
+          </a:stretch>
+        </p:blipFill>
+        <p:spPr>
+          <a:xfrm rot="0">
+            <a:off x="7865745" y="4500245"/>
+            <a:ext cx="655320" cy="435610"/>
+          </a:xfrm>
+          <a:prstGeom prst="rect"/>
+          <a:noFill/>
+        </p:spPr>
+      </p:pic>
+    </p:spTree>
+  </p:cSld>
+  <p:clrMapOvr>
+    <a:masterClrMapping/>
+  </p:clrMapOvr>
+  <mc:AlternateContent xmlns:mc="http://schemas.openxmlformats.org/markup-compatibility/2006">
+    <mc:Choice xmlns:p14="http://schemas.microsoft.com/office/powerpoint/2010/main" Requires="p14">
+      <p:transition spd="slow" p14:dur="2000"/>
+    </mc:Choice>
+    <mc:Fallback>
+      <p:transition spd="slow"/>
+    </mc:Fallback>
+  </mc:AlternateContent>
+  <p:timing>
+    <p:tnLst>
+      <p:par>
+        <p:cTn id="1" dur="indefinite" restart="never" nodeType="tmRoot"/>
+      </p:par>
+    </p:tnLst>
+  </p:timing>
+</p:sld>
+</file>
+
+<file path=ppt/slides/slide12.xml><?xml version="1.0" encoding="utf-8"?>
+<p:sld xmlns:a="http://schemas.openxmlformats.org/drawingml/2006/main" xmlns:r="http://schemas.openxmlformats.org/officeDocument/2006/relationships" xmlns:p="http://schemas.openxmlformats.org/presentationml/2006/main" xmlns:p14="http://schemas.microsoft.com/office/powerpoint/2010/main">
+  <p:cSld>
+    <p:spTree>
+      <p:nvGrpSpPr>
+        <p:cNvPr id="1" name=""/>
+        <p:cNvGrpSpPr/>
+        <p:nvPr/>
+      </p:nvGrpSpPr>
+      <p:grpSpPr>
+        <a:xfrm>
+          <a:off x="0" y="0"/>
+          <a:ext cx="0" cy="0"/>
+          <a:chOff x="0" y="0"/>
+          <a:chExt cx="0" cy="0"/>
+        </a:xfrm>
+      </p:grpSpPr>
+      <p:sp>
+        <p:nvSpPr>
+          <p:cNvPr id="1031" name="Rect 0"/>
+          <p:cNvSpPr txBox="1">
+            <a:spLocks/>
+          </p:cNvSpPr>
+          <p:nvPr/>
+        </p:nvSpPr>
+        <p:spPr>
+          <a:xfrm rot="0">
+            <a:off x="4337050" y="377190"/>
+            <a:ext cx="3524885" cy="478155"/>
+          </a:xfrm>
+          <a:prstGeom prst="rect"/>
+          <a:noFill/>
+          <a:ln w="0">
+            <a:noFill/>
+            <a:prstDash/>
+          </a:ln>
+        </p:spPr>
+        <p:txBody>
+          <a:bodyPr wrap="square" lIns="89535" tIns="46355" rIns="89535" bIns="46355" numCol="1" vert="horz" anchor="t">
+            <a:spAutoFit/>
+          </a:bodyPr>
+          <a:lstStyle/>
+          <a:p>
+            <a:pPr marL="0" indent="0" algn="ctr" latinLnBrk="0">
+              <a:buFontTx/>
+              <a:buNone/>
+            </a:pPr>
+            <a:r>
+              <a:rPr lang="ko-KR" altLang="en-US" sz="2500" b="1">
+                <a:solidFill>
+                  <a:schemeClr val="tx1"/>
+                </a:solidFill>
+                <a:latin typeface="나눔바른고딕" charset="0"/>
+                <a:ea typeface="나눔바른고딕" charset="0"/>
+              </a:rPr>
+              <a:t>열</a:t>
+            </a:r>
+            <a:r>
+              <a:rPr lang="ko-KR" altLang="en-US" sz="2500" b="1">
+                <a:solidFill>
+                  <a:schemeClr val="tx1"/>
+                </a:solidFill>
+                <a:latin typeface="나눔바른고딕" charset="0"/>
+                <a:ea typeface="나눔바른고딕" charset="0"/>
+              </a:rPr>
+              <a:t>두</a:t>
+            </a:r>
+            <a:r>
+              <a:rPr lang="ko-KR" altLang="en-US" sz="2500" b="1">
+                <a:solidFill>
+                  <a:schemeClr val="tx1"/>
+                </a:solidFill>
+                <a:latin typeface="나눔바른고딕" charset="0"/>
+                <a:ea typeface="나눔바른고딕" charset="0"/>
+              </a:rPr>
+              <a:t> 번째 튜토리얼</a:t>
+            </a:r>
+            <a:endParaRPr lang="ko-KR" altLang="en-US" sz="2500" b="1">
+              <a:solidFill>
+                <a:schemeClr val="tx1"/>
+              </a:solidFill>
+              <a:latin typeface="나눔바른고딕" charset="0"/>
+              <a:ea typeface="나눔바른고딕" charset="0"/>
+            </a:endParaRPr>
+          </a:p>
+        </p:txBody>
+      </p:sp>
+      <p:sp>
+        <p:nvSpPr>
+          <p:cNvPr id="1182" name="텍스트 상자 53"/>
+          <p:cNvSpPr txBox="1">
+            <a:spLocks/>
+          </p:cNvSpPr>
+          <p:nvPr/>
+        </p:nvSpPr>
+        <p:spPr>
+          <a:xfrm rot="0">
+            <a:off x="1235075" y="5636260"/>
+            <a:ext cx="4137025" cy="677545"/>
+          </a:xfrm>
+          <a:prstGeom prst="rect"/>
+          <a:noFill/>
+          <a:ln w="0">
+            <a:noFill/>
+            <a:prstDash/>
+          </a:ln>
+        </p:spPr>
+        <p:txBody>
+          <a:bodyPr wrap="square" lIns="89535" tIns="46355" rIns="89535" bIns="46355" numCol="1" vert="horz" anchor="t">
+            <a:spAutoFit/>
+          </a:bodyPr>
+          <a:lstStyle/>
+          <a:p>
+            <a:pPr marL="0" indent="0" rtl="0" algn="l" defTabSz="914400" eaLnBrk="1" latinLnBrk="0" hangingPunct="1">
+              <a:buFontTx/>
+              <a:buNone/>
+            </a:pPr>
+            <a:r>
+              <a:rPr lang="ko-KR" sz="2000" b="1">
+                <a:solidFill>
+                  <a:srgbClr val="0611F2"/>
+                </a:solidFill>
+                <a:latin typeface="맑은 고딕" charset="0"/>
+                <a:ea typeface="맑은 고딕" charset="0"/>
+              </a:rPr>
+              <a:t>32</a:t>
+            </a:r>
+            <a:r>
+              <a:rPr sz="2000" b="1">
+                <a:solidFill>
+                  <a:srgbClr val="0611F2"/>
+                </a:solidFill>
+                <a:latin typeface="맑은 고딕" charset="0"/>
+                <a:ea typeface="맑은 고딕" charset="0"/>
+              </a:rPr>
+              <a:t>. </a:t>
+            </a:r>
+            <a:r>
+              <a:rPr lang="ko-KR" sz="1800">
+                <a:latin typeface="맑은 고딕" charset="0"/>
+                <a:ea typeface="맑은 고딕" charset="0"/>
+              </a:rPr>
+              <a:t>그리고</a:t>
+            </a:r>
+            <a:r>
+              <a:rPr lang="ko-KR" sz="1800">
+                <a:latin typeface="맑은 고딕" charset="0"/>
+                <a:ea typeface="맑은 고딕" charset="0"/>
+              </a:rPr>
+              <a:t> Template 오브젝트에 있는 이미지 컴포넌트를 </a:t>
+            </a:r>
+            <a:r>
+              <a:rPr lang="ko-KR" sz="1800">
+                <a:latin typeface="맑은 고딕" charset="0"/>
+                <a:ea typeface="맑은 고딕" charset="0"/>
+              </a:rPr>
+              <a:t>삭제합니다</a:t>
+            </a:r>
+            <a:r>
+              <a:rPr lang="ko-KR" sz="1800">
+                <a:latin typeface="맑은 고딕" charset="0"/>
+                <a:ea typeface="맑은 고딕" charset="0"/>
+              </a:rPr>
+              <a:t>.</a:t>
+            </a:r>
+            <a:endParaRPr lang="ko-KR" altLang="en-US" sz="1800">
+              <a:latin typeface="맑은 고딕" charset="0"/>
+              <a:ea typeface="맑은 고딕" charset="0"/>
+            </a:endParaRPr>
+          </a:p>
+        </p:txBody>
+      </p:sp>
+      <p:pic>
+        <p:nvPicPr>
+          <p:cNvPr id="1183" name="그림 54"/>
+          <p:cNvPicPr>
+            <a:picLocks noChangeAspect="1"/>
+          </p:cNvPicPr>
+          <p:nvPr/>
+        </p:nvPicPr>
+        <p:blipFill rotWithShape="1">
+          <a:blip r:embed="rId2" cstate="print">
+            <a:extLst>
+              <a:ext uri="{28A0092B-C50C-407E-A947-70E740481C1C}">
+                <a14:useLocalDpi xmlns:a14="http://schemas.microsoft.com/office/drawing/2010/main" val="0"/>
+              </a:ext>
+            </a:extLst>
+          </a:blip>
+          <a:stretch>
+            <a:fillRect/>
+          </a:stretch>
+        </p:blipFill>
+        <p:spPr>
+          <a:xfrm rot="0">
+            <a:off x="1235075" y="1443355"/>
+            <a:ext cx="4140200" cy="4124325"/>
+          </a:xfrm>
+          <a:prstGeom prst="roundRect"/>
+          <a:solidFill>
+            <a:srgbClr val="EDEDED"/>
+          </a:solidFill>
+        </p:spPr>
+      </p:pic>
+      <p:sp>
+        <p:nvSpPr>
+          <p:cNvPr id="1184" name="텍스트 상자 70"/>
+          <p:cNvSpPr txBox="1">
+            <a:spLocks/>
+          </p:cNvSpPr>
+          <p:nvPr/>
+        </p:nvSpPr>
+        <p:spPr>
+          <a:xfrm rot="0">
+            <a:off x="6826885" y="5083175"/>
+            <a:ext cx="4131310" cy="1231265"/>
+          </a:xfrm>
+          <a:prstGeom prst="rect"/>
+          <a:noFill/>
+          <a:ln w="0">
+            <a:noFill/>
+            <a:prstDash/>
+          </a:ln>
+        </p:spPr>
+        <p:txBody>
+          <a:bodyPr wrap="square" lIns="89535" tIns="46355" rIns="89535" bIns="46355" numCol="1" vert="horz" anchor="t">
+            <a:spAutoFit/>
+          </a:bodyPr>
+          <a:lstStyle/>
+          <a:p>
+            <a:pPr marL="0" indent="0" rtl="0" algn="l" defTabSz="914400" eaLnBrk="1" latinLnBrk="0" hangingPunct="1">
+              <a:buFontTx/>
+              <a:buNone/>
+            </a:pPr>
+            <a:r>
+              <a:rPr lang="ko-KR" sz="2000" b="1">
+                <a:solidFill>
+                  <a:srgbClr val="0611F2"/>
+                </a:solidFill>
+                <a:latin typeface="맑은 고딕" charset="0"/>
+                <a:ea typeface="맑은 고딕" charset="0"/>
+              </a:rPr>
+              <a:t>3</a:t>
+            </a:r>
+            <a:r>
+              <a:rPr lang="ko-KR" sz="2000" b="1">
+                <a:solidFill>
+                  <a:srgbClr val="0611F2"/>
+                </a:solidFill>
+                <a:latin typeface="맑은 고딕" charset="0"/>
+                <a:ea typeface="맑은 고딕" charset="0"/>
+              </a:rPr>
+              <a:t>3</a:t>
+            </a:r>
+            <a:r>
+              <a:rPr sz="2000" b="1">
+                <a:solidFill>
+                  <a:srgbClr val="0611F2"/>
+                </a:solidFill>
+                <a:latin typeface="맑은 고딕" charset="0"/>
+                <a:ea typeface="맑은 고딕" charset="0"/>
+              </a:rPr>
+              <a:t>. </a:t>
+            </a:r>
+            <a:r>
+              <a:rPr lang="ko-KR" sz="1800">
+                <a:latin typeface="맑은 고딕" charset="0"/>
+                <a:ea typeface="맑은 고딕" charset="0"/>
+              </a:rPr>
+              <a:t>그</a:t>
+            </a:r>
+            <a:r>
+              <a:rPr lang="ko-KR" sz="1800">
+                <a:latin typeface="맑은 고딕" charset="0"/>
+                <a:ea typeface="맑은 고딕" charset="0"/>
+              </a:rPr>
+              <a:t>런 </a:t>
+            </a:r>
+            <a:r>
+              <a:rPr lang="ko-KR" sz="1800">
+                <a:latin typeface="맑은 고딕" charset="0"/>
+                <a:ea typeface="맑은 고딕" charset="0"/>
+              </a:rPr>
+              <a:t>다음</a:t>
+            </a:r>
+            <a:r>
+              <a:rPr lang="ko-KR" sz="1800">
+                <a:latin typeface="맑은 고딕" charset="0"/>
+                <a:ea typeface="맑은 고딕" charset="0"/>
+              </a:rPr>
+              <a:t> </a:t>
+            </a:r>
+            <a:r>
+              <a:rPr lang="ko-KR" sz="1800">
+                <a:latin typeface="맑은 고딕" charset="0"/>
+                <a:ea typeface="맑은 고딕" charset="0"/>
+              </a:rPr>
+              <a:t>L</a:t>
+            </a:r>
+            <a:r>
+              <a:rPr lang="ko-KR" sz="1800">
+                <a:latin typeface="맑은 고딕" charset="0"/>
+                <a:ea typeface="맑은 고딕" charset="0"/>
+              </a:rPr>
+              <a:t>obby </a:t>
+            </a:r>
+            <a:r>
+              <a:rPr lang="ko-KR" sz="1800">
+                <a:latin typeface="맑은 고딕" charset="0"/>
+                <a:ea typeface="맑은 고딕" charset="0"/>
+              </a:rPr>
+              <a:t>폴더에 있는 Server Button 텍스처를 Server Selection 오브젝트의 Source Image에 넣어줍니다. </a:t>
+            </a:r>
+            <a:endParaRPr lang="ko-KR" altLang="en-US" sz="1800">
+              <a:latin typeface="맑은 고딕" charset="0"/>
+              <a:ea typeface="맑은 고딕" charset="0"/>
+            </a:endParaRPr>
+          </a:p>
+        </p:txBody>
+      </p:sp>
+      <p:pic>
+        <p:nvPicPr>
+          <p:cNvPr id="1185" name="그림 71"/>
+          <p:cNvPicPr>
+            <a:picLocks noChangeAspect="1"/>
+          </p:cNvPicPr>
+          <p:nvPr/>
+        </p:nvPicPr>
+        <p:blipFill rotWithShape="1">
+          <a:blip r:embed="rId3" cstate="hqprint">
+            <a:extLst>
+              <a:ext uri="{28A0092B-C50C-407E-A947-70E740481C1C}">
+                <a14:useLocalDpi xmlns:a14="http://schemas.microsoft.com/office/drawing/2010/main"/>
+              </a:ext>
+            </a:extLst>
+          </a:blip>
+          <a:stretch>
+            <a:fillRect/>
+          </a:stretch>
+        </p:blipFill>
+        <p:spPr>
+          <a:xfrm rot="0">
+            <a:off x="6832600" y="1455420"/>
+            <a:ext cx="4125595" cy="2393315"/>
+          </a:xfrm>
+          <a:prstGeom prst="roundRect"/>
+          <a:solidFill>
+            <a:srgbClr val="EDEDED"/>
+          </a:solidFill>
+        </p:spPr>
+      </p:pic>
+      <p:pic>
+        <p:nvPicPr>
+          <p:cNvPr id="1188" name="그림 74"/>
           <p:cNvPicPr>
             <a:picLocks noChangeAspect="1"/>
           </p:cNvPicPr>
@@ -8426,8 +9149,8 @@
         </p:blipFill>
         <p:spPr>
           <a:xfrm rot="0">
-            <a:off x="6838950" y="3832860"/>
-            <a:ext cx="4118610" cy="1034415"/>
+            <a:off x="6820535" y="3930015"/>
+            <a:ext cx="4140200" cy="1192530"/>
           </a:xfrm>
           <a:prstGeom prst="roundRect"/>
           <a:solidFill>
@@ -8437,19 +9160,18 @@
       </p:pic>
       <p:cxnSp>
         <p:nvCxnSpPr>
-          <p:cNvPr id="1180" name="도형 28"/>
+          <p:cNvPr id="1187" name="도형 73"/>
           <p:cNvCxnSpPr/>
           <p:nvPr/>
         </p:nvCxnSpPr>
         <p:spPr>
           <a:xfrm rot="0" flipV="1">
-            <a:off x="8898255" y="1765935"/>
-            <a:ext cx="1912620" cy="2489835"/>
+            <a:off x="8613775" y="1812290"/>
+            <a:ext cx="2191385" cy="2625725"/>
           </a:xfrm>
           <a:prstGeom prst="straightConnector1"/>
           <a:ln w="6350" cap="flat" cmpd="sng">
             <a:prstDash/>
-            <a:headEnd type="none" w="med" len="med"/>
             <a:tailEnd type="triangle" w="med" len="med"/>
           </a:ln>
         </p:spPr>
@@ -8468,6 +9190,456 @@
           </a:fontRef>
         </p:style>
       </p:cxnSp>
+    </p:spTree>
+  </p:cSld>
+  <p:clrMapOvr>
+    <a:masterClrMapping/>
+  </p:clrMapOvr>
+  <mc:AlternateContent xmlns:mc="http://schemas.openxmlformats.org/markup-compatibility/2006">
+    <mc:Choice xmlns:p14="http://schemas.microsoft.com/office/powerpoint/2010/main" Requires="p14">
+      <p:transition spd="slow" p14:dur="2000"/>
+    </mc:Choice>
+    <mc:Fallback>
+      <p:transition spd="slow"/>
+    </mc:Fallback>
+  </mc:AlternateContent>
+  <p:timing>
+    <p:tnLst>
+      <p:par>
+        <p:cTn id="1" dur="indefinite" restart="never" nodeType="tmRoot"/>
+      </p:par>
+    </p:tnLst>
+  </p:timing>
+</p:sld>
+</file>
+
+<file path=ppt/slides/slide13.xml><?xml version="1.0" encoding="utf-8"?>
+<p:sld xmlns:a="http://schemas.openxmlformats.org/drawingml/2006/main" xmlns:r="http://schemas.openxmlformats.org/officeDocument/2006/relationships" xmlns:p="http://schemas.openxmlformats.org/presentationml/2006/main" xmlns:p14="http://schemas.microsoft.com/office/powerpoint/2010/main">
+  <p:cSld>
+    <p:spTree>
+      <p:nvGrpSpPr>
+        <p:cNvPr id="1" name=""/>
+        <p:cNvGrpSpPr/>
+        <p:nvPr/>
+      </p:nvGrpSpPr>
+      <p:grpSpPr>
+        <a:xfrm>
+          <a:off x="0" y="0"/>
+          <a:ext cx="0" cy="0"/>
+          <a:chOff x="0" y="0"/>
+          <a:chExt cx="0" cy="0"/>
+        </a:xfrm>
+      </p:grpSpPr>
+      <p:sp>
+        <p:nvSpPr>
+          <p:cNvPr id="1031" name="Rect 0"/>
+          <p:cNvSpPr txBox="1">
+            <a:spLocks/>
+          </p:cNvSpPr>
+          <p:nvPr/>
+        </p:nvSpPr>
+        <p:spPr>
+          <a:xfrm>
+            <a:off x="4337050" y="377190"/>
+            <a:ext cx="3524885" cy="478155"/>
+          </a:xfrm>
+          <a:prstGeom prst="rect"/>
+          <a:noFill/>
+          <a:ln w="0">
+            <a:noFill/>
+            <a:prstDash/>
+          </a:ln>
+        </p:spPr>
+        <p:txBody>
+          <a:bodyPr wrap="square" lIns="89535" tIns="46355" rIns="89535" bIns="46355" numCol="1" vert="horz" anchor="t">
+            <a:spAutoFit/>
+          </a:bodyPr>
+          <a:lstStyle/>
+          <a:p>
+            <a:pPr marL="0" indent="0" algn="ctr" latinLnBrk="0">
+              <a:buFontTx/>
+              <a:buNone/>
+            </a:pPr>
+            <a:r>
+              <a:rPr lang="ko-KR" altLang="en-US" sz="2500" b="1">
+                <a:solidFill>
+                  <a:schemeClr val="tx1"/>
+                </a:solidFill>
+                <a:latin typeface="나눔바른고딕" charset="0"/>
+                <a:ea typeface="나눔바른고딕" charset="0"/>
+              </a:rPr>
+              <a:t>열</a:t>
+            </a:r>
+            <a:r>
+              <a:rPr lang="ko-KR" altLang="en-US" sz="2500" b="1">
+                <a:solidFill>
+                  <a:schemeClr val="tx1"/>
+                </a:solidFill>
+                <a:latin typeface="나눔바른고딕" charset="0"/>
+                <a:ea typeface="나눔바른고딕" charset="0"/>
+              </a:rPr>
+              <a:t>세</a:t>
+            </a:r>
+            <a:r>
+              <a:rPr lang="ko-KR" altLang="en-US" sz="2500" b="1">
+                <a:solidFill>
+                  <a:schemeClr val="tx1"/>
+                </a:solidFill>
+                <a:latin typeface="나눔바른고딕" charset="0"/>
+                <a:ea typeface="나눔바른고딕" charset="0"/>
+              </a:rPr>
+              <a:t> 번째 튜토리얼</a:t>
+            </a:r>
+            <a:endParaRPr lang="ko-KR" altLang="en-US" sz="2500" b="1">
+              <a:solidFill>
+                <a:schemeClr val="tx1"/>
+              </a:solidFill>
+              <a:latin typeface="나눔바른고딕" charset="0"/>
+              <a:ea typeface="나눔바른고딕" charset="0"/>
+            </a:endParaRPr>
+          </a:p>
+        </p:txBody>
+      </p:sp>
+      <p:sp>
+        <p:nvSpPr>
+          <p:cNvPr id="1181" name="텍스트 상자 66"/>
+          <p:cNvSpPr txBox="1">
+            <a:spLocks/>
+          </p:cNvSpPr>
+          <p:nvPr/>
+        </p:nvSpPr>
+        <p:spPr>
+          <a:xfrm rot="0">
+            <a:off x="6840220" y="5300980"/>
+            <a:ext cx="4120515" cy="954405"/>
+          </a:xfrm>
+          <a:prstGeom prst="rect"/>
+          <a:noFill/>
+          <a:ln w="0">
+            <a:noFill/>
+            <a:prstDash/>
+          </a:ln>
+        </p:spPr>
+        <p:txBody>
+          <a:bodyPr wrap="square" lIns="89535" tIns="46355" rIns="89535" bIns="46355" numCol="1" vert="horz" anchor="t">
+            <a:spAutoFit/>
+          </a:bodyPr>
+          <a:lstStyle/>
+          <a:p>
+            <a:pPr marL="0" indent="0" rtl="0" algn="l" defTabSz="914400" eaLnBrk="1" latinLnBrk="0" hangingPunct="1">
+              <a:buFontTx/>
+              <a:buNone/>
+            </a:pPr>
+            <a:r>
+              <a:rPr sz="2000" b="1">
+                <a:solidFill>
+                  <a:srgbClr val="0611F2"/>
+                </a:solidFill>
+                <a:latin typeface="맑은 고딕" charset="0"/>
+                <a:ea typeface="맑은 고딕" charset="0"/>
+              </a:rPr>
+              <a:t>3</a:t>
+            </a:r>
+            <a:r>
+              <a:rPr sz="2000" b="1">
+                <a:solidFill>
+                  <a:srgbClr val="0611F2"/>
+                </a:solidFill>
+                <a:latin typeface="맑은 고딕" charset="0"/>
+                <a:ea typeface="맑은 고딕" charset="0"/>
+              </a:rPr>
+              <a:t>5</a:t>
+            </a:r>
+            <a:r>
+              <a:rPr sz="2000" b="1">
+                <a:solidFill>
+                  <a:srgbClr val="0611F2"/>
+                </a:solidFill>
+                <a:latin typeface="맑은 고딕" charset="0"/>
+                <a:ea typeface="맑은 고딕" charset="0"/>
+              </a:rPr>
+              <a:t>. </a:t>
+            </a:r>
+            <a:r>
+              <a:rPr sz="1800">
+                <a:latin typeface="맑은 고딕" charset="0"/>
+                <a:ea typeface="맑은 고딕" charset="0"/>
+              </a:rPr>
+              <a:t>그러고 </a:t>
+            </a:r>
+            <a:r>
+              <a:rPr sz="1800">
+                <a:latin typeface="맑은 고딕" charset="0"/>
+                <a:ea typeface="맑은 고딕" charset="0"/>
+              </a:rPr>
+              <a:t>나서</a:t>
+            </a:r>
+            <a:r>
+              <a:rPr sz="1800">
+                <a:latin typeface="맑은 고딕" charset="0"/>
+                <a:ea typeface="맑은 고딕" charset="0"/>
+              </a:rPr>
+              <a:t> Project 폴더 아래에 있는 Scene 폴더에 </a:t>
+            </a:r>
+            <a:r>
+              <a:rPr lang="ko-KR" sz="1800">
+                <a:latin typeface="맑은 고딕" charset="0"/>
+                <a:ea typeface="맑은 고딕" charset="0"/>
+              </a:rPr>
+              <a:t>P</a:t>
+            </a:r>
+            <a:r>
+              <a:rPr lang="ko-KR" sz="1800">
+                <a:latin typeface="맑은 고딕" charset="0"/>
+                <a:ea typeface="맑은 고딕" charset="0"/>
+              </a:rPr>
+              <a:t>hoton</a:t>
+            </a:r>
+            <a:r>
+              <a:rPr sz="1800">
+                <a:latin typeface="맑은 고딕" charset="0"/>
+                <a:ea typeface="맑은 고딕" charset="0"/>
+              </a:rPr>
+              <a:t> </a:t>
+            </a:r>
+            <a:r>
+              <a:rPr sz="1800">
+                <a:latin typeface="맑은 고딕" charset="0"/>
+                <a:ea typeface="맑은 고딕" charset="0"/>
+              </a:rPr>
+              <a:t>G</a:t>
+            </a:r>
+            <a:r>
+              <a:rPr sz="1800">
+                <a:latin typeface="맑은 고딕" charset="0"/>
+                <a:ea typeface="맑은 고딕" charset="0"/>
+              </a:rPr>
+              <a:t>ame</a:t>
+            </a:r>
+            <a:r>
+              <a:rPr sz="1800">
+                <a:latin typeface="맑은 고딕" charset="0"/>
+                <a:ea typeface="맑은 고딕" charset="0"/>
+              </a:rPr>
+              <a:t> 씬을 Scenes In Build에 넣어줍니다.</a:t>
+            </a:r>
+            <a:endParaRPr lang="ko-KR" altLang="en-US" sz="1800">
+              <a:latin typeface="맑은 고딕" charset="0"/>
+              <a:ea typeface="맑은 고딕" charset="0"/>
+            </a:endParaRPr>
+          </a:p>
+        </p:txBody>
+      </p:sp>
+      <p:pic>
+        <p:nvPicPr>
+          <p:cNvPr id="1182" name="그림 75"/>
+          <p:cNvPicPr>
+            <a:picLocks noChangeAspect="1"/>
+          </p:cNvPicPr>
+          <p:nvPr/>
+        </p:nvPicPr>
+        <p:blipFill rotWithShape="1">
+          <a:blip r:embed="rId6" cstate="print">
+            <a:extLst>
+              <a:ext uri="{28A0092B-C50C-407E-A947-70E740481C1C}">
+                <a14:useLocalDpi xmlns:a14="http://schemas.microsoft.com/office/drawing/2010/main" val="0"/>
+              </a:ext>
+            </a:extLst>
+          </a:blip>
+          <a:stretch>
+            <a:fillRect/>
+          </a:stretch>
+        </p:blipFill>
+        <p:spPr>
+          <a:xfrm rot="0">
+            <a:off x="6840855" y="4090035"/>
+            <a:ext cx="4119880" cy="1225550"/>
+          </a:xfrm>
+          <a:prstGeom prst="roundRect"/>
+          <a:solidFill>
+            <a:srgbClr val="EDEDED"/>
+          </a:solidFill>
+        </p:spPr>
+      </p:pic>
+      <p:pic>
+        <p:nvPicPr>
+          <p:cNvPr id="1184" name="그림 79"/>
+          <p:cNvPicPr>
+            <a:picLocks noChangeAspect="1"/>
+          </p:cNvPicPr>
+          <p:nvPr/>
+        </p:nvPicPr>
+        <p:blipFill rotWithShape="1">
+          <a:blip r:embed="rId7" cstate="print">
+            <a:extLst>
+              <a:ext uri="{28A0092B-C50C-407E-A947-70E740481C1C}">
+                <a14:useLocalDpi xmlns:a14="http://schemas.microsoft.com/office/drawing/2010/main" val="0"/>
+              </a:ext>
+            </a:extLst>
+          </a:blip>
+          <a:stretch>
+            <a:fillRect/>
+          </a:stretch>
+        </p:blipFill>
+        <p:spPr>
+          <a:xfrm rot="0">
+            <a:off x="6832600" y="1452245"/>
+            <a:ext cx="4130675" cy="2545080"/>
+          </a:xfrm>
+          <a:prstGeom prst="roundRect"/>
+          <a:solidFill>
+            <a:srgbClr val="EDEDED"/>
+          </a:solidFill>
+        </p:spPr>
+      </p:pic>
+      <p:pic>
+        <p:nvPicPr>
+          <p:cNvPr id="1183" name="그림 78"/>
+          <p:cNvPicPr>
+            <a:picLocks noChangeAspect="1"/>
+          </p:cNvPicPr>
+          <p:nvPr/>
+        </p:nvPicPr>
+        <p:blipFill rotWithShape="1">
+          <a:blip r:embed="rId8" cstate="hqprint">
+            <a:extLst>
+              <a:ext uri="{28A0092B-C50C-407E-A947-70E740481C1C}">
+                <a14:useLocalDpi xmlns:a14="http://schemas.microsoft.com/office/drawing/2010/main"/>
+              </a:ext>
+            </a:extLst>
+          </a:blip>
+          <a:stretch>
+            <a:fillRect/>
+          </a:stretch>
+        </p:blipFill>
+        <p:spPr>
+          <a:xfrm rot="16200000">
+            <a:off x="8535670" y="3640455"/>
+            <a:ext cx="725805" cy="662305"/>
+          </a:xfrm>
+          <a:prstGeom prst="rect"/>
+          <a:noFill/>
+        </p:spPr>
+      </p:pic>
+      <p:pic>
+        <p:nvPicPr>
+          <p:cNvPr id="1185" name="그림 33" descr="C:/Users/nwond/AppData/Roaming/PolarisOffice/ETemp/26808_6435248/fImage79302249169.png"/>
+          <p:cNvPicPr>
+            <a:picLocks noChangeAspect="1"/>
+          </p:cNvPicPr>
+          <p:nvPr/>
+        </p:nvPicPr>
+        <p:blipFill rotWithShape="1">
+          <a:blip r:embed="rId9" cstate="hqprint">
+            <a:extLst>
+              <a:ext uri="{28A0092B-C50C-407E-A947-70E740481C1C}">
+                <a14:useLocalDpi xmlns:a14="http://schemas.microsoft.com/office/drawing/2010/main"/>
+              </a:ext>
+            </a:extLst>
+          </a:blip>
+          <a:stretch>
+            <a:fillRect/>
+          </a:stretch>
+        </p:blipFill>
+        <p:spPr>
+          <a:xfrm rot="0">
+            <a:off x="1228725" y="1452245"/>
+            <a:ext cx="4147185" cy="4065905"/>
+          </a:xfrm>
+          <a:prstGeom prst="roundRect"/>
+          <a:solidFill>
+            <a:srgbClr val="EDEDED"/>
+          </a:solidFill>
+        </p:spPr>
+      </p:pic>
+      <p:sp>
+        <p:nvSpPr>
+          <p:cNvPr id="1186" name="텍스트 상자 34"/>
+          <p:cNvSpPr txBox="1">
+            <a:spLocks/>
+          </p:cNvSpPr>
+          <p:nvPr/>
+        </p:nvSpPr>
+        <p:spPr>
+          <a:xfrm rot="0">
+            <a:off x="1230630" y="5578475"/>
+            <a:ext cx="4145280" cy="677545"/>
+          </a:xfrm>
+          <a:prstGeom prst="rect"/>
+          <a:noFill/>
+          <a:ln w="0">
+            <a:noFill/>
+            <a:prstDash/>
+          </a:ln>
+        </p:spPr>
+        <p:txBody>
+          <a:bodyPr wrap="square" lIns="89535" tIns="46355" rIns="89535" bIns="46355" vert="horz" anchor="t">
+            <a:spAutoFit/>
+          </a:bodyPr>
+          <a:lstStyle/>
+          <a:p>
+            <a:pPr marL="0" indent="0" rtl="0" algn="l" defTabSz="914400" eaLnBrk="1" latinLnBrk="0" hangingPunct="1">
+              <a:buFontTx/>
+              <a:buNone/>
+            </a:pPr>
+            <a:r>
+              <a:rPr sz="2000" b="1">
+                <a:solidFill>
+                  <a:srgbClr val="0611F2"/>
+                </a:solidFill>
+                <a:latin typeface="맑은 고딕" charset="0"/>
+                <a:ea typeface="맑은 고딕" charset="0"/>
+              </a:rPr>
+              <a:t>3</a:t>
+            </a:r>
+            <a:r>
+              <a:rPr sz="2000" b="1">
+                <a:solidFill>
+                  <a:srgbClr val="0611F2"/>
+                </a:solidFill>
+                <a:latin typeface="맑은 고딕" charset="0"/>
+                <a:ea typeface="맑은 고딕" charset="0"/>
+              </a:rPr>
+              <a:t>4</a:t>
+            </a:r>
+            <a:r>
+              <a:rPr sz="2000" b="1">
+                <a:solidFill>
+                  <a:srgbClr val="0611F2"/>
+                </a:solidFill>
+                <a:latin typeface="맑은 고딕" charset="0"/>
+                <a:ea typeface="맑은 고딕" charset="0"/>
+              </a:rPr>
+              <a:t>. </a:t>
+            </a:r>
+            <a:r>
+              <a:rPr sz="1800">
+                <a:latin typeface="맑은 고딕" charset="0"/>
+                <a:ea typeface="맑은 고딕" charset="0"/>
+              </a:rPr>
+              <a:t>그</a:t>
+            </a:r>
+            <a:r>
+              <a:rPr sz="1800">
+                <a:latin typeface="맑은 고딕" charset="0"/>
+                <a:ea typeface="맑은 고딕" charset="0"/>
+              </a:rPr>
+              <a:t>다음으로</a:t>
+            </a:r>
+            <a:r>
+              <a:rPr sz="1800">
+                <a:latin typeface="맑은 고딕" charset="0"/>
+                <a:ea typeface="맑은 고딕" charset="0"/>
+              </a:rPr>
+              <a:t> File에 Build Settings를 선택합니다.</a:t>
+            </a:r>
+            <a:endParaRPr lang="ko-KR" altLang="en-US" sz="1800">
+              <a:latin typeface="맑은 고딕" charset="0"/>
+              <a:ea typeface="맑은 고딕" charset="0"/>
+            </a:endParaRPr>
+          </a:p>
+        </p:txBody>
+      </p:sp>
     </p:spTree>
   </p:cSld>
   <p:clrMapOvr>
@@ -8780,7 +9952,7 @@
       </p:sp>
       <p:pic>
         <p:nvPicPr>
-          <p:cNvPr id="36" name="Picture "/>
+          <p:cNvPr id="36" name="Picture " descr="C:/Users/nwond/AppData/Roaming/PolarisOffice/ETemp/31244_18109776/fImage2171320641.png"/>
           <p:cNvPicPr>
             <a:picLocks noChangeAspect="1"/>
           </p:cNvPicPr>
@@ -8801,7 +9973,7 @@
         <p:spPr>
           <a:xfrm rot="0">
             <a:off x="6827520" y="1472565"/>
-            <a:ext cx="2661920" cy="3623310"/>
+            <a:ext cx="2662555" cy="3741420"/>
           </a:xfrm>
           <a:prstGeom prst="roundRect"/>
           <a:solidFill>
@@ -8811,17 +9983,17 @@
       </p:pic>
       <p:pic>
         <p:nvPicPr>
-          <p:cNvPr id="40" name="그림 1" descr="C:/Users/nwond/AppData/Roaming/PolarisOffice/ETemp/25736_8473440/fImage539317141.png"/>
+          <p:cNvPr id="40" name="그림 1" descr="C:/Users/nwond/AppData/Roaming/PolarisOffice/ETemp/31244_18109776/fImage539317141.png"/>
           <p:cNvPicPr>
             <a:picLocks noChangeAspect="1"/>
           </p:cNvPicPr>
           <p:nvPr/>
         </p:nvPicPr>
         <p:blipFill rotWithShape="1">
-          <a:blip r:embed="rId7" cstate="print">
+          <a:blip r:embed="rId7" cstate="hqprint">
             <a:extLst>
               <a:ext uri="{28A0092B-C50C-407E-A947-70E740481C1C}">
-                <a14:useLocalDpi xmlns:a14="http://schemas.microsoft.com/office/drawing/2010/main" val="0"/>
+                <a14:useLocalDpi xmlns:a14="http://schemas.microsoft.com/office/drawing/2010/main"/>
               </a:ext>
             </a:extLst>
           </a:blip>
@@ -8832,7 +10004,7 @@
         <p:spPr>
           <a:xfrm rot="0">
             <a:off x="4008755" y="2482215"/>
-            <a:ext cx="1365885" cy="1589405"/>
+            <a:ext cx="1366520" cy="1720215"/>
           </a:xfrm>
           <a:prstGeom prst="roundRect"/>
           <a:solidFill>
@@ -8842,17 +10014,17 @@
       </p:pic>
       <p:pic>
         <p:nvPicPr>
-          <p:cNvPr id="41" name="그림 4" descr="C:/Users/nwond/AppData/Roaming/PolarisOffice/ETemp/25736_8473440/fImage60881728467.png"/>
+          <p:cNvPr id="41" name="그림 4" descr="C:/Users/nwond/AppData/Roaming/PolarisOffice/ETemp/31244_18109776/fImage60881728467.png"/>
           <p:cNvPicPr>
             <a:picLocks noChangeAspect="1"/>
           </p:cNvPicPr>
           <p:nvPr/>
         </p:nvPicPr>
         <p:blipFill rotWithShape="1">
-          <a:blip r:embed="rId8" cstate="print">
+          <a:blip r:embed="rId8" cstate="hqprint">
             <a:extLst>
               <a:ext uri="{28A0092B-C50C-407E-A947-70E740481C1C}">
-                <a14:useLocalDpi xmlns:a14="http://schemas.microsoft.com/office/drawing/2010/main" val="0"/>
+                <a14:useLocalDpi xmlns:a14="http://schemas.microsoft.com/office/drawing/2010/main"/>
               </a:ext>
             </a:extLst>
           </a:blip>
@@ -8862,8 +10034,100 @@
         </p:blipFill>
         <p:spPr>
           <a:xfrm rot="0">
-            <a:off x="9575800" y="2480310"/>
-            <a:ext cx="1388745" cy="1585595"/>
+            <a:off x="9569450" y="2393315"/>
+            <a:ext cx="1389380" cy="1784350"/>
+          </a:xfrm>
+          <a:prstGeom prst="roundRect"/>
+          <a:solidFill>
+            <a:srgbClr val="EDEDED"/>
+          </a:solidFill>
+        </p:spPr>
+      </p:pic>
+      <p:sp>
+        <p:nvSpPr>
+          <p:cNvPr id="42" name="텍스트 상자 1"/>
+          <p:cNvSpPr txBox="1">
+            <a:spLocks/>
+          </p:cNvSpPr>
+          <p:nvPr/>
+        </p:nvSpPr>
+        <p:spPr>
+          <a:xfrm rot="0">
+            <a:off x="1232535" y="5281295"/>
+            <a:ext cx="4145915" cy="954405"/>
+          </a:xfrm>
+          <a:prstGeom prst="rect"/>
+          <a:noFill/>
+          <a:ln w="0">
+            <a:noFill/>
+            <a:prstDash/>
+          </a:ln>
+        </p:spPr>
+        <p:txBody>
+          <a:bodyPr wrap="square" lIns="89535" tIns="46355" rIns="89535" bIns="46355" numCol="1" vert="horz" anchor="t">
+            <a:spAutoFit/>
+          </a:bodyPr>
+          <a:lstStyle/>
+          <a:p>
+            <a:pPr marL="0" indent="0" rtl="0" algn="l" defTabSz="914400" eaLnBrk="1" latinLnBrk="0" hangingPunct="1">
+              <a:buFontTx/>
+              <a:buNone/>
+            </a:pPr>
+            <a:r>
+              <a:rPr sz="2000" b="1">
+                <a:solidFill>
+                  <a:srgbClr val="0611F2"/>
+                </a:solidFill>
+                <a:latin typeface="맑은 고딕" charset="0"/>
+                <a:ea typeface="맑은 고딕" charset="0"/>
+              </a:rPr>
+              <a:t>3. </a:t>
+            </a:r>
+            <a:r>
+              <a:rPr sz="1800">
+                <a:latin typeface="맑은 고딕" charset="0"/>
+                <a:ea typeface="맑은 고딕" charset="0"/>
+              </a:rPr>
+              <a:t>그리고 </a:t>
+            </a:r>
+            <a:r>
+              <a:rPr lang="ko-KR" sz="1800">
+                <a:latin typeface="맑은 고딕" charset="0"/>
+                <a:ea typeface="맑은 고딕" charset="0"/>
+              </a:rPr>
+              <a:t>UI에서 Image를 생성한 다음 Scenery라는 이름으로 정의합니다.</a:t>
+            </a:r>
+            <a:endParaRPr lang="ko-KR" altLang="en-US" sz="1800">
+              <a:latin typeface="맑은 고딕" charset="0"/>
+              <a:ea typeface="맑은 고딕" charset="0"/>
+            </a:endParaRPr>
+          </a:p>
+        </p:txBody>
+      </p:sp>
+      <p:pic>
+        <p:nvPicPr>
+          <p:cNvPr id="43" name="그림 2" descr="C:/Users/nwond/AppData/Roaming/PolarisOffice/ETemp/31244_18109776/fImage185003101478.png"/>
+          <p:cNvPicPr>
+            <a:picLocks noChangeAspect="1"/>
+          </p:cNvPicPr>
+          <p:nvPr/>
+        </p:nvPicPr>
+        <p:blipFill rotWithShape="1">
+          <a:blip r:embed="rId2" cstate="hqprint">
+            <a:extLst>
+              <a:ext uri="{28A0092B-C50C-407E-A947-70E740481C1C}">
+                <a14:useLocalDpi xmlns:a14="http://schemas.microsoft.com/office/drawing/2010/main"/>
+              </a:ext>
+            </a:extLst>
+          </a:blip>
+          <a:stretch>
+            <a:fillRect/>
+          </a:stretch>
+        </p:blipFill>
+        <p:spPr>
+          <a:xfrm rot="0">
+            <a:off x="1231900" y="1472565"/>
+            <a:ext cx="2689225" cy="3743325"/>
           </a:xfrm>
           <a:prstGeom prst="roundRect"/>
           <a:solidFill>
@@ -9741,7 +11005,7 @@
       </p:sp>
       <p:pic>
         <p:nvPicPr>
-          <p:cNvPr id="1164" name="그림 28" descr="C:/Users/nwond/AppData/Roaming/PolarisOffice/ETemp/25736_8473440/fImage162043196962.png"/>
+          <p:cNvPr id="1164" name="그림 28"/>
           <p:cNvPicPr>
             <a:picLocks noChangeAspect="1"/>
           </p:cNvPicPr>
@@ -9772,7 +11036,7 @@
       </p:pic>
       <p:pic>
         <p:nvPicPr>
-          <p:cNvPr id="1167" name="그림 17" descr="C:/Users/nwond/AppData/Roaming/PolarisOffice/ETemp/25736_8473440/fImage330253038467.png"/>
+          <p:cNvPr id="1167" name="그림 17"/>
           <p:cNvPicPr>
             <a:picLocks noChangeAspect="1"/>
           </p:cNvPicPr>
@@ -9803,7 +11067,7 @@
       </p:pic>
       <p:pic>
         <p:nvPicPr>
-          <p:cNvPr id="1169" name="그림 16" descr="C:/Users/nwond/AppData/Roaming/PolarisOffice/ETemp/25736_8473440/fImage298271765724.png"/>
+          <p:cNvPr id="1169" name="그림 16"/>
           <p:cNvPicPr>
             <a:picLocks noChangeAspect="1"/>
           </p:cNvPicPr>
@@ -9832,41 +11096,9 @@
           </a:solidFill>
         </p:spPr>
       </p:pic>
-      <p:cxnSp>
-        <p:nvCxnSpPr>
-          <p:cNvPr id="1166" name="도형 34"/>
-          <p:cNvCxnSpPr/>
-          <p:nvPr/>
-        </p:nvCxnSpPr>
-        <p:spPr>
-          <a:xfrm rot="0" flipV="1">
-            <a:off x="2358390" y="1766570"/>
-            <a:ext cx="2873375" cy="2429510"/>
-          </a:xfrm>
-          <a:prstGeom prst="straightConnector1"/>
-          <a:ln w="6350" cap="flat" cmpd="sng">
-            <a:prstDash/>
-            <a:tailEnd type="triangle" w="med" len="med"/>
-          </a:ln>
-        </p:spPr>
-        <p:style>
-          <a:lnRef idx="1">
-            <a:schemeClr val="accent1"/>
-          </a:lnRef>
-          <a:fillRef idx="0">
-            <a:schemeClr val="accent1"/>
-          </a:fillRef>
-          <a:effectRef idx="0">
-            <a:schemeClr val="accent1"/>
-          </a:effectRef>
-          <a:fontRef idx="minor">
-            <a:schemeClr val="tx1"/>
-          </a:fontRef>
-        </p:style>
-      </p:cxnSp>
       <p:pic>
         <p:nvPicPr>
-          <p:cNvPr id="1170" name="그림 19" descr="C:/Users/nwond/AppData/Roaming/PolarisOffice/ETemp/25736_8473440/fImage72781771478.png"/>
+          <p:cNvPr id="1170" name="그림 19"/>
           <p:cNvPicPr>
             <a:picLocks noChangeAspect="1"/>
           </p:cNvPicPr>
@@ -9893,6 +11125,35 @@
           <a:solidFill>
             <a:srgbClr val="EDEDED"/>
           </a:solidFill>
+        </p:spPr>
+      </p:pic>
+      <p:pic>
+        <p:nvPicPr>
+          <p:cNvPr id="1171" name="그림 9" descr="C:/Users/nwond/AppData/Roaming/PolarisOffice/ETemp/26808_6435248/fImage2242172209358.png"/>
+          <p:cNvPicPr>
+            <a:picLocks noChangeAspect="1"/>
+          </p:cNvPicPr>
+          <p:nvPr/>
+        </p:nvPicPr>
+        <p:blipFill rotWithShape="1">
+          <a:blip r:embed="rId12" cstate="hqprint">
+            <a:extLst>
+              <a:ext uri="{28A0092B-C50C-407E-A947-70E740481C1C}">
+                <a14:useLocalDpi xmlns:a14="http://schemas.microsoft.com/office/drawing/2010/main"/>
+              </a:ext>
+            </a:extLst>
+          </a:blip>
+          <a:stretch>
+            <a:fillRect/>
+          </a:stretch>
+        </p:blipFill>
+        <p:spPr>
+          <a:xfrm rot="16200000">
+            <a:off x="2959735" y="3502660"/>
+            <a:ext cx="671195" cy="554355"/>
+          </a:xfrm>
+          <a:prstGeom prst="rect"/>
+          <a:noFill/>
         </p:spPr>
       </p:pic>
     </p:spTree>
@@ -10005,8 +11266,8 @@
         </p:nvSpPr>
         <p:spPr>
           <a:xfrm rot="0">
-            <a:off x="6832600" y="5616575"/>
-            <a:ext cx="4140200" cy="677545"/>
+            <a:off x="6820535" y="5616575"/>
+            <a:ext cx="4152900" cy="677545"/>
           </a:xfrm>
           <a:prstGeom prst="rect"/>
           <a:noFill/>
@@ -10043,17 +11304,7 @@
                 <a:latin typeface="맑은 고딕" charset="0"/>
                 <a:ea typeface="맑은 고딕" charset="0"/>
               </a:rPr>
-              <a:t>3</a:t>
-            </a:r>
-            <a:r>
-              <a:rPr lang="ko-KR" sz="2000" b="1">
-                <a:solidFill>
-                  <a:srgbClr val="0611F2"/>
-                </a:solidFill>
-                <a:latin typeface="맑은 고딕" charset="0"/>
-                <a:ea typeface="맑은 고딕" charset="0"/>
-              </a:rPr>
-              <a:t>.</a:t>
+              <a:t>3.</a:t>
             </a:r>
             <a:r>
               <a:rPr sz="2000" b="1">
@@ -10070,21 +11321,7 @@
                 <a:latin typeface="맑은 고딕" charset="0"/>
                 <a:ea typeface="맑은 고딕" charset="0"/>
               </a:rPr>
-              <a:t>그</a:t>
-            </a:r>
-            <a:r>
-              <a:rPr sz="1800">
-                <a:latin typeface="맑은 고딕" charset="0"/>
-                <a:ea typeface="맑은 고딕" charset="0"/>
-              </a:rPr>
-              <a:t>리고</a:t>
-            </a:r>
-            <a:r>
-              <a:rPr sz="1800">
-                <a:latin typeface="맑은 고딕" charset="0"/>
-                <a:ea typeface="맑은 고딕" charset="0"/>
-              </a:rPr>
-              <a:t> </a:t>
+              <a:t>그리고 </a:t>
             </a:r>
             <a:r>
               <a:rPr lang="ko-KR" sz="1800">
@@ -10282,7 +11519,7 @@
       </p:sp>
       <p:pic>
         <p:nvPicPr>
-          <p:cNvPr id="62" name="그림 35" descr="C:/Users/nwond/AppData/Roaming/PolarisOffice/ETemp/25736_8473440/fImage112742236962.png"/>
+          <p:cNvPr id="62" name="그림 35" descr="C:/Users/nwond/AppData/Roaming/PolarisOffice/ETemp/26808_6435248/fImage112742236962.png"/>
           <p:cNvPicPr>
             <a:picLocks noChangeAspect="1"/>
           </p:cNvPicPr>
@@ -10303,7 +11540,7 @@
         <p:spPr>
           <a:xfrm rot="0">
             <a:off x="1242060" y="3977640"/>
-            <a:ext cx="4120515" cy="1670685"/>
+            <a:ext cx="4121150" cy="1683385"/>
           </a:xfrm>
           <a:prstGeom prst="roundRect"/>
           <a:solidFill>
@@ -10321,8 +11558,8 @@
         </p:nvSpPr>
         <p:spPr>
           <a:xfrm rot="0">
-            <a:off x="6835140" y="3245485"/>
-            <a:ext cx="4127500" cy="678180"/>
+            <a:off x="6814185" y="3181985"/>
+            <a:ext cx="4152265" cy="677545"/>
           </a:xfrm>
           <a:prstGeom prst="rect"/>
           <a:noFill/>
@@ -10384,7 +11621,7 @@
       </p:sp>
       <p:pic>
         <p:nvPicPr>
-          <p:cNvPr id="66" name="그림 34" descr="C:/Users/nwond/AppData/Roaming/PolarisOffice/ETemp/25736_8473440/fImage111081448467.png"/>
+          <p:cNvPr id="66" name="그림 34" descr="C:/Users/nwond/AppData/Roaming/PolarisOffice/ETemp/26808_6435248/fImage111081448467.png"/>
           <p:cNvPicPr>
             <a:picLocks noChangeAspect="1"/>
           </p:cNvPicPr>
@@ -10404,8 +11641,8 @@
         </p:blipFill>
         <p:spPr>
           <a:xfrm rot="0">
-            <a:off x="6834505" y="3928745"/>
-            <a:ext cx="4124960" cy="1707515"/>
+            <a:off x="6820535" y="3860165"/>
+            <a:ext cx="4152265" cy="1807210"/>
           </a:xfrm>
           <a:prstGeom prst="roundRect"/>
           <a:solidFill>
@@ -10415,38 +11652,7 @@
       </p:pic>
       <p:pic>
         <p:nvPicPr>
-          <p:cNvPr id="67" name="그림 37" descr="C:/Users/nwond/AppData/Roaming/PolarisOffice/ETemp/25736_8473440/fImage123062759358.png"/>
-          <p:cNvPicPr>
-            <a:picLocks noChangeAspect="1"/>
-          </p:cNvPicPr>
-          <p:nvPr/>
-        </p:nvPicPr>
-        <p:blipFill rotWithShape="1">
-          <a:blip r:embed="rId23" cstate="hqprint">
-            <a:extLst>
-              <a:ext uri="{28A0092B-C50C-407E-A947-70E740481C1C}">
-                <a14:useLocalDpi xmlns:a14="http://schemas.microsoft.com/office/drawing/2010/main"/>
-              </a:ext>
-            </a:extLst>
-          </a:blip>
-          <a:stretch>
-            <a:fillRect/>
-          </a:stretch>
-        </p:blipFill>
-        <p:spPr>
-          <a:xfrm rot="0">
-            <a:off x="6834505" y="1450975"/>
-            <a:ext cx="4130675" cy="1833245"/>
-          </a:xfrm>
-          <a:prstGeom prst="roundRect"/>
-          <a:solidFill>
-            <a:srgbClr val="EDEDED"/>
-          </a:solidFill>
-        </p:spPr>
-      </p:pic>
-      <p:pic>
-        <p:nvPicPr>
-          <p:cNvPr id="68" name="그림 22" descr="C:/Users/nwond/AppData/Roaming/PolarisOffice/ETemp/25736_8473440/fImage51801789358.png"/>
+          <p:cNvPr id="68" name="그림 22"/>
           <p:cNvPicPr>
             <a:picLocks noChangeAspect="1"/>
           </p:cNvPicPr>
@@ -10468,6 +11674,37 @@
           <a:xfrm rot="0">
             <a:off x="1243330" y="1454785"/>
             <a:ext cx="4119245" cy="1586865"/>
+          </a:xfrm>
+          <a:prstGeom prst="roundRect"/>
+          <a:solidFill>
+            <a:srgbClr val="EDEDED"/>
+          </a:solidFill>
+        </p:spPr>
+      </p:pic>
+      <p:pic>
+        <p:nvPicPr>
+          <p:cNvPr id="69" name="그림 3" descr="C:/Users/nwond/AppData/Roaming/PolarisOffice/ETemp/26808_6435248/fImage1048320241.png"/>
+          <p:cNvPicPr>
+            <a:picLocks noChangeAspect="1"/>
+          </p:cNvPicPr>
+          <p:nvPr/>
+        </p:nvPicPr>
+        <p:blipFill rotWithShape="1">
+          <a:blip r:embed="rId25" cstate="print">
+            <a:extLst>
+              <a:ext uri="{28A0092B-C50C-407E-A947-70E740481C1C}">
+                <a14:useLocalDpi xmlns:a14="http://schemas.microsoft.com/office/drawing/2010/main" val="0"/>
+              </a:ext>
+            </a:extLst>
+          </a:blip>
+          <a:stretch>
+            <a:fillRect/>
+          </a:stretch>
+        </p:blipFill>
+        <p:spPr>
+          <a:xfrm rot="0">
+            <a:off x="6814185" y="1452245"/>
+            <a:ext cx="4158615" cy="1757045"/>
           </a:xfrm>
           <a:prstGeom prst="roundRect"/>
           <a:solidFill>
@@ -10566,37 +11803,6 @@
           </a:p>
         </p:txBody>
       </p:sp>
-      <p:pic>
-        <p:nvPicPr>
-          <p:cNvPr id="62" name="그림 35" descr="C:/Users/nwond/AppData/Roaming/PolarisOffice/ETemp/25736_8473440/fImage125112736962.png"/>
-          <p:cNvPicPr>
-            <a:picLocks noChangeAspect="1"/>
-          </p:cNvPicPr>
-          <p:nvPr/>
-        </p:nvPicPr>
-        <p:blipFill rotWithShape="1">
-          <a:blip r:embed="rId34" cstate="hqprint">
-            <a:extLst>
-              <a:ext uri="{28A0092B-C50C-407E-A947-70E740481C1C}">
-                <a14:useLocalDpi xmlns:a14="http://schemas.microsoft.com/office/drawing/2010/main"/>
-              </a:ext>
-            </a:extLst>
-          </a:blip>
-          <a:stretch>
-            <a:fillRect/>
-          </a:stretch>
-        </p:blipFill>
-        <p:spPr>
-          <a:xfrm rot="0">
-            <a:off x="1240790" y="1446530"/>
-            <a:ext cx="4134485" cy="1614170"/>
-          </a:xfrm>
-          <a:prstGeom prst="roundRect"/>
-          <a:solidFill>
-            <a:srgbClr val="EDEDED"/>
-          </a:solidFill>
-        </p:spPr>
-      </p:pic>
       <p:sp>
         <p:nvSpPr>
           <p:cNvPr id="63" name="텍스트 상자 36"/>
@@ -10607,8 +11813,8 @@
         </p:nvSpPr>
         <p:spPr>
           <a:xfrm rot="0">
-            <a:off x="1244600" y="3035300"/>
-            <a:ext cx="4130040" cy="955040"/>
+            <a:off x="1244600" y="3111500"/>
+            <a:ext cx="4124325" cy="954405"/>
           </a:xfrm>
           <a:prstGeom prst="rect"/>
           <a:noFill/>
@@ -10677,7 +11883,7 @@
       </p:sp>
       <p:pic>
         <p:nvPicPr>
-          <p:cNvPr id="64" name="그림 46" descr="C:/Users/nwond/AppData/Roaming/PolarisOffice/ETemp/25736_8473440/fImage960812784464.png"/>
+          <p:cNvPr id="64" name="그림 46" descr="C:/Users/nwond/AppData/Roaming/PolarisOffice/ETemp/26808_6435248/fImage960812784464.png"/>
           <p:cNvPicPr>
             <a:picLocks noChangeAspect="1"/>
           </p:cNvPicPr>
@@ -10697,8 +11903,8 @@
         </p:blipFill>
         <p:spPr>
           <a:xfrm rot="0">
-            <a:off x="1235075" y="4003040"/>
-            <a:ext cx="4133850" cy="1341120"/>
+            <a:off x="1241425" y="4071620"/>
+            <a:ext cx="4134485" cy="1273175"/>
           </a:xfrm>
           <a:prstGeom prst="roundRect"/>
           <a:solidFill>
@@ -10820,7 +12026,7 @@
       </p:sp>
       <p:pic>
         <p:nvPicPr>
-          <p:cNvPr id="66" name="그림 54" descr="C:/Users/nwond/AppData/Roaming/PolarisOffice/ETemp/25736_8473440/fImage691612945705.png"/>
+          <p:cNvPr id="66" name="그림 54"/>
           <p:cNvPicPr>
             <a:picLocks noChangeAspect="1"/>
           </p:cNvPicPr>
@@ -11030,6 +12236,37 @@
           </a:p>
         </p:txBody>
       </p:sp>
+      <p:pic>
+        <p:nvPicPr>
+          <p:cNvPr id="68" name="그림 6" descr="C:/Users/nwond/AppData/Roaming/PolarisOffice/ETemp/26808_6435248/fImage118802038467.png"/>
+          <p:cNvPicPr>
+            <a:picLocks noChangeAspect="1"/>
+          </p:cNvPicPr>
+          <p:nvPr/>
+        </p:nvPicPr>
+        <p:blipFill rotWithShape="1">
+          <a:blip r:embed="rId37" cstate="print">
+            <a:extLst>
+              <a:ext uri="{28A0092B-C50C-407E-A947-70E740481C1C}">
+                <a14:useLocalDpi xmlns:a14="http://schemas.microsoft.com/office/drawing/2010/main" val="0"/>
+              </a:ext>
+            </a:extLst>
+          </a:blip>
+          <a:stretch>
+            <a:fillRect/>
+          </a:stretch>
+        </p:blipFill>
+        <p:spPr>
+          <a:xfrm rot="0">
+            <a:off x="1235075" y="1439545"/>
+            <a:ext cx="4133850" cy="1695450"/>
+          </a:xfrm>
+          <a:prstGeom prst="roundRect"/>
+          <a:solidFill>
+            <a:srgbClr val="EDEDED"/>
+          </a:solidFill>
+        </p:spPr>
+      </p:pic>
     </p:spTree>
   </p:cSld>
   <p:clrMapOvr>
@@ -11322,7 +12559,7 @@
       </p:sp>
       <p:pic>
         <p:nvPicPr>
-          <p:cNvPr id="1165" name="그림 8" descr="C:/Users/nwond/AppData/Roaming/PolarisOffice/ETemp/25736_8473440/fImage286442168467.png"/>
+          <p:cNvPr id="1165" name="그림 8" descr="C:/Users/nwond/AppData/Roaming/PolarisOffice/ETemp/7336_21898992/fImage286442168467.png"/>
           <p:cNvPicPr>
             <a:picLocks noChangeAspect="1"/>
           </p:cNvPicPr>
@@ -11342,8 +12579,8 @@
         </p:blipFill>
         <p:spPr>
           <a:xfrm rot="0">
-            <a:off x="1233170" y="1452245"/>
-            <a:ext cx="4136390" cy="1366520"/>
+            <a:off x="1226820" y="1452245"/>
+            <a:ext cx="4142105" cy="1384935"/>
           </a:xfrm>
           <a:prstGeom prst="roundRect"/>
           <a:solidFill>
@@ -11353,7 +12590,7 @@
       </p:pic>
       <p:pic>
         <p:nvPicPr>
-          <p:cNvPr id="1166" name="그림 1" descr="C:/Users/nwond/AppData/Roaming/PolarisOffice/ETemp/25736_8473440/fImage2851517741.png"/>
+          <p:cNvPr id="1166" name="그림 1" descr="C:/Users/nwond/AppData/Roaming/PolarisOffice/ETemp/7336_21898992/fImage2851517741.png"/>
           <p:cNvPicPr>
             <a:picLocks noChangeAspect="1"/>
           </p:cNvPicPr>
@@ -11373,8 +12610,8 @@
         </p:blipFill>
         <p:spPr>
           <a:xfrm rot="0">
-            <a:off x="1235710" y="3798570"/>
-            <a:ext cx="4133215" cy="1433830"/>
+            <a:off x="1228725" y="3792220"/>
+            <a:ext cx="4133850" cy="1453515"/>
           </a:xfrm>
           <a:prstGeom prst="roundRect"/>
           <a:solidFill>
@@ -11475,7 +12712,7 @@
       </p:sp>
       <p:pic>
         <p:nvPicPr>
-          <p:cNvPr id="1168" name="그림 5" descr="C:/Users/nwond/AppData/Roaming/PolarisOffice/ETemp/25736_8473440/fImage399712199169.png"/>
+          <p:cNvPr id="1168" name="그림 5"/>
           <p:cNvPicPr>
             <a:picLocks noChangeAspect="1"/>
           </p:cNvPicPr>
@@ -11614,8 +12851,8 @@
         </p:nvSpPr>
         <p:spPr>
           <a:xfrm rot="0">
-            <a:off x="6814185" y="4970780"/>
-            <a:ext cx="4147185" cy="1231265"/>
+            <a:off x="6814185" y="4996180"/>
+            <a:ext cx="4152265" cy="1231265"/>
           </a:xfrm>
           <a:prstGeom prst="rect"/>
           <a:noFill/>
@@ -11642,17 +12879,7 @@
                 <a:latin typeface="맑은 고딕" charset="0"/>
                 <a:ea typeface="맑은 고딕" charset="0"/>
               </a:rPr>
-              <a:t>2</a:t>
-            </a:r>
-            <a:r>
-              <a:rPr lang="ko-KR" sz="2000" b="1">
-                <a:solidFill>
-                  <a:srgbClr val="0611F2"/>
-                </a:solidFill>
-                <a:latin typeface="맑은 고딕" charset="0"/>
-                <a:ea typeface="맑은 고딕" charset="0"/>
-              </a:rPr>
-              <a:t>3</a:t>
+              <a:t>23</a:t>
             </a:r>
             <a:r>
               <a:rPr sz="2000" b="1">
@@ -11669,42 +12896,7 @@
                 <a:latin typeface="맑은 고딕" charset="0"/>
                 <a:ea typeface="맑은 고딕" charset="0"/>
               </a:rPr>
-              <a:t>그런 </a:t>
-            </a:r>
-            <a:r>
-              <a:rPr lang="ko-KR" sz="1800">
-                <a:latin typeface="맑은 고딕" charset="0"/>
-                <a:ea typeface="맑은 고딕" charset="0"/>
-              </a:rPr>
-              <a:t>다음</a:t>
-            </a:r>
-            <a:r>
-              <a:rPr lang="ko-KR" sz="1800">
-                <a:latin typeface="맑은 고딕" charset="0"/>
-                <a:ea typeface="맑은 고딕" charset="0"/>
-              </a:rPr>
-              <a:t> </a:t>
-            </a:r>
-            <a:r>
-              <a:rPr lang="ko-KR" sz="1800">
-                <a:latin typeface="맑은 고딕" charset="0"/>
-                <a:ea typeface="맑은 고딕" charset="0"/>
-              </a:rPr>
-              <a:t>Lo</a:t>
-            </a:r>
-            <a:r>
-              <a:rPr lang="ko-KR" sz="1800">
-                <a:latin typeface="맑은 고딕" charset="0"/>
-                <a:ea typeface="맑은 고딕" charset="0"/>
-              </a:rPr>
-              <a:t>bby Sprite</a:t>
-            </a:r>
-            <a:r>
-              <a:rPr lang="ko-KR" sz="1800">
-                <a:latin typeface="맑은 고딕" charset="0"/>
-                <a:ea typeface="맑은 고딕" charset="0"/>
-              </a:rPr>
-              <a:t> 폴더에 있는 Server Button 텍스처를 Server Item Background 오브젝트의 Source Image에 넣어줍니다. </a:t>
+              <a:t>그런 다음 Lobby 폴더에 있는 Server Button 텍스처를 Server Item Background 오브젝트의 Source Image에 넣어줍니다. </a:t>
             </a:r>
             <a:endParaRPr lang="ko-KR" altLang="en-US" sz="1800">
               <a:latin typeface="맑은 고딕" charset="0"/>
@@ -11715,7 +12907,7 @@
       </p:sp>
       <p:pic>
         <p:nvPicPr>
-          <p:cNvPr id="1164" name="그림 23" descr="C:/Users/nwond/AppData/Roaming/PolarisOffice/ETemp/2484_17157552/fImage156372549169.png"/>
+          <p:cNvPr id="1164" name="그림 23" descr="C:/Users/nwond/AppData/Roaming/PolarisOffice/ETemp/26808_6435248/fImage156372549169.png"/>
           <p:cNvPicPr>
             <a:picLocks noChangeAspect="1"/>
           </p:cNvPicPr>
@@ -11735,8 +12927,8 @@
         </p:blipFill>
         <p:spPr>
           <a:xfrm rot="0">
-            <a:off x="6814185" y="1449070"/>
-            <a:ext cx="4146550" cy="2213610"/>
+            <a:off x="6814185" y="1458595"/>
+            <a:ext cx="4147820" cy="2334895"/>
           </a:xfrm>
           <a:prstGeom prst="roundRect"/>
           <a:solidFill>
@@ -11754,7 +12946,7 @@
         </p:nvSpPr>
         <p:spPr>
           <a:xfrm rot="0">
-            <a:off x="1231900" y="5243195"/>
+            <a:off x="1231900" y="5268595"/>
             <a:ext cx="4155440" cy="954405"/>
           </a:xfrm>
           <a:prstGeom prst="rect"/>
@@ -11782,17 +12974,7 @@
                 <a:latin typeface="맑은 고딕" charset="0"/>
                 <a:ea typeface="맑은 고딕" charset="0"/>
               </a:rPr>
-              <a:t>2</a:t>
-            </a:r>
-            <a:r>
-              <a:rPr lang="ko-KR" sz="2000" b="1">
-                <a:solidFill>
-                  <a:srgbClr val="0611F2"/>
-                </a:solidFill>
-                <a:latin typeface="맑은 고딕" charset="0"/>
-                <a:ea typeface="맑은 고딕" charset="0"/>
-              </a:rPr>
-              <a:t>2</a:t>
+              <a:t>22</a:t>
             </a:r>
             <a:r>
               <a:rPr sz="2000" b="1">
@@ -11809,14 +12991,7 @@
                 <a:latin typeface="맑은 고딕" charset="0"/>
                 <a:ea typeface="맑은 고딕" charset="0"/>
               </a:rPr>
-              <a:t>그리고</a:t>
-            </a:r>
-            <a:r>
-              <a:rPr lang="ko-KR" sz="1800">
-                <a:latin typeface="맑은 고딕" charset="0"/>
-                <a:ea typeface="맑은 고딕" charset="0"/>
-              </a:rPr>
-              <a:t> Connect Button 오브젝트의 On Click( ) 함수에 SelectServer( ) 함수를 등록합니다.</a:t>
+              <a:t>그리고 Connect Button 오브젝트의 On Click( ) 함수에 SelectServer( ) 함수를 등록합니다.</a:t>
             </a:r>
             <a:endParaRPr lang="ko-KR" altLang="en-US" sz="1800">
               <a:latin typeface="맑은 고딕" charset="0"/>
@@ -11827,38 +13002,7 @@
       </p:sp>
       <p:pic>
         <p:nvPicPr>
-          <p:cNvPr id="1168" name="그림 7" descr="C:/Users/nwond/AppData/Roaming/PolarisOffice/ETemp/2484_17157552/fImage73262125724.png"/>
-          <p:cNvPicPr>
-            <a:picLocks noChangeAspect="1"/>
-          </p:cNvPicPr>
-          <p:nvPr/>
-        </p:nvPicPr>
-        <p:blipFill rotWithShape="1">
-          <a:blip r:embed="rId10" cstate="hqprint">
-            <a:extLst>
-              <a:ext uri="{28A0092B-C50C-407E-A947-70E740481C1C}">
-                <a14:useLocalDpi xmlns:a14="http://schemas.microsoft.com/office/drawing/2010/main"/>
-              </a:ext>
-            </a:extLst>
-          </a:blip>
-          <a:stretch>
-            <a:fillRect/>
-          </a:stretch>
-        </p:blipFill>
-        <p:spPr>
-          <a:xfrm rot="0">
-            <a:off x="1235075" y="1430655"/>
-            <a:ext cx="1333500" cy="1162685"/>
-          </a:xfrm>
-          <a:prstGeom prst="roundRect"/>
-          <a:solidFill>
-            <a:srgbClr val="EDEDED"/>
-          </a:solidFill>
-        </p:spPr>
-      </p:pic>
-      <p:pic>
-        <p:nvPicPr>
-          <p:cNvPr id="1169" name="그림 8" descr="C:/Users/nwond/AppData/Roaming/PolarisOffice/ETemp/2484_17157552/fImage509123041.png"/>
+          <p:cNvPr id="1169" name="그림 8" descr="C:/Users/nwond/AppData/Roaming/PolarisOffice/ETemp/26808_6435248/fImage509123041.png"/>
           <p:cNvPicPr>
             <a:picLocks noChangeAspect="1"/>
           </p:cNvPicPr>
@@ -11878,8 +13022,8 @@
         </p:blipFill>
         <p:spPr>
           <a:xfrm rot="0">
-            <a:off x="2687955" y="1430020"/>
-            <a:ext cx="2693035" cy="1163955"/>
+            <a:off x="2637790" y="1452880"/>
+            <a:ext cx="2757170" cy="1284605"/>
           </a:xfrm>
           <a:prstGeom prst="roundRect"/>
           <a:solidFill>
@@ -11897,8 +13041,8 @@
         </p:nvSpPr>
         <p:spPr>
           <a:xfrm rot="0">
-            <a:off x="1235075" y="2687955"/>
-            <a:ext cx="4158615" cy="954405"/>
+            <a:off x="1235075" y="2700655"/>
+            <a:ext cx="4159250" cy="955040"/>
           </a:xfrm>
           <a:prstGeom prst="rect"/>
           <a:noFill/>
@@ -11925,17 +13069,7 @@
                 <a:latin typeface="맑은 고딕" charset="0"/>
                 <a:ea typeface="맑은 고딕" charset="0"/>
               </a:rPr>
-              <a:t>2</a:t>
-            </a:r>
-            <a:r>
-              <a:rPr lang="ko-KR" sz="2000" b="1">
-                <a:solidFill>
-                  <a:srgbClr val="0611F2"/>
-                </a:solidFill>
-                <a:latin typeface="맑은 고딕" charset="0"/>
-                <a:ea typeface="맑은 고딕" charset="0"/>
-              </a:rPr>
-              <a:t>1</a:t>
+              <a:t>21</a:t>
             </a:r>
             <a:r>
               <a:rPr sz="2000" b="1">
@@ -11952,14 +13086,7 @@
                 <a:latin typeface="맑은 고딕" charset="0"/>
                 <a:ea typeface="맑은 고딕" charset="0"/>
               </a:rPr>
-              <a:t>이제</a:t>
-            </a:r>
-            <a:r>
-              <a:rPr lang="ko-KR" sz="1800">
-                <a:latin typeface="맑은 고딕" charset="0"/>
-                <a:ea typeface="맑은 고딕" charset="0"/>
-              </a:rPr>
-              <a:t> Connect Button 오브젝트의 On Click( ) 함수에 Server Manager 오브젝트를 넣어줍니다.</a:t>
+              <a:t>이제 Connect Button 오브젝트의 On Click( ) 함수에 Server Manager 오브젝트를 넣어줍니다.</a:t>
             </a:r>
             <a:endParaRPr lang="ko-KR" altLang="en-US" sz="1800">
               <a:latin typeface="맑은 고딕" charset="0"/>
@@ -11968,41 +13095,9 @@
           </a:p>
         </p:txBody>
       </p:sp>
-      <p:cxnSp>
-        <p:nvCxnSpPr>
-          <p:cNvPr id="1171" name="도형 10"/>
-          <p:cNvCxnSpPr/>
-          <p:nvPr/>
-        </p:nvCxnSpPr>
-        <p:spPr>
-          <a:xfrm rot="0" flipV="1">
-            <a:off x="2403475" y="2118995"/>
-            <a:ext cx="1137920" cy="388620"/>
-          </a:xfrm>
-          <a:prstGeom prst="straightConnector1"/>
-          <a:ln w="6350" cap="flat" cmpd="sng">
-            <a:prstDash/>
-            <a:tailEnd type="triangle" w="med" len="med"/>
-          </a:ln>
-        </p:spPr>
-        <p:style>
-          <a:lnRef idx="1">
-            <a:schemeClr val="accent1"/>
-          </a:lnRef>
-          <a:fillRef idx="0">
-            <a:schemeClr val="accent1"/>
-          </a:fillRef>
-          <a:effectRef idx="0">
-            <a:schemeClr val="accent1"/>
-          </a:effectRef>
-          <a:fontRef idx="minor">
-            <a:schemeClr val="tx1"/>
-          </a:fontRef>
-        </p:style>
-      </p:cxnSp>
       <p:pic>
         <p:nvPicPr>
-          <p:cNvPr id="1172" name="그림 11" descr="C:/Users/nwond/AppData/Roaming/PolarisOffice/ETemp/2484_17157552/fImage55292338467.png"/>
+          <p:cNvPr id="1172" name="그림 11" descr="C:/Users/nwond/AppData/Roaming/PolarisOffice/ETemp/26808_6435248/fImage55292338467.png"/>
           <p:cNvPicPr>
             <a:picLocks noChangeAspect="1"/>
           </p:cNvPicPr>
@@ -12022,8 +13117,8 @@
         </p:blipFill>
         <p:spPr>
           <a:xfrm rot="0">
-            <a:off x="1240155" y="3737610"/>
-            <a:ext cx="4145915" cy="1423670"/>
+            <a:off x="1235075" y="3661410"/>
+            <a:ext cx="4152900" cy="1640205"/>
           </a:xfrm>
           <a:prstGeom prst="roundRect"/>
           <a:solidFill>
@@ -12033,14 +13128,45 @@
       </p:pic>
       <p:pic>
         <p:nvPicPr>
-          <p:cNvPr id="1173" name="그림 19" descr="C:/Users/nwond/AppData/Roaming/PolarisOffice/ETemp/2484_17157552/fImage94541898467.png"/>
+          <p:cNvPr id="1174" name="그림 1" descr="C:/Users/nwond/AppData/Roaming/PolarisOffice/ETemp/26808_6435248/fImage560617141.png"/>
           <p:cNvPicPr>
             <a:picLocks noChangeAspect="1"/>
           </p:cNvPicPr>
           <p:nvPr/>
         </p:nvPicPr>
         <p:blipFill rotWithShape="1">
-          <a:blip r:embed="rId13" cstate="print">
+          <a:blip r:embed="rId14" cstate="hqprint">
+            <a:extLst>
+              <a:ext uri="{28A0092B-C50C-407E-A947-70E740481C1C}">
+                <a14:useLocalDpi xmlns:a14="http://schemas.microsoft.com/office/drawing/2010/main"/>
+              </a:ext>
+            </a:extLst>
+          </a:blip>
+          <a:stretch>
+            <a:fillRect/>
+          </a:stretch>
+        </p:blipFill>
+        <p:spPr>
+          <a:xfrm rot="0">
+            <a:off x="1235075" y="1445260"/>
+            <a:ext cx="1347470" cy="1286510"/>
+          </a:xfrm>
+          <a:prstGeom prst="roundRect"/>
+          <a:solidFill>
+            <a:srgbClr val="EDEDED"/>
+          </a:solidFill>
+        </p:spPr>
+      </p:pic>
+      <p:pic>
+        <p:nvPicPr>
+          <p:cNvPr id="1175" name="그림 12"/>
+          <p:cNvPicPr>
+            <a:picLocks noChangeAspect="1"/>
+          </p:cNvPicPr>
+          <p:nvPr/>
+        </p:nvPicPr>
+        <p:blipFill rotWithShape="1">
+          <a:blip r:embed="rId15" cstate="print">
             <a:extLst>
               <a:ext uri="{28A0092B-C50C-407E-A947-70E740481C1C}">
                 <a14:useLocalDpi xmlns:a14="http://schemas.microsoft.com/office/drawing/2010/main" val="0"/>
@@ -12053,8 +13179,8 @@
         </p:blipFill>
         <p:spPr>
           <a:xfrm rot="0">
-            <a:off x="6820535" y="3792855"/>
-            <a:ext cx="4140200" cy="1099185"/>
+            <a:off x="6820535" y="3854450"/>
+            <a:ext cx="4145915" cy="1192530"/>
           </a:xfrm>
           <a:prstGeom prst="roundRect"/>
           <a:solidFill>
@@ -12062,38 +13188,64 @@
           </a:solidFill>
         </p:spPr>
       </p:pic>
-      <p:cxnSp>
-        <p:nvCxnSpPr>
-          <p:cNvPr id="1166" name="도형 25"/>
-          <p:cNvCxnSpPr/>
+      <p:pic>
+        <p:nvPicPr>
+          <p:cNvPr id="1176" name="그림 10" descr="C:/Users/nwond/AppData/Roaming/PolarisOffice/ETemp/26808_6435248/fImage2242172209358.png"/>
+          <p:cNvPicPr>
+            <a:picLocks noChangeAspect="1"/>
+          </p:cNvPicPr>
           <p:nvPr/>
-        </p:nvCxnSpPr>
-        <p:spPr>
-          <a:xfrm rot="0" flipV="1">
-            <a:off x="8049260" y="1759585"/>
-            <a:ext cx="2762885" cy="2455545"/>
-          </a:xfrm>
-          <a:prstGeom prst="straightConnector1"/>
-          <a:ln w="6350" cap="flat" cmpd="sng">
-            <a:prstDash/>
-            <a:tailEnd type="triangle" w="med" len="med"/>
-          </a:ln>
-        </p:spPr>
-        <p:style>
-          <a:lnRef idx="1">
-            <a:schemeClr val="accent1"/>
-          </a:lnRef>
-          <a:fillRef idx="0">
-            <a:schemeClr val="accent1"/>
-          </a:fillRef>
-          <a:effectRef idx="0">
-            <a:schemeClr val="accent1"/>
-          </a:effectRef>
-          <a:fontRef idx="minor">
-            <a:schemeClr val="tx1"/>
-          </a:fontRef>
-        </p:style>
-      </p:cxnSp>
+        </p:nvPicPr>
+        <p:blipFill rotWithShape="1">
+          <a:blip r:embed="rId16" cstate="hqprint">
+            <a:extLst>
+              <a:ext uri="{28A0092B-C50C-407E-A947-70E740481C1C}">
+                <a14:useLocalDpi xmlns:a14="http://schemas.microsoft.com/office/drawing/2010/main"/>
+              </a:ext>
+            </a:extLst>
+          </a:blip>
+          <a:stretch>
+            <a:fillRect/>
+          </a:stretch>
+        </p:blipFill>
+        <p:spPr>
+          <a:xfrm rot="0">
+            <a:off x="2188210" y="1856105"/>
+            <a:ext cx="828675" cy="474345"/>
+          </a:xfrm>
+          <a:prstGeom prst="rect"/>
+          <a:noFill/>
+        </p:spPr>
+      </p:pic>
+      <p:pic>
+        <p:nvPicPr>
+          <p:cNvPr id="1177" name="그림 11" descr="C:/Users/nwond/AppData/Roaming/PolarisOffice/ETemp/26808_6435248/fImage2242172209358.png"/>
+          <p:cNvPicPr>
+            <a:picLocks noChangeAspect="1"/>
+          </p:cNvPicPr>
+          <p:nvPr/>
+        </p:nvPicPr>
+        <p:blipFill rotWithShape="1">
+          <a:blip r:embed="rId16" cstate="hqprint">
+            <a:extLst>
+              <a:ext uri="{28A0092B-C50C-407E-A947-70E740481C1C}">
+                <a14:useLocalDpi xmlns:a14="http://schemas.microsoft.com/office/drawing/2010/main"/>
+              </a:ext>
+            </a:extLst>
+          </a:blip>
+          <a:stretch>
+            <a:fillRect/>
+          </a:stretch>
+        </p:blipFill>
+        <p:spPr>
+          <a:xfrm rot="16200000">
+            <a:off x="8541385" y="3493770"/>
+            <a:ext cx="690245" cy="554355"/>
+          </a:xfrm>
+          <a:prstGeom prst="rect"/>
+          <a:noFill/>
+        </p:spPr>
+      </p:pic>
     </p:spTree>
   </p:cSld>
   <p:clrMapOvr>
@@ -12196,16 +13348,16 @@
       </p:sp>
       <p:sp>
         <p:nvSpPr>
-          <p:cNvPr id="1153" name="Rect 0"/>
+          <p:cNvPr id="1171" name="텍스트 상자 26"/>
           <p:cNvSpPr txBox="1">
             <a:spLocks/>
           </p:cNvSpPr>
           <p:nvPr/>
         </p:nvSpPr>
         <p:spPr>
-          <a:xfrm rot="0">
-            <a:off x="1231900" y="5217795"/>
-            <a:ext cx="4149090" cy="954405"/>
+          <a:xfrm>
+            <a:off x="6810375" y="4998085"/>
+            <a:ext cx="4144645" cy="1231265"/>
           </a:xfrm>
           <a:prstGeom prst="rect"/>
           <a:noFill/>
@@ -12259,28 +13411,21 @@
                 <a:latin typeface="맑은 고딕" charset="0"/>
                 <a:ea typeface="맑은 고딕" charset="0"/>
               </a:rPr>
-              <a:t>그</a:t>
+              <a:t>그러고 </a:t>
             </a:r>
             <a:r>
               <a:rPr lang="ko-KR" sz="1800">
                 <a:latin typeface="맑은 고딕" charset="0"/>
                 <a:ea typeface="맑은 고딕" charset="0"/>
               </a:rPr>
-              <a:t>러고 </a:t>
+              <a:t>나서</a:t>
             </a:r>
             <a:r>
               <a:rPr lang="ko-KR" sz="1800">
                 <a:latin typeface="맑은 고딕" charset="0"/>
                 <a:ea typeface="맑은 고딕" charset="0"/>
               </a:rPr>
-              <a:t>나서</a:t>
-            </a:r>
-            <a:r>
-              <a:rPr lang="ko-KR" sz="1800">
-                <a:latin typeface="맑은 고딕" charset="0"/>
-                <a:ea typeface="맑은 고딕" charset="0"/>
-              </a:rPr>
-              <a:t> Connect Server 스크립트의 Server 변수에 Server Selection 오브젝트를 넣어줍니다. </a:t>
+              <a:t> Lobby 폴더에 있는 Start Button 텍스처를 선택한 다음 Connect Button 오브젝트의 Source Image에 넣어줍니다.</a:t>
             </a:r>
             <a:endParaRPr lang="ko-KR" altLang="en-US" sz="1800">
               <a:latin typeface="맑은 고딕" charset="0"/>
@@ -12291,351 +13436,7 @@
       </p:sp>
       <p:pic>
         <p:nvPicPr>
-          <p:cNvPr id="1165" name="그림 11" descr="C:/Users/nwond/AppData/Roaming/PolarisOffice/ETemp/2484_17157552/fImage73031466334.png"/>
-          <p:cNvPicPr>
-            <a:picLocks noChangeAspect="1"/>
-          </p:cNvPicPr>
-          <p:nvPr/>
-        </p:nvPicPr>
-        <p:blipFill rotWithShape="1">
-          <a:blip r:embed="rId7" cstate="hqprint">
-            <a:extLst>
-              <a:ext uri="{28A0092B-C50C-407E-A947-70E740481C1C}">
-                <a14:useLocalDpi xmlns:a14="http://schemas.microsoft.com/office/drawing/2010/main"/>
-              </a:ext>
-            </a:extLst>
-          </a:blip>
-          <a:stretch>
-            <a:fillRect/>
-          </a:stretch>
-        </p:blipFill>
-        <p:spPr>
-          <a:xfrm rot="0">
-            <a:off x="1233170" y="4031615"/>
-            <a:ext cx="1237615" cy="1096010"/>
-          </a:xfrm>
-          <a:prstGeom prst="roundRect"/>
-          <a:solidFill>
-            <a:srgbClr val="EDEDED"/>
-          </a:solidFill>
-        </p:spPr>
-      </p:pic>
-      <p:pic>
-        <p:nvPicPr>
-          <p:cNvPr id="1166" name="그림 14" descr="C:/Users/nwond/AppData/Roaming/PolarisOffice/ETemp/2484_17157552/fImage76431476500.png"/>
-          <p:cNvPicPr>
-            <a:picLocks noChangeAspect="1"/>
-          </p:cNvPicPr>
-          <p:nvPr/>
-        </p:nvPicPr>
-        <p:blipFill rotWithShape="1">
-          <a:blip r:embed="rId8" cstate="hqprint">
-            <a:extLst>
-              <a:ext uri="{28A0092B-C50C-407E-A947-70E740481C1C}">
-                <a14:useLocalDpi xmlns:a14="http://schemas.microsoft.com/office/drawing/2010/main"/>
-              </a:ext>
-            </a:extLst>
-          </a:blip>
-          <a:stretch>
-            <a:fillRect/>
-          </a:stretch>
-        </p:blipFill>
-        <p:spPr>
-          <a:xfrm rot="0">
-            <a:off x="2569845" y="4040505"/>
-            <a:ext cx="2878455" cy="1080770"/>
-          </a:xfrm>
-          <a:prstGeom prst="roundRect"/>
-          <a:solidFill>
-            <a:srgbClr val="EDEDED"/>
-          </a:solidFill>
-        </p:spPr>
-      </p:pic>
-      <p:pic>
-        <p:nvPicPr>
-          <p:cNvPr id="1168" name="그림 12" descr="C:/Users/nwond/AppData/Roaming/PolarisOffice/ETemp/2484_17157552/fImage159471866334.png"/>
-          <p:cNvPicPr>
-            <a:picLocks noChangeAspect="1"/>
-          </p:cNvPicPr>
-          <p:nvPr/>
-        </p:nvPicPr>
-        <p:blipFill rotWithShape="1">
-          <a:blip r:embed="rId9" cstate="print">
-            <a:extLst>
-              <a:ext uri="{28A0092B-C50C-407E-A947-70E740481C1C}">
-                <a14:useLocalDpi xmlns:a14="http://schemas.microsoft.com/office/drawing/2010/main" val="0"/>
-              </a:ext>
-            </a:extLst>
-          </a:blip>
-          <a:stretch>
-            <a:fillRect/>
-          </a:stretch>
-        </p:blipFill>
-        <p:spPr>
-          <a:xfrm rot="0">
-            <a:off x="1235075" y="1471295"/>
-            <a:ext cx="4152265" cy="1731645"/>
-          </a:xfrm>
-          <a:prstGeom prst="roundRect"/>
-          <a:solidFill>
-            <a:srgbClr val="EDEDED"/>
-          </a:solidFill>
-        </p:spPr>
-      </p:pic>
-      <p:sp>
-        <p:nvSpPr>
-          <p:cNvPr id="1169" name="텍스트 상자 24"/>
-          <p:cNvSpPr txBox="1">
-            <a:spLocks/>
-          </p:cNvSpPr>
-          <p:nvPr/>
-        </p:nvSpPr>
-        <p:spPr>
-          <a:xfrm rot="0">
-            <a:off x="1235075" y="3261995"/>
-            <a:ext cx="4153535" cy="677545"/>
-          </a:xfrm>
-          <a:prstGeom prst="rect"/>
-          <a:noFill/>
-          <a:ln w="0">
-            <a:noFill/>
-            <a:prstDash/>
-          </a:ln>
-        </p:spPr>
-        <p:txBody>
-          <a:bodyPr wrap="square" lIns="89535" tIns="46355" rIns="89535" bIns="46355" numCol="1" vert="horz" anchor="t">
-            <a:spAutoFit/>
-          </a:bodyPr>
-          <a:lstStyle/>
-          <a:p>
-            <a:pPr marL="0" indent="0" rtl="0" algn="l" defTabSz="914400" eaLnBrk="1" latinLnBrk="0" hangingPunct="1">
-              <a:buFontTx/>
-              <a:buNone/>
-            </a:pPr>
-            <a:r>
-              <a:rPr lang="ko-KR" sz="2000" b="1">
-                <a:solidFill>
-                  <a:srgbClr val="0611F2"/>
-                </a:solidFill>
-                <a:latin typeface="맑은 고딕" charset="0"/>
-                <a:ea typeface="맑은 고딕" charset="0"/>
-              </a:rPr>
-              <a:t>2</a:t>
-            </a:r>
-            <a:r>
-              <a:rPr lang="ko-KR" sz="2000" b="1">
-                <a:solidFill>
-                  <a:srgbClr val="0611F2"/>
-                </a:solidFill>
-                <a:latin typeface="맑은 고딕" charset="0"/>
-                <a:ea typeface="맑은 고딕" charset="0"/>
-              </a:rPr>
-              <a:t>4</a:t>
-            </a:r>
-            <a:r>
-              <a:rPr sz="2000" b="1">
-                <a:solidFill>
-                  <a:srgbClr val="0611F2"/>
-                </a:solidFill>
-                <a:latin typeface="맑은 고딕" charset="0"/>
-                <a:ea typeface="맑은 고딕" charset="0"/>
-              </a:rPr>
-              <a:t>. </a:t>
-            </a:r>
-            <a:r>
-              <a:rPr lang="ko-KR" sz="1800">
-                <a:latin typeface="맑은 고딕" charset="0"/>
-                <a:ea typeface="맑은 고딕" charset="0"/>
-              </a:rPr>
-              <a:t>그</a:t>
-            </a:r>
-            <a:r>
-              <a:rPr lang="ko-KR" sz="1800">
-                <a:latin typeface="맑은 고딕" charset="0"/>
-                <a:ea typeface="맑은 고딕" charset="0"/>
-              </a:rPr>
-              <a:t>다음 </a:t>
-            </a:r>
-            <a:r>
-              <a:rPr lang="ko-KR" sz="1800">
-                <a:latin typeface="맑은 고딕" charset="0"/>
-                <a:ea typeface="맑은 고딕" charset="0"/>
-              </a:rPr>
-              <a:t>Template 오브젝트</a:t>
-            </a:r>
-            <a:r>
-              <a:rPr lang="ko-KR" sz="1800">
-                <a:latin typeface="맑은 고딕" charset="0"/>
-                <a:ea typeface="맑은 고딕" charset="0"/>
-              </a:rPr>
-              <a:t>에 </a:t>
-            </a:r>
-            <a:r>
-              <a:rPr lang="ko-KR" sz="1800">
-                <a:latin typeface="맑은 고딕" charset="0"/>
-                <a:ea typeface="맑은 고딕" charset="0"/>
-              </a:rPr>
-              <a:t>있는 </a:t>
-            </a:r>
-            <a:r>
-              <a:rPr lang="ko-KR" sz="1800">
-                <a:latin typeface="맑은 고딕" charset="0"/>
-                <a:ea typeface="맑은 고딕" charset="0"/>
-              </a:rPr>
-              <a:t>이미지 </a:t>
-            </a:r>
-            <a:r>
-              <a:rPr lang="ko-KR" sz="1800">
-                <a:latin typeface="맑은 고딕" charset="0"/>
-                <a:ea typeface="맑은 고딕" charset="0"/>
-              </a:rPr>
-              <a:t>컴포넌</a:t>
-            </a:r>
-            <a:r>
-              <a:rPr lang="ko-KR" sz="1800">
-                <a:latin typeface="맑은 고딕" charset="0"/>
-                <a:ea typeface="맑은 고딕" charset="0"/>
-              </a:rPr>
-              <a:t>트를 </a:t>
-            </a:r>
-            <a:r>
-              <a:rPr lang="ko-KR" sz="1800">
-                <a:latin typeface="맑은 고딕" charset="0"/>
-                <a:ea typeface="맑은 고딕" charset="0"/>
-              </a:rPr>
-              <a:t>비</a:t>
-            </a:r>
-            <a:r>
-              <a:rPr lang="ko-KR" sz="1800">
-                <a:latin typeface="맑은 고딕" charset="0"/>
-                <a:ea typeface="맑은 고딕" charset="0"/>
-              </a:rPr>
-              <a:t>활성화합니다.</a:t>
-            </a:r>
-            <a:endParaRPr lang="ko-KR" altLang="en-US" sz="1800">
-              <a:latin typeface="맑은 고딕" charset="0"/>
-              <a:ea typeface="맑은 고딕" charset="0"/>
-            </a:endParaRPr>
-          </a:p>
-        </p:txBody>
-      </p:sp>
-      <p:cxnSp>
-        <p:nvCxnSpPr>
-          <p:cNvPr id="1170" name="도형 25"/>
-          <p:cNvCxnSpPr/>
-          <p:nvPr/>
-        </p:nvCxnSpPr>
-        <p:spPr>
-          <a:xfrm rot="0">
-            <a:off x="2445385" y="4797425"/>
-            <a:ext cx="2898775" cy="56515"/>
-          </a:xfrm>
-          <a:prstGeom prst="straightConnector1"/>
-          <a:ln w="6350" cap="flat" cmpd="sng">
-            <a:prstDash/>
-            <a:headEnd type="none" w="med" len="med"/>
-            <a:tailEnd type="triangle" w="med" len="med"/>
-          </a:ln>
-        </p:spPr>
-        <p:style>
-          <a:lnRef idx="1">
-            <a:schemeClr val="accent1"/>
-          </a:lnRef>
-          <a:fillRef idx="0">
-            <a:schemeClr val="accent1"/>
-          </a:fillRef>
-          <a:effectRef idx="0">
-            <a:schemeClr val="accent1"/>
-          </a:effectRef>
-          <a:fontRef idx="minor">
-            <a:schemeClr val="tx1"/>
-          </a:fontRef>
-        </p:style>
-      </p:cxnSp>
-      <p:sp>
-        <p:nvSpPr>
-          <p:cNvPr id="1171" name="텍스트 상자 26"/>
-          <p:cNvSpPr txBox="1">
-            <a:spLocks/>
-          </p:cNvSpPr>
-          <p:nvPr/>
-        </p:nvSpPr>
-        <p:spPr>
-          <a:xfrm rot="0">
-            <a:off x="6810375" y="4998085"/>
-            <a:ext cx="4149090" cy="1231265"/>
-          </a:xfrm>
-          <a:prstGeom prst="rect"/>
-          <a:noFill/>
-          <a:ln w="0">
-            <a:noFill/>
-            <a:prstDash/>
-          </a:ln>
-        </p:spPr>
-        <p:txBody>
-          <a:bodyPr wrap="square" lIns="89535" tIns="46355" rIns="89535" bIns="46355" numCol="1" vert="horz" anchor="t">
-            <a:spAutoFit/>
-          </a:bodyPr>
-          <a:lstStyle/>
-          <a:p>
-            <a:pPr marL="0" indent="0" rtl="0" algn="l" defTabSz="914400" eaLnBrk="1" latinLnBrk="0" hangingPunct="1">
-              <a:buFontTx/>
-              <a:buNone/>
-            </a:pPr>
-            <a:r>
-              <a:rPr lang="ko-KR" sz="2000" b="1">
-                <a:solidFill>
-                  <a:srgbClr val="0611F2"/>
-                </a:solidFill>
-                <a:latin typeface="맑은 고딕" charset="0"/>
-                <a:ea typeface="맑은 고딕" charset="0"/>
-              </a:rPr>
-              <a:t>2</a:t>
-            </a:r>
-            <a:r>
-              <a:rPr lang="ko-KR" sz="2000" b="1">
-                <a:solidFill>
-                  <a:srgbClr val="0611F2"/>
-                </a:solidFill>
-                <a:latin typeface="맑은 고딕" charset="0"/>
-                <a:ea typeface="맑은 고딕" charset="0"/>
-              </a:rPr>
-              <a:t>6</a:t>
-            </a:r>
-            <a:r>
-              <a:rPr sz="2000" b="1">
-                <a:solidFill>
-                  <a:srgbClr val="0611F2"/>
-                </a:solidFill>
-                <a:latin typeface="맑은 고딕" charset="0"/>
-                <a:ea typeface="맑은 고딕" charset="0"/>
-              </a:rPr>
-              <a:t>. </a:t>
-            </a:r>
-            <a:r>
-              <a:rPr lang="ko-KR" sz="1800">
-                <a:latin typeface="맑은 고딕" charset="0"/>
-                <a:ea typeface="맑은 고딕" charset="0"/>
-              </a:rPr>
-              <a:t>이제</a:t>
-            </a:r>
-            <a:r>
-              <a:rPr lang="ko-KR" sz="1800">
-                <a:latin typeface="맑은 고딕" charset="0"/>
-                <a:ea typeface="맑은 고딕" charset="0"/>
-              </a:rPr>
-              <a:t> Interface Button 폴더에 있는 Start Button 텍스처를 Connect Button 오브젝트의 Source Image에 넣어줍니다.</a:t>
-            </a:r>
-            <a:endParaRPr lang="ko-KR" altLang="en-US" sz="1800">
-              <a:latin typeface="맑은 고딕" charset="0"/>
-              <a:ea typeface="맑은 고딕" charset="0"/>
-            </a:endParaRPr>
-          </a:p>
-        </p:txBody>
-      </p:sp>
-      <p:pic>
-        <p:nvPicPr>
-          <p:cNvPr id="1172" name="그림 27" descr="C:/Users/nwond/AppData/Roaming/PolarisOffice/ETemp/2484_17157552/fImage154622258145.png"/>
+          <p:cNvPr id="1172" name="그림 27" descr="C:/Users/nwond/AppData/Roaming/PolarisOffice/ETemp/26808_6435248/fImage154622258145.png"/>
           <p:cNvPicPr>
             <a:picLocks noChangeAspect="1"/>
           </p:cNvPicPr>
@@ -12656,7 +13457,7 @@
         <p:spPr>
           <a:xfrm rot="0">
             <a:off x="6814820" y="1445260"/>
-            <a:ext cx="4140835" cy="2271395"/>
+            <a:ext cx="4142105" cy="2310765"/>
           </a:xfrm>
           <a:prstGeom prst="roundRect"/>
           <a:solidFill>
@@ -12666,14 +13467,14 @@
       </p:pic>
       <p:pic>
         <p:nvPicPr>
-          <p:cNvPr id="1173" name="그림 28" descr="C:/Users/nwond/AppData/Roaming/PolarisOffice/ETemp/2484_17157552/fImage151082263281.png"/>
+          <p:cNvPr id="1176" name="그림 19" descr="C:/Users/nwond/AppData/Roaming/PolarisOffice/ETemp/26808_6435248/fImage109812346334.png"/>
           <p:cNvPicPr>
             <a:picLocks noChangeAspect="1"/>
           </p:cNvPicPr>
           <p:nvPr/>
         </p:nvPicPr>
         <p:blipFill rotWithShape="1">
-          <a:blip r:embed="rId11" cstate="hqprint">
+          <a:blip r:embed="rId12" cstate="hqprint">
             <a:extLst>
               <a:ext uri="{28A0092B-C50C-407E-A947-70E740481C1C}">
                 <a14:useLocalDpi xmlns:a14="http://schemas.microsoft.com/office/drawing/2010/main"/>
@@ -12686,8 +13487,8 @@
         </p:blipFill>
         <p:spPr>
           <a:xfrm rot="0">
-            <a:off x="6823710" y="3913505"/>
-            <a:ext cx="4143375" cy="998220"/>
+            <a:off x="1241425" y="1440180"/>
+            <a:ext cx="4128135" cy="2129155"/>
           </a:xfrm>
           <a:prstGeom prst="roundRect"/>
           <a:solidFill>
@@ -12695,38 +13496,232 @@
           </a:solidFill>
         </p:spPr>
       </p:pic>
-      <p:cxnSp>
-        <p:nvCxnSpPr>
-          <p:cNvPr id="1174" name="도형 29"/>
-          <p:cNvCxnSpPr/>
+      <p:sp>
+        <p:nvSpPr>
+          <p:cNvPr id="1177" name="텍스트 상자 20"/>
+          <p:cNvSpPr txBox="1">
+            <a:spLocks/>
+          </p:cNvSpPr>
           <p:nvPr/>
-        </p:nvCxnSpPr>
-        <p:spPr>
-          <a:xfrm rot="0" flipV="1">
-            <a:off x="9888855" y="1783715"/>
-            <a:ext cx="911225" cy="2513330"/>
-          </a:xfrm>
-          <a:prstGeom prst="straightConnector1"/>
-          <a:ln w="6350" cap="flat" cmpd="sng">
+        </p:nvSpPr>
+        <p:spPr>
+          <a:xfrm rot="0">
+            <a:off x="1235075" y="3556000"/>
+            <a:ext cx="4134485" cy="678180"/>
+          </a:xfrm>
+          <a:prstGeom prst="rect"/>
+          <a:noFill/>
+          <a:ln w="0">
+            <a:noFill/>
             <a:prstDash/>
-            <a:tailEnd type="triangle" w="med" len="med"/>
           </a:ln>
         </p:spPr>
-        <p:style>
-          <a:lnRef idx="1">
-            <a:schemeClr val="accent1"/>
-          </a:lnRef>
-          <a:fillRef idx="0">
-            <a:schemeClr val="accent1"/>
-          </a:fillRef>
-          <a:effectRef idx="0">
-            <a:schemeClr val="accent1"/>
-          </a:effectRef>
-          <a:fontRef idx="minor">
-            <a:schemeClr val="tx1"/>
-          </a:fontRef>
-        </p:style>
-      </p:cxnSp>
+        <p:txBody>
+          <a:bodyPr wrap="square" lIns="89535" tIns="46355" rIns="89535" bIns="46355" numCol="1" vert="horz" anchor="t">
+            <a:spAutoFit/>
+          </a:bodyPr>
+          <a:lstStyle/>
+          <a:p>
+            <a:pPr marL="0" indent="0" rtl="0" algn="l" defTabSz="914400" eaLnBrk="1" latinLnBrk="0" hangingPunct="1">
+              <a:buFontTx/>
+              <a:buNone/>
+            </a:pPr>
+            <a:r>
+              <a:rPr lang="ko-KR" sz="2000" b="1">
+                <a:solidFill>
+                  <a:srgbClr val="0611F2"/>
+                </a:solidFill>
+                <a:latin typeface="맑은 고딕" charset="0"/>
+                <a:ea typeface="맑은 고딕" charset="0"/>
+              </a:rPr>
+              <a:t>24</a:t>
+            </a:r>
+            <a:r>
+              <a:rPr sz="2000" b="1">
+                <a:solidFill>
+                  <a:srgbClr val="0611F2"/>
+                </a:solidFill>
+                <a:latin typeface="맑은 고딕" charset="0"/>
+                <a:ea typeface="맑은 고딕" charset="0"/>
+              </a:rPr>
+              <a:t>. </a:t>
+            </a:r>
+            <a:r>
+              <a:rPr lang="ko-KR" sz="1800">
+                <a:latin typeface="맑은 고딕" charset="0"/>
+                <a:ea typeface="맑은 고딕" charset="0"/>
+              </a:rPr>
+              <a:t>그다음으로 Item 오브젝트의 크기 값을 설정합니다.</a:t>
+            </a:r>
+            <a:endParaRPr lang="ko-KR" altLang="en-US" sz="1800">
+              <a:latin typeface="맑은 고딕" charset="0"/>
+              <a:ea typeface="맑은 고딕" charset="0"/>
+            </a:endParaRPr>
+          </a:p>
+        </p:txBody>
+      </p:sp>
+      <p:pic>
+        <p:nvPicPr>
+          <p:cNvPr id="1178" name="그림 21"/>
+          <p:cNvPicPr>
+            <a:picLocks noChangeAspect="1"/>
+          </p:cNvPicPr>
+          <p:nvPr/>
+        </p:nvPicPr>
+        <p:blipFill rotWithShape="1">
+          <a:blip r:embed="rId13" cstate="print">
+            <a:extLst>
+              <a:ext uri="{28A0092B-C50C-407E-A947-70E740481C1C}">
+                <a14:useLocalDpi xmlns:a14="http://schemas.microsoft.com/office/drawing/2010/main" val="0"/>
+              </a:ext>
+            </a:extLst>
+          </a:blip>
+          <a:stretch>
+            <a:fillRect/>
+          </a:stretch>
+        </p:blipFill>
+        <p:spPr>
+          <a:xfrm rot="0">
+            <a:off x="6814185" y="3817620"/>
+            <a:ext cx="4146550" cy="1217295"/>
+          </a:xfrm>
+          <a:prstGeom prst="roundRect"/>
+          <a:solidFill>
+            <a:srgbClr val="EDEDED"/>
+          </a:solidFill>
+        </p:spPr>
+      </p:pic>
+      <p:pic>
+        <p:nvPicPr>
+          <p:cNvPr id="1183" name="그림 12" descr="C:/Users/nwond/AppData/Roaming/PolarisOffice/ETemp/26808_6435248/fImage2242172209358.png"/>
+          <p:cNvPicPr>
+            <a:picLocks noChangeAspect="1"/>
+          </p:cNvPicPr>
+          <p:nvPr/>
+        </p:nvPicPr>
+        <p:blipFill rotWithShape="1">
+          <a:blip r:embed="rId16" cstate="hqprint">
+            <a:extLst>
+              <a:ext uri="{28A0092B-C50C-407E-A947-70E740481C1C}">
+                <a14:useLocalDpi xmlns:a14="http://schemas.microsoft.com/office/drawing/2010/main"/>
+              </a:ext>
+            </a:extLst>
+          </a:blip>
+          <a:stretch>
+            <a:fillRect/>
+          </a:stretch>
+        </p:blipFill>
+        <p:spPr>
+          <a:xfrm rot="16200000">
+            <a:off x="8520430" y="3509010"/>
+            <a:ext cx="720725" cy="554355"/>
+          </a:xfrm>
+          <a:prstGeom prst="rect"/>
+          <a:noFill/>
+        </p:spPr>
+      </p:pic>
+      <p:pic>
+        <p:nvPicPr>
+          <p:cNvPr id="1184" name="그림 43" descr="C:/Users/nwond/AppData/Roaming/PolarisOffice/ETemp/26808_6435248/fImage1241893026962.png"/>
+          <p:cNvPicPr>
+            <a:picLocks noChangeAspect="1"/>
+          </p:cNvPicPr>
+          <p:nvPr/>
+        </p:nvPicPr>
+        <p:blipFill rotWithShape="1">
+          <a:blip r:embed="rId17" cstate="hqprint">
+            <a:extLst>
+              <a:ext uri="{28A0092B-C50C-407E-A947-70E740481C1C}">
+                <a14:useLocalDpi xmlns:a14="http://schemas.microsoft.com/office/drawing/2010/main"/>
+              </a:ext>
+            </a:extLst>
+          </a:blip>
+          <a:stretch>
+            <a:fillRect/>
+          </a:stretch>
+        </p:blipFill>
+        <p:spPr>
+          <a:xfrm rot="0">
+            <a:off x="1238885" y="4264025"/>
+            <a:ext cx="2026920" cy="1062990"/>
+          </a:xfrm>
+          <a:prstGeom prst="rect"/>
+          <a:noFill/>
+        </p:spPr>
+      </p:pic>
+      <p:pic>
+        <p:nvPicPr>
+          <p:cNvPr id="1185" name="그림 44" descr="C:/Users/nwond/AppData/Roaming/PolarisOffice/ETemp/26808_6435248/fImage3101983034464.png"/>
+          <p:cNvPicPr>
+            <a:picLocks noChangeAspect="1"/>
+          </p:cNvPicPr>
+          <p:nvPr/>
+        </p:nvPicPr>
+        <p:blipFill rotWithShape="1">
+          <a:blip r:embed="rId18" cstate="hqprint">
+            <a:extLst>
+              <a:ext uri="{28A0092B-C50C-407E-A947-70E740481C1C}">
+                <a14:useLocalDpi xmlns:a14="http://schemas.microsoft.com/office/drawing/2010/main"/>
+              </a:ext>
+            </a:extLst>
+          </a:blip>
+          <a:stretch>
+            <a:fillRect/>
+          </a:stretch>
+        </p:blipFill>
+        <p:spPr>
+          <a:xfrm rot="0">
+            <a:off x="3463290" y="4319905"/>
+            <a:ext cx="1893570" cy="969645"/>
+          </a:xfrm>
+          <a:prstGeom prst="rect"/>
+          <a:noFill/>
+        </p:spPr>
+      </p:pic>
+      <p:sp>
+        <p:nvSpPr>
+          <p:cNvPr id="1186" name="텍스트 상자 45"/>
+          <p:cNvSpPr txBox="1">
+            <a:spLocks/>
+          </p:cNvSpPr>
+          <p:nvPr/>
+        </p:nvSpPr>
+        <p:spPr>
+          <a:xfrm rot="0">
+            <a:off x="1243330" y="5309870"/>
+            <a:ext cx="4126230" cy="924560"/>
+          </a:xfrm>
+          <a:prstGeom prst="rect"/>
+          <a:noFill/>
+          <a:ln w="0">
+            <a:noFill/>
+            <a:prstDash/>
+          </a:ln>
+        </p:spPr>
+        <p:txBody>
+          <a:bodyPr wrap="square" lIns="89535" tIns="46355" rIns="89535" bIns="46355" numCol="1" vert="horz" anchor="t">
+            <a:spAutoFit/>
+          </a:bodyPr>
+          <a:lstStyle/>
+          <a:p>
+            <a:pPr marL="0" indent="0" rtl="0" algn="l" defTabSz="914400" eaLnBrk="1" latinLnBrk="0" hangingPunct="1">
+              <a:buFontTx/>
+              <a:buNone/>
+            </a:pPr>
+            <a:r>
+              <a:rPr lang="ko-KR" sz="1800">
+                <a:latin typeface="맑은 고딕" charset="0"/>
+                <a:ea typeface="맑은 고딕" charset="0"/>
+              </a:rPr>
+              <a:t>마스터 서버는 LoadBalanacer 클래스에 각각의 게임 서버 Load Level을 저장합니다.</a:t>
+            </a:r>
+            <a:endParaRPr lang="ko-KR" altLang="en-US" sz="1800">
+              <a:latin typeface="맑은 고딕" charset="0"/>
+              <a:ea typeface="맑은 고딕" charset="0"/>
+            </a:endParaRPr>
+          </a:p>
+        </p:txBody>
+      </p:sp>
     </p:spTree>
   </p:cSld>
   <p:clrMapOvr>
